--- a/Presentations/AOPwiki_analysis.pptx
+++ b/Presentations/AOPwiki_analysis.pptx
@@ -4,6 +4,9 @@
   <p:sldMasterIdLst>
     <p:sldMasterId id="2147483684" r:id="rId1"/>
   </p:sldMasterIdLst>
+  <p:notesMasterIdLst>
+    <p:notesMasterId r:id="rId17"/>
+  </p:notesMasterIdLst>
   <p:sldIdLst>
     <p:sldId id="256" r:id="rId2"/>
     <p:sldId id="257" r:id="rId3"/>
@@ -19,6 +22,7 @@
     <p:sldId id="270" r:id="rId13"/>
     <p:sldId id="271" r:id="rId14"/>
     <p:sldId id="272" r:id="rId15"/>
+    <p:sldId id="273" r:id="rId16"/>
   </p:sldIdLst>
   <p:sldSz cx="12192000" cy="6858000"/>
   <p:notesSz cx="6858000" cy="9144000"/>
@@ -136,6 +140,7 @@
             <p14:sldId id="270"/>
             <p14:sldId id="271"/>
             <p14:sldId id="272"/>
+            <p14:sldId id="273"/>
           </p14:sldIdLst>
         </p14:section>
       </p14:sectionLst>
@@ -145,6 +150,924 @@
     </p:ext>
   </p:extLst>
 </p:presentation>
+</file>
+
+<file path=ppt/commentAuthors.xml><?xml version="1.0" encoding="utf-8"?>
+<p:cmAuthorLst xmlns:a="http://schemas.openxmlformats.org/drawingml/2006/main" xmlns:r="http://schemas.openxmlformats.org/officeDocument/2006/relationships" xmlns:p="http://schemas.openxmlformats.org/presentationml/2006/main">
+  <p:cmAuthor id="1" name="Pollesch, Nathan" initials="PN" lastIdx="2" clrIdx="0">
+    <p:extLst>
+      <p:ext uri="{19B8F6BF-5375-455C-9EA6-DF929625EA0E}">
+        <p15:presenceInfo xmlns:p15="http://schemas.microsoft.com/office/powerpoint/2012/main" userId="S-1-5-21-1339303556-449845944-1601390327-410732" providerId="AD"/>
+      </p:ext>
+    </p:extLst>
+  </p:cmAuthor>
+</p:cmAuthorLst>
+</file>
+
+<file path=ppt/notesMasters/notesMaster1.xml><?xml version="1.0" encoding="utf-8"?>
+<p:notesMaster xmlns:a="http://schemas.openxmlformats.org/drawingml/2006/main" xmlns:r="http://schemas.openxmlformats.org/officeDocument/2006/relationships" xmlns:p="http://schemas.openxmlformats.org/presentationml/2006/main">
+  <p:cSld>
+    <p:bg>
+      <p:bgRef idx="1001">
+        <a:schemeClr val="bg1"/>
+      </p:bgRef>
+    </p:bg>
+    <p:spTree>
+      <p:nvGrpSpPr>
+        <p:cNvPr id="1" name=""/>
+        <p:cNvGrpSpPr/>
+        <p:nvPr/>
+      </p:nvGrpSpPr>
+      <p:grpSpPr>
+        <a:xfrm>
+          <a:off x="0" y="0"/>
+          <a:ext cx="0" cy="0"/>
+          <a:chOff x="0" y="0"/>
+          <a:chExt cx="0" cy="0"/>
+        </a:xfrm>
+      </p:grpSpPr>
+      <p:sp>
+        <p:nvSpPr>
+          <p:cNvPr id="2" name="Header Placeholder 1"/>
+          <p:cNvSpPr>
+            <a:spLocks noGrp="1"/>
+          </p:cNvSpPr>
+          <p:nvPr>
+            <p:ph type="hdr" sz="quarter"/>
+          </p:nvPr>
+        </p:nvSpPr>
+        <p:spPr>
+          <a:xfrm>
+            <a:off x="0" y="0"/>
+            <a:ext cx="2971800" cy="458788"/>
+          </a:xfrm>
+          <a:prstGeom prst="rect">
+            <a:avLst/>
+          </a:prstGeom>
+        </p:spPr>
+        <p:txBody>
+          <a:bodyPr vert="horz" lIns="91440" tIns="45720" rIns="91440" bIns="45720" rtlCol="0"/>
+          <a:lstStyle>
+            <a:lvl1pPr algn="l">
+              <a:defRPr sz="1200"/>
+            </a:lvl1pPr>
+          </a:lstStyle>
+          <a:p>
+            <a:endParaRPr lang="en-US"/>
+          </a:p>
+        </p:txBody>
+      </p:sp>
+      <p:sp>
+        <p:nvSpPr>
+          <p:cNvPr id="3" name="Date Placeholder 2"/>
+          <p:cNvSpPr>
+            <a:spLocks noGrp="1"/>
+          </p:cNvSpPr>
+          <p:nvPr>
+            <p:ph type="dt" idx="1"/>
+          </p:nvPr>
+        </p:nvSpPr>
+        <p:spPr>
+          <a:xfrm>
+            <a:off x="3884613" y="0"/>
+            <a:ext cx="2971800" cy="458788"/>
+          </a:xfrm>
+          <a:prstGeom prst="rect">
+            <a:avLst/>
+          </a:prstGeom>
+        </p:spPr>
+        <p:txBody>
+          <a:bodyPr vert="horz" lIns="91440" tIns="45720" rIns="91440" bIns="45720" rtlCol="0"/>
+          <a:lstStyle>
+            <a:lvl1pPr algn="r">
+              <a:defRPr sz="1200"/>
+            </a:lvl1pPr>
+          </a:lstStyle>
+          <a:p>
+            <a:fld id="{000F2778-583D-47DD-9F96-F6161A447264}" type="datetimeFigureOut">
+              <a:rPr lang="en-US" smtClean="0"/>
+              <a:t>6/8/2017</a:t>
+            </a:fld>
+            <a:endParaRPr lang="en-US"/>
+          </a:p>
+        </p:txBody>
+      </p:sp>
+      <p:sp>
+        <p:nvSpPr>
+          <p:cNvPr id="4" name="Slide Image Placeholder 3"/>
+          <p:cNvSpPr>
+            <a:spLocks noGrp="1" noRot="1" noChangeAspect="1"/>
+          </p:cNvSpPr>
+          <p:nvPr>
+            <p:ph type="sldImg" idx="2"/>
+          </p:nvPr>
+        </p:nvSpPr>
+        <p:spPr>
+          <a:xfrm>
+            <a:off x="685800" y="1143000"/>
+            <a:ext cx="5486400" cy="3086100"/>
+          </a:xfrm>
+          <a:prstGeom prst="rect">
+            <a:avLst/>
+          </a:prstGeom>
+          <a:noFill/>
+          <a:ln w="12700">
+            <a:solidFill>
+              <a:prstClr val="black"/>
+            </a:solidFill>
+          </a:ln>
+        </p:spPr>
+        <p:txBody>
+          <a:bodyPr vert="horz" lIns="91440" tIns="45720" rIns="91440" bIns="45720" rtlCol="0" anchor="ctr"/>
+          <a:lstStyle/>
+          <a:p>
+            <a:endParaRPr lang="en-US"/>
+          </a:p>
+        </p:txBody>
+      </p:sp>
+      <p:sp>
+        <p:nvSpPr>
+          <p:cNvPr id="5" name="Notes Placeholder 4"/>
+          <p:cNvSpPr>
+            <a:spLocks noGrp="1"/>
+          </p:cNvSpPr>
+          <p:nvPr>
+            <p:ph type="body" sz="quarter" idx="3"/>
+          </p:nvPr>
+        </p:nvSpPr>
+        <p:spPr>
+          <a:xfrm>
+            <a:off x="685800" y="4400550"/>
+            <a:ext cx="5486400" cy="3600450"/>
+          </a:xfrm>
+          <a:prstGeom prst="rect">
+            <a:avLst/>
+          </a:prstGeom>
+        </p:spPr>
+        <p:txBody>
+          <a:bodyPr vert="horz" lIns="91440" tIns="45720" rIns="91440" bIns="45720" rtlCol="0"/>
+          <a:lstStyle/>
+          <a:p>
+            <a:pPr lvl="0"/>
+            <a:r>
+              <a:rPr lang="en-US"/>
+              <a:t>Edit Master text styles</a:t>
+            </a:r>
+          </a:p>
+          <a:p>
+            <a:pPr lvl="1"/>
+            <a:r>
+              <a:rPr lang="en-US"/>
+              <a:t>Second level</a:t>
+            </a:r>
+          </a:p>
+          <a:p>
+            <a:pPr lvl="2"/>
+            <a:r>
+              <a:rPr lang="en-US"/>
+              <a:t>Third level</a:t>
+            </a:r>
+          </a:p>
+          <a:p>
+            <a:pPr lvl="3"/>
+            <a:r>
+              <a:rPr lang="en-US"/>
+              <a:t>Fourth level</a:t>
+            </a:r>
+          </a:p>
+          <a:p>
+            <a:pPr lvl="4"/>
+            <a:r>
+              <a:rPr lang="en-US"/>
+              <a:t>Fifth level</a:t>
+            </a:r>
+          </a:p>
+        </p:txBody>
+      </p:sp>
+      <p:sp>
+        <p:nvSpPr>
+          <p:cNvPr id="6" name="Footer Placeholder 5"/>
+          <p:cNvSpPr>
+            <a:spLocks noGrp="1"/>
+          </p:cNvSpPr>
+          <p:nvPr>
+            <p:ph type="ftr" sz="quarter" idx="4"/>
+          </p:nvPr>
+        </p:nvSpPr>
+        <p:spPr>
+          <a:xfrm>
+            <a:off x="0" y="8685213"/>
+            <a:ext cx="2971800" cy="458787"/>
+          </a:xfrm>
+          <a:prstGeom prst="rect">
+            <a:avLst/>
+          </a:prstGeom>
+        </p:spPr>
+        <p:txBody>
+          <a:bodyPr vert="horz" lIns="91440" tIns="45720" rIns="91440" bIns="45720" rtlCol="0" anchor="b"/>
+          <a:lstStyle>
+            <a:lvl1pPr algn="l">
+              <a:defRPr sz="1200"/>
+            </a:lvl1pPr>
+          </a:lstStyle>
+          <a:p>
+            <a:endParaRPr lang="en-US"/>
+          </a:p>
+        </p:txBody>
+      </p:sp>
+      <p:sp>
+        <p:nvSpPr>
+          <p:cNvPr id="7" name="Slide Number Placeholder 6"/>
+          <p:cNvSpPr>
+            <a:spLocks noGrp="1"/>
+          </p:cNvSpPr>
+          <p:nvPr>
+            <p:ph type="sldNum" sz="quarter" idx="5"/>
+          </p:nvPr>
+        </p:nvSpPr>
+        <p:spPr>
+          <a:xfrm>
+            <a:off x="3884613" y="8685213"/>
+            <a:ext cx="2971800" cy="458787"/>
+          </a:xfrm>
+          <a:prstGeom prst="rect">
+            <a:avLst/>
+          </a:prstGeom>
+        </p:spPr>
+        <p:txBody>
+          <a:bodyPr vert="horz" lIns="91440" tIns="45720" rIns="91440" bIns="45720" rtlCol="0" anchor="b"/>
+          <a:lstStyle>
+            <a:lvl1pPr algn="r">
+              <a:defRPr sz="1200"/>
+            </a:lvl1pPr>
+          </a:lstStyle>
+          <a:p>
+            <a:fld id="{8C5291EA-D524-4968-939F-FF9188A27C11}" type="slidenum">
+              <a:rPr lang="en-US" smtClean="0"/>
+              <a:t>‹#›</a:t>
+            </a:fld>
+            <a:endParaRPr lang="en-US"/>
+          </a:p>
+        </p:txBody>
+      </p:sp>
+    </p:spTree>
+    <p:extLst>
+      <p:ext uri="{BB962C8B-B14F-4D97-AF65-F5344CB8AC3E}">
+        <p14:creationId xmlns:p14="http://schemas.microsoft.com/office/powerpoint/2010/main" val="267566764"/>
+      </p:ext>
+    </p:extLst>
+  </p:cSld>
+  <p:clrMap bg1="lt1" tx1="dk1" bg2="lt2" tx2="dk2" accent1="accent1" accent2="accent2" accent3="accent3" accent4="accent4" accent5="accent5" accent6="accent6" hlink="hlink" folHlink="folHlink"/>
+  <p:notesStyle>
+    <a:lvl1pPr marL="0" algn="l" defTabSz="914400" rtl="0" eaLnBrk="1" latinLnBrk="0" hangingPunct="1">
+      <a:defRPr sz="1200" kern="1200">
+        <a:solidFill>
+          <a:schemeClr val="tx1"/>
+        </a:solidFill>
+        <a:latin typeface="+mn-lt"/>
+        <a:ea typeface="+mn-ea"/>
+        <a:cs typeface="+mn-cs"/>
+      </a:defRPr>
+    </a:lvl1pPr>
+    <a:lvl2pPr marL="457200" algn="l" defTabSz="914400" rtl="0" eaLnBrk="1" latinLnBrk="0" hangingPunct="1">
+      <a:defRPr sz="1200" kern="1200">
+        <a:solidFill>
+          <a:schemeClr val="tx1"/>
+        </a:solidFill>
+        <a:latin typeface="+mn-lt"/>
+        <a:ea typeface="+mn-ea"/>
+        <a:cs typeface="+mn-cs"/>
+      </a:defRPr>
+    </a:lvl2pPr>
+    <a:lvl3pPr marL="914400" algn="l" defTabSz="914400" rtl="0" eaLnBrk="1" latinLnBrk="0" hangingPunct="1">
+      <a:defRPr sz="1200" kern="1200">
+        <a:solidFill>
+          <a:schemeClr val="tx1"/>
+        </a:solidFill>
+        <a:latin typeface="+mn-lt"/>
+        <a:ea typeface="+mn-ea"/>
+        <a:cs typeface="+mn-cs"/>
+      </a:defRPr>
+    </a:lvl3pPr>
+    <a:lvl4pPr marL="1371600" algn="l" defTabSz="914400" rtl="0" eaLnBrk="1" latinLnBrk="0" hangingPunct="1">
+      <a:defRPr sz="1200" kern="1200">
+        <a:solidFill>
+          <a:schemeClr val="tx1"/>
+        </a:solidFill>
+        <a:latin typeface="+mn-lt"/>
+        <a:ea typeface="+mn-ea"/>
+        <a:cs typeface="+mn-cs"/>
+      </a:defRPr>
+    </a:lvl4pPr>
+    <a:lvl5pPr marL="1828800" algn="l" defTabSz="914400" rtl="0" eaLnBrk="1" latinLnBrk="0" hangingPunct="1">
+      <a:defRPr sz="1200" kern="1200">
+        <a:solidFill>
+          <a:schemeClr val="tx1"/>
+        </a:solidFill>
+        <a:latin typeface="+mn-lt"/>
+        <a:ea typeface="+mn-ea"/>
+        <a:cs typeface="+mn-cs"/>
+      </a:defRPr>
+    </a:lvl5pPr>
+    <a:lvl6pPr marL="2286000" algn="l" defTabSz="914400" rtl="0" eaLnBrk="1" latinLnBrk="0" hangingPunct="1">
+      <a:defRPr sz="1200" kern="1200">
+        <a:solidFill>
+          <a:schemeClr val="tx1"/>
+        </a:solidFill>
+        <a:latin typeface="+mn-lt"/>
+        <a:ea typeface="+mn-ea"/>
+        <a:cs typeface="+mn-cs"/>
+      </a:defRPr>
+    </a:lvl6pPr>
+    <a:lvl7pPr marL="2743200" algn="l" defTabSz="914400" rtl="0" eaLnBrk="1" latinLnBrk="0" hangingPunct="1">
+      <a:defRPr sz="1200" kern="1200">
+        <a:solidFill>
+          <a:schemeClr val="tx1"/>
+        </a:solidFill>
+        <a:latin typeface="+mn-lt"/>
+        <a:ea typeface="+mn-ea"/>
+        <a:cs typeface="+mn-cs"/>
+      </a:defRPr>
+    </a:lvl7pPr>
+    <a:lvl8pPr marL="3200400" algn="l" defTabSz="914400" rtl="0" eaLnBrk="1" latinLnBrk="0" hangingPunct="1">
+      <a:defRPr sz="1200" kern="1200">
+        <a:solidFill>
+          <a:schemeClr val="tx1"/>
+        </a:solidFill>
+        <a:latin typeface="+mn-lt"/>
+        <a:ea typeface="+mn-ea"/>
+        <a:cs typeface="+mn-cs"/>
+      </a:defRPr>
+    </a:lvl8pPr>
+    <a:lvl9pPr marL="3657600" algn="l" defTabSz="914400" rtl="0" eaLnBrk="1" latinLnBrk="0" hangingPunct="1">
+      <a:defRPr sz="1200" kern="1200">
+        <a:solidFill>
+          <a:schemeClr val="tx1"/>
+        </a:solidFill>
+        <a:latin typeface="+mn-lt"/>
+        <a:ea typeface="+mn-ea"/>
+        <a:cs typeface="+mn-cs"/>
+      </a:defRPr>
+    </a:lvl9pPr>
+  </p:notesStyle>
+</p:notesMaster>
+</file>
+
+<file path=ppt/notesSlides/notesSlide1.xml><?xml version="1.0" encoding="utf-8"?>
+<p:notes xmlns:a="http://schemas.openxmlformats.org/drawingml/2006/main" xmlns:r="http://schemas.openxmlformats.org/officeDocument/2006/relationships" xmlns:p="http://schemas.openxmlformats.org/presentationml/2006/main">
+  <p:cSld>
+    <p:spTree>
+      <p:nvGrpSpPr>
+        <p:cNvPr id="1" name=""/>
+        <p:cNvGrpSpPr/>
+        <p:nvPr/>
+      </p:nvGrpSpPr>
+      <p:grpSpPr>
+        <a:xfrm>
+          <a:off x="0" y="0"/>
+          <a:ext cx="0" cy="0"/>
+          <a:chOff x="0" y="0"/>
+          <a:chExt cx="0" cy="0"/>
+        </a:xfrm>
+      </p:grpSpPr>
+      <p:sp>
+        <p:nvSpPr>
+          <p:cNvPr id="2" name="Slide Image Placeholder 1"/>
+          <p:cNvSpPr>
+            <a:spLocks noGrp="1" noRot="1" noChangeAspect="1"/>
+          </p:cNvSpPr>
+          <p:nvPr>
+            <p:ph type="sldImg"/>
+          </p:nvPr>
+        </p:nvSpPr>
+        <p:spPr/>
+      </p:sp>
+      <p:sp>
+        <p:nvSpPr>
+          <p:cNvPr id="3" name="Notes Placeholder 2"/>
+          <p:cNvSpPr>
+            <a:spLocks noGrp="1"/>
+          </p:cNvSpPr>
+          <p:nvPr>
+            <p:ph type="body" idx="1"/>
+          </p:nvPr>
+        </p:nvSpPr>
+        <p:spPr/>
+        <p:txBody>
+          <a:bodyPr/>
+          <a:lstStyle/>
+          <a:p>
+            <a:r>
+              <a:rPr lang="en-US" dirty="0"/>
+              <a:t>Expand color palette,</a:t>
+            </a:r>
+            <a:r>
+              <a:rPr lang="en-US" baseline="0" dirty="0"/>
+              <a:t> consider histogram for graph.</a:t>
+            </a:r>
+            <a:endParaRPr lang="en-US" dirty="0"/>
+          </a:p>
+          <a:p>
+            <a:endParaRPr lang="en-US" dirty="0"/>
+          </a:p>
+          <a:p>
+            <a:r>
+              <a:rPr lang="en-US" dirty="0"/>
+              <a:t>Compare</a:t>
+            </a:r>
+            <a:r>
+              <a:rPr lang="en-US" baseline="0" dirty="0"/>
+              <a:t> publicly available database vs test database with newly incorporated ontologies. </a:t>
+            </a:r>
+            <a:endParaRPr lang="en-US" dirty="0"/>
+          </a:p>
+        </p:txBody>
+      </p:sp>
+      <p:sp>
+        <p:nvSpPr>
+          <p:cNvPr id="4" name="Slide Number Placeholder 3"/>
+          <p:cNvSpPr>
+            <a:spLocks noGrp="1"/>
+          </p:cNvSpPr>
+          <p:nvPr>
+            <p:ph type="sldNum" sz="quarter" idx="10"/>
+          </p:nvPr>
+        </p:nvSpPr>
+        <p:spPr/>
+        <p:txBody>
+          <a:bodyPr/>
+          <a:lstStyle/>
+          <a:p>
+            <a:fld id="{8C5291EA-D524-4968-939F-FF9188A27C11}" type="slidenum">
+              <a:rPr lang="en-US" smtClean="0"/>
+              <a:t>3</a:t>
+            </a:fld>
+            <a:endParaRPr lang="en-US"/>
+          </a:p>
+        </p:txBody>
+      </p:sp>
+    </p:spTree>
+    <p:extLst>
+      <p:ext uri="{BB962C8B-B14F-4D97-AF65-F5344CB8AC3E}">
+        <p14:creationId xmlns:p14="http://schemas.microsoft.com/office/powerpoint/2010/main" val="4126229148"/>
+      </p:ext>
+    </p:extLst>
+  </p:cSld>
+  <p:clrMapOvr>
+    <a:masterClrMapping/>
+  </p:clrMapOvr>
+</p:notes>
+</file>
+
+<file path=ppt/notesSlides/notesSlide2.xml><?xml version="1.0" encoding="utf-8"?>
+<p:notes xmlns:a="http://schemas.openxmlformats.org/drawingml/2006/main" xmlns:r="http://schemas.openxmlformats.org/officeDocument/2006/relationships" xmlns:p="http://schemas.openxmlformats.org/presentationml/2006/main">
+  <p:cSld>
+    <p:spTree>
+      <p:nvGrpSpPr>
+        <p:cNvPr id="1" name=""/>
+        <p:cNvGrpSpPr/>
+        <p:nvPr/>
+      </p:nvGrpSpPr>
+      <p:grpSpPr>
+        <a:xfrm>
+          <a:off x="0" y="0"/>
+          <a:ext cx="0" cy="0"/>
+          <a:chOff x="0" y="0"/>
+          <a:chExt cx="0" cy="0"/>
+        </a:xfrm>
+      </p:grpSpPr>
+      <p:sp>
+        <p:nvSpPr>
+          <p:cNvPr id="2" name="Slide Image Placeholder 1"/>
+          <p:cNvSpPr>
+            <a:spLocks noGrp="1" noRot="1" noChangeAspect="1"/>
+          </p:cNvSpPr>
+          <p:nvPr>
+            <p:ph type="sldImg"/>
+          </p:nvPr>
+        </p:nvSpPr>
+        <p:spPr/>
+      </p:sp>
+      <p:sp>
+        <p:nvSpPr>
+          <p:cNvPr id="3" name="Notes Placeholder 2"/>
+          <p:cNvSpPr>
+            <a:spLocks noGrp="1"/>
+          </p:cNvSpPr>
+          <p:nvPr>
+            <p:ph type="body" idx="1"/>
+          </p:nvPr>
+        </p:nvSpPr>
+        <p:spPr/>
+        <p:txBody>
+          <a:bodyPr/>
+          <a:lstStyle/>
+          <a:p>
+            <a:r>
+              <a:rPr lang="en-US" dirty="0"/>
+              <a:t>Network analysis to identify SODAs?</a:t>
+            </a:r>
+            <a:r>
+              <a:rPr lang="en-US" baseline="0" dirty="0"/>
+              <a:t>  </a:t>
+            </a:r>
+            <a:endParaRPr lang="en-US" dirty="0"/>
+          </a:p>
+        </p:txBody>
+      </p:sp>
+      <p:sp>
+        <p:nvSpPr>
+          <p:cNvPr id="4" name="Slide Number Placeholder 3"/>
+          <p:cNvSpPr>
+            <a:spLocks noGrp="1"/>
+          </p:cNvSpPr>
+          <p:nvPr>
+            <p:ph type="sldNum" sz="quarter" idx="10"/>
+          </p:nvPr>
+        </p:nvSpPr>
+        <p:spPr/>
+        <p:txBody>
+          <a:bodyPr/>
+          <a:lstStyle/>
+          <a:p>
+            <a:fld id="{8C5291EA-D524-4968-939F-FF9188A27C11}" type="slidenum">
+              <a:rPr lang="en-US" smtClean="0"/>
+              <a:t>7</a:t>
+            </a:fld>
+            <a:endParaRPr lang="en-US"/>
+          </a:p>
+        </p:txBody>
+      </p:sp>
+    </p:spTree>
+    <p:extLst>
+      <p:ext uri="{BB962C8B-B14F-4D97-AF65-F5344CB8AC3E}">
+        <p14:creationId xmlns:p14="http://schemas.microsoft.com/office/powerpoint/2010/main" val="2773097595"/>
+      </p:ext>
+    </p:extLst>
+  </p:cSld>
+  <p:clrMapOvr>
+    <a:masterClrMapping/>
+  </p:clrMapOvr>
+</p:notes>
+</file>
+
+<file path=ppt/notesSlides/notesSlide3.xml><?xml version="1.0" encoding="utf-8"?>
+<p:notes xmlns:a="http://schemas.openxmlformats.org/drawingml/2006/main" xmlns:r="http://schemas.openxmlformats.org/officeDocument/2006/relationships" xmlns:p="http://schemas.openxmlformats.org/presentationml/2006/main">
+  <p:cSld>
+    <p:spTree>
+      <p:nvGrpSpPr>
+        <p:cNvPr id="1" name=""/>
+        <p:cNvGrpSpPr/>
+        <p:nvPr/>
+      </p:nvGrpSpPr>
+      <p:grpSpPr>
+        <a:xfrm>
+          <a:off x="0" y="0"/>
+          <a:ext cx="0" cy="0"/>
+          <a:chOff x="0" y="0"/>
+          <a:chExt cx="0" cy="0"/>
+        </a:xfrm>
+      </p:grpSpPr>
+      <p:sp>
+        <p:nvSpPr>
+          <p:cNvPr id="2" name="Slide Image Placeholder 1"/>
+          <p:cNvSpPr>
+            <a:spLocks noGrp="1" noRot="1" noChangeAspect="1"/>
+          </p:cNvSpPr>
+          <p:nvPr>
+            <p:ph type="sldImg"/>
+          </p:nvPr>
+        </p:nvSpPr>
+        <p:spPr/>
+      </p:sp>
+      <p:sp>
+        <p:nvSpPr>
+          <p:cNvPr id="3" name="Notes Placeholder 2"/>
+          <p:cNvSpPr>
+            <a:spLocks noGrp="1"/>
+          </p:cNvSpPr>
+          <p:nvPr>
+            <p:ph type="body" idx="1"/>
+          </p:nvPr>
+        </p:nvSpPr>
+        <p:spPr/>
+        <p:txBody>
+          <a:bodyPr/>
+          <a:lstStyle/>
+          <a:p>
+            <a:r>
+              <a:rPr lang="en-US" dirty="0"/>
+              <a:t>Create layout</a:t>
+            </a:r>
+            <a:r>
+              <a:rPr lang="en-US" baseline="0" dirty="0"/>
+              <a:t> for AOP networks based on level of biological organization. Can we do a similar analysis for MIE and AO?  What about KEs/KERs/AOPs by author?   </a:t>
+            </a:r>
+          </a:p>
+        </p:txBody>
+      </p:sp>
+      <p:sp>
+        <p:nvSpPr>
+          <p:cNvPr id="4" name="Slide Number Placeholder 3"/>
+          <p:cNvSpPr>
+            <a:spLocks noGrp="1"/>
+          </p:cNvSpPr>
+          <p:nvPr>
+            <p:ph type="sldNum" sz="quarter" idx="10"/>
+          </p:nvPr>
+        </p:nvSpPr>
+        <p:spPr/>
+        <p:txBody>
+          <a:bodyPr/>
+          <a:lstStyle/>
+          <a:p>
+            <a:fld id="{8C5291EA-D524-4968-939F-FF9188A27C11}" type="slidenum">
+              <a:rPr lang="en-US" smtClean="0"/>
+              <a:t>9</a:t>
+            </a:fld>
+            <a:endParaRPr lang="en-US"/>
+          </a:p>
+        </p:txBody>
+      </p:sp>
+    </p:spTree>
+    <p:extLst>
+      <p:ext uri="{BB962C8B-B14F-4D97-AF65-F5344CB8AC3E}">
+        <p14:creationId xmlns:p14="http://schemas.microsoft.com/office/powerpoint/2010/main" val="3717068465"/>
+      </p:ext>
+    </p:extLst>
+  </p:cSld>
+  <p:clrMapOvr>
+    <a:masterClrMapping/>
+  </p:clrMapOvr>
+</p:notes>
+</file>
+
+<file path=ppt/notesSlides/notesSlide4.xml><?xml version="1.0" encoding="utf-8"?>
+<p:notes xmlns:a="http://schemas.openxmlformats.org/drawingml/2006/main" xmlns:r="http://schemas.openxmlformats.org/officeDocument/2006/relationships" xmlns:p="http://schemas.openxmlformats.org/presentationml/2006/main">
+  <p:cSld>
+    <p:spTree>
+      <p:nvGrpSpPr>
+        <p:cNvPr id="1" name=""/>
+        <p:cNvGrpSpPr/>
+        <p:nvPr/>
+      </p:nvGrpSpPr>
+      <p:grpSpPr>
+        <a:xfrm>
+          <a:off x="0" y="0"/>
+          <a:ext cx="0" cy="0"/>
+          <a:chOff x="0" y="0"/>
+          <a:chExt cx="0" cy="0"/>
+        </a:xfrm>
+      </p:grpSpPr>
+      <p:sp>
+        <p:nvSpPr>
+          <p:cNvPr id="2" name="Slide Image Placeholder 1"/>
+          <p:cNvSpPr>
+            <a:spLocks noGrp="1" noRot="1" noChangeAspect="1"/>
+          </p:cNvSpPr>
+          <p:nvPr>
+            <p:ph type="sldImg"/>
+          </p:nvPr>
+        </p:nvSpPr>
+        <p:spPr/>
+      </p:sp>
+      <p:sp>
+        <p:nvSpPr>
+          <p:cNvPr id="3" name="Notes Placeholder 2"/>
+          <p:cNvSpPr>
+            <a:spLocks noGrp="1"/>
+          </p:cNvSpPr>
+          <p:nvPr>
+            <p:ph type="body" idx="1"/>
+          </p:nvPr>
+        </p:nvSpPr>
+        <p:spPr/>
+        <p:txBody>
+          <a:bodyPr/>
+          <a:lstStyle/>
+          <a:p>
+            <a:r>
+              <a:rPr lang="en-US" dirty="0"/>
+              <a:t>More specific</a:t>
+            </a:r>
+            <a:r>
+              <a:rPr lang="en-US" baseline="0" dirty="0"/>
+              <a:t> information based on centrality measures.  Expand to include better information about KEs, maybe show top ten?</a:t>
+            </a:r>
+            <a:endParaRPr lang="en-US" dirty="0"/>
+          </a:p>
+        </p:txBody>
+      </p:sp>
+      <p:sp>
+        <p:nvSpPr>
+          <p:cNvPr id="4" name="Slide Number Placeholder 3"/>
+          <p:cNvSpPr>
+            <a:spLocks noGrp="1"/>
+          </p:cNvSpPr>
+          <p:nvPr>
+            <p:ph type="sldNum" sz="quarter" idx="10"/>
+          </p:nvPr>
+        </p:nvSpPr>
+        <p:spPr/>
+        <p:txBody>
+          <a:bodyPr/>
+          <a:lstStyle/>
+          <a:p>
+            <a:fld id="{8C5291EA-D524-4968-939F-FF9188A27C11}" type="slidenum">
+              <a:rPr lang="en-US" smtClean="0"/>
+              <a:t>11</a:t>
+            </a:fld>
+            <a:endParaRPr lang="en-US"/>
+          </a:p>
+        </p:txBody>
+      </p:sp>
+    </p:spTree>
+    <p:extLst>
+      <p:ext uri="{BB962C8B-B14F-4D97-AF65-F5344CB8AC3E}">
+        <p14:creationId xmlns:p14="http://schemas.microsoft.com/office/powerpoint/2010/main" val="4164765406"/>
+      </p:ext>
+    </p:extLst>
+  </p:cSld>
+  <p:clrMapOvr>
+    <a:masterClrMapping/>
+  </p:clrMapOvr>
+</p:notes>
+</file>
+
+<file path=ppt/notesSlides/notesSlide5.xml><?xml version="1.0" encoding="utf-8"?>
+<p:notes xmlns:a="http://schemas.openxmlformats.org/drawingml/2006/main" xmlns:r="http://schemas.openxmlformats.org/officeDocument/2006/relationships" xmlns:p="http://schemas.openxmlformats.org/presentationml/2006/main">
+  <p:cSld>
+    <p:spTree>
+      <p:nvGrpSpPr>
+        <p:cNvPr id="1" name=""/>
+        <p:cNvGrpSpPr/>
+        <p:nvPr/>
+      </p:nvGrpSpPr>
+      <p:grpSpPr>
+        <a:xfrm>
+          <a:off x="0" y="0"/>
+          <a:ext cx="0" cy="0"/>
+          <a:chOff x="0" y="0"/>
+          <a:chExt cx="0" cy="0"/>
+        </a:xfrm>
+      </p:grpSpPr>
+      <p:sp>
+        <p:nvSpPr>
+          <p:cNvPr id="2" name="Slide Image Placeholder 1"/>
+          <p:cNvSpPr>
+            <a:spLocks noGrp="1" noRot="1" noChangeAspect="1"/>
+          </p:cNvSpPr>
+          <p:nvPr>
+            <p:ph type="sldImg"/>
+          </p:nvPr>
+        </p:nvSpPr>
+        <p:spPr/>
+      </p:sp>
+      <p:sp>
+        <p:nvSpPr>
+          <p:cNvPr id="3" name="Notes Placeholder 2"/>
+          <p:cNvSpPr>
+            <a:spLocks noGrp="1"/>
+          </p:cNvSpPr>
+          <p:nvPr>
+            <p:ph type="body" idx="1"/>
+          </p:nvPr>
+        </p:nvSpPr>
+        <p:spPr/>
+        <p:txBody>
+          <a:bodyPr/>
+          <a:lstStyle/>
+          <a:p>
+            <a:r>
+              <a:rPr lang="en-US" dirty="0"/>
+              <a:t>Incomplete AOP vs</a:t>
+            </a:r>
+            <a:r>
+              <a:rPr lang="en-US" baseline="0" dirty="0"/>
+              <a:t> Complete AOP and ability to identify AOs and MIEs.  With proper annotation we can use these analyses to identify complete vs incomplete AOPs.  </a:t>
+            </a:r>
+            <a:endParaRPr lang="en-US" dirty="0"/>
+          </a:p>
+        </p:txBody>
+      </p:sp>
+      <p:sp>
+        <p:nvSpPr>
+          <p:cNvPr id="4" name="Slide Number Placeholder 3"/>
+          <p:cNvSpPr>
+            <a:spLocks noGrp="1"/>
+          </p:cNvSpPr>
+          <p:nvPr>
+            <p:ph type="sldNum" sz="quarter" idx="10"/>
+          </p:nvPr>
+        </p:nvSpPr>
+        <p:spPr/>
+        <p:txBody>
+          <a:bodyPr/>
+          <a:lstStyle/>
+          <a:p>
+            <a:fld id="{8C5291EA-D524-4968-939F-FF9188A27C11}" type="slidenum">
+              <a:rPr lang="en-US" smtClean="0"/>
+              <a:t>12</a:t>
+            </a:fld>
+            <a:endParaRPr lang="en-US"/>
+          </a:p>
+        </p:txBody>
+      </p:sp>
+    </p:spTree>
+    <p:extLst>
+      <p:ext uri="{BB962C8B-B14F-4D97-AF65-F5344CB8AC3E}">
+        <p14:creationId xmlns:p14="http://schemas.microsoft.com/office/powerpoint/2010/main" val="3551145391"/>
+      </p:ext>
+    </p:extLst>
+  </p:cSld>
+  <p:clrMapOvr>
+    <a:masterClrMapping/>
+  </p:clrMapOvr>
+</p:notes>
+</file>
+
+<file path=ppt/notesSlides/notesSlide6.xml><?xml version="1.0" encoding="utf-8"?>
+<p:notes xmlns:a="http://schemas.openxmlformats.org/drawingml/2006/main" xmlns:r="http://schemas.openxmlformats.org/officeDocument/2006/relationships" xmlns:p="http://schemas.openxmlformats.org/presentationml/2006/main">
+  <p:cSld>
+    <p:spTree>
+      <p:nvGrpSpPr>
+        <p:cNvPr id="1" name=""/>
+        <p:cNvGrpSpPr/>
+        <p:nvPr/>
+      </p:nvGrpSpPr>
+      <p:grpSpPr>
+        <a:xfrm>
+          <a:off x="0" y="0"/>
+          <a:ext cx="0" cy="0"/>
+          <a:chOff x="0" y="0"/>
+          <a:chExt cx="0" cy="0"/>
+        </a:xfrm>
+      </p:grpSpPr>
+      <p:sp>
+        <p:nvSpPr>
+          <p:cNvPr id="2" name="Slide Image Placeholder 1"/>
+          <p:cNvSpPr>
+            <a:spLocks noGrp="1" noRot="1" noChangeAspect="1"/>
+          </p:cNvSpPr>
+          <p:nvPr>
+            <p:ph type="sldImg"/>
+          </p:nvPr>
+        </p:nvSpPr>
+        <p:spPr/>
+      </p:sp>
+      <p:sp>
+        <p:nvSpPr>
+          <p:cNvPr id="3" name="Notes Placeholder 2"/>
+          <p:cNvSpPr>
+            <a:spLocks noGrp="1"/>
+          </p:cNvSpPr>
+          <p:nvPr>
+            <p:ph type="body" idx="1"/>
+          </p:nvPr>
+        </p:nvSpPr>
+        <p:spPr/>
+        <p:txBody>
+          <a:bodyPr/>
+          <a:lstStyle/>
+          <a:p>
+            <a:endParaRPr lang="en-US" dirty="0"/>
+          </a:p>
+        </p:txBody>
+      </p:sp>
+      <p:sp>
+        <p:nvSpPr>
+          <p:cNvPr id="4" name="Slide Number Placeholder 3"/>
+          <p:cNvSpPr>
+            <a:spLocks noGrp="1"/>
+          </p:cNvSpPr>
+          <p:nvPr>
+            <p:ph type="sldNum" sz="quarter" idx="10"/>
+          </p:nvPr>
+        </p:nvSpPr>
+        <p:spPr/>
+        <p:txBody>
+          <a:bodyPr/>
+          <a:lstStyle/>
+          <a:p>
+            <a:fld id="{8C5291EA-D524-4968-939F-FF9188A27C11}" type="slidenum">
+              <a:rPr lang="en-US" smtClean="0"/>
+              <a:t>15</a:t>
+            </a:fld>
+            <a:endParaRPr lang="en-US"/>
+          </a:p>
+        </p:txBody>
+      </p:sp>
+    </p:spTree>
+    <p:extLst>
+      <p:ext uri="{BB962C8B-B14F-4D97-AF65-F5344CB8AC3E}">
+        <p14:creationId xmlns:p14="http://schemas.microsoft.com/office/powerpoint/2010/main" val="3716588743"/>
+      </p:ext>
+    </p:extLst>
+  </p:cSld>
+  <p:clrMapOvr>
+    <a:masterClrMapping/>
+  </p:clrMapOvr>
+</p:notes>
 </file>
 
 <file path=ppt/slideLayouts/slideLayout1.xml><?xml version="1.0" encoding="utf-8"?>
@@ -278,7 +1201,7 @@
           <a:p>
             <a:fld id="{C71581C8-DC5B-4BAA-A235-D61CE073C796}" type="datetimeFigureOut">
               <a:rPr lang="en-US" smtClean="0"/>
-              <a:t>5/25/2017</a:t>
+              <a:t>6/8/2017</a:t>
             </a:fld>
             <a:endParaRPr lang="en-US"/>
           </a:p>
@@ -453,7 +1376,7 @@
           <a:p>
             <a:fld id="{C71581C8-DC5B-4BAA-A235-D61CE073C796}" type="datetimeFigureOut">
               <a:rPr lang="en-US" smtClean="0"/>
-              <a:t>5/25/2017</a:t>
+              <a:t>6/8/2017</a:t>
             </a:fld>
             <a:endParaRPr lang="en-US"/>
           </a:p>
@@ -633,7 +1556,7 @@
           <a:p>
             <a:fld id="{C71581C8-DC5B-4BAA-A235-D61CE073C796}" type="datetimeFigureOut">
               <a:rPr lang="en-US" smtClean="0"/>
-              <a:t>5/25/2017</a:t>
+              <a:t>6/8/2017</a:t>
             </a:fld>
             <a:endParaRPr lang="en-US"/>
           </a:p>
@@ -808,7 +1731,7 @@
           <a:p>
             <a:fld id="{C71581C8-DC5B-4BAA-A235-D61CE073C796}" type="datetimeFigureOut">
               <a:rPr lang="en-US" smtClean="0"/>
-              <a:t>5/25/2017</a:t>
+              <a:t>6/8/2017</a:t>
             </a:fld>
             <a:endParaRPr lang="en-US"/>
           </a:p>
@@ -1054,7 +1977,7 @@
           <a:p>
             <a:fld id="{C71581C8-DC5B-4BAA-A235-D61CE073C796}" type="datetimeFigureOut">
               <a:rPr lang="en-US" smtClean="0"/>
-              <a:t>5/25/2017</a:t>
+              <a:t>6/8/2017</a:t>
             </a:fld>
             <a:endParaRPr lang="en-US"/>
           </a:p>
@@ -1291,7 +2214,7 @@
           <a:p>
             <a:fld id="{C71581C8-DC5B-4BAA-A235-D61CE073C796}" type="datetimeFigureOut">
               <a:rPr lang="en-US" smtClean="0"/>
-              <a:t>5/25/2017</a:t>
+              <a:t>6/8/2017</a:t>
             </a:fld>
             <a:endParaRPr lang="en-US"/>
           </a:p>
@@ -1658,7 +2581,7 @@
           <a:p>
             <a:fld id="{C71581C8-DC5B-4BAA-A235-D61CE073C796}" type="datetimeFigureOut">
               <a:rPr lang="en-US" smtClean="0"/>
-              <a:t>5/25/2017</a:t>
+              <a:t>6/8/2017</a:t>
             </a:fld>
             <a:endParaRPr lang="en-US"/>
           </a:p>
@@ -1776,7 +2699,7 @@
           <a:p>
             <a:fld id="{C71581C8-DC5B-4BAA-A235-D61CE073C796}" type="datetimeFigureOut">
               <a:rPr lang="en-US" smtClean="0"/>
-              <a:t>5/25/2017</a:t>
+              <a:t>6/8/2017</a:t>
             </a:fld>
             <a:endParaRPr lang="en-US"/>
           </a:p>
@@ -1871,7 +2794,7 @@
           <a:p>
             <a:fld id="{C71581C8-DC5B-4BAA-A235-D61CE073C796}" type="datetimeFigureOut">
               <a:rPr lang="en-US" smtClean="0"/>
-              <a:t>5/25/2017</a:t>
+              <a:t>6/8/2017</a:t>
             </a:fld>
             <a:endParaRPr lang="en-US"/>
           </a:p>
@@ -2148,7 +3071,7 @@
           <a:p>
             <a:fld id="{C71581C8-DC5B-4BAA-A235-D61CE073C796}" type="datetimeFigureOut">
               <a:rPr lang="en-US" smtClean="0"/>
-              <a:t>5/25/2017</a:t>
+              <a:t>6/8/2017</a:t>
             </a:fld>
             <a:endParaRPr lang="en-US"/>
           </a:p>
@@ -2405,7 +3328,7 @@
           <a:p>
             <a:fld id="{C71581C8-DC5B-4BAA-A235-D61CE073C796}" type="datetimeFigureOut">
               <a:rPr lang="en-US" smtClean="0"/>
-              <a:t>5/25/2017</a:t>
+              <a:t>6/8/2017</a:t>
             </a:fld>
             <a:endParaRPr lang="en-US"/>
           </a:p>
@@ -2618,7 +3541,7 @@
           <a:p>
             <a:fld id="{C71581C8-DC5B-4BAA-A235-D61CE073C796}" type="datetimeFigureOut">
               <a:rPr lang="en-US" smtClean="0"/>
-              <a:t>5/25/2017</a:t>
+              <a:t>6/8/2017</a:t>
             </a:fld>
             <a:endParaRPr lang="en-US"/>
           </a:p>
@@ -3325,8 +4248,8 @@
           </a:p>
         </p:txBody>
       </p:sp>
-      <mc:AlternateContent xmlns:mc="http://schemas.openxmlformats.org/markup-compatibility/2006">
-        <mc:Choice xmlns:a14="http://schemas.microsoft.com/office/drawing/2010/main" Requires="a14">
+      <mc:AlternateContent xmlns:mc="http://schemas.openxmlformats.org/markup-compatibility/2006" xmlns:a14="http://schemas.microsoft.com/office/drawing/2010/main">
+        <mc:Choice Requires="a14">
           <p:sp>
             <p:nvSpPr>
               <p:cNvPr id="4" name="Text Placeholder 3"/>
@@ -3437,7 +4360,7 @@
             </p:txBody>
           </p:sp>
         </mc:Choice>
-        <mc:Fallback>
+        <mc:Fallback xmlns="">
           <p:sp>
             <p:nvSpPr>
               <p:cNvPr id="4" name="Text Placeholder 3"/>
@@ -3454,7 +4377,7 @@
                 <a:ext cx="3932237" cy="3811588"/>
               </a:xfrm>
               <a:blipFill>
-                <a:blip r:embed="rId2"/>
+                <a:blip r:embed="rId3"/>
                 <a:stretch>
                   <a:fillRect l="-1240" t="-1118" r="-2016"/>
                 </a:stretch>
@@ -3484,7 +4407,7 @@
           <p:nvPr/>
         </p:nvPicPr>
         <p:blipFill>
-          <a:blip r:embed="rId3">
+          <a:blip r:embed="rId4">
             <a:extLst>
               <a:ext uri="{28A0092B-C50C-407E-A947-70E740481C1C}">
                 <a14:useLocalDpi xmlns:a14="http://schemas.microsoft.com/office/drawing/2010/main" val="0"/>
@@ -3514,7 +4437,7 @@
           <p:nvPr/>
         </p:nvPicPr>
         <p:blipFill>
-          <a:blip r:embed="rId4">
+          <a:blip r:embed="rId5">
             <a:extLst>
               <a:ext uri="{28A0092B-C50C-407E-A947-70E740481C1C}">
                 <a14:useLocalDpi xmlns:a14="http://schemas.microsoft.com/office/drawing/2010/main" val="0"/>
@@ -3599,8 +4522,8 @@
           </a:p>
         </p:txBody>
       </p:sp>
-      <mc:AlternateContent xmlns:mc="http://schemas.openxmlformats.org/markup-compatibility/2006">
-        <mc:Choice xmlns:a14="http://schemas.microsoft.com/office/drawing/2010/main" Requires="a14">
+      <mc:AlternateContent xmlns:mc="http://schemas.openxmlformats.org/markup-compatibility/2006" xmlns:a14="http://schemas.microsoft.com/office/drawing/2010/main">
+        <mc:Choice Requires="a14">
           <p:sp>
             <p:nvSpPr>
               <p:cNvPr id="4" name="Text Placeholder 3"/>
@@ -3715,7 +4638,7 @@
             </p:txBody>
           </p:sp>
         </mc:Choice>
-        <mc:Fallback>
+        <mc:Fallback xmlns="">
           <p:sp>
             <p:nvSpPr>
               <p:cNvPr id="4" name="Text Placeholder 3"/>
@@ -3732,7 +4655,7 @@
                 <a:ext cx="3932237" cy="3811588"/>
               </a:xfrm>
               <a:blipFill>
-                <a:blip r:embed="rId2"/>
+                <a:blip r:embed="rId3"/>
                 <a:stretch>
                   <a:fillRect l="-1395" t="-1118" r="-1395"/>
                 </a:stretch>
@@ -3762,7 +4685,7 @@
           <p:nvPr/>
         </p:nvPicPr>
         <p:blipFill>
-          <a:blip r:embed="rId3">
+          <a:blip r:embed="rId4">
             <a:extLst>
               <a:ext uri="{28A0092B-C50C-407E-A947-70E740481C1C}">
                 <a14:useLocalDpi xmlns:a14="http://schemas.microsoft.com/office/drawing/2010/main" val="0"/>
@@ -3792,7 +4715,7 @@
           <p:nvPr/>
         </p:nvPicPr>
         <p:blipFill>
-          <a:blip r:embed="rId4">
+          <a:blip r:embed="rId5">
             <a:extLst>
               <a:ext uri="{28A0092B-C50C-407E-A947-70E740481C1C}">
                 <a14:useLocalDpi xmlns:a14="http://schemas.microsoft.com/office/drawing/2010/main" val="0"/>
@@ -3877,8 +4800,8 @@
           </a:p>
         </p:txBody>
       </p:sp>
-      <mc:AlternateContent xmlns:mc="http://schemas.openxmlformats.org/markup-compatibility/2006">
-        <mc:Choice xmlns:a14="http://schemas.microsoft.com/office/drawing/2010/main" Requires="a14">
+      <mc:AlternateContent xmlns:mc="http://schemas.openxmlformats.org/markup-compatibility/2006" xmlns:a14="http://schemas.microsoft.com/office/drawing/2010/main">
+        <mc:Choice Requires="a14">
           <p:sp>
             <p:nvSpPr>
               <p:cNvPr id="4" name="Text Placeholder 3"/>
@@ -3989,7 +4912,7 @@
             </p:txBody>
           </p:sp>
         </mc:Choice>
-        <mc:Fallback>
+        <mc:Fallback xmlns="">
           <p:sp>
             <p:nvSpPr>
               <p:cNvPr id="4" name="Text Placeholder 3"/>
@@ -4146,8 +5069,8 @@
           </a:p>
         </p:txBody>
       </p:sp>
-      <mc:AlternateContent xmlns:mc="http://schemas.openxmlformats.org/markup-compatibility/2006">
-        <mc:Choice xmlns:a14="http://schemas.microsoft.com/office/drawing/2010/main" Requires="a14">
+      <mc:AlternateContent xmlns:mc="http://schemas.openxmlformats.org/markup-compatibility/2006" xmlns:a14="http://schemas.microsoft.com/office/drawing/2010/main">
+        <mc:Choice Requires="a14">
           <p:sp>
             <p:nvSpPr>
               <p:cNvPr id="4" name="Text Placeholder 3"/>
@@ -4740,7 +5663,7 @@
             </p:txBody>
           </p:sp>
         </mc:Choice>
-        <mc:Fallback>
+        <mc:Fallback xmlns="">
           <p:sp>
             <p:nvSpPr>
               <p:cNvPr id="4" name="Text Placeholder 3"/>
@@ -4851,6 +5774,132 @@
 </p:sld>
 </file>
 
+<file path=ppt/slides/slide15.xml><?xml version="1.0" encoding="utf-8"?>
+<p:sld xmlns:a="http://schemas.openxmlformats.org/drawingml/2006/main" xmlns:r="http://schemas.openxmlformats.org/officeDocument/2006/relationships" xmlns:p="http://schemas.openxmlformats.org/presentationml/2006/main">
+  <p:cSld>
+    <p:spTree>
+      <p:nvGrpSpPr>
+        <p:cNvPr id="1" name=""/>
+        <p:cNvGrpSpPr/>
+        <p:nvPr/>
+      </p:nvGrpSpPr>
+      <p:grpSpPr>
+        <a:xfrm>
+          <a:off x="0" y="0"/>
+          <a:ext cx="0" cy="0"/>
+          <a:chOff x="0" y="0"/>
+          <a:chExt cx="0" cy="0"/>
+        </a:xfrm>
+      </p:grpSpPr>
+      <p:sp>
+        <p:nvSpPr>
+          <p:cNvPr id="2" name="Title 1"/>
+          <p:cNvSpPr>
+            <a:spLocks noGrp="1"/>
+          </p:cNvSpPr>
+          <p:nvPr>
+            <p:ph type="title"/>
+          </p:nvPr>
+        </p:nvSpPr>
+        <p:spPr/>
+        <p:txBody>
+          <a:bodyPr/>
+          <a:lstStyle/>
+          <a:p>
+            <a:r>
+              <a:rPr lang="en-US" dirty="0"/>
+              <a:t>Analyses to add	</a:t>
+            </a:r>
+          </a:p>
+        </p:txBody>
+      </p:sp>
+      <p:sp>
+        <p:nvSpPr>
+          <p:cNvPr id="3" name="Content Placeholder 2"/>
+          <p:cNvSpPr>
+            <a:spLocks noGrp="1"/>
+          </p:cNvSpPr>
+          <p:nvPr>
+            <p:ph idx="1"/>
+          </p:nvPr>
+        </p:nvSpPr>
+        <p:spPr/>
+        <p:txBody>
+          <a:bodyPr/>
+          <a:lstStyle/>
+          <a:p>
+            <a:r>
+              <a:rPr lang="en-US" dirty="0"/>
+              <a:t>Resilience measures?</a:t>
+            </a:r>
+          </a:p>
+          <a:p>
+            <a:pPr lvl="1"/>
+            <a:r>
+              <a:rPr lang="en-US" dirty="0"/>
+              <a:t>Node removal while maintaining connectivity </a:t>
+            </a:r>
+          </a:p>
+          <a:p>
+            <a:pPr lvl="1"/>
+            <a:r>
+              <a:rPr lang="en-US" dirty="0"/>
+              <a:t>General strength of AOP wiki</a:t>
+            </a:r>
+          </a:p>
+          <a:p>
+            <a:r>
+              <a:rPr lang="en-US" dirty="0"/>
+              <a:t>Annual growth or change of AOP wiki.  Can we do this retrospectively? </a:t>
+            </a:r>
+          </a:p>
+          <a:p>
+            <a:r>
+              <a:rPr lang="en-US" dirty="0"/>
+              <a:t>Make action items</a:t>
+            </a:r>
+          </a:p>
+          <a:p>
+            <a:pPr lvl="1"/>
+            <a:r>
+              <a:rPr lang="en-US" dirty="0"/>
+              <a:t>Reach out to Steven Edwards (wiki master) extend invite as co-author.</a:t>
+            </a:r>
+          </a:p>
+        </p:txBody>
+      </p:sp>
+      <p:sp>
+        <p:nvSpPr>
+          <p:cNvPr id="4" name="Text Placeholder 3"/>
+          <p:cNvSpPr>
+            <a:spLocks noGrp="1"/>
+          </p:cNvSpPr>
+          <p:nvPr>
+            <p:ph type="body" sz="half" idx="2"/>
+          </p:nvPr>
+        </p:nvSpPr>
+        <p:spPr/>
+        <p:txBody>
+          <a:bodyPr/>
+          <a:lstStyle/>
+          <a:p>
+            <a:endParaRPr lang="en-US"/>
+          </a:p>
+        </p:txBody>
+      </p:sp>
+    </p:spTree>
+    <p:extLst>
+      <p:ext uri="{BB962C8B-B14F-4D97-AF65-F5344CB8AC3E}">
+        <p14:creationId xmlns:p14="http://schemas.microsoft.com/office/powerpoint/2010/main" val="2447896441"/>
+      </p:ext>
+    </p:extLst>
+  </p:cSld>
+  <p:clrMapOvr>
+    <a:masterClrMapping/>
+  </p:clrMapOvr>
+</p:sld>
+</file>
+
 <file path=ppt/slides/slide2.xml><?xml version="1.0" encoding="utf-8"?>
 <p:sld xmlns:a="http://schemas.openxmlformats.org/drawingml/2006/main" xmlns:r="http://schemas.openxmlformats.org/officeDocument/2006/relationships" xmlns:p="http://schemas.openxmlformats.org/presentationml/2006/main">
   <p:cSld>
@@ -5052,7 +6101,7 @@
           <p:nvPr/>
         </p:nvPicPr>
         <p:blipFill>
-          <a:blip r:embed="rId2">
+          <a:blip r:embed="rId3">
             <a:extLst>
               <a:ext uri="{28A0092B-C50C-407E-A947-70E740481C1C}">
                 <a14:useLocalDpi xmlns:a14="http://schemas.microsoft.com/office/drawing/2010/main" val="0"/>
@@ -5082,7 +6131,7 @@
           <p:nvPr/>
         </p:nvPicPr>
         <p:blipFill>
-          <a:blip r:embed="rId3">
+          <a:blip r:embed="rId4">
             <a:extLst>
               <a:ext uri="{28A0092B-C50C-407E-A947-70E740481C1C}">
                 <a14:useLocalDpi xmlns:a14="http://schemas.microsoft.com/office/drawing/2010/main" val="0"/>
@@ -5112,7 +6161,7 @@
           <p:nvPr/>
         </p:nvPicPr>
         <p:blipFill>
-          <a:blip r:embed="rId4">
+          <a:blip r:embed="rId5">
             <a:extLst>
               <a:ext uri="{28A0092B-C50C-407E-A947-70E740481C1C}">
                 <a14:useLocalDpi xmlns:a14="http://schemas.microsoft.com/office/drawing/2010/main" val="0"/>
@@ -5850,7 +6899,7 @@
           <p:nvPr/>
         </p:nvPicPr>
         <p:blipFill>
-          <a:blip r:embed="rId2">
+          <a:blip r:embed="rId3">
             <a:extLst>
               <a:ext uri="{28A0092B-C50C-407E-A947-70E740481C1C}">
                 <a14:useLocalDpi xmlns:a14="http://schemas.microsoft.com/office/drawing/2010/main" val="0"/>
@@ -5882,7 +6931,7 @@
           </p:nvPr>
         </p:nvPicPr>
         <p:blipFill rotWithShape="1">
-          <a:blip r:embed="rId3">
+          <a:blip r:embed="rId4">
             <a:extLst>
               <a:ext uri="{28A0092B-C50C-407E-A947-70E740481C1C}">
                 <a14:useLocalDpi xmlns:a14="http://schemas.microsoft.com/office/drawing/2010/main" val="0"/>
@@ -6188,7 +7237,7 @@
           <p:nvPr/>
         </p:nvPicPr>
         <p:blipFill>
-          <a:blip r:embed="rId2">
+          <a:blip r:embed="rId3">
             <a:extLst>
               <a:ext uri="{28A0092B-C50C-407E-A947-70E740481C1C}">
                 <a14:useLocalDpi xmlns:a14="http://schemas.microsoft.com/office/drawing/2010/main" val="0"/>
@@ -6218,7 +7267,7 @@
           <p:nvPr/>
         </p:nvPicPr>
         <p:blipFill>
-          <a:blip r:embed="rId3">
+          <a:blip r:embed="rId4">
             <a:extLst>
               <a:ext uri="{28A0092B-C50C-407E-A947-70E740481C1C}">
                 <a14:useLocalDpi xmlns:a14="http://schemas.microsoft.com/office/drawing/2010/main" val="0"/>
@@ -6248,7 +7297,7 @@
           <p:nvPr/>
         </p:nvPicPr>
         <p:blipFill>
-          <a:blip r:embed="rId4">
+          <a:blip r:embed="rId5">
             <a:extLst>
               <a:ext uri="{28A0092B-C50C-407E-A947-70E740481C1C}">
                 <a14:useLocalDpi xmlns:a14="http://schemas.microsoft.com/office/drawing/2010/main" val="0"/>
@@ -6541,4 +7590,299 @@
     </a:ext>
   </a:extLst>
 </a:theme>
+</file>
+
+<file path=ppt/theme/theme2.xml><?xml version="1.0" encoding="utf-8"?>
+<a:theme xmlns:a="http://schemas.openxmlformats.org/drawingml/2006/main" name="Office Theme">
+  <a:themeElements>
+    <a:clrScheme name="Office">
+      <a:dk1>
+        <a:sysClr val="windowText" lastClr="000000"/>
+      </a:dk1>
+      <a:lt1>
+        <a:sysClr val="window" lastClr="FFFFFF"/>
+      </a:lt1>
+      <a:dk2>
+        <a:srgbClr val="44546A"/>
+      </a:dk2>
+      <a:lt2>
+        <a:srgbClr val="E7E6E6"/>
+      </a:lt2>
+      <a:accent1>
+        <a:srgbClr val="5B9BD5"/>
+      </a:accent1>
+      <a:accent2>
+        <a:srgbClr val="ED7D31"/>
+      </a:accent2>
+      <a:accent3>
+        <a:srgbClr val="A5A5A5"/>
+      </a:accent3>
+      <a:accent4>
+        <a:srgbClr val="FFC000"/>
+      </a:accent4>
+      <a:accent5>
+        <a:srgbClr val="4472C4"/>
+      </a:accent5>
+      <a:accent6>
+        <a:srgbClr val="70AD47"/>
+      </a:accent6>
+      <a:hlink>
+        <a:srgbClr val="0563C1"/>
+      </a:hlink>
+      <a:folHlink>
+        <a:srgbClr val="954F72"/>
+      </a:folHlink>
+    </a:clrScheme>
+    <a:fontScheme name="Office">
+      <a:majorFont>
+        <a:latin typeface="Calibri Light" panose="020F0302020204030204"/>
+        <a:ea typeface=""/>
+        <a:cs typeface=""/>
+        <a:font script="Jpan" typeface="游ゴシック Light"/>
+        <a:font script="Hang" typeface="맑은 고딕"/>
+        <a:font script="Hans" typeface="等线 Light"/>
+        <a:font script="Hant" typeface="新細明體"/>
+        <a:font script="Arab" typeface="Times New Roman"/>
+        <a:font script="Hebr" typeface="Times New Roman"/>
+        <a:font script="Thai" typeface="Angsana New"/>
+        <a:font script="Ethi" typeface="Nyala"/>
+        <a:font script="Beng" typeface="Vrinda"/>
+        <a:font script="Gujr" typeface="Shruti"/>
+        <a:font script="Khmr" typeface="MoolBoran"/>
+        <a:font script="Knda" typeface="Tunga"/>
+        <a:font script="Guru" typeface="Raavi"/>
+        <a:font script="Cans" typeface="Euphemia"/>
+        <a:font script="Cher" typeface="Plantagenet Cherokee"/>
+        <a:font script="Yiii" typeface="Microsoft Yi Baiti"/>
+        <a:font script="Tibt" typeface="Microsoft Himalaya"/>
+        <a:font script="Thaa" typeface="MV Boli"/>
+        <a:font script="Deva" typeface="Mangal"/>
+        <a:font script="Telu" typeface="Gautami"/>
+        <a:font script="Taml" typeface="Latha"/>
+        <a:font script="Syrc" typeface="Estrangelo Edessa"/>
+        <a:font script="Orya" typeface="Kalinga"/>
+        <a:font script="Mlym" typeface="Kartika"/>
+        <a:font script="Laoo" typeface="DokChampa"/>
+        <a:font script="Sinh" typeface="Iskoola Pota"/>
+        <a:font script="Mong" typeface="Mongolian Baiti"/>
+        <a:font script="Viet" typeface="Times New Roman"/>
+        <a:font script="Uigh" typeface="Microsoft Uighur"/>
+        <a:font script="Geor" typeface="Sylfaen"/>
+        <a:font script="Armn" typeface="Arial"/>
+        <a:font script="Bugi" typeface="Leelawadee UI"/>
+        <a:font script="Bopo" typeface="Microsoft JhengHei"/>
+        <a:font script="Java" typeface="Javanese Text"/>
+        <a:font script="Lisu" typeface="Segoe UI"/>
+        <a:font script="Mymr" typeface="Myanmar Text"/>
+        <a:font script="Nkoo" typeface="Ebrima"/>
+        <a:font script="Olck" typeface="Nirmala UI"/>
+        <a:font script="Osma" typeface="Ebrima"/>
+        <a:font script="Phag" typeface="Phagspa"/>
+        <a:font script="Syrn" typeface="Estrangelo Edessa"/>
+        <a:font script="Syrj" typeface="Estrangelo Edessa"/>
+        <a:font script="Syre" typeface="Estrangelo Edessa"/>
+        <a:font script="Sora" typeface="Nirmala UI"/>
+        <a:font script="Tale" typeface="Microsoft Tai Le"/>
+        <a:font script="Talu" typeface="Microsoft New Tai Lue"/>
+        <a:font script="Tfng" typeface="Ebrima"/>
+      </a:majorFont>
+      <a:minorFont>
+        <a:latin typeface="Calibri" panose="020F0502020204030204"/>
+        <a:ea typeface=""/>
+        <a:cs typeface=""/>
+        <a:font script="Jpan" typeface="游ゴシック"/>
+        <a:font script="Hang" typeface="맑은 고딕"/>
+        <a:font script="Hans" typeface="等线"/>
+        <a:font script="Hant" typeface="新細明體"/>
+        <a:font script="Arab" typeface="Arial"/>
+        <a:font script="Hebr" typeface="Arial"/>
+        <a:font script="Thai" typeface="Cordia New"/>
+        <a:font script="Ethi" typeface="Nyala"/>
+        <a:font script="Beng" typeface="Vrinda"/>
+        <a:font script="Gujr" typeface="Shruti"/>
+        <a:font script="Khmr" typeface="DaunPenh"/>
+        <a:font script="Knda" typeface="Tunga"/>
+        <a:font script="Guru" typeface="Raavi"/>
+        <a:font script="Cans" typeface="Euphemia"/>
+        <a:font script="Cher" typeface="Plantagenet Cherokee"/>
+        <a:font script="Yiii" typeface="Microsoft Yi Baiti"/>
+        <a:font script="Tibt" typeface="Microsoft Himalaya"/>
+        <a:font script="Thaa" typeface="MV Boli"/>
+        <a:font script="Deva" typeface="Mangal"/>
+        <a:font script="Telu" typeface="Gautami"/>
+        <a:font script="Taml" typeface="Latha"/>
+        <a:font script="Syrc" typeface="Estrangelo Edessa"/>
+        <a:font script="Orya" typeface="Kalinga"/>
+        <a:font script="Mlym" typeface="Kartika"/>
+        <a:font script="Laoo" typeface="DokChampa"/>
+        <a:font script="Sinh" typeface="Iskoola Pota"/>
+        <a:font script="Mong" typeface="Mongolian Baiti"/>
+        <a:font script="Viet" typeface="Arial"/>
+        <a:font script="Uigh" typeface="Microsoft Uighur"/>
+        <a:font script="Geor" typeface="Sylfaen"/>
+        <a:font script="Armn" typeface="Arial"/>
+        <a:font script="Bugi" typeface="Leelawadee UI"/>
+        <a:font script="Bopo" typeface="Microsoft JhengHei"/>
+        <a:font script="Java" typeface="Javanese Text"/>
+        <a:font script="Lisu" typeface="Segoe UI"/>
+        <a:font script="Mymr" typeface="Myanmar Text"/>
+        <a:font script="Nkoo" typeface="Ebrima"/>
+        <a:font script="Olck" typeface="Nirmala UI"/>
+        <a:font script="Osma" typeface="Ebrima"/>
+        <a:font script="Phag" typeface="Phagspa"/>
+        <a:font script="Syrn" typeface="Estrangelo Edessa"/>
+        <a:font script="Syrj" typeface="Estrangelo Edessa"/>
+        <a:font script="Syre" typeface="Estrangelo Edessa"/>
+        <a:font script="Sora" typeface="Nirmala UI"/>
+        <a:font script="Tale" typeface="Microsoft Tai Le"/>
+        <a:font script="Talu" typeface="Microsoft New Tai Lue"/>
+        <a:font script="Tfng" typeface="Ebrima"/>
+      </a:minorFont>
+    </a:fontScheme>
+    <a:fmtScheme name="Office">
+      <a:fillStyleLst>
+        <a:solidFill>
+          <a:schemeClr val="phClr"/>
+        </a:solidFill>
+        <a:gradFill rotWithShape="1">
+          <a:gsLst>
+            <a:gs pos="0">
+              <a:schemeClr val="phClr">
+                <a:lumMod val="110000"/>
+                <a:satMod val="105000"/>
+                <a:tint val="67000"/>
+              </a:schemeClr>
+            </a:gs>
+            <a:gs pos="50000">
+              <a:schemeClr val="phClr">
+                <a:lumMod val="105000"/>
+                <a:satMod val="103000"/>
+                <a:tint val="73000"/>
+              </a:schemeClr>
+            </a:gs>
+            <a:gs pos="100000">
+              <a:schemeClr val="phClr">
+                <a:lumMod val="105000"/>
+                <a:satMod val="109000"/>
+                <a:tint val="81000"/>
+              </a:schemeClr>
+            </a:gs>
+          </a:gsLst>
+          <a:lin ang="5400000" scaled="0"/>
+        </a:gradFill>
+        <a:gradFill rotWithShape="1">
+          <a:gsLst>
+            <a:gs pos="0">
+              <a:schemeClr val="phClr">
+                <a:satMod val="103000"/>
+                <a:lumMod val="102000"/>
+                <a:tint val="94000"/>
+              </a:schemeClr>
+            </a:gs>
+            <a:gs pos="50000">
+              <a:schemeClr val="phClr">
+                <a:satMod val="110000"/>
+                <a:lumMod val="100000"/>
+                <a:shade val="100000"/>
+              </a:schemeClr>
+            </a:gs>
+            <a:gs pos="100000">
+              <a:schemeClr val="phClr">
+                <a:lumMod val="99000"/>
+                <a:satMod val="120000"/>
+                <a:shade val="78000"/>
+              </a:schemeClr>
+            </a:gs>
+          </a:gsLst>
+          <a:lin ang="5400000" scaled="0"/>
+        </a:gradFill>
+      </a:fillStyleLst>
+      <a:lnStyleLst>
+        <a:ln w="6350" cap="flat" cmpd="sng" algn="ctr">
+          <a:solidFill>
+            <a:schemeClr val="phClr"/>
+          </a:solidFill>
+          <a:prstDash val="solid"/>
+          <a:miter lim="800000"/>
+        </a:ln>
+        <a:ln w="12700" cap="flat" cmpd="sng" algn="ctr">
+          <a:solidFill>
+            <a:schemeClr val="phClr"/>
+          </a:solidFill>
+          <a:prstDash val="solid"/>
+          <a:miter lim="800000"/>
+        </a:ln>
+        <a:ln w="19050" cap="flat" cmpd="sng" algn="ctr">
+          <a:solidFill>
+            <a:schemeClr val="phClr"/>
+          </a:solidFill>
+          <a:prstDash val="solid"/>
+          <a:miter lim="800000"/>
+        </a:ln>
+      </a:lnStyleLst>
+      <a:effectStyleLst>
+        <a:effectStyle>
+          <a:effectLst/>
+        </a:effectStyle>
+        <a:effectStyle>
+          <a:effectLst/>
+        </a:effectStyle>
+        <a:effectStyle>
+          <a:effectLst>
+            <a:outerShdw blurRad="57150" dist="19050" dir="5400000" algn="ctr" rotWithShape="0">
+              <a:srgbClr val="000000">
+                <a:alpha val="63000"/>
+              </a:srgbClr>
+            </a:outerShdw>
+          </a:effectLst>
+        </a:effectStyle>
+      </a:effectStyleLst>
+      <a:bgFillStyleLst>
+        <a:solidFill>
+          <a:schemeClr val="phClr"/>
+        </a:solidFill>
+        <a:solidFill>
+          <a:schemeClr val="phClr">
+            <a:tint val="95000"/>
+            <a:satMod val="170000"/>
+          </a:schemeClr>
+        </a:solidFill>
+        <a:gradFill rotWithShape="1">
+          <a:gsLst>
+            <a:gs pos="0">
+              <a:schemeClr val="phClr">
+                <a:tint val="93000"/>
+                <a:satMod val="150000"/>
+                <a:shade val="98000"/>
+                <a:lumMod val="102000"/>
+              </a:schemeClr>
+            </a:gs>
+            <a:gs pos="50000">
+              <a:schemeClr val="phClr">
+                <a:tint val="98000"/>
+                <a:satMod val="130000"/>
+                <a:shade val="90000"/>
+                <a:lumMod val="103000"/>
+              </a:schemeClr>
+            </a:gs>
+            <a:gs pos="100000">
+              <a:schemeClr val="phClr">
+                <a:shade val="63000"/>
+                <a:satMod val="120000"/>
+              </a:schemeClr>
+            </a:gs>
+          </a:gsLst>
+          <a:lin ang="5400000" scaled="0"/>
+        </a:gradFill>
+      </a:bgFillStyleLst>
+    </a:fmtScheme>
+  </a:themeElements>
+  <a:objectDefaults/>
+  <a:extraClrSchemeLst/>
+  <a:extLst>
+    <a:ext uri="{05A4C25C-085E-4340-85A3-A5531E510DB2}">
+      <thm15:themeFamily xmlns:thm15="http://schemas.microsoft.com/office/thememl/2012/main" name="Office Theme" id="{62F939B6-93AF-4DB8-9C6B-D6C7DFDC589F}" vid="{4A3C46E8-61CC-4603-A589-7422A47A8E4A}"/>
+    </a:ext>
+  </a:extLst>
+</a:theme>
 </file>
--- a/Presentations/AOPwiki_analysis.pptx
+++ b/Presentations/AOPwiki_analysis.pptx
@@ -5,7 +5,7 @@
     <p:sldMasterId id="2147483684" r:id="rId1"/>
   </p:sldMasterIdLst>
   <p:notesMasterIdLst>
-    <p:notesMasterId r:id="rId17"/>
+    <p:notesMasterId r:id="rId16"/>
   </p:notesMasterIdLst>
   <p:sldIdLst>
     <p:sldId id="256" r:id="rId2"/>
@@ -22,7 +22,6 @@
     <p:sldId id="270" r:id="rId13"/>
     <p:sldId id="271" r:id="rId14"/>
     <p:sldId id="272" r:id="rId15"/>
-    <p:sldId id="273" r:id="rId16"/>
   </p:sldIdLst>
   <p:sldSz cx="12192000" cy="6858000"/>
   <p:notesSz cx="6858000" cy="9144000"/>
@@ -140,7 +139,6 @@
             <p14:sldId id="270"/>
             <p14:sldId id="271"/>
             <p14:sldId id="272"/>
-            <p14:sldId id="273"/>
           </p14:sldIdLst>
         </p14:section>
       </p14:sectionLst>
@@ -246,7 +244,7 @@
           <a:p>
             <a:fld id="{000F2778-583D-47DD-9F96-F6161A447264}" type="datetimeFigureOut">
               <a:rPr lang="en-US" smtClean="0"/>
-              <a:t>6/8/2017</a:t>
+              <a:t>6/19/2017</a:t>
             </a:fld>
             <a:endParaRPr lang="en-US"/>
           </a:p>
@@ -559,6 +557,14 @@
           <a:p>
             <a:r>
               <a:rPr lang="en-US" dirty="0"/>
+              <a:t>To</a:t>
+            </a:r>
+            <a:r>
+              <a:rPr lang="en-US" baseline="0" dirty="0"/>
+              <a:t> do: </a:t>
+            </a:r>
+            <a:r>
+              <a:rPr lang="en-US" dirty="0"/>
               <a:t>Expand color palette,</a:t>
             </a:r>
             <a:r>
@@ -665,6 +671,14 @@
           <a:p>
             <a:r>
               <a:rPr lang="en-US" dirty="0"/>
+              <a:t>To do:</a:t>
+            </a:r>
+            <a:r>
+              <a:rPr lang="en-US" baseline="0" dirty="0"/>
+              <a:t> </a:t>
+            </a:r>
+            <a:r>
+              <a:rPr lang="en-US" dirty="0"/>
               <a:t>Network analysis to identify SODAs?</a:t>
             </a:r>
             <a:r>
@@ -757,6 +771,14 @@
           <a:p>
             <a:r>
               <a:rPr lang="en-US" dirty="0"/>
+              <a:t>To do:</a:t>
+            </a:r>
+            <a:r>
+              <a:rPr lang="en-US" baseline="0" dirty="0"/>
+              <a:t> </a:t>
+            </a:r>
+            <a:r>
+              <a:rPr lang="en-US" dirty="0"/>
               <a:t>Create layout</a:t>
             </a:r>
             <a:r>
@@ -848,7 +870,7 @@
           <a:p>
             <a:r>
               <a:rPr lang="en-US" dirty="0"/>
-              <a:t>More specific</a:t>
+              <a:t>To do: More specific</a:t>
             </a:r>
             <a:r>
               <a:rPr lang="en-US" baseline="0" dirty="0"/>
@@ -940,7 +962,7 @@
           <a:p>
             <a:r>
               <a:rPr lang="en-US" dirty="0"/>
-              <a:t>Incomplete AOP vs</a:t>
+              <a:t>To do: Incomplete AOP vs</a:t>
             </a:r>
             <a:r>
               <a:rPr lang="en-US" baseline="0" dirty="0"/>
@@ -977,90 +999,6 @@
     <p:extLst>
       <p:ext uri="{BB962C8B-B14F-4D97-AF65-F5344CB8AC3E}">
         <p14:creationId xmlns:p14="http://schemas.microsoft.com/office/powerpoint/2010/main" val="3551145391"/>
-      </p:ext>
-    </p:extLst>
-  </p:cSld>
-  <p:clrMapOvr>
-    <a:masterClrMapping/>
-  </p:clrMapOvr>
-</p:notes>
-</file>
-
-<file path=ppt/notesSlides/notesSlide6.xml><?xml version="1.0" encoding="utf-8"?>
-<p:notes xmlns:a="http://schemas.openxmlformats.org/drawingml/2006/main" xmlns:r="http://schemas.openxmlformats.org/officeDocument/2006/relationships" xmlns:p="http://schemas.openxmlformats.org/presentationml/2006/main">
-  <p:cSld>
-    <p:spTree>
-      <p:nvGrpSpPr>
-        <p:cNvPr id="1" name=""/>
-        <p:cNvGrpSpPr/>
-        <p:nvPr/>
-      </p:nvGrpSpPr>
-      <p:grpSpPr>
-        <a:xfrm>
-          <a:off x="0" y="0"/>
-          <a:ext cx="0" cy="0"/>
-          <a:chOff x="0" y="0"/>
-          <a:chExt cx="0" cy="0"/>
-        </a:xfrm>
-      </p:grpSpPr>
-      <p:sp>
-        <p:nvSpPr>
-          <p:cNvPr id="2" name="Slide Image Placeholder 1"/>
-          <p:cNvSpPr>
-            <a:spLocks noGrp="1" noRot="1" noChangeAspect="1"/>
-          </p:cNvSpPr>
-          <p:nvPr>
-            <p:ph type="sldImg"/>
-          </p:nvPr>
-        </p:nvSpPr>
-        <p:spPr/>
-      </p:sp>
-      <p:sp>
-        <p:nvSpPr>
-          <p:cNvPr id="3" name="Notes Placeholder 2"/>
-          <p:cNvSpPr>
-            <a:spLocks noGrp="1"/>
-          </p:cNvSpPr>
-          <p:nvPr>
-            <p:ph type="body" idx="1"/>
-          </p:nvPr>
-        </p:nvSpPr>
-        <p:spPr/>
-        <p:txBody>
-          <a:bodyPr/>
-          <a:lstStyle/>
-          <a:p>
-            <a:endParaRPr lang="en-US" dirty="0"/>
-          </a:p>
-        </p:txBody>
-      </p:sp>
-      <p:sp>
-        <p:nvSpPr>
-          <p:cNvPr id="4" name="Slide Number Placeholder 3"/>
-          <p:cNvSpPr>
-            <a:spLocks noGrp="1"/>
-          </p:cNvSpPr>
-          <p:nvPr>
-            <p:ph type="sldNum" sz="quarter" idx="10"/>
-          </p:nvPr>
-        </p:nvSpPr>
-        <p:spPr/>
-        <p:txBody>
-          <a:bodyPr/>
-          <a:lstStyle/>
-          <a:p>
-            <a:fld id="{8C5291EA-D524-4968-939F-FF9188A27C11}" type="slidenum">
-              <a:rPr lang="en-US" smtClean="0"/>
-              <a:t>15</a:t>
-            </a:fld>
-            <a:endParaRPr lang="en-US"/>
-          </a:p>
-        </p:txBody>
-      </p:sp>
-    </p:spTree>
-    <p:extLst>
-      <p:ext uri="{BB962C8B-B14F-4D97-AF65-F5344CB8AC3E}">
-        <p14:creationId xmlns:p14="http://schemas.microsoft.com/office/powerpoint/2010/main" val="3716588743"/>
       </p:ext>
     </p:extLst>
   </p:cSld>
@@ -1201,7 +1139,7 @@
           <a:p>
             <a:fld id="{C71581C8-DC5B-4BAA-A235-D61CE073C796}" type="datetimeFigureOut">
               <a:rPr lang="en-US" smtClean="0"/>
-              <a:t>6/8/2017</a:t>
+              <a:t>6/19/2017</a:t>
             </a:fld>
             <a:endParaRPr lang="en-US"/>
           </a:p>
@@ -1376,7 +1314,7 @@
           <a:p>
             <a:fld id="{C71581C8-DC5B-4BAA-A235-D61CE073C796}" type="datetimeFigureOut">
               <a:rPr lang="en-US" smtClean="0"/>
-              <a:t>6/8/2017</a:t>
+              <a:t>6/19/2017</a:t>
             </a:fld>
             <a:endParaRPr lang="en-US"/>
           </a:p>
@@ -1556,7 +1494,7 @@
           <a:p>
             <a:fld id="{C71581C8-DC5B-4BAA-A235-D61CE073C796}" type="datetimeFigureOut">
               <a:rPr lang="en-US" smtClean="0"/>
-              <a:t>6/8/2017</a:t>
+              <a:t>6/19/2017</a:t>
             </a:fld>
             <a:endParaRPr lang="en-US"/>
           </a:p>
@@ -1731,7 +1669,7 @@
           <a:p>
             <a:fld id="{C71581C8-DC5B-4BAA-A235-D61CE073C796}" type="datetimeFigureOut">
               <a:rPr lang="en-US" smtClean="0"/>
-              <a:t>6/8/2017</a:t>
+              <a:t>6/19/2017</a:t>
             </a:fld>
             <a:endParaRPr lang="en-US"/>
           </a:p>
@@ -1977,7 +1915,7 @@
           <a:p>
             <a:fld id="{C71581C8-DC5B-4BAA-A235-D61CE073C796}" type="datetimeFigureOut">
               <a:rPr lang="en-US" smtClean="0"/>
-              <a:t>6/8/2017</a:t>
+              <a:t>6/19/2017</a:t>
             </a:fld>
             <a:endParaRPr lang="en-US"/>
           </a:p>
@@ -2214,7 +2152,7 @@
           <a:p>
             <a:fld id="{C71581C8-DC5B-4BAA-A235-D61CE073C796}" type="datetimeFigureOut">
               <a:rPr lang="en-US" smtClean="0"/>
-              <a:t>6/8/2017</a:t>
+              <a:t>6/19/2017</a:t>
             </a:fld>
             <a:endParaRPr lang="en-US"/>
           </a:p>
@@ -2581,7 +2519,7 @@
           <a:p>
             <a:fld id="{C71581C8-DC5B-4BAA-A235-D61CE073C796}" type="datetimeFigureOut">
               <a:rPr lang="en-US" smtClean="0"/>
-              <a:t>6/8/2017</a:t>
+              <a:t>6/19/2017</a:t>
             </a:fld>
             <a:endParaRPr lang="en-US"/>
           </a:p>
@@ -2699,7 +2637,7 @@
           <a:p>
             <a:fld id="{C71581C8-DC5B-4BAA-A235-D61CE073C796}" type="datetimeFigureOut">
               <a:rPr lang="en-US" smtClean="0"/>
-              <a:t>6/8/2017</a:t>
+              <a:t>6/19/2017</a:t>
             </a:fld>
             <a:endParaRPr lang="en-US"/>
           </a:p>
@@ -2794,7 +2732,7 @@
           <a:p>
             <a:fld id="{C71581C8-DC5B-4BAA-A235-D61CE073C796}" type="datetimeFigureOut">
               <a:rPr lang="en-US" smtClean="0"/>
-              <a:t>6/8/2017</a:t>
+              <a:t>6/19/2017</a:t>
             </a:fld>
             <a:endParaRPr lang="en-US"/>
           </a:p>
@@ -3071,7 +3009,7 @@
           <a:p>
             <a:fld id="{C71581C8-DC5B-4BAA-A235-D61CE073C796}" type="datetimeFigureOut">
               <a:rPr lang="en-US" smtClean="0"/>
-              <a:t>6/8/2017</a:t>
+              <a:t>6/19/2017</a:t>
             </a:fld>
             <a:endParaRPr lang="en-US"/>
           </a:p>
@@ -3328,7 +3266,7 @@
           <a:p>
             <a:fld id="{C71581C8-DC5B-4BAA-A235-D61CE073C796}" type="datetimeFigureOut">
               <a:rPr lang="en-US" smtClean="0"/>
-              <a:t>6/8/2017</a:t>
+              <a:t>6/19/2017</a:t>
             </a:fld>
             <a:endParaRPr lang="en-US"/>
           </a:p>
@@ -3541,7 +3479,7 @@
           <a:p>
             <a:fld id="{C71581C8-DC5B-4BAA-A235-D61CE073C796}" type="datetimeFigureOut">
               <a:rPr lang="en-US" smtClean="0"/>
-              <a:t>6/8/2017</a:t>
+              <a:t>6/19/2017</a:t>
             </a:fld>
             <a:endParaRPr lang="en-US"/>
           </a:p>
@@ -3963,16 +3901,46 @@
         </p:nvSpPr>
         <p:spPr/>
         <p:txBody>
-          <a:bodyPr/>
-          <a:lstStyle/>
-          <a:p>
-            <a:r>
-              <a:rPr lang="en-US" dirty="0" err="1"/>
-              <a:t>AOPWiki</a:t>
-            </a:r>
+          <a:bodyPr>
+            <a:normAutofit fontScale="90000"/>
+          </a:bodyPr>
+          <a:lstStyle/>
+          <a:p>
+            <a:pPr algn="l"/>
+            <a:r>
+              <a:rPr lang="en-US" b="1" dirty="0"/>
+              <a:t>Adverse Outcome Pathway Network Analyses: Techniques and benchmarking the AOPwiki</a:t>
+            </a:r>
+            <a:endParaRPr lang="en-US" dirty="0"/>
+          </a:p>
+        </p:txBody>
+      </p:sp>
+      <p:sp>
+        <p:nvSpPr>
+          <p:cNvPr id="3" name="TextBox 2"/>
+          <p:cNvSpPr txBox="1"/>
+          <p:nvPr/>
+        </p:nvSpPr>
+        <p:spPr>
+          <a:xfrm>
+            <a:off x="1644015" y="3840480"/>
+            <a:ext cx="8903970" cy="369332"/>
+          </a:xfrm>
+          <a:prstGeom prst="rect">
+            <a:avLst/>
+          </a:prstGeom>
+          <a:noFill/>
+        </p:spPr>
+        <p:txBody>
+          <a:bodyPr wrap="square" rtlCol="0">
+            <a:spAutoFit/>
+          </a:bodyPr>
+          <a:lstStyle/>
+          <a:p>
+            <a:pPr algn="ctr"/>
             <a:r>
               <a:rPr lang="en-US" dirty="0"/>
-              <a:t> Network Analysis</a:t>
+              <a:t>Nate Pollesch, Jason O’ Brien, and Dan Villeneuve</a:t>
             </a:r>
           </a:p>
         </p:txBody>
@@ -5774,132 +5742,6 @@
 </p:sld>
 </file>
 
-<file path=ppt/slides/slide15.xml><?xml version="1.0" encoding="utf-8"?>
-<p:sld xmlns:a="http://schemas.openxmlformats.org/drawingml/2006/main" xmlns:r="http://schemas.openxmlformats.org/officeDocument/2006/relationships" xmlns:p="http://schemas.openxmlformats.org/presentationml/2006/main">
-  <p:cSld>
-    <p:spTree>
-      <p:nvGrpSpPr>
-        <p:cNvPr id="1" name=""/>
-        <p:cNvGrpSpPr/>
-        <p:nvPr/>
-      </p:nvGrpSpPr>
-      <p:grpSpPr>
-        <a:xfrm>
-          <a:off x="0" y="0"/>
-          <a:ext cx="0" cy="0"/>
-          <a:chOff x="0" y="0"/>
-          <a:chExt cx="0" cy="0"/>
-        </a:xfrm>
-      </p:grpSpPr>
-      <p:sp>
-        <p:nvSpPr>
-          <p:cNvPr id="2" name="Title 1"/>
-          <p:cNvSpPr>
-            <a:spLocks noGrp="1"/>
-          </p:cNvSpPr>
-          <p:nvPr>
-            <p:ph type="title"/>
-          </p:nvPr>
-        </p:nvSpPr>
-        <p:spPr/>
-        <p:txBody>
-          <a:bodyPr/>
-          <a:lstStyle/>
-          <a:p>
-            <a:r>
-              <a:rPr lang="en-US" dirty="0"/>
-              <a:t>Analyses to add	</a:t>
-            </a:r>
-          </a:p>
-        </p:txBody>
-      </p:sp>
-      <p:sp>
-        <p:nvSpPr>
-          <p:cNvPr id="3" name="Content Placeholder 2"/>
-          <p:cNvSpPr>
-            <a:spLocks noGrp="1"/>
-          </p:cNvSpPr>
-          <p:nvPr>
-            <p:ph idx="1"/>
-          </p:nvPr>
-        </p:nvSpPr>
-        <p:spPr/>
-        <p:txBody>
-          <a:bodyPr/>
-          <a:lstStyle/>
-          <a:p>
-            <a:r>
-              <a:rPr lang="en-US" dirty="0"/>
-              <a:t>Resilience measures?</a:t>
-            </a:r>
-          </a:p>
-          <a:p>
-            <a:pPr lvl="1"/>
-            <a:r>
-              <a:rPr lang="en-US" dirty="0"/>
-              <a:t>Node removal while maintaining connectivity </a:t>
-            </a:r>
-          </a:p>
-          <a:p>
-            <a:pPr lvl="1"/>
-            <a:r>
-              <a:rPr lang="en-US" dirty="0"/>
-              <a:t>General strength of AOP wiki</a:t>
-            </a:r>
-          </a:p>
-          <a:p>
-            <a:r>
-              <a:rPr lang="en-US" dirty="0"/>
-              <a:t>Annual growth or change of AOP wiki.  Can we do this retrospectively? </a:t>
-            </a:r>
-          </a:p>
-          <a:p>
-            <a:r>
-              <a:rPr lang="en-US" dirty="0"/>
-              <a:t>Make action items</a:t>
-            </a:r>
-          </a:p>
-          <a:p>
-            <a:pPr lvl="1"/>
-            <a:r>
-              <a:rPr lang="en-US" dirty="0"/>
-              <a:t>Reach out to Steven Edwards (wiki master) extend invite as co-author.</a:t>
-            </a:r>
-          </a:p>
-        </p:txBody>
-      </p:sp>
-      <p:sp>
-        <p:nvSpPr>
-          <p:cNvPr id="4" name="Text Placeholder 3"/>
-          <p:cNvSpPr>
-            <a:spLocks noGrp="1"/>
-          </p:cNvSpPr>
-          <p:nvPr>
-            <p:ph type="body" sz="half" idx="2"/>
-          </p:nvPr>
-        </p:nvSpPr>
-        <p:spPr/>
-        <p:txBody>
-          <a:bodyPr/>
-          <a:lstStyle/>
-          <a:p>
-            <a:endParaRPr lang="en-US"/>
-          </a:p>
-        </p:txBody>
-      </p:sp>
-    </p:spTree>
-    <p:extLst>
-      <p:ext uri="{BB962C8B-B14F-4D97-AF65-F5344CB8AC3E}">
-        <p14:creationId xmlns:p14="http://schemas.microsoft.com/office/powerpoint/2010/main" val="2447896441"/>
-      </p:ext>
-    </p:extLst>
-  </p:cSld>
-  <p:clrMapOvr>
-    <a:masterClrMapping/>
-  </p:clrMapOvr>
-</p:sld>
-</file>
-
 <file path=ppt/slides/slide2.xml><?xml version="1.0" encoding="utf-8"?>
 <p:sld xmlns:a="http://schemas.openxmlformats.org/drawingml/2006/main" xmlns:r="http://schemas.openxmlformats.org/officeDocument/2006/relationships" xmlns:p="http://schemas.openxmlformats.org/presentationml/2006/main">
   <p:cSld>
@@ -6204,12 +6046,6 @@
           </a:bodyPr>
           <a:lstStyle/>
           <a:p>
-            <a:r>
-              <a:rPr lang="en-US" dirty="0"/>
-              <a:t>The AOP wiki has:</a:t>
-            </a:r>
-          </a:p>
-          <a:p>
             <a:pPr marL="285750" indent="-285750">
               <a:buFont typeface="Arial" panose="020B0604020202020204" pitchFamily="34" charset="0"/>
               <a:buChar char="•"/>
@@ -6251,6 +6087,65 @@
           </a:p>
         </p:txBody>
       </p:sp>
+      <p:pic>
+        <p:nvPicPr>
+          <p:cNvPr id="3" name="Picture 2" descr="Screen Clipping"/>
+          <p:cNvPicPr>
+            <a:picLocks noChangeAspect="1"/>
+          </p:cNvPicPr>
+          <p:nvPr/>
+        </p:nvPicPr>
+        <p:blipFill rotWithShape="1">
+          <a:blip r:embed="rId6">
+            <a:extLst>
+              <a:ext uri="{28A0092B-C50C-407E-A947-70E740481C1C}">
+                <a14:useLocalDpi xmlns:a14="http://schemas.microsoft.com/office/drawing/2010/main" val="0"/>
+              </a:ext>
+            </a:extLst>
+          </a:blip>
+          <a:srcRect t="1063"/>
+          <a:stretch/>
+        </p:blipFill>
+        <p:spPr>
+          <a:xfrm>
+            <a:off x="5344025" y="61502"/>
+            <a:ext cx="6703195" cy="6785068"/>
+          </a:xfrm>
+          <a:prstGeom prst="rect">
+            <a:avLst/>
+          </a:prstGeom>
+        </p:spPr>
+      </p:pic>
+      <p:pic>
+        <p:nvPicPr>
+          <p:cNvPr id="6" name="Picture 5" descr="Screen Clipping"/>
+          <p:cNvPicPr>
+            <a:picLocks noChangeAspect="1"/>
+          </p:cNvPicPr>
+          <p:nvPr/>
+        </p:nvPicPr>
+        <p:blipFill>
+          <a:blip r:embed="rId7">
+            <a:extLst>
+              <a:ext uri="{28A0092B-C50C-407E-A947-70E740481C1C}">
+                <a14:useLocalDpi xmlns:a14="http://schemas.microsoft.com/office/drawing/2010/main" val="0"/>
+              </a:ext>
+            </a:extLst>
+          </a:blip>
+          <a:stretch>
+            <a:fillRect/>
+          </a:stretch>
+        </p:blipFill>
+        <p:spPr>
+          <a:xfrm>
+            <a:off x="574478" y="3107234"/>
+            <a:ext cx="4024259" cy="3750766"/>
+          </a:xfrm>
+          <a:prstGeom prst="rect">
+            <a:avLst/>
+          </a:prstGeom>
+        </p:spPr>
+      </p:pic>
     </p:spTree>
     <p:extLst>
       <p:ext uri="{BB962C8B-B14F-4D97-AF65-F5344CB8AC3E}">

--- a/Presentations/AOPwiki_analysis.pptx
+++ b/Presentations/AOPwiki_analysis.pptx
@@ -5,7 +5,7 @@
     <p:sldMasterId id="2147483684" r:id="rId1"/>
   </p:sldMasterIdLst>
   <p:notesMasterIdLst>
-    <p:notesMasterId r:id="rId16"/>
+    <p:notesMasterId r:id="rId20"/>
   </p:notesMasterIdLst>
   <p:sldIdLst>
     <p:sldId id="256" r:id="rId2"/>
@@ -17,11 +17,15 @@
     <p:sldId id="267" r:id="rId8"/>
     <p:sldId id="265" r:id="rId9"/>
     <p:sldId id="262" r:id="rId10"/>
-    <p:sldId id="263" r:id="rId11"/>
-    <p:sldId id="269" r:id="rId12"/>
-    <p:sldId id="270" r:id="rId13"/>
-    <p:sldId id="271" r:id="rId14"/>
-    <p:sldId id="272" r:id="rId15"/>
+    <p:sldId id="273" r:id="rId11"/>
+    <p:sldId id="263" r:id="rId12"/>
+    <p:sldId id="269" r:id="rId13"/>
+    <p:sldId id="274" r:id="rId14"/>
+    <p:sldId id="270" r:id="rId15"/>
+    <p:sldId id="275" r:id="rId16"/>
+    <p:sldId id="271" r:id="rId17"/>
+    <p:sldId id="276" r:id="rId18"/>
+    <p:sldId id="272" r:id="rId19"/>
   </p:sldIdLst>
   <p:sldSz cx="12192000" cy="6858000"/>
   <p:notesSz cx="6858000" cy="9144000"/>
@@ -134,10 +138,14 @@
             <p14:sldId id="267"/>
             <p14:sldId id="265"/>
             <p14:sldId id="262"/>
+            <p14:sldId id="273"/>
             <p14:sldId id="263"/>
             <p14:sldId id="269"/>
+            <p14:sldId id="274"/>
             <p14:sldId id="270"/>
+            <p14:sldId id="275"/>
             <p14:sldId id="271"/>
+            <p14:sldId id="276"/>
             <p14:sldId id="272"/>
           </p14:sldIdLst>
         </p14:section>
@@ -870,13 +878,20 @@
           <a:p>
             <a:r>
               <a:rPr lang="en-US" dirty="0"/>
-              <a:t>To do: More specific</a:t>
+              <a:t>To do:</a:t>
             </a:r>
             <a:r>
               <a:rPr lang="en-US" baseline="0" dirty="0"/>
-              <a:t> information based on centrality measures.  Expand to include better information about KEs, maybe show top ten?</a:t>
-            </a:r>
-            <a:endParaRPr lang="en-US" dirty="0"/>
+              <a:t> </a:t>
+            </a:r>
+            <a:r>
+              <a:rPr lang="en-US" dirty="0"/>
+              <a:t>Create layout</a:t>
+            </a:r>
+            <a:r>
+              <a:rPr lang="en-US" baseline="0" dirty="0"/>
+              <a:t> for AOP networks based on level of biological organization. Can we do a similar analysis for MIE and AO?  What about KEs/KERs/AOPs by author?   </a:t>
+            </a:r>
           </a:p>
         </p:txBody>
       </p:sp>
@@ -897,7 +912,7 @@
           <a:p>
             <a:fld id="{8C5291EA-D524-4968-939F-FF9188A27C11}" type="slidenum">
               <a:rPr lang="en-US" smtClean="0"/>
-              <a:t>11</a:t>
+              <a:t>10</a:t>
             </a:fld>
             <a:endParaRPr lang="en-US"/>
           </a:p>
@@ -906,7 +921,7 @@
     </p:spTree>
     <p:extLst>
       <p:ext uri="{BB962C8B-B14F-4D97-AF65-F5344CB8AC3E}">
-        <p14:creationId xmlns:p14="http://schemas.microsoft.com/office/powerpoint/2010/main" val="4164765406"/>
+        <p14:creationId xmlns:p14="http://schemas.microsoft.com/office/powerpoint/2010/main" val="260849188"/>
       </p:ext>
     </p:extLst>
   </p:cSld>
@@ -962,11 +977,11 @@
           <a:p>
             <a:r>
               <a:rPr lang="en-US" dirty="0"/>
-              <a:t>To do: Incomplete AOP vs</a:t>
+              <a:t>To do: More specific</a:t>
             </a:r>
             <a:r>
               <a:rPr lang="en-US" baseline="0" dirty="0"/>
-              <a:t> Complete AOP and ability to identify AOs and MIEs.  With proper annotation we can use these analyses to identify complete vs incomplete AOPs.  </a:t>
+              <a:t> information based on centrality measures.  Expand to include better information about KEs, maybe show top ten?</a:t>
             </a:r>
             <a:endParaRPr lang="en-US" dirty="0"/>
           </a:p>
@@ -998,7 +1013,283 @@
     </p:spTree>
     <p:extLst>
       <p:ext uri="{BB962C8B-B14F-4D97-AF65-F5344CB8AC3E}">
+        <p14:creationId xmlns:p14="http://schemas.microsoft.com/office/powerpoint/2010/main" val="4164765406"/>
+      </p:ext>
+    </p:extLst>
+  </p:cSld>
+  <p:clrMapOvr>
+    <a:masterClrMapping/>
+  </p:clrMapOvr>
+</p:notes>
+</file>
+
+<file path=ppt/notesSlides/notesSlide6.xml><?xml version="1.0" encoding="utf-8"?>
+<p:notes xmlns:a="http://schemas.openxmlformats.org/drawingml/2006/main" xmlns:r="http://schemas.openxmlformats.org/officeDocument/2006/relationships" xmlns:p="http://schemas.openxmlformats.org/presentationml/2006/main">
+  <p:cSld>
+    <p:spTree>
+      <p:nvGrpSpPr>
+        <p:cNvPr id="1" name=""/>
+        <p:cNvGrpSpPr/>
+        <p:nvPr/>
+      </p:nvGrpSpPr>
+      <p:grpSpPr>
+        <a:xfrm>
+          <a:off x="0" y="0"/>
+          <a:ext cx="0" cy="0"/>
+          <a:chOff x="0" y="0"/>
+          <a:chExt cx="0" cy="0"/>
+        </a:xfrm>
+      </p:grpSpPr>
+      <p:sp>
+        <p:nvSpPr>
+          <p:cNvPr id="2" name="Slide Image Placeholder 1"/>
+          <p:cNvSpPr>
+            <a:spLocks noGrp="1" noRot="1" noChangeAspect="1"/>
+          </p:cNvSpPr>
+          <p:nvPr>
+            <p:ph type="sldImg"/>
+          </p:nvPr>
+        </p:nvSpPr>
+        <p:spPr/>
+      </p:sp>
+      <p:sp>
+        <p:nvSpPr>
+          <p:cNvPr id="3" name="Notes Placeholder 2"/>
+          <p:cNvSpPr>
+            <a:spLocks noGrp="1"/>
+          </p:cNvSpPr>
+          <p:nvPr>
+            <p:ph type="body" idx="1"/>
+          </p:nvPr>
+        </p:nvSpPr>
+        <p:spPr/>
+        <p:txBody>
+          <a:bodyPr/>
+          <a:lstStyle/>
+          <a:p>
+            <a:r>
+              <a:rPr lang="en-US" dirty="0"/>
+              <a:t>To do: More specific</a:t>
+            </a:r>
+            <a:r>
+              <a:rPr lang="en-US" baseline="0" dirty="0"/>
+              <a:t> information based on centrality measures.  Expand to include better information about KEs, maybe show top ten?</a:t>
+            </a:r>
+            <a:endParaRPr lang="en-US" dirty="0"/>
+          </a:p>
+        </p:txBody>
+      </p:sp>
+      <p:sp>
+        <p:nvSpPr>
+          <p:cNvPr id="4" name="Slide Number Placeholder 3"/>
+          <p:cNvSpPr>
+            <a:spLocks noGrp="1"/>
+          </p:cNvSpPr>
+          <p:nvPr>
+            <p:ph type="sldNum" sz="quarter" idx="10"/>
+          </p:nvPr>
+        </p:nvSpPr>
+        <p:spPr/>
+        <p:txBody>
+          <a:bodyPr/>
+          <a:lstStyle/>
+          <a:p>
+            <a:fld id="{8C5291EA-D524-4968-939F-FF9188A27C11}" type="slidenum">
+              <a:rPr lang="en-US" smtClean="0"/>
+              <a:t>13</a:t>
+            </a:fld>
+            <a:endParaRPr lang="en-US"/>
+          </a:p>
+        </p:txBody>
+      </p:sp>
+    </p:spTree>
+    <p:extLst>
+      <p:ext uri="{BB962C8B-B14F-4D97-AF65-F5344CB8AC3E}">
+        <p14:creationId xmlns:p14="http://schemas.microsoft.com/office/powerpoint/2010/main" val="779683296"/>
+      </p:ext>
+    </p:extLst>
+  </p:cSld>
+  <p:clrMapOvr>
+    <a:masterClrMapping/>
+  </p:clrMapOvr>
+</p:notes>
+</file>
+
+<file path=ppt/notesSlides/notesSlide7.xml><?xml version="1.0" encoding="utf-8"?>
+<p:notes xmlns:a="http://schemas.openxmlformats.org/drawingml/2006/main" xmlns:r="http://schemas.openxmlformats.org/officeDocument/2006/relationships" xmlns:p="http://schemas.openxmlformats.org/presentationml/2006/main">
+  <p:cSld>
+    <p:spTree>
+      <p:nvGrpSpPr>
+        <p:cNvPr id="1" name=""/>
+        <p:cNvGrpSpPr/>
+        <p:nvPr/>
+      </p:nvGrpSpPr>
+      <p:grpSpPr>
+        <a:xfrm>
+          <a:off x="0" y="0"/>
+          <a:ext cx="0" cy="0"/>
+          <a:chOff x="0" y="0"/>
+          <a:chExt cx="0" cy="0"/>
+        </a:xfrm>
+      </p:grpSpPr>
+      <p:sp>
+        <p:nvSpPr>
+          <p:cNvPr id="2" name="Slide Image Placeholder 1"/>
+          <p:cNvSpPr>
+            <a:spLocks noGrp="1" noRot="1" noChangeAspect="1"/>
+          </p:cNvSpPr>
+          <p:nvPr>
+            <p:ph type="sldImg"/>
+          </p:nvPr>
+        </p:nvSpPr>
+        <p:spPr/>
+      </p:sp>
+      <p:sp>
+        <p:nvSpPr>
+          <p:cNvPr id="3" name="Notes Placeholder 2"/>
+          <p:cNvSpPr>
+            <a:spLocks noGrp="1"/>
+          </p:cNvSpPr>
+          <p:nvPr>
+            <p:ph type="body" idx="1"/>
+          </p:nvPr>
+        </p:nvSpPr>
+        <p:spPr/>
+        <p:txBody>
+          <a:bodyPr/>
+          <a:lstStyle/>
+          <a:p>
+            <a:r>
+              <a:rPr lang="en-US" dirty="0"/>
+              <a:t>To do: Incomplete AOP vs</a:t>
+            </a:r>
+            <a:r>
+              <a:rPr lang="en-US" baseline="0" dirty="0"/>
+              <a:t> Complete AOP and ability to identify AOs and MIEs.  With proper annotation we can use these analyses to identify complete vs incomplete AOPs.  </a:t>
+            </a:r>
+            <a:endParaRPr lang="en-US" dirty="0"/>
+          </a:p>
+        </p:txBody>
+      </p:sp>
+      <p:sp>
+        <p:nvSpPr>
+          <p:cNvPr id="4" name="Slide Number Placeholder 3"/>
+          <p:cNvSpPr>
+            <a:spLocks noGrp="1"/>
+          </p:cNvSpPr>
+          <p:nvPr>
+            <p:ph type="sldNum" sz="quarter" idx="10"/>
+          </p:nvPr>
+        </p:nvSpPr>
+        <p:spPr/>
+        <p:txBody>
+          <a:bodyPr/>
+          <a:lstStyle/>
+          <a:p>
+            <a:fld id="{8C5291EA-D524-4968-939F-FF9188A27C11}" type="slidenum">
+              <a:rPr lang="en-US" smtClean="0"/>
+              <a:t>14</a:t>
+            </a:fld>
+            <a:endParaRPr lang="en-US"/>
+          </a:p>
+        </p:txBody>
+      </p:sp>
+    </p:spTree>
+    <p:extLst>
+      <p:ext uri="{BB962C8B-B14F-4D97-AF65-F5344CB8AC3E}">
         <p14:creationId xmlns:p14="http://schemas.microsoft.com/office/powerpoint/2010/main" val="3551145391"/>
+      </p:ext>
+    </p:extLst>
+  </p:cSld>
+  <p:clrMapOvr>
+    <a:masterClrMapping/>
+  </p:clrMapOvr>
+</p:notes>
+</file>
+
+<file path=ppt/notesSlides/notesSlide8.xml><?xml version="1.0" encoding="utf-8"?>
+<p:notes xmlns:a="http://schemas.openxmlformats.org/drawingml/2006/main" xmlns:r="http://schemas.openxmlformats.org/officeDocument/2006/relationships" xmlns:p="http://schemas.openxmlformats.org/presentationml/2006/main">
+  <p:cSld>
+    <p:spTree>
+      <p:nvGrpSpPr>
+        <p:cNvPr id="1" name=""/>
+        <p:cNvGrpSpPr/>
+        <p:nvPr/>
+      </p:nvGrpSpPr>
+      <p:grpSpPr>
+        <a:xfrm>
+          <a:off x="0" y="0"/>
+          <a:ext cx="0" cy="0"/>
+          <a:chOff x="0" y="0"/>
+          <a:chExt cx="0" cy="0"/>
+        </a:xfrm>
+      </p:grpSpPr>
+      <p:sp>
+        <p:nvSpPr>
+          <p:cNvPr id="2" name="Slide Image Placeholder 1"/>
+          <p:cNvSpPr>
+            <a:spLocks noGrp="1" noRot="1" noChangeAspect="1"/>
+          </p:cNvSpPr>
+          <p:nvPr>
+            <p:ph type="sldImg"/>
+          </p:nvPr>
+        </p:nvSpPr>
+        <p:spPr/>
+      </p:sp>
+      <p:sp>
+        <p:nvSpPr>
+          <p:cNvPr id="3" name="Notes Placeholder 2"/>
+          <p:cNvSpPr>
+            <a:spLocks noGrp="1"/>
+          </p:cNvSpPr>
+          <p:nvPr>
+            <p:ph type="body" idx="1"/>
+          </p:nvPr>
+        </p:nvSpPr>
+        <p:spPr/>
+        <p:txBody>
+          <a:bodyPr/>
+          <a:lstStyle/>
+          <a:p>
+            <a:r>
+              <a:rPr lang="en-US" dirty="0"/>
+              <a:t>To do: Incomplete AOP vs</a:t>
+            </a:r>
+            <a:r>
+              <a:rPr lang="en-US" baseline="0" dirty="0"/>
+              <a:t> Complete AOP and ability to identify AOs and MIEs.  With proper annotation we can use these analyses to identify complete vs incomplete AOPs.  </a:t>
+            </a:r>
+            <a:endParaRPr lang="en-US" dirty="0"/>
+          </a:p>
+        </p:txBody>
+      </p:sp>
+      <p:sp>
+        <p:nvSpPr>
+          <p:cNvPr id="4" name="Slide Number Placeholder 3"/>
+          <p:cNvSpPr>
+            <a:spLocks noGrp="1"/>
+          </p:cNvSpPr>
+          <p:nvPr>
+            <p:ph type="sldNum" sz="quarter" idx="10"/>
+          </p:nvPr>
+        </p:nvSpPr>
+        <p:spPr/>
+        <p:txBody>
+          <a:bodyPr/>
+          <a:lstStyle/>
+          <a:p>
+            <a:fld id="{8C5291EA-D524-4968-939F-FF9188A27C11}" type="slidenum">
+              <a:rPr lang="en-US" smtClean="0"/>
+              <a:t>15</a:t>
+            </a:fld>
+            <a:endParaRPr lang="en-US"/>
+          </a:p>
+        </p:txBody>
+      </p:sp>
+    </p:spTree>
+    <p:extLst>
+      <p:ext uri="{BB962C8B-B14F-4D97-AF65-F5344CB8AC3E}">
+        <p14:creationId xmlns:p14="http://schemas.microsoft.com/office/powerpoint/2010/main" val="526647806"/>
       </p:ext>
     </p:extLst>
   </p:cSld>
@@ -3985,6 +4276,236 @@
             <p:ph type="title"/>
           </p:nvPr>
         </p:nvSpPr>
+        <p:spPr>
+          <a:xfrm>
+            <a:off x="7278688" y="827501"/>
+            <a:ext cx="3932237" cy="739074"/>
+          </a:xfrm>
+        </p:spPr>
+        <p:txBody>
+          <a:bodyPr>
+            <a:normAutofit fontScale="90000"/>
+          </a:bodyPr>
+          <a:lstStyle/>
+          <a:p>
+            <a:r>
+              <a:rPr lang="en-US" dirty="0"/>
+              <a:t>Levels of Biological Organization in the </a:t>
+            </a:r>
+            <a:r>
+              <a:rPr lang="en-US" dirty="0" err="1"/>
+              <a:t>AOPwiki</a:t>
+            </a:r>
+            <a:r>
+              <a:rPr lang="en-US" dirty="0"/>
+              <a:t> network</a:t>
+            </a:r>
+          </a:p>
+        </p:txBody>
+      </p:sp>
+      <p:sp>
+        <p:nvSpPr>
+          <p:cNvPr id="4" name="Text Placeholder 3"/>
+          <p:cNvSpPr>
+            <a:spLocks noGrp="1"/>
+          </p:cNvSpPr>
+          <p:nvPr>
+            <p:ph type="body" sz="half" idx="2"/>
+          </p:nvPr>
+        </p:nvSpPr>
+        <p:spPr>
+          <a:xfrm>
+            <a:off x="7278688" y="1566575"/>
+            <a:ext cx="3932237" cy="3811588"/>
+          </a:xfrm>
+        </p:spPr>
+        <p:txBody>
+          <a:bodyPr/>
+          <a:lstStyle/>
+          <a:p>
+            <a:r>
+              <a:rPr lang="en-US" dirty="0"/>
+              <a:t>Colors represent levels of biological organization associated to Key Events in the </a:t>
+            </a:r>
+            <a:r>
+              <a:rPr lang="en-US" dirty="0" err="1"/>
+              <a:t>AOPwiki</a:t>
+            </a:r>
+            <a:r>
+              <a:rPr lang="en-US" dirty="0"/>
+              <a:t>. A total of 750 unique key events are in the wiki, 53 Key events in the </a:t>
+            </a:r>
+            <a:r>
+              <a:rPr lang="en-US" dirty="0" err="1"/>
+              <a:t>AOPwiki</a:t>
+            </a:r>
+            <a:r>
+              <a:rPr lang="en-US" dirty="0"/>
+              <a:t> had unspecified levels of biological organization</a:t>
+            </a:r>
+          </a:p>
+        </p:txBody>
+      </p:sp>
+      <p:pic>
+        <p:nvPicPr>
+          <p:cNvPr id="21" name="Picture 20" descr="Screen Clipping"/>
+          <p:cNvPicPr>
+            <a:picLocks noChangeAspect="1"/>
+          </p:cNvPicPr>
+          <p:nvPr/>
+        </p:nvPicPr>
+        <p:blipFill>
+          <a:blip r:embed="rId3">
+            <a:extLst>
+              <a:ext uri="{28A0092B-C50C-407E-A947-70E740481C1C}">
+                <a14:useLocalDpi xmlns:a14="http://schemas.microsoft.com/office/drawing/2010/main" val="0"/>
+              </a:ext>
+            </a:extLst>
+          </a:blip>
+          <a:stretch>
+            <a:fillRect/>
+          </a:stretch>
+        </p:blipFill>
+        <p:spPr>
+          <a:xfrm>
+            <a:off x="0" y="61373"/>
+            <a:ext cx="6834368" cy="6643560"/>
+          </a:xfrm>
+          <a:prstGeom prst="rect">
+            <a:avLst/>
+          </a:prstGeom>
+        </p:spPr>
+      </p:pic>
+      <p:pic>
+        <p:nvPicPr>
+          <p:cNvPr id="26" name="Picture 25" descr="Screen Clipping"/>
+          <p:cNvPicPr>
+            <a:picLocks noChangeAspect="1"/>
+          </p:cNvPicPr>
+          <p:nvPr/>
+        </p:nvPicPr>
+        <p:blipFill>
+          <a:blip r:embed="rId4">
+            <a:extLst>
+              <a:ext uri="{28A0092B-C50C-407E-A947-70E740481C1C}">
+                <a14:useLocalDpi xmlns:a14="http://schemas.microsoft.com/office/drawing/2010/main" val="0"/>
+              </a:ext>
+            </a:extLst>
+          </a:blip>
+          <a:stretch>
+            <a:fillRect/>
+          </a:stretch>
+        </p:blipFill>
+        <p:spPr>
+          <a:xfrm>
+            <a:off x="7336342" y="2824842"/>
+            <a:ext cx="2960192" cy="3880091"/>
+          </a:xfrm>
+          <a:prstGeom prst="rect">
+            <a:avLst/>
+          </a:prstGeom>
+        </p:spPr>
+      </p:pic>
+      <p:pic>
+        <p:nvPicPr>
+          <p:cNvPr id="23" name="Picture 22" descr="Screen Clipping"/>
+          <p:cNvPicPr>
+            <a:picLocks noChangeAspect="1"/>
+          </p:cNvPicPr>
+          <p:nvPr/>
+        </p:nvPicPr>
+        <p:blipFill>
+          <a:blip r:embed="rId5">
+            <a:extLst>
+              <a:ext uri="{28A0092B-C50C-407E-A947-70E740481C1C}">
+                <a14:useLocalDpi xmlns:a14="http://schemas.microsoft.com/office/drawing/2010/main" val="0"/>
+              </a:ext>
+            </a:extLst>
+          </a:blip>
+          <a:stretch>
+            <a:fillRect/>
+          </a:stretch>
+        </p:blipFill>
+        <p:spPr>
+          <a:xfrm>
+            <a:off x="9334946" y="2824842"/>
+            <a:ext cx="1745376" cy="1756784"/>
+          </a:xfrm>
+          <a:prstGeom prst="rect">
+            <a:avLst/>
+          </a:prstGeom>
+        </p:spPr>
+      </p:pic>
+      <p:pic>
+        <p:nvPicPr>
+          <p:cNvPr id="3" name="Picture 2" descr="Screen Clipping"/>
+          <p:cNvPicPr>
+            <a:picLocks noChangeAspect="1"/>
+          </p:cNvPicPr>
+          <p:nvPr/>
+        </p:nvPicPr>
+        <p:blipFill>
+          <a:blip r:embed="rId6">
+            <a:extLst>
+              <a:ext uri="{28A0092B-C50C-407E-A947-70E740481C1C}">
+                <a14:useLocalDpi xmlns:a14="http://schemas.microsoft.com/office/drawing/2010/main" val="0"/>
+              </a:ext>
+            </a:extLst>
+          </a:blip>
+          <a:stretch>
+            <a:fillRect/>
+          </a:stretch>
+        </p:blipFill>
+        <p:spPr>
+          <a:xfrm>
+            <a:off x="100295" y="0"/>
+            <a:ext cx="7207220" cy="6796627"/>
+          </a:xfrm>
+          <a:prstGeom prst="rect">
+            <a:avLst/>
+          </a:prstGeom>
+        </p:spPr>
+      </p:pic>
+    </p:spTree>
+    <p:extLst>
+      <p:ext uri="{BB962C8B-B14F-4D97-AF65-F5344CB8AC3E}">
+        <p14:creationId xmlns:p14="http://schemas.microsoft.com/office/powerpoint/2010/main" val="2342226250"/>
+      </p:ext>
+    </p:extLst>
+  </p:cSld>
+  <p:clrMapOvr>
+    <a:masterClrMapping/>
+  </p:clrMapOvr>
+</p:sld>
+</file>
+
+<file path=ppt/slides/slide11.xml><?xml version="1.0" encoding="utf-8"?>
+<p:sld xmlns:a="http://schemas.openxmlformats.org/drawingml/2006/main" xmlns:r="http://schemas.openxmlformats.org/officeDocument/2006/relationships" xmlns:p="http://schemas.openxmlformats.org/presentationml/2006/main">
+  <p:cSld>
+    <p:spTree>
+      <p:nvGrpSpPr>
+        <p:cNvPr id="1" name=""/>
+        <p:cNvGrpSpPr/>
+        <p:nvPr/>
+      </p:nvGrpSpPr>
+      <p:grpSpPr>
+        <a:xfrm>
+          <a:off x="0" y="0"/>
+          <a:ext cx="0" cy="0"/>
+          <a:chOff x="0" y="0"/>
+          <a:chExt cx="0" cy="0"/>
+        </a:xfrm>
+      </p:grpSpPr>
+      <p:sp>
+        <p:nvSpPr>
+          <p:cNvPr id="2" name="Title 1"/>
+          <p:cNvSpPr>
+            <a:spLocks noGrp="1"/>
+          </p:cNvSpPr>
+          <p:nvPr>
+            <p:ph type="title"/>
+          </p:nvPr>
+        </p:nvSpPr>
         <p:spPr/>
         <p:txBody>
           <a:bodyPr vert="horz" lIns="91440" tIns="45720" rIns="91440" bIns="45720" rtlCol="0" anchor="b">
@@ -4165,7 +4686,7 @@
 </p:sld>
 </file>
 
-<file path=ppt/slides/slide11.xml><?xml version="1.0" encoding="utf-8"?>
+<file path=ppt/slides/slide12.xml><?xml version="1.0" encoding="utf-8"?>
 <p:sld xmlns:a="http://schemas.openxmlformats.org/drawingml/2006/main" xmlns:r="http://schemas.openxmlformats.org/officeDocument/2006/relationships" xmlns:p="http://schemas.openxmlformats.org/presentationml/2006/main">
   <p:cSld>
     <p:spTree>
@@ -4439,7 +4960,608 @@
 </p:sld>
 </file>
 
-<file path=ppt/slides/slide12.xml><?xml version="1.0" encoding="utf-8"?>
+<file path=ppt/slides/slide13.xml><?xml version="1.0" encoding="utf-8"?>
+<p:sld xmlns:a="http://schemas.openxmlformats.org/drawingml/2006/main" xmlns:r="http://schemas.openxmlformats.org/officeDocument/2006/relationships" xmlns:p="http://schemas.openxmlformats.org/presentationml/2006/main">
+  <p:cSld>
+    <p:spTree>
+      <p:nvGrpSpPr>
+        <p:cNvPr id="1" name=""/>
+        <p:cNvGrpSpPr/>
+        <p:nvPr/>
+      </p:nvGrpSpPr>
+      <p:grpSpPr>
+        <a:xfrm>
+          <a:off x="0" y="0"/>
+          <a:ext cx="0" cy="0"/>
+          <a:chOff x="0" y="0"/>
+          <a:chExt cx="0" cy="0"/>
+        </a:xfrm>
+      </p:grpSpPr>
+      <p:sp>
+        <p:nvSpPr>
+          <p:cNvPr id="2" name="Title 1"/>
+          <p:cNvSpPr>
+            <a:spLocks noGrp="1"/>
+          </p:cNvSpPr>
+          <p:nvPr>
+            <p:ph type="title"/>
+          </p:nvPr>
+        </p:nvSpPr>
+        <p:spPr>
+          <a:xfrm>
+            <a:off x="7278688" y="37148"/>
+            <a:ext cx="3932237" cy="739074"/>
+          </a:xfrm>
+        </p:spPr>
+        <p:txBody>
+          <a:bodyPr>
+            <a:normAutofit/>
+          </a:bodyPr>
+          <a:lstStyle/>
+          <a:p>
+            <a:r>
+              <a:rPr lang="en-US" dirty="0"/>
+              <a:t>Degree (all) </a:t>
+            </a:r>
+            <a:r>
+              <a:rPr lang="en-US" dirty="0" err="1"/>
+              <a:t>Heatmap</a:t>
+            </a:r>
+            <a:endParaRPr lang="en-US" dirty="0"/>
+          </a:p>
+        </p:txBody>
+      </p:sp>
+      <mc:AlternateContent xmlns:mc="http://schemas.openxmlformats.org/markup-compatibility/2006" xmlns:a14="http://schemas.microsoft.com/office/drawing/2010/main">
+        <mc:Choice Requires="a14">
+          <p:sp>
+            <p:nvSpPr>
+              <p:cNvPr id="4" name="Text Placeholder 3"/>
+              <p:cNvSpPr>
+                <a:spLocks noGrp="1"/>
+              </p:cNvSpPr>
+              <p:nvPr>
+                <p:ph type="body" sz="half" idx="2"/>
+              </p:nvPr>
+            </p:nvSpPr>
+            <p:spPr>
+              <a:xfrm>
+                <a:off x="7278688" y="776222"/>
+                <a:ext cx="3932237" cy="3811588"/>
+              </a:xfrm>
+            </p:spPr>
+            <p:txBody>
+              <a:bodyPr/>
+              <a:lstStyle/>
+              <a:p>
+                <a:r>
+                  <a:rPr lang="en-US" dirty="0"/>
+                  <a:t>The degree (all), </a:t>
+                </a:r>
+                <a14:m>
+                  <m:oMath xmlns:m="http://schemas.openxmlformats.org/officeDocument/2006/math">
+                    <m:sSub>
+                      <m:sSubPr>
+                        <m:ctrlPr>
+                          <a:rPr lang="en-US" b="0" i="1" smtClean="0">
+                            <a:latin typeface="Cambria Math" panose="02040503050406030204" pitchFamily="18" charset="0"/>
+                          </a:rPr>
+                        </m:ctrlPr>
+                      </m:sSubPr>
+                      <m:e>
+                        <m:r>
+                          <a:rPr lang="en-US" b="0" i="1" smtClean="0">
+                            <a:latin typeface="Cambria Math" panose="02040503050406030204" pitchFamily="18" charset="0"/>
+                          </a:rPr>
+                          <m:t>𝐷</m:t>
+                        </m:r>
+                      </m:e>
+                      <m:sub>
+                        <m:r>
+                          <a:rPr lang="en-US" b="0" i="1" smtClean="0">
+                            <a:latin typeface="Cambria Math" panose="02040503050406030204" pitchFamily="18" charset="0"/>
+                          </a:rPr>
+                          <m:t>𝑎𝑙𝑙</m:t>
+                        </m:r>
+                      </m:sub>
+                    </m:sSub>
+                  </m:oMath>
+                </a14:m>
+                <a:r>
+                  <a:rPr lang="en-US" dirty="0"/>
+                  <a:t> of a node is the number of adjacent edges, regardless of directionality.  In this case, the key event with the highest </a:t>
+                </a:r>
+                <a14:m>
+                  <m:oMath xmlns:m="http://schemas.openxmlformats.org/officeDocument/2006/math">
+                    <m:sSub>
+                      <m:sSubPr>
+                        <m:ctrlPr>
+                          <a:rPr lang="en-US" b="0" i="1" smtClean="0">
+                            <a:latin typeface="Cambria Math" panose="02040503050406030204" pitchFamily="18" charset="0"/>
+                          </a:rPr>
+                        </m:ctrlPr>
+                      </m:sSubPr>
+                      <m:e>
+                        <m:r>
+                          <a:rPr lang="en-US" b="0" i="1" smtClean="0">
+                            <a:latin typeface="Cambria Math" panose="02040503050406030204" pitchFamily="18" charset="0"/>
+                          </a:rPr>
+                          <m:t>𝐷</m:t>
+                        </m:r>
+                      </m:e>
+                      <m:sub>
+                        <m:r>
+                          <a:rPr lang="en-US" b="0" i="1" smtClean="0">
+                            <a:latin typeface="Cambria Math" panose="02040503050406030204" pitchFamily="18" charset="0"/>
+                          </a:rPr>
+                          <m:t>𝑎𝑙𝑙</m:t>
+                        </m:r>
+                      </m:sub>
+                    </m:sSub>
+                  </m:oMath>
+                </a14:m>
+                <a:r>
+                  <a:rPr lang="en-US" dirty="0"/>
+                  <a:t> is </a:t>
+                </a:r>
+                <a:r>
+                  <a:rPr lang="en-US" sz="1800" b="1" dirty="0">
+                    <a:solidFill>
+                      <a:srgbClr val="FF0000"/>
+                    </a:solidFill>
+                  </a:rPr>
+                  <a:t>Increased oxidative stress</a:t>
+                </a:r>
+                <a:r>
+                  <a:rPr lang="en-US" i="1" dirty="0"/>
+                  <a:t>, </a:t>
+                </a:r>
+                <a:r>
+                  <a:rPr lang="en-US" dirty="0"/>
+                  <a:t>with 22 incident edges.</a:t>
+                </a:r>
+              </a:p>
+            </p:txBody>
+          </p:sp>
+        </mc:Choice>
+        <mc:Fallback xmlns="">
+          <p:sp>
+            <p:nvSpPr>
+              <p:cNvPr id="4" name="Text Placeholder 3"/>
+              <p:cNvSpPr>
+                <a:spLocks noGrp="1" noRot="1" noChangeAspect="1" noMove="1" noResize="1" noEditPoints="1" noAdjustHandles="1" noChangeArrowheads="1" noChangeShapeType="1" noTextEdit="1"/>
+              </p:cNvSpPr>
+              <p:nvPr>
+                <p:ph type="body" sz="half" idx="2"/>
+              </p:nvPr>
+            </p:nvSpPr>
+            <p:spPr>
+              <a:xfrm>
+                <a:off x="7278688" y="776222"/>
+                <a:ext cx="3932237" cy="3811588"/>
+              </a:xfrm>
+              <a:blipFill>
+                <a:blip r:embed="rId3"/>
+                <a:stretch>
+                  <a:fillRect l="-1240" t="-1118" r="-2016"/>
+                </a:stretch>
+              </a:blipFill>
+            </p:spPr>
+            <p:txBody>
+              <a:bodyPr/>
+              <a:lstStyle/>
+              <a:p>
+                <a:r>
+                  <a:rPr lang="en-US">
+                    <a:noFill/>
+                  </a:rPr>
+                  <a:t> </a:t>
+                </a:r>
+              </a:p>
+            </p:txBody>
+          </p:sp>
+        </mc:Fallback>
+      </mc:AlternateContent>
+      <p:pic>
+        <p:nvPicPr>
+          <p:cNvPr id="9" name="Picture 8" descr="Screen Clipping"/>
+          <p:cNvPicPr>
+            <a:picLocks noChangeAspect="1"/>
+          </p:cNvPicPr>
+          <p:nvPr/>
+        </p:nvPicPr>
+        <p:blipFill>
+          <a:blip r:embed="rId4">
+            <a:extLst>
+              <a:ext uri="{28A0092B-C50C-407E-A947-70E740481C1C}">
+                <a14:useLocalDpi xmlns:a14="http://schemas.microsoft.com/office/drawing/2010/main" val="0"/>
+              </a:ext>
+            </a:extLst>
+          </a:blip>
+          <a:stretch>
+            <a:fillRect/>
+          </a:stretch>
+        </p:blipFill>
+        <p:spPr>
+          <a:xfrm>
+            <a:off x="6995191" y="2271456"/>
+            <a:ext cx="4499230" cy="4354297"/>
+          </a:xfrm>
+          <a:prstGeom prst="rect">
+            <a:avLst/>
+          </a:prstGeom>
+        </p:spPr>
+      </p:pic>
+      <mc:AlternateContent xmlns:mc="http://schemas.openxmlformats.org/markup-compatibility/2006">
+        <mc:Choice xmlns:a14="http://schemas.microsoft.com/office/drawing/2010/main" Requires="a14">
+          <p:sp>
+            <p:nvSpPr>
+              <p:cNvPr id="5" name="Rectangle 4"/>
+              <p:cNvSpPr/>
+              <p:nvPr/>
+            </p:nvSpPr>
+            <p:spPr>
+              <a:xfrm>
+                <a:off x="615695" y="2066419"/>
+                <a:ext cx="6096000" cy="3139321"/>
+              </a:xfrm>
+              <a:prstGeom prst="rect">
+                <a:avLst/>
+              </a:prstGeom>
+            </p:spPr>
+            <p:txBody>
+              <a:bodyPr>
+                <a:spAutoFit/>
+              </a:bodyPr>
+              <a:lstStyle/>
+              <a:p>
+                <a:r>
+                  <a:rPr lang="en-US" b="1" dirty="0"/>
+                  <a:t>Key Event Name</a:t>
+                </a:r>
+              </a:p>
+              <a:p>
+                <a:r>
+                  <a:rPr lang="en-US" dirty="0"/>
+                  <a:t> "Increase, Oxidative Stress"              </a:t>
+                </a:r>
+              </a:p>
+              <a:p>
+                <a:r>
+                  <a:rPr lang="en-US" dirty="0"/>
+                  <a:t> "Increased, Mortality"                    </a:t>
+                </a:r>
+              </a:p>
+              <a:p>
+                <a:r>
+                  <a:rPr lang="en-US" dirty="0"/>
+                  <a:t> "N/A, Mitochondrial dysfunction 1"        </a:t>
+                </a:r>
+              </a:p>
+              <a:p>
+                <a:r>
+                  <a:rPr lang="en-US" dirty="0"/>
+                  <a:t> "Activation, PPAR</a:t>
+                </a:r>
+                <a14:m>
+                  <m:oMath xmlns:m="http://schemas.openxmlformats.org/officeDocument/2006/math">
+                    <m:r>
+                      <a:rPr lang="en-US" b="0" i="1" smtClean="0">
+                        <a:latin typeface="Cambria Math" panose="02040503050406030204" pitchFamily="18" charset="0"/>
+                      </a:rPr>
+                      <m:t>𝛼</m:t>
+                    </m:r>
+                  </m:oMath>
+                </a14:m>
+                <a:r>
+                  <a:rPr lang="en-US" dirty="0"/>
+                  <a:t>"                       </a:t>
+                </a:r>
+              </a:p>
+              <a:p>
+                <a:r>
+                  <a:rPr lang="en-US" dirty="0"/>
+                  <a:t> "Activation, LXR"                         </a:t>
+                </a:r>
+              </a:p>
+              <a:p>
+                <a:r>
+                  <a:rPr lang="en-US" dirty="0"/>
+                  <a:t> "Accumulation, Fatty acid"                </a:t>
+                </a:r>
+              </a:p>
+              <a:p>
+                <a:r>
+                  <a:rPr lang="en-US" dirty="0"/>
+                  <a:t> "Activation, AHR"                         </a:t>
+                </a:r>
+              </a:p>
+              <a:p>
+                <a:r>
+                  <a:rPr lang="en-US" dirty="0"/>
+                  <a:t> "Increase, cilia movement"                </a:t>
+                </a:r>
+              </a:p>
+              <a:p>
+                <a:r>
+                  <a:rPr lang="en-US" dirty="0"/>
+                  <a:t> "Increased, valve movement"               </a:t>
+                </a:r>
+              </a:p>
+              <a:p>
+                <a:r>
+                  <a:rPr lang="en-US" dirty="0"/>
+                  <a:t> "Abnormal, Foraging activity and behavior"</a:t>
+                </a:r>
+              </a:p>
+            </p:txBody>
+          </p:sp>
+        </mc:Choice>
+        <mc:Fallback>
+          <p:sp>
+            <p:nvSpPr>
+              <p:cNvPr id="5" name="Rectangle 4"/>
+              <p:cNvSpPr>
+                <a:spLocks noRot="1" noChangeAspect="1" noMove="1" noResize="1" noEditPoints="1" noAdjustHandles="1" noChangeArrowheads="1" noChangeShapeType="1" noTextEdit="1"/>
+              </p:cNvSpPr>
+              <p:nvPr/>
+            </p:nvSpPr>
+            <p:spPr>
+              <a:xfrm>
+                <a:off x="615695" y="2066419"/>
+                <a:ext cx="6096000" cy="3139321"/>
+              </a:xfrm>
+              <a:prstGeom prst="rect">
+                <a:avLst/>
+              </a:prstGeom>
+              <a:blipFill>
+                <a:blip r:embed="rId5"/>
+                <a:stretch>
+                  <a:fillRect l="-800" t="-1165" b="-2136"/>
+                </a:stretch>
+              </a:blipFill>
+            </p:spPr>
+            <p:txBody>
+              <a:bodyPr/>
+              <a:lstStyle/>
+              <a:p>
+                <a:r>
+                  <a:rPr lang="en-US">
+                    <a:noFill/>
+                  </a:rPr>
+                  <a:t> </a:t>
+                </a:r>
+              </a:p>
+            </p:txBody>
+          </p:sp>
+        </mc:Fallback>
+      </mc:AlternateContent>
+      <mc:AlternateContent xmlns:mc="http://schemas.openxmlformats.org/markup-compatibility/2006">
+        <mc:Choice xmlns:a14="http://schemas.microsoft.com/office/drawing/2010/main" Requires="a14">
+          <p:sp>
+            <p:nvSpPr>
+              <p:cNvPr id="7" name="Rectangle 6"/>
+              <p:cNvSpPr/>
+              <p:nvPr/>
+            </p:nvSpPr>
+            <p:spPr>
+              <a:xfrm>
+                <a:off x="5178359" y="2066419"/>
+                <a:ext cx="582362" cy="3139321"/>
+              </a:xfrm>
+              <a:prstGeom prst="rect">
+                <a:avLst/>
+              </a:prstGeom>
+            </p:spPr>
+            <p:txBody>
+              <a:bodyPr wrap="square">
+                <a:spAutoFit/>
+              </a:bodyPr>
+              <a:lstStyle/>
+              <a:p>
+                <a:pPr algn="ctr"/>
+                <a14:m>
+                  <m:oMathPara xmlns:m="http://schemas.openxmlformats.org/officeDocument/2006/math">
+                    <m:oMathParaPr>
+                      <m:jc m:val="centerGroup"/>
+                    </m:oMathParaPr>
+                    <m:oMath xmlns:m="http://schemas.openxmlformats.org/officeDocument/2006/math">
+                      <m:sSub>
+                        <m:sSubPr>
+                          <m:ctrlPr>
+                            <a:rPr lang="en-US" b="1" i="1" smtClean="0">
+                              <a:latin typeface="Cambria Math" panose="02040503050406030204" pitchFamily="18" charset="0"/>
+                            </a:rPr>
+                          </m:ctrlPr>
+                        </m:sSubPr>
+                        <m:e>
+                          <m:r>
+                            <a:rPr lang="en-US" b="1" i="1" smtClean="0">
+                              <a:latin typeface="Cambria Math" panose="02040503050406030204" pitchFamily="18" charset="0"/>
+                            </a:rPr>
+                            <m:t>𝑫</m:t>
+                          </m:r>
+                        </m:e>
+                        <m:sub>
+                          <m:r>
+                            <a:rPr lang="en-US" b="1" i="1" smtClean="0">
+                              <a:latin typeface="Cambria Math" panose="02040503050406030204" pitchFamily="18" charset="0"/>
+                            </a:rPr>
+                            <m:t>𝒂𝒍𝒍</m:t>
+                          </m:r>
+                        </m:sub>
+                      </m:sSub>
+                    </m:oMath>
+                  </m:oMathPara>
+                </a14:m>
+                <a:endParaRPr lang="en-US" b="1" dirty="0"/>
+              </a:p>
+              <a:p>
+                <a:pPr algn="ctr"/>
+                <a:r>
+                  <a:rPr lang="en-US" dirty="0"/>
+                  <a:t>22 17 15 13 12 12 12 11 10 10</a:t>
+                </a:r>
+              </a:p>
+            </p:txBody>
+          </p:sp>
+        </mc:Choice>
+        <mc:Fallback>
+          <p:sp>
+            <p:nvSpPr>
+              <p:cNvPr id="7" name="Rectangle 6"/>
+              <p:cNvSpPr>
+                <a:spLocks noRot="1" noChangeAspect="1" noMove="1" noResize="1" noEditPoints="1" noAdjustHandles="1" noChangeArrowheads="1" noChangeShapeType="1" noTextEdit="1"/>
+              </p:cNvSpPr>
+              <p:nvPr/>
+            </p:nvSpPr>
+            <p:spPr>
+              <a:xfrm>
+                <a:off x="5178359" y="2066419"/>
+                <a:ext cx="582362" cy="3139321"/>
+              </a:xfrm>
+              <a:prstGeom prst="rect">
+                <a:avLst/>
+              </a:prstGeom>
+              <a:blipFill>
+                <a:blip r:embed="rId6"/>
+                <a:stretch>
+                  <a:fillRect l="-3125" b="-2136"/>
+                </a:stretch>
+              </a:blipFill>
+            </p:spPr>
+            <p:txBody>
+              <a:bodyPr/>
+              <a:lstStyle/>
+              <a:p>
+                <a:r>
+                  <a:rPr lang="en-US">
+                    <a:noFill/>
+                  </a:rPr>
+                  <a:t> </a:t>
+                </a:r>
+              </a:p>
+            </p:txBody>
+          </p:sp>
+        </mc:Fallback>
+      </mc:AlternateContent>
+      <mc:AlternateContent xmlns:mc="http://schemas.openxmlformats.org/markup-compatibility/2006">
+        <mc:Choice xmlns:a14="http://schemas.microsoft.com/office/drawing/2010/main" Requires="a14">
+          <p:sp>
+            <p:nvSpPr>
+              <p:cNvPr id="10" name="TextBox 9"/>
+              <p:cNvSpPr txBox="1"/>
+              <p:nvPr/>
+            </p:nvSpPr>
+            <p:spPr>
+              <a:xfrm>
+                <a:off x="615695" y="1543199"/>
+                <a:ext cx="5945885" cy="523220"/>
+              </a:xfrm>
+              <a:prstGeom prst="rect">
+                <a:avLst/>
+              </a:prstGeom>
+              <a:noFill/>
+            </p:spPr>
+            <p:txBody>
+              <a:bodyPr wrap="square" rtlCol="0">
+                <a:spAutoFit/>
+              </a:bodyPr>
+              <a:lstStyle/>
+              <a:p>
+                <a:r>
+                  <a:rPr lang="en-US" sz="2800" dirty="0"/>
+                  <a:t>Ten key events with highest </a:t>
+                </a:r>
+                <a14:m>
+                  <m:oMath xmlns:m="http://schemas.openxmlformats.org/officeDocument/2006/math">
+                    <m:sSub>
+                      <m:sSubPr>
+                        <m:ctrlPr>
+                          <a:rPr lang="en-US" sz="2800" i="1" smtClean="0">
+                            <a:latin typeface="Cambria Math" panose="02040503050406030204" pitchFamily="18" charset="0"/>
+                          </a:rPr>
+                        </m:ctrlPr>
+                      </m:sSubPr>
+                      <m:e>
+                        <m:r>
+                          <a:rPr lang="en-US" sz="2800" b="0" i="1" smtClean="0">
+                            <a:latin typeface="Cambria Math" panose="02040503050406030204" pitchFamily="18" charset="0"/>
+                          </a:rPr>
+                          <m:t>𝐷</m:t>
+                        </m:r>
+                      </m:e>
+                      <m:sub>
+                        <m:r>
+                          <a:rPr lang="en-US" sz="2800" b="0" i="1" smtClean="0">
+                            <a:latin typeface="Cambria Math" panose="02040503050406030204" pitchFamily="18" charset="0"/>
+                          </a:rPr>
+                          <m:t>𝑎𝑙𝑙</m:t>
+                        </m:r>
+                      </m:sub>
+                    </m:sSub>
+                  </m:oMath>
+                </a14:m>
+                <a:r>
+                  <a:rPr lang="en-US" sz="2800" dirty="0"/>
+                  <a:t> value</a:t>
+                </a:r>
+              </a:p>
+            </p:txBody>
+          </p:sp>
+        </mc:Choice>
+        <mc:Fallback>
+          <p:sp>
+            <p:nvSpPr>
+              <p:cNvPr id="10" name="TextBox 9"/>
+              <p:cNvSpPr txBox="1">
+                <a:spLocks noRot="1" noChangeAspect="1" noMove="1" noResize="1" noEditPoints="1" noAdjustHandles="1" noChangeArrowheads="1" noChangeShapeType="1" noTextEdit="1"/>
+              </p:cNvSpPr>
+              <p:nvPr/>
+            </p:nvSpPr>
+            <p:spPr>
+              <a:xfrm>
+                <a:off x="615695" y="1543199"/>
+                <a:ext cx="5945885" cy="523220"/>
+              </a:xfrm>
+              <a:prstGeom prst="rect">
+                <a:avLst/>
+              </a:prstGeom>
+              <a:blipFill>
+                <a:blip r:embed="rId7"/>
+                <a:stretch>
+                  <a:fillRect l="-2051" t="-10465" b="-32558"/>
+                </a:stretch>
+              </a:blipFill>
+            </p:spPr>
+            <p:txBody>
+              <a:bodyPr/>
+              <a:lstStyle/>
+              <a:p>
+                <a:r>
+                  <a:rPr lang="en-US">
+                    <a:noFill/>
+                  </a:rPr>
+                  <a:t> </a:t>
+                </a:r>
+              </a:p>
+            </p:txBody>
+          </p:sp>
+        </mc:Fallback>
+      </mc:AlternateContent>
+    </p:spTree>
+    <p:extLst>
+      <p:ext uri="{BB962C8B-B14F-4D97-AF65-F5344CB8AC3E}">
+        <p14:creationId xmlns:p14="http://schemas.microsoft.com/office/powerpoint/2010/main" val="1796334907"/>
+      </p:ext>
+    </p:extLst>
+  </p:cSld>
+  <p:clrMapOvr>
+    <a:masterClrMapping/>
+  </p:clrMapOvr>
+</p:sld>
+</file>
+
+<file path=ppt/slides/slide14.xml><?xml version="1.0" encoding="utf-8"?>
 <p:sld xmlns:a="http://schemas.openxmlformats.org/drawingml/2006/main" xmlns:r="http://schemas.openxmlformats.org/officeDocument/2006/relationships" xmlns:p="http://schemas.openxmlformats.org/presentationml/2006/main">
   <p:cSld>
     <p:spTree>
@@ -4717,7 +5839,556 @@
 </p:sld>
 </file>
 
-<file path=ppt/slides/slide13.xml><?xml version="1.0" encoding="utf-8"?>
+<file path=ppt/slides/slide15.xml><?xml version="1.0" encoding="utf-8"?>
+<p:sld xmlns:a="http://schemas.openxmlformats.org/drawingml/2006/main" xmlns:r="http://schemas.openxmlformats.org/officeDocument/2006/relationships" xmlns:p="http://schemas.openxmlformats.org/presentationml/2006/main">
+  <p:cSld>
+    <p:spTree>
+      <p:nvGrpSpPr>
+        <p:cNvPr id="1" name=""/>
+        <p:cNvGrpSpPr/>
+        <p:nvPr/>
+      </p:nvGrpSpPr>
+      <p:grpSpPr>
+        <a:xfrm>
+          <a:off x="0" y="0"/>
+          <a:ext cx="0" cy="0"/>
+          <a:chOff x="0" y="0"/>
+          <a:chExt cx="0" cy="0"/>
+        </a:xfrm>
+      </p:grpSpPr>
+      <p:sp>
+        <p:nvSpPr>
+          <p:cNvPr id="2" name="Title 1"/>
+          <p:cNvSpPr>
+            <a:spLocks noGrp="1"/>
+          </p:cNvSpPr>
+          <p:nvPr>
+            <p:ph type="title"/>
+          </p:nvPr>
+        </p:nvSpPr>
+        <p:spPr>
+          <a:xfrm>
+            <a:off x="583607" y="36783"/>
+            <a:ext cx="3932237" cy="739074"/>
+          </a:xfrm>
+        </p:spPr>
+        <p:txBody>
+          <a:bodyPr>
+            <a:normAutofit/>
+          </a:bodyPr>
+          <a:lstStyle/>
+          <a:p>
+            <a:r>
+              <a:rPr lang="en-US" dirty="0"/>
+              <a:t>Degree (in) </a:t>
+            </a:r>
+            <a:r>
+              <a:rPr lang="en-US" dirty="0" err="1"/>
+              <a:t>Heatmap</a:t>
+            </a:r>
+            <a:endParaRPr lang="en-US" dirty="0"/>
+          </a:p>
+        </p:txBody>
+      </p:sp>
+      <mc:AlternateContent xmlns:mc="http://schemas.openxmlformats.org/markup-compatibility/2006" xmlns:a14="http://schemas.microsoft.com/office/drawing/2010/main">
+        <mc:Choice Requires="a14">
+          <p:sp>
+            <p:nvSpPr>
+              <p:cNvPr id="4" name="Text Placeholder 3"/>
+              <p:cNvSpPr>
+                <a:spLocks noGrp="1"/>
+              </p:cNvSpPr>
+              <p:nvPr>
+                <p:ph type="body" sz="half" idx="2"/>
+              </p:nvPr>
+            </p:nvSpPr>
+            <p:spPr>
+              <a:xfrm>
+                <a:off x="583607" y="775857"/>
+                <a:ext cx="3932237" cy="3811588"/>
+              </a:xfrm>
+            </p:spPr>
+            <p:txBody>
+              <a:bodyPr/>
+              <a:lstStyle/>
+              <a:p>
+                <a:r>
+                  <a:rPr lang="en-US" dirty="0"/>
+                  <a:t>The degree (in), </a:t>
+                </a:r>
+                <a14:m>
+                  <m:oMath xmlns:m="http://schemas.openxmlformats.org/officeDocument/2006/math">
+                    <m:sSub>
+                      <m:sSubPr>
+                        <m:ctrlPr>
+                          <a:rPr lang="en-US" b="0" i="1" smtClean="0">
+                            <a:latin typeface="Cambria Math" panose="02040503050406030204" pitchFamily="18" charset="0"/>
+                          </a:rPr>
+                        </m:ctrlPr>
+                      </m:sSubPr>
+                      <m:e>
+                        <m:r>
+                          <a:rPr lang="en-US" b="0" i="1" smtClean="0">
+                            <a:latin typeface="Cambria Math" panose="02040503050406030204" pitchFamily="18" charset="0"/>
+                          </a:rPr>
+                          <m:t>𝐷</m:t>
+                        </m:r>
+                      </m:e>
+                      <m:sub>
+                        <m:r>
+                          <a:rPr lang="en-US" b="0" i="1" smtClean="0">
+                            <a:latin typeface="Cambria Math" panose="02040503050406030204" pitchFamily="18" charset="0"/>
+                          </a:rPr>
+                          <m:t>𝑖𝑛</m:t>
+                        </m:r>
+                      </m:sub>
+                    </m:sSub>
+                  </m:oMath>
+                </a14:m>
+                <a:r>
+                  <a:rPr lang="en-US" dirty="0"/>
+                  <a:t> of a node is the number of adjacent edges coming into that node. The key event with the highest </a:t>
+                </a:r>
+                <a14:m>
+                  <m:oMath xmlns:m="http://schemas.openxmlformats.org/officeDocument/2006/math">
+                    <m:sSub>
+                      <m:sSubPr>
+                        <m:ctrlPr>
+                          <a:rPr lang="en-US" b="0" i="1" smtClean="0">
+                            <a:latin typeface="Cambria Math" panose="02040503050406030204" pitchFamily="18" charset="0"/>
+                          </a:rPr>
+                        </m:ctrlPr>
+                      </m:sSubPr>
+                      <m:e>
+                        <m:r>
+                          <a:rPr lang="en-US" b="0" i="1" smtClean="0">
+                            <a:latin typeface="Cambria Math" panose="02040503050406030204" pitchFamily="18" charset="0"/>
+                          </a:rPr>
+                          <m:t>𝐷</m:t>
+                        </m:r>
+                      </m:e>
+                      <m:sub>
+                        <m:r>
+                          <a:rPr lang="en-US" b="0" i="1" smtClean="0">
+                            <a:latin typeface="Cambria Math" panose="02040503050406030204" pitchFamily="18" charset="0"/>
+                          </a:rPr>
+                          <m:t>𝑖𝑛</m:t>
+                        </m:r>
+                      </m:sub>
+                    </m:sSub>
+                  </m:oMath>
+                </a14:m>
+                <a:r>
+                  <a:rPr lang="en-US" dirty="0"/>
+                  <a:t> is</a:t>
+                </a:r>
+                <a:r>
+                  <a:rPr lang="en-US" sz="1800" b="1" dirty="0"/>
+                  <a:t> </a:t>
+                </a:r>
+                <a:r>
+                  <a:rPr lang="en-US" sz="1800" b="1" dirty="0">
+                    <a:solidFill>
+                      <a:srgbClr val="FF0000"/>
+                    </a:solidFill>
+                  </a:rPr>
+                  <a:t>Increased mortality</a:t>
+                </a:r>
+                <a:r>
+                  <a:rPr lang="en-US" i="1" dirty="0"/>
+                  <a:t>, </a:t>
+                </a:r>
+                <a:r>
+                  <a:rPr lang="en-US" dirty="0"/>
+                  <a:t>with 13 incident edges.</a:t>
+                </a:r>
+              </a:p>
+            </p:txBody>
+          </p:sp>
+        </mc:Choice>
+        <mc:Fallback xmlns="">
+          <p:sp>
+            <p:nvSpPr>
+              <p:cNvPr id="4" name="Text Placeholder 3"/>
+              <p:cNvSpPr>
+                <a:spLocks noGrp="1" noRot="1" noChangeAspect="1" noMove="1" noResize="1" noEditPoints="1" noAdjustHandles="1" noChangeArrowheads="1" noChangeShapeType="1" noTextEdit="1"/>
+              </p:cNvSpPr>
+              <p:nvPr>
+                <p:ph type="body" sz="half" idx="2"/>
+              </p:nvPr>
+            </p:nvSpPr>
+            <p:spPr>
+              <a:xfrm>
+                <a:off x="583607" y="775857"/>
+                <a:ext cx="3932237" cy="3811588"/>
+              </a:xfrm>
+              <a:blipFill>
+                <a:blip r:embed="rId3"/>
+                <a:stretch>
+                  <a:fillRect l="-1395" t="-1118" r="-1395"/>
+                </a:stretch>
+              </a:blipFill>
+            </p:spPr>
+            <p:txBody>
+              <a:bodyPr/>
+              <a:lstStyle/>
+              <a:p>
+                <a:r>
+                  <a:rPr lang="en-US">
+                    <a:noFill/>
+                  </a:rPr>
+                  <a:t> </a:t>
+                </a:r>
+              </a:p>
+            </p:txBody>
+          </p:sp>
+        </mc:Fallback>
+      </mc:AlternateContent>
+      <p:pic>
+        <p:nvPicPr>
+          <p:cNvPr id="5" name="Picture 4" descr="Screen Clipping"/>
+          <p:cNvPicPr>
+            <a:picLocks noChangeAspect="1"/>
+          </p:cNvPicPr>
+          <p:nvPr/>
+        </p:nvPicPr>
+        <p:blipFill>
+          <a:blip r:embed="rId4">
+            <a:extLst>
+              <a:ext uri="{28A0092B-C50C-407E-A947-70E740481C1C}">
+                <a14:useLocalDpi xmlns:a14="http://schemas.microsoft.com/office/drawing/2010/main" val="0"/>
+              </a:ext>
+            </a:extLst>
+          </a:blip>
+          <a:stretch>
+            <a:fillRect/>
+          </a:stretch>
+        </p:blipFill>
+        <p:spPr>
+          <a:xfrm>
+            <a:off x="274315" y="2084599"/>
+            <a:ext cx="4550819" cy="4603531"/>
+          </a:xfrm>
+          <a:prstGeom prst="rect">
+            <a:avLst/>
+          </a:prstGeom>
+        </p:spPr>
+      </p:pic>
+      <p:sp>
+        <p:nvSpPr>
+          <p:cNvPr id="7" name="Rectangle 6"/>
+          <p:cNvSpPr/>
+          <p:nvPr/>
+        </p:nvSpPr>
+        <p:spPr>
+          <a:xfrm>
+            <a:off x="5134426" y="2084599"/>
+            <a:ext cx="6387014" cy="3139321"/>
+          </a:xfrm>
+          <a:prstGeom prst="rect">
+            <a:avLst/>
+          </a:prstGeom>
+        </p:spPr>
+        <p:txBody>
+          <a:bodyPr wrap="square">
+            <a:spAutoFit/>
+          </a:bodyPr>
+          <a:lstStyle/>
+          <a:p>
+            <a:r>
+              <a:rPr lang="en-US" b="1" dirty="0"/>
+              <a:t>Key Event Name</a:t>
+            </a:r>
+          </a:p>
+          <a:p>
+            <a:r>
+              <a:rPr lang="en-US" dirty="0"/>
+              <a:t>"Increased, Mortality"                                            </a:t>
+            </a:r>
+          </a:p>
+          <a:p>
+            <a:r>
+              <a:rPr lang="en-US" dirty="0"/>
+              <a:t>"Increased, Liver Steatosis"                                      </a:t>
+            </a:r>
+          </a:p>
+          <a:p>
+            <a:r>
+              <a:rPr lang="en-US" dirty="0"/>
+              <a:t>"Increase, Oxidative Stress"                                      </a:t>
+            </a:r>
+          </a:p>
+          <a:p>
+            <a:r>
+              <a:rPr lang="en-US" dirty="0"/>
+              <a:t>"Decreased, Reproductive Success"                                 </a:t>
+            </a:r>
+          </a:p>
+          <a:p>
+            <a:r>
+              <a:rPr lang="en-US" dirty="0"/>
+              <a:t>"Impairment, Learning and memory"                                 </a:t>
+            </a:r>
+          </a:p>
+          <a:p>
+            <a:r>
+              <a:rPr lang="en-US" dirty="0"/>
+              <a:t>"Decreased, Synaptogenesis"                                       </a:t>
+            </a:r>
+          </a:p>
+          <a:p>
+            <a:r>
+              <a:rPr lang="en-US" dirty="0"/>
+              <a:t>"Accumulation, Fatty acid"                                        </a:t>
+            </a:r>
+          </a:p>
+          <a:p>
+            <a:r>
+              <a:rPr lang="en-US" dirty="0"/>
+              <a:t>"Reduction, 17beta-estradiol synthesis by ovarian granulosa cells"</a:t>
+            </a:r>
+          </a:p>
+          <a:p>
+            <a:r>
+              <a:rPr lang="en-US" dirty="0"/>
+              <a:t>"Depletion, energy reserves"                                      </a:t>
+            </a:r>
+          </a:p>
+          <a:p>
+            <a:r>
+              <a:rPr lang="en-US" dirty="0"/>
+              <a:t>"Weakened, Colony" </a:t>
+            </a:r>
+          </a:p>
+        </p:txBody>
+      </p:sp>
+      <mc:AlternateContent xmlns:mc="http://schemas.openxmlformats.org/markup-compatibility/2006">
+        <mc:Choice xmlns:a14="http://schemas.microsoft.com/office/drawing/2010/main" Requires="a14">
+          <p:sp>
+            <p:nvSpPr>
+              <p:cNvPr id="9" name="Rectangle 8"/>
+              <p:cNvSpPr/>
+              <p:nvPr/>
+            </p:nvSpPr>
+            <p:spPr>
+              <a:xfrm>
+                <a:off x="11521440" y="2084599"/>
+                <a:ext cx="466951" cy="3139321"/>
+              </a:xfrm>
+              <a:prstGeom prst="rect">
+                <a:avLst/>
+              </a:prstGeom>
+            </p:spPr>
+            <p:txBody>
+              <a:bodyPr wrap="square">
+                <a:spAutoFit/>
+              </a:bodyPr>
+              <a:lstStyle/>
+              <a:p>
+                <a:pPr algn="ctr"/>
+                <a14:m>
+                  <m:oMathPara xmlns:m="http://schemas.openxmlformats.org/officeDocument/2006/math">
+                    <m:oMathParaPr>
+                      <m:jc m:val="centerGroup"/>
+                    </m:oMathParaPr>
+                    <m:oMath xmlns:m="http://schemas.openxmlformats.org/officeDocument/2006/math">
+                      <m:sSub>
+                        <m:sSubPr>
+                          <m:ctrlPr>
+                            <a:rPr lang="en-US" b="1" i="1" smtClean="0">
+                              <a:latin typeface="Cambria Math" panose="02040503050406030204" pitchFamily="18" charset="0"/>
+                            </a:rPr>
+                          </m:ctrlPr>
+                        </m:sSubPr>
+                        <m:e>
+                          <m:r>
+                            <a:rPr lang="en-US" b="1" i="1" smtClean="0">
+                              <a:latin typeface="Cambria Math" panose="02040503050406030204" pitchFamily="18" charset="0"/>
+                            </a:rPr>
+                            <m:t>𝑫</m:t>
+                          </m:r>
+                        </m:e>
+                        <m:sub>
+                          <m:r>
+                            <a:rPr lang="en-US" b="1" i="1" smtClean="0">
+                              <a:latin typeface="Cambria Math" panose="02040503050406030204" pitchFamily="18" charset="0"/>
+                            </a:rPr>
+                            <m:t>𝒊𝒏</m:t>
+                          </m:r>
+                        </m:sub>
+                      </m:sSub>
+                    </m:oMath>
+                  </m:oMathPara>
+                </a14:m>
+                <a:endParaRPr lang="en-US" b="1" dirty="0"/>
+              </a:p>
+              <a:p>
+                <a:pPr algn="ctr"/>
+                <a:r>
+                  <a:rPr lang="en-US" dirty="0"/>
+                  <a:t>13  9  9  8  8  7  7  7  6  6</a:t>
+                </a:r>
+              </a:p>
+            </p:txBody>
+          </p:sp>
+        </mc:Choice>
+        <mc:Fallback>
+          <p:sp>
+            <p:nvSpPr>
+              <p:cNvPr id="9" name="Rectangle 8"/>
+              <p:cNvSpPr>
+                <a:spLocks noRot="1" noChangeAspect="1" noMove="1" noResize="1" noEditPoints="1" noAdjustHandles="1" noChangeArrowheads="1" noChangeShapeType="1" noTextEdit="1"/>
+              </p:cNvSpPr>
+              <p:nvPr/>
+            </p:nvSpPr>
+            <p:spPr>
+              <a:xfrm>
+                <a:off x="11521440" y="2084599"/>
+                <a:ext cx="466951" cy="3139321"/>
+              </a:xfrm>
+              <a:prstGeom prst="rect">
+                <a:avLst/>
+              </a:prstGeom>
+              <a:blipFill>
+                <a:blip r:embed="rId5"/>
+                <a:stretch>
+                  <a:fillRect l="-18182" r="-14286" b="-2136"/>
+                </a:stretch>
+              </a:blipFill>
+            </p:spPr>
+            <p:txBody>
+              <a:bodyPr/>
+              <a:lstStyle/>
+              <a:p>
+                <a:r>
+                  <a:rPr lang="en-US">
+                    <a:noFill/>
+                  </a:rPr>
+                  <a:t> </a:t>
+                </a:r>
+              </a:p>
+            </p:txBody>
+          </p:sp>
+        </mc:Fallback>
+      </mc:AlternateContent>
+      <mc:AlternateContent xmlns:mc="http://schemas.openxmlformats.org/markup-compatibility/2006">
+        <mc:Choice xmlns:a14="http://schemas.microsoft.com/office/drawing/2010/main" Requires="a14">
+          <p:sp>
+            <p:nvSpPr>
+              <p:cNvPr id="10" name="TextBox 9"/>
+              <p:cNvSpPr txBox="1"/>
+              <p:nvPr/>
+            </p:nvSpPr>
+            <p:spPr>
+              <a:xfrm>
+                <a:off x="5134426" y="1561379"/>
+                <a:ext cx="5945885" cy="523220"/>
+              </a:xfrm>
+              <a:prstGeom prst="rect">
+                <a:avLst/>
+              </a:prstGeom>
+              <a:noFill/>
+            </p:spPr>
+            <p:txBody>
+              <a:bodyPr wrap="square" rtlCol="0">
+                <a:spAutoFit/>
+              </a:bodyPr>
+              <a:lstStyle/>
+              <a:p>
+                <a:r>
+                  <a:rPr lang="en-US" sz="2800" dirty="0"/>
+                  <a:t>Ten key events with highest </a:t>
+                </a:r>
+                <a14:m>
+                  <m:oMath xmlns:m="http://schemas.openxmlformats.org/officeDocument/2006/math">
+                    <m:sSub>
+                      <m:sSubPr>
+                        <m:ctrlPr>
+                          <a:rPr lang="en-US" sz="2800" i="1" smtClean="0">
+                            <a:latin typeface="Cambria Math" panose="02040503050406030204" pitchFamily="18" charset="0"/>
+                          </a:rPr>
+                        </m:ctrlPr>
+                      </m:sSubPr>
+                      <m:e>
+                        <m:r>
+                          <a:rPr lang="en-US" sz="2800" b="0" i="1" smtClean="0">
+                            <a:latin typeface="Cambria Math" panose="02040503050406030204" pitchFamily="18" charset="0"/>
+                          </a:rPr>
+                          <m:t>𝐷</m:t>
+                        </m:r>
+                      </m:e>
+                      <m:sub>
+                        <m:r>
+                          <a:rPr lang="en-US" sz="2800" b="0" i="1" smtClean="0">
+                            <a:latin typeface="Cambria Math" panose="02040503050406030204" pitchFamily="18" charset="0"/>
+                          </a:rPr>
+                          <m:t>𝑖𝑛</m:t>
+                        </m:r>
+                      </m:sub>
+                    </m:sSub>
+                  </m:oMath>
+                </a14:m>
+                <a:r>
+                  <a:rPr lang="en-US" sz="2800" dirty="0"/>
+                  <a:t> value</a:t>
+                </a:r>
+              </a:p>
+            </p:txBody>
+          </p:sp>
+        </mc:Choice>
+        <mc:Fallback>
+          <p:sp>
+            <p:nvSpPr>
+              <p:cNvPr id="10" name="TextBox 9"/>
+              <p:cNvSpPr txBox="1">
+                <a:spLocks noRot="1" noChangeAspect="1" noMove="1" noResize="1" noEditPoints="1" noAdjustHandles="1" noChangeArrowheads="1" noChangeShapeType="1" noTextEdit="1"/>
+              </p:cNvSpPr>
+              <p:nvPr/>
+            </p:nvSpPr>
+            <p:spPr>
+              <a:xfrm>
+                <a:off x="5134426" y="1561379"/>
+                <a:ext cx="5945885" cy="523220"/>
+              </a:xfrm>
+              <a:prstGeom prst="rect">
+                <a:avLst/>
+              </a:prstGeom>
+              <a:blipFill>
+                <a:blip r:embed="rId6"/>
+                <a:stretch>
+                  <a:fillRect l="-2049" t="-10465" b="-32558"/>
+                </a:stretch>
+              </a:blipFill>
+            </p:spPr>
+            <p:txBody>
+              <a:bodyPr/>
+              <a:lstStyle/>
+              <a:p>
+                <a:r>
+                  <a:rPr lang="en-US">
+                    <a:noFill/>
+                  </a:rPr>
+                  <a:t> </a:t>
+                </a:r>
+              </a:p>
+            </p:txBody>
+          </p:sp>
+        </mc:Fallback>
+      </mc:AlternateContent>
+    </p:spTree>
+    <p:extLst>
+      <p:ext uri="{BB962C8B-B14F-4D97-AF65-F5344CB8AC3E}">
+        <p14:creationId xmlns:p14="http://schemas.microsoft.com/office/powerpoint/2010/main" val="4105536449"/>
+      </p:ext>
+    </p:extLst>
+  </p:cSld>
+  <p:clrMapOvr>
+    <a:masterClrMapping/>
+  </p:clrMapOvr>
+</p:sld>
+</file>
+
+<file path=ppt/slides/slide16.xml><?xml version="1.0" encoding="utf-8"?>
 <p:sld xmlns:a="http://schemas.openxmlformats.org/drawingml/2006/main" xmlns:r="http://schemas.openxmlformats.org/officeDocument/2006/relationships" xmlns:p="http://schemas.openxmlformats.org/presentationml/2006/main">
   <p:cSld>
     <p:spTree>
@@ -4991,7 +6662,615 @@
 </p:sld>
 </file>
 
-<file path=ppt/slides/slide14.xml><?xml version="1.0" encoding="utf-8"?>
+<file path=ppt/slides/slide17.xml><?xml version="1.0" encoding="utf-8"?>
+<p:sld xmlns:a="http://schemas.openxmlformats.org/drawingml/2006/main" xmlns:r="http://schemas.openxmlformats.org/officeDocument/2006/relationships" xmlns:p="http://schemas.openxmlformats.org/presentationml/2006/main">
+  <p:cSld>
+    <p:spTree>
+      <p:nvGrpSpPr>
+        <p:cNvPr id="1" name=""/>
+        <p:cNvGrpSpPr/>
+        <p:nvPr/>
+      </p:nvGrpSpPr>
+      <p:grpSpPr>
+        <a:xfrm>
+          <a:off x="0" y="0"/>
+          <a:ext cx="0" cy="0"/>
+          <a:chOff x="0" y="0"/>
+          <a:chExt cx="0" cy="0"/>
+        </a:xfrm>
+      </p:grpSpPr>
+      <p:sp>
+        <p:nvSpPr>
+          <p:cNvPr id="2" name="Title 1"/>
+          <p:cNvSpPr>
+            <a:spLocks noGrp="1"/>
+          </p:cNvSpPr>
+          <p:nvPr>
+            <p:ph type="title"/>
+          </p:nvPr>
+        </p:nvSpPr>
+        <p:spPr>
+          <a:xfrm>
+            <a:off x="7278688" y="37148"/>
+            <a:ext cx="3932237" cy="739074"/>
+          </a:xfrm>
+        </p:spPr>
+        <p:txBody>
+          <a:bodyPr>
+            <a:normAutofit/>
+          </a:bodyPr>
+          <a:lstStyle/>
+          <a:p>
+            <a:r>
+              <a:rPr lang="en-US" dirty="0"/>
+              <a:t>Degree (out) </a:t>
+            </a:r>
+            <a:r>
+              <a:rPr lang="en-US" dirty="0" err="1"/>
+              <a:t>Heatmap</a:t>
+            </a:r>
+            <a:endParaRPr lang="en-US" dirty="0"/>
+          </a:p>
+        </p:txBody>
+      </p:sp>
+      <mc:AlternateContent xmlns:mc="http://schemas.openxmlformats.org/markup-compatibility/2006" xmlns:a14="http://schemas.microsoft.com/office/drawing/2010/main">
+        <mc:Choice Requires="a14">
+          <p:sp>
+            <p:nvSpPr>
+              <p:cNvPr id="4" name="Text Placeholder 3"/>
+              <p:cNvSpPr>
+                <a:spLocks noGrp="1"/>
+              </p:cNvSpPr>
+              <p:nvPr>
+                <p:ph type="body" sz="half" idx="2"/>
+              </p:nvPr>
+            </p:nvSpPr>
+            <p:spPr>
+              <a:xfrm>
+                <a:off x="7278688" y="776222"/>
+                <a:ext cx="3932237" cy="3811588"/>
+              </a:xfrm>
+            </p:spPr>
+            <p:txBody>
+              <a:bodyPr/>
+              <a:lstStyle/>
+              <a:p>
+                <a:r>
+                  <a:rPr lang="en-US" dirty="0"/>
+                  <a:t>The degree (out), </a:t>
+                </a:r>
+                <a14:m>
+                  <m:oMath xmlns:m="http://schemas.openxmlformats.org/officeDocument/2006/math">
+                    <m:sSub>
+                      <m:sSubPr>
+                        <m:ctrlPr>
+                          <a:rPr lang="en-US" b="0" i="1" smtClean="0">
+                            <a:latin typeface="Cambria Math" panose="02040503050406030204" pitchFamily="18" charset="0"/>
+                          </a:rPr>
+                        </m:ctrlPr>
+                      </m:sSubPr>
+                      <m:e>
+                        <m:r>
+                          <a:rPr lang="en-US" b="0" i="1" smtClean="0">
+                            <a:latin typeface="Cambria Math" panose="02040503050406030204" pitchFamily="18" charset="0"/>
+                          </a:rPr>
+                          <m:t>𝐷</m:t>
+                        </m:r>
+                      </m:e>
+                      <m:sub>
+                        <m:r>
+                          <a:rPr lang="en-US" b="0" i="1" smtClean="0">
+                            <a:latin typeface="Cambria Math" panose="02040503050406030204" pitchFamily="18" charset="0"/>
+                          </a:rPr>
+                          <m:t>𝑜𝑢𝑡</m:t>
+                        </m:r>
+                      </m:sub>
+                    </m:sSub>
+                  </m:oMath>
+                </a14:m>
+                <a:r>
+                  <a:rPr lang="en-US" dirty="0"/>
+                  <a:t> of a node is the number of adjacent edges, regardless of directionality.  In this case, the key event with the highest </a:t>
+                </a:r>
+                <a14:m>
+                  <m:oMath xmlns:m="http://schemas.openxmlformats.org/officeDocument/2006/math">
+                    <m:sSub>
+                      <m:sSubPr>
+                        <m:ctrlPr>
+                          <a:rPr lang="en-US" b="0" i="1" smtClean="0">
+                            <a:latin typeface="Cambria Math" panose="02040503050406030204" pitchFamily="18" charset="0"/>
+                          </a:rPr>
+                        </m:ctrlPr>
+                      </m:sSubPr>
+                      <m:e>
+                        <m:r>
+                          <a:rPr lang="en-US" b="0" i="1" smtClean="0">
+                            <a:latin typeface="Cambria Math" panose="02040503050406030204" pitchFamily="18" charset="0"/>
+                          </a:rPr>
+                          <m:t>𝐷</m:t>
+                        </m:r>
+                      </m:e>
+                      <m:sub>
+                        <m:r>
+                          <a:rPr lang="en-US" b="0" i="1" smtClean="0">
+                            <a:latin typeface="Cambria Math" panose="02040503050406030204" pitchFamily="18" charset="0"/>
+                          </a:rPr>
+                          <m:t>𝑜𝑢𝑡</m:t>
+                        </m:r>
+                      </m:sub>
+                    </m:sSub>
+                  </m:oMath>
+                </a14:m>
+                <a:r>
+                  <a:rPr lang="en-US" dirty="0"/>
+                  <a:t> is </a:t>
+                </a:r>
+                <a:r>
+                  <a:rPr lang="en-US" sz="1800" b="1" dirty="0">
+                    <a:solidFill>
+                      <a:srgbClr val="FF0000"/>
+                    </a:solidFill>
+                  </a:rPr>
+                  <a:t>increased oxidative stress</a:t>
+                </a:r>
+                <a:r>
+                  <a:rPr lang="en-US" i="1" dirty="0"/>
+                  <a:t>, </a:t>
+                </a:r>
+                <a:r>
+                  <a:rPr lang="en-US" dirty="0"/>
+                  <a:t>with 13 incident edges.</a:t>
+                </a:r>
+              </a:p>
+            </p:txBody>
+          </p:sp>
+        </mc:Choice>
+        <mc:Fallback xmlns="">
+          <p:sp>
+            <p:nvSpPr>
+              <p:cNvPr id="4" name="Text Placeholder 3"/>
+              <p:cNvSpPr>
+                <a:spLocks noGrp="1" noRot="1" noChangeAspect="1" noMove="1" noResize="1" noEditPoints="1" noAdjustHandles="1" noChangeArrowheads="1" noChangeShapeType="1" noTextEdit="1"/>
+              </p:cNvSpPr>
+              <p:nvPr>
+                <p:ph type="body" sz="half" idx="2"/>
+              </p:nvPr>
+            </p:nvSpPr>
+            <p:spPr>
+              <a:xfrm>
+                <a:off x="7278688" y="776222"/>
+                <a:ext cx="3932237" cy="3811588"/>
+              </a:xfrm>
+              <a:blipFill>
+                <a:blip r:embed="rId2"/>
+                <a:stretch>
+                  <a:fillRect l="-1240" t="-1118" r="-2016"/>
+                </a:stretch>
+              </a:blipFill>
+            </p:spPr>
+            <p:txBody>
+              <a:bodyPr/>
+              <a:lstStyle/>
+              <a:p>
+                <a:r>
+                  <a:rPr lang="en-US">
+                    <a:noFill/>
+                  </a:rPr>
+                  <a:t> </a:t>
+                </a:r>
+              </a:p>
+            </p:txBody>
+          </p:sp>
+        </mc:Fallback>
+      </mc:AlternateContent>
+      <p:pic>
+        <p:nvPicPr>
+          <p:cNvPr id="3" name="Picture 2" descr="Screen Clipping"/>
+          <p:cNvPicPr>
+            <a:picLocks noChangeAspect="1"/>
+          </p:cNvPicPr>
+          <p:nvPr/>
+        </p:nvPicPr>
+        <p:blipFill>
+          <a:blip r:embed="rId3">
+            <a:extLst>
+              <a:ext uri="{28A0092B-C50C-407E-A947-70E740481C1C}">
+                <a14:useLocalDpi xmlns:a14="http://schemas.microsoft.com/office/drawing/2010/main" val="0"/>
+              </a:ext>
+            </a:extLst>
+          </a:blip>
+          <a:stretch>
+            <a:fillRect/>
+          </a:stretch>
+        </p:blipFill>
+        <p:spPr>
+          <a:xfrm>
+            <a:off x="7039787" y="2100111"/>
+            <a:ext cx="4410037" cy="4761386"/>
+          </a:xfrm>
+          <a:prstGeom prst="rect">
+            <a:avLst/>
+          </a:prstGeom>
+        </p:spPr>
+      </p:pic>
+      <mc:AlternateContent xmlns:mc="http://schemas.openxmlformats.org/markup-compatibility/2006">
+        <mc:Choice xmlns:a14="http://schemas.microsoft.com/office/drawing/2010/main" Requires="a14">
+          <p:sp>
+            <p:nvSpPr>
+              <p:cNvPr id="7" name="Rectangle 6"/>
+              <p:cNvSpPr/>
+              <p:nvPr/>
+            </p:nvSpPr>
+            <p:spPr>
+              <a:xfrm>
+                <a:off x="350520" y="1985070"/>
+                <a:ext cx="6096000" cy="3416320"/>
+              </a:xfrm>
+              <a:prstGeom prst="rect">
+                <a:avLst/>
+              </a:prstGeom>
+            </p:spPr>
+            <p:txBody>
+              <a:bodyPr>
+                <a:spAutoFit/>
+              </a:bodyPr>
+              <a:lstStyle/>
+              <a:p>
+                <a:r>
+                  <a:rPr lang="en-US" b="1" dirty="0"/>
+                  <a:t>Key Event Name</a:t>
+                </a:r>
+              </a:p>
+              <a:p>
+                <a:r>
+                  <a:rPr lang="en-US" dirty="0"/>
+                  <a:t>"Increase, Oxidative Stress"                                                          </a:t>
+                </a:r>
+              </a:p>
+              <a:p>
+                <a:r>
+                  <a:rPr lang="en-US" dirty="0"/>
+                  <a:t>"Activation, AHR"                                                                     </a:t>
+                </a:r>
+              </a:p>
+              <a:p>
+                <a:r>
+                  <a:rPr lang="en-US" dirty="0"/>
+                  <a:t>"Activation, PPAR</a:t>
+                </a:r>
+                <a14:m>
+                  <m:oMath xmlns:m="http://schemas.openxmlformats.org/officeDocument/2006/math">
+                    <m:r>
+                      <a:rPr lang="en-US" b="0" i="1" smtClean="0">
+                        <a:latin typeface="Cambria Math" panose="02040503050406030204" pitchFamily="18" charset="0"/>
+                      </a:rPr>
+                      <m:t>𝛼</m:t>
+                    </m:r>
+                  </m:oMath>
+                </a14:m>
+                <a:r>
+                  <a:rPr lang="en-US" dirty="0"/>
+                  <a:t>"                                                                   </a:t>
+                </a:r>
+              </a:p>
+              <a:p>
+                <a:r>
+                  <a:rPr lang="en-US" dirty="0"/>
+                  <a:t>"Activation, LXR"                                                                     </a:t>
+                </a:r>
+              </a:p>
+              <a:p>
+                <a:r>
+                  <a:rPr lang="en-US" dirty="0"/>
+                  <a:t>"N/A, Mitochondrial dysfunction 1"                                                    </a:t>
+                </a:r>
+              </a:p>
+              <a:p>
+                <a:r>
+                  <a:rPr lang="en-US" dirty="0"/>
+                  <a:t>"Increased, serotonin (5-HT)"                                                         </a:t>
+                </a:r>
+              </a:p>
+              <a:p>
+                <a:r>
+                  <a:rPr lang="en-US" dirty="0"/>
+                  <a:t>"Increase, cilia movement"                                                            </a:t>
+                </a:r>
+              </a:p>
+              <a:p>
+                <a:r>
+                  <a:rPr lang="en-US" dirty="0"/>
+                  <a:t>"Inhibition, 5-hydroxytryptamine transporter (5-HTT; SERT)"                           </a:t>
+                </a:r>
+              </a:p>
+              <a:p>
+                <a:r>
+                  <a:rPr lang="en-US" dirty="0"/>
+                  <a:t>"Suppression, Suppression of cytokine production in the presence of T-cell activation"</a:t>
+                </a:r>
+              </a:p>
+              <a:p>
+                <a:r>
+                  <a:rPr lang="en-US" dirty="0"/>
+                  <a:t>"Thyroxine (T4) in serum, Decreased"    </a:t>
+                </a:r>
+              </a:p>
+            </p:txBody>
+          </p:sp>
+        </mc:Choice>
+        <mc:Fallback>
+          <p:sp>
+            <p:nvSpPr>
+              <p:cNvPr id="7" name="Rectangle 6"/>
+              <p:cNvSpPr>
+                <a:spLocks noRot="1" noChangeAspect="1" noMove="1" noResize="1" noEditPoints="1" noAdjustHandles="1" noChangeArrowheads="1" noChangeShapeType="1" noTextEdit="1"/>
+              </p:cNvSpPr>
+              <p:nvPr/>
+            </p:nvSpPr>
+            <p:spPr>
+              <a:xfrm>
+                <a:off x="350520" y="1985070"/>
+                <a:ext cx="6096000" cy="3416320"/>
+              </a:xfrm>
+              <a:prstGeom prst="rect">
+                <a:avLst/>
+              </a:prstGeom>
+              <a:blipFill>
+                <a:blip r:embed="rId4"/>
+                <a:stretch>
+                  <a:fillRect l="-900" t="-1071" r="-18000" b="-1964"/>
+                </a:stretch>
+              </a:blipFill>
+            </p:spPr>
+            <p:txBody>
+              <a:bodyPr/>
+              <a:lstStyle/>
+              <a:p>
+                <a:r>
+                  <a:rPr lang="en-US">
+                    <a:noFill/>
+                  </a:rPr>
+                  <a:t> </a:t>
+                </a:r>
+              </a:p>
+            </p:txBody>
+          </p:sp>
+        </mc:Fallback>
+      </mc:AlternateContent>
+      <mc:AlternateContent xmlns:mc="http://schemas.openxmlformats.org/markup-compatibility/2006">
+        <mc:Choice xmlns:a14="http://schemas.microsoft.com/office/drawing/2010/main" Requires="a14">
+          <p:sp>
+            <p:nvSpPr>
+              <p:cNvPr id="9" name="Rectangle 8"/>
+              <p:cNvSpPr/>
+              <p:nvPr/>
+            </p:nvSpPr>
+            <p:spPr>
+              <a:xfrm>
+                <a:off x="6141678" y="1985070"/>
+                <a:ext cx="424291" cy="3416320"/>
+              </a:xfrm>
+              <a:prstGeom prst="rect">
+                <a:avLst/>
+              </a:prstGeom>
+            </p:spPr>
+            <p:txBody>
+              <a:bodyPr wrap="square">
+                <a:spAutoFit/>
+              </a:bodyPr>
+              <a:lstStyle/>
+              <a:p>
+                <a14:m>
+                  <m:oMathPara xmlns:m="http://schemas.openxmlformats.org/officeDocument/2006/math">
+                    <m:oMathParaPr>
+                      <m:jc m:val="centerGroup"/>
+                    </m:oMathParaPr>
+                    <m:oMath xmlns:m="http://schemas.openxmlformats.org/officeDocument/2006/math">
+                      <m:sSub>
+                        <m:sSubPr>
+                          <m:ctrlPr>
+                            <a:rPr lang="en-US" b="1" i="1" smtClean="0">
+                              <a:latin typeface="Cambria Math" panose="02040503050406030204" pitchFamily="18" charset="0"/>
+                            </a:rPr>
+                          </m:ctrlPr>
+                        </m:sSubPr>
+                        <m:e>
+                          <m:r>
+                            <a:rPr lang="en-US" b="1" i="1" smtClean="0">
+                              <a:latin typeface="Cambria Math" panose="02040503050406030204" pitchFamily="18" charset="0"/>
+                            </a:rPr>
+                            <m:t>𝑫</m:t>
+                          </m:r>
+                        </m:e>
+                        <m:sub>
+                          <m:r>
+                            <a:rPr lang="en-US" b="1" i="1" smtClean="0">
+                              <a:latin typeface="Cambria Math" panose="02040503050406030204" pitchFamily="18" charset="0"/>
+                            </a:rPr>
+                            <m:t>𝒐𝒖𝒕</m:t>
+                          </m:r>
+                        </m:sub>
+                      </m:sSub>
+                    </m:oMath>
+                  </m:oMathPara>
+                </a14:m>
+                <a:endParaRPr lang="en-US" b="1" dirty="0"/>
+              </a:p>
+              <a:p>
+                <a:r>
+                  <a:rPr lang="en-US" dirty="0"/>
+                  <a:t>13 12 11 11  9  8  8  8  7  </a:t>
+                </a:r>
+              </a:p>
+              <a:p>
+                <a:endParaRPr lang="en-US" dirty="0"/>
+              </a:p>
+              <a:p>
+                <a:r>
+                  <a:rPr lang="en-US" dirty="0"/>
+                  <a:t>7</a:t>
+                </a:r>
+              </a:p>
+            </p:txBody>
+          </p:sp>
+        </mc:Choice>
+        <mc:Fallback>
+          <p:sp>
+            <p:nvSpPr>
+              <p:cNvPr id="9" name="Rectangle 8"/>
+              <p:cNvSpPr>
+                <a:spLocks noRot="1" noChangeAspect="1" noMove="1" noResize="1" noEditPoints="1" noAdjustHandles="1" noChangeArrowheads="1" noChangeShapeType="1" noTextEdit="1"/>
+              </p:cNvSpPr>
+              <p:nvPr/>
+            </p:nvSpPr>
+            <p:spPr>
+              <a:xfrm>
+                <a:off x="6141678" y="1985070"/>
+                <a:ext cx="424291" cy="3416320"/>
+              </a:xfrm>
+              <a:prstGeom prst="rect">
+                <a:avLst/>
+              </a:prstGeom>
+              <a:blipFill>
+                <a:blip r:embed="rId5"/>
+                <a:stretch>
+                  <a:fillRect l="-11429" r="-40000" b="-1964"/>
+                </a:stretch>
+              </a:blipFill>
+            </p:spPr>
+            <p:txBody>
+              <a:bodyPr/>
+              <a:lstStyle/>
+              <a:p>
+                <a:r>
+                  <a:rPr lang="en-US">
+                    <a:noFill/>
+                  </a:rPr>
+                  <a:t> </a:t>
+                </a:r>
+              </a:p>
+            </p:txBody>
+          </p:sp>
+        </mc:Fallback>
+      </mc:AlternateContent>
+      <mc:AlternateContent xmlns:mc="http://schemas.openxmlformats.org/markup-compatibility/2006">
+        <mc:Choice xmlns:a14="http://schemas.microsoft.com/office/drawing/2010/main" Requires="a14">
+          <p:sp>
+            <p:nvSpPr>
+              <p:cNvPr id="10" name="TextBox 9"/>
+              <p:cNvSpPr txBox="1"/>
+              <p:nvPr/>
+            </p:nvSpPr>
+            <p:spPr>
+              <a:xfrm>
+                <a:off x="350520" y="1461850"/>
+                <a:ext cx="5945885" cy="523220"/>
+              </a:xfrm>
+              <a:prstGeom prst="rect">
+                <a:avLst/>
+              </a:prstGeom>
+              <a:noFill/>
+            </p:spPr>
+            <p:txBody>
+              <a:bodyPr wrap="square" rtlCol="0">
+                <a:spAutoFit/>
+              </a:bodyPr>
+              <a:lstStyle/>
+              <a:p>
+                <a:r>
+                  <a:rPr lang="en-US" sz="2800" dirty="0"/>
+                  <a:t>Ten key events with highest </a:t>
+                </a:r>
+                <a14:m>
+                  <m:oMath xmlns:m="http://schemas.openxmlformats.org/officeDocument/2006/math">
+                    <m:sSub>
+                      <m:sSubPr>
+                        <m:ctrlPr>
+                          <a:rPr lang="en-US" sz="2800" i="1" smtClean="0">
+                            <a:latin typeface="Cambria Math" panose="02040503050406030204" pitchFamily="18" charset="0"/>
+                          </a:rPr>
+                        </m:ctrlPr>
+                      </m:sSubPr>
+                      <m:e>
+                        <m:r>
+                          <a:rPr lang="en-US" sz="2800" b="0" i="1" smtClean="0">
+                            <a:latin typeface="Cambria Math" panose="02040503050406030204" pitchFamily="18" charset="0"/>
+                          </a:rPr>
+                          <m:t>𝐷</m:t>
+                        </m:r>
+                      </m:e>
+                      <m:sub>
+                        <m:r>
+                          <a:rPr lang="en-US" sz="2800" b="0" i="1" smtClean="0">
+                            <a:latin typeface="Cambria Math" panose="02040503050406030204" pitchFamily="18" charset="0"/>
+                          </a:rPr>
+                          <m:t>𝑜𝑢𝑡</m:t>
+                        </m:r>
+                      </m:sub>
+                    </m:sSub>
+                  </m:oMath>
+                </a14:m>
+                <a:r>
+                  <a:rPr lang="en-US" sz="2800" dirty="0"/>
+                  <a:t> value</a:t>
+                </a:r>
+              </a:p>
+            </p:txBody>
+          </p:sp>
+        </mc:Choice>
+        <mc:Fallback>
+          <p:sp>
+            <p:nvSpPr>
+              <p:cNvPr id="10" name="TextBox 9"/>
+              <p:cNvSpPr txBox="1">
+                <a:spLocks noRot="1" noChangeAspect="1" noMove="1" noResize="1" noEditPoints="1" noAdjustHandles="1" noChangeArrowheads="1" noChangeShapeType="1" noTextEdit="1"/>
+              </p:cNvSpPr>
+              <p:nvPr/>
+            </p:nvSpPr>
+            <p:spPr>
+              <a:xfrm>
+                <a:off x="350520" y="1461850"/>
+                <a:ext cx="5945885" cy="523220"/>
+              </a:xfrm>
+              <a:prstGeom prst="rect">
+                <a:avLst/>
+              </a:prstGeom>
+              <a:blipFill>
+                <a:blip r:embed="rId6"/>
+                <a:stretch>
+                  <a:fillRect l="-2154" t="-11628" b="-32558"/>
+                </a:stretch>
+              </a:blipFill>
+            </p:spPr>
+            <p:txBody>
+              <a:bodyPr/>
+              <a:lstStyle/>
+              <a:p>
+                <a:r>
+                  <a:rPr lang="en-US">
+                    <a:noFill/>
+                  </a:rPr>
+                  <a:t> </a:t>
+                </a:r>
+              </a:p>
+            </p:txBody>
+          </p:sp>
+        </mc:Fallback>
+      </mc:AlternateContent>
+    </p:spTree>
+    <p:extLst>
+      <p:ext uri="{BB962C8B-B14F-4D97-AF65-F5344CB8AC3E}">
+        <p14:creationId xmlns:p14="http://schemas.microsoft.com/office/powerpoint/2010/main" val="892817859"/>
+      </p:ext>
+    </p:extLst>
+  </p:cSld>
+  <p:clrMapOvr>
+    <a:masterClrMapping/>
+  </p:clrMapOvr>
+</p:sld>
+</file>
+
+<file path=ppt/slides/slide18.xml><?xml version="1.0" encoding="utf-8"?>
 <p:sld xmlns:a="http://schemas.openxmlformats.org/drawingml/2006/main" xmlns:r="http://schemas.openxmlformats.org/officeDocument/2006/relationships" xmlns:p="http://schemas.openxmlformats.org/presentationml/2006/main">
   <p:cSld>
     <p:spTree>

--- a/Presentations/AOPwiki_analysis.pptx
+++ b/Presentations/AOPwiki_analysis.pptx
@@ -5,7 +5,7 @@
     <p:sldMasterId id="2147483684" r:id="rId1"/>
   </p:sldMasterIdLst>
   <p:notesMasterIdLst>
-    <p:notesMasterId r:id="rId20"/>
+    <p:notesMasterId r:id="rId21"/>
   </p:notesMasterIdLst>
   <p:sldIdLst>
     <p:sldId id="256" r:id="rId2"/>
@@ -17,15 +17,16 @@
     <p:sldId id="267" r:id="rId8"/>
     <p:sldId id="265" r:id="rId9"/>
     <p:sldId id="262" r:id="rId10"/>
-    <p:sldId id="273" r:id="rId11"/>
-    <p:sldId id="263" r:id="rId12"/>
-    <p:sldId id="269" r:id="rId13"/>
-    <p:sldId id="274" r:id="rId14"/>
-    <p:sldId id="270" r:id="rId15"/>
-    <p:sldId id="275" r:id="rId16"/>
-    <p:sldId id="271" r:id="rId17"/>
-    <p:sldId id="276" r:id="rId18"/>
-    <p:sldId id="272" r:id="rId19"/>
+    <p:sldId id="277" r:id="rId11"/>
+    <p:sldId id="273" r:id="rId12"/>
+    <p:sldId id="263" r:id="rId13"/>
+    <p:sldId id="269" r:id="rId14"/>
+    <p:sldId id="274" r:id="rId15"/>
+    <p:sldId id="270" r:id="rId16"/>
+    <p:sldId id="275" r:id="rId17"/>
+    <p:sldId id="271" r:id="rId18"/>
+    <p:sldId id="276" r:id="rId19"/>
+    <p:sldId id="272" r:id="rId20"/>
   </p:sldIdLst>
   <p:sldSz cx="12192000" cy="6858000"/>
   <p:notesSz cx="6858000" cy="9144000"/>
@@ -138,6 +139,7 @@
             <p14:sldId id="267"/>
             <p14:sldId id="265"/>
             <p14:sldId id="262"/>
+            <p14:sldId id="277"/>
             <p14:sldId id="273"/>
             <p14:sldId id="263"/>
             <p14:sldId id="269"/>
@@ -252,7 +254,7 @@
           <a:p>
             <a:fld id="{000F2778-583D-47DD-9F96-F6161A447264}" type="datetimeFigureOut">
               <a:rPr lang="en-US" smtClean="0"/>
-              <a:t>6/19/2017</a:t>
+              <a:t>6/26/2017</a:t>
             </a:fld>
             <a:endParaRPr lang="en-US"/>
           </a:p>
@@ -921,7 +923,7 @@
     </p:spTree>
     <p:extLst>
       <p:ext uri="{BB962C8B-B14F-4D97-AF65-F5344CB8AC3E}">
-        <p14:creationId xmlns:p14="http://schemas.microsoft.com/office/powerpoint/2010/main" val="260849188"/>
+        <p14:creationId xmlns:p14="http://schemas.microsoft.com/office/powerpoint/2010/main" val="91829515"/>
       </p:ext>
     </p:extLst>
   </p:cSld>
@@ -977,13 +979,20 @@
           <a:p>
             <a:r>
               <a:rPr lang="en-US" dirty="0"/>
-              <a:t>To do: More specific</a:t>
+              <a:t>To do:</a:t>
             </a:r>
             <a:r>
               <a:rPr lang="en-US" baseline="0" dirty="0"/>
-              <a:t> information based on centrality measures.  Expand to include better information about KEs, maybe show top ten?</a:t>
-            </a:r>
-            <a:endParaRPr lang="en-US" dirty="0"/>
+              <a:t> </a:t>
+            </a:r>
+            <a:r>
+              <a:rPr lang="en-US" dirty="0"/>
+              <a:t>Create layout</a:t>
+            </a:r>
+            <a:r>
+              <a:rPr lang="en-US" baseline="0" dirty="0"/>
+              <a:t> for AOP networks based on level of biological organization. Can we do a similar analysis for MIE and AO?  What about KEs/KERs/AOPs by author?   </a:t>
+            </a:r>
           </a:p>
         </p:txBody>
       </p:sp>
@@ -1004,7 +1013,7 @@
           <a:p>
             <a:fld id="{8C5291EA-D524-4968-939F-FF9188A27C11}" type="slidenum">
               <a:rPr lang="en-US" smtClean="0"/>
-              <a:t>12</a:t>
+              <a:t>11</a:t>
             </a:fld>
             <a:endParaRPr lang="en-US"/>
           </a:p>
@@ -1013,7 +1022,7 @@
     </p:spTree>
     <p:extLst>
       <p:ext uri="{BB962C8B-B14F-4D97-AF65-F5344CB8AC3E}">
-        <p14:creationId xmlns:p14="http://schemas.microsoft.com/office/powerpoint/2010/main" val="4164765406"/>
+        <p14:creationId xmlns:p14="http://schemas.microsoft.com/office/powerpoint/2010/main" val="260849188"/>
       </p:ext>
     </p:extLst>
   </p:cSld>
@@ -1105,7 +1114,7 @@
     </p:spTree>
     <p:extLst>
       <p:ext uri="{BB962C8B-B14F-4D97-AF65-F5344CB8AC3E}">
-        <p14:creationId xmlns:p14="http://schemas.microsoft.com/office/powerpoint/2010/main" val="779683296"/>
+        <p14:creationId xmlns:p14="http://schemas.microsoft.com/office/powerpoint/2010/main" val="4164765406"/>
       </p:ext>
     </p:extLst>
   </p:cSld>
@@ -1161,11 +1170,11 @@
           <a:p>
             <a:r>
               <a:rPr lang="en-US" dirty="0"/>
-              <a:t>To do: Incomplete AOP vs</a:t>
+              <a:t>To do: More specific</a:t>
             </a:r>
             <a:r>
               <a:rPr lang="en-US" baseline="0" dirty="0"/>
-              <a:t> Complete AOP and ability to identify AOs and MIEs.  With proper annotation we can use these analyses to identify complete vs incomplete AOPs.  </a:t>
+              <a:t> information based on centrality measures.  Expand to include better information about KEs, maybe show top ten?</a:t>
             </a:r>
             <a:endParaRPr lang="en-US" dirty="0"/>
           </a:p>
@@ -1197,7 +1206,7 @@
     </p:spTree>
     <p:extLst>
       <p:ext uri="{BB962C8B-B14F-4D97-AF65-F5344CB8AC3E}">
-        <p14:creationId xmlns:p14="http://schemas.microsoft.com/office/powerpoint/2010/main" val="3551145391"/>
+        <p14:creationId xmlns:p14="http://schemas.microsoft.com/office/powerpoint/2010/main" val="779683296"/>
       </p:ext>
     </p:extLst>
   </p:cSld>
@@ -1281,6 +1290,98 @@
             <a:fld id="{8C5291EA-D524-4968-939F-FF9188A27C11}" type="slidenum">
               <a:rPr lang="en-US" smtClean="0"/>
               <a:t>15</a:t>
+            </a:fld>
+            <a:endParaRPr lang="en-US"/>
+          </a:p>
+        </p:txBody>
+      </p:sp>
+    </p:spTree>
+    <p:extLst>
+      <p:ext uri="{BB962C8B-B14F-4D97-AF65-F5344CB8AC3E}">
+        <p14:creationId xmlns:p14="http://schemas.microsoft.com/office/powerpoint/2010/main" val="3551145391"/>
+      </p:ext>
+    </p:extLst>
+  </p:cSld>
+  <p:clrMapOvr>
+    <a:masterClrMapping/>
+  </p:clrMapOvr>
+</p:notes>
+</file>
+
+<file path=ppt/notesSlides/notesSlide9.xml><?xml version="1.0" encoding="utf-8"?>
+<p:notes xmlns:a="http://schemas.openxmlformats.org/drawingml/2006/main" xmlns:r="http://schemas.openxmlformats.org/officeDocument/2006/relationships" xmlns:p="http://schemas.openxmlformats.org/presentationml/2006/main">
+  <p:cSld>
+    <p:spTree>
+      <p:nvGrpSpPr>
+        <p:cNvPr id="1" name=""/>
+        <p:cNvGrpSpPr/>
+        <p:nvPr/>
+      </p:nvGrpSpPr>
+      <p:grpSpPr>
+        <a:xfrm>
+          <a:off x="0" y="0"/>
+          <a:ext cx="0" cy="0"/>
+          <a:chOff x="0" y="0"/>
+          <a:chExt cx="0" cy="0"/>
+        </a:xfrm>
+      </p:grpSpPr>
+      <p:sp>
+        <p:nvSpPr>
+          <p:cNvPr id="2" name="Slide Image Placeholder 1"/>
+          <p:cNvSpPr>
+            <a:spLocks noGrp="1" noRot="1" noChangeAspect="1"/>
+          </p:cNvSpPr>
+          <p:nvPr>
+            <p:ph type="sldImg"/>
+          </p:nvPr>
+        </p:nvSpPr>
+        <p:spPr/>
+      </p:sp>
+      <p:sp>
+        <p:nvSpPr>
+          <p:cNvPr id="3" name="Notes Placeholder 2"/>
+          <p:cNvSpPr>
+            <a:spLocks noGrp="1"/>
+          </p:cNvSpPr>
+          <p:nvPr>
+            <p:ph type="body" idx="1"/>
+          </p:nvPr>
+        </p:nvSpPr>
+        <p:spPr/>
+        <p:txBody>
+          <a:bodyPr/>
+          <a:lstStyle/>
+          <a:p>
+            <a:r>
+              <a:rPr lang="en-US" dirty="0"/>
+              <a:t>To do: Incomplete AOP vs</a:t>
+            </a:r>
+            <a:r>
+              <a:rPr lang="en-US" baseline="0" dirty="0"/>
+              <a:t> Complete AOP and ability to identify AOs and MIEs.  With proper annotation we can use these analyses to identify complete vs incomplete AOPs.  </a:t>
+            </a:r>
+            <a:endParaRPr lang="en-US" dirty="0"/>
+          </a:p>
+        </p:txBody>
+      </p:sp>
+      <p:sp>
+        <p:nvSpPr>
+          <p:cNvPr id="4" name="Slide Number Placeholder 3"/>
+          <p:cNvSpPr>
+            <a:spLocks noGrp="1"/>
+          </p:cNvSpPr>
+          <p:nvPr>
+            <p:ph type="sldNum" sz="quarter" idx="10"/>
+          </p:nvPr>
+        </p:nvSpPr>
+        <p:spPr/>
+        <p:txBody>
+          <a:bodyPr/>
+          <a:lstStyle/>
+          <a:p>
+            <a:fld id="{8C5291EA-D524-4968-939F-FF9188A27C11}" type="slidenum">
+              <a:rPr lang="en-US" smtClean="0"/>
+              <a:t>16</a:t>
             </a:fld>
             <a:endParaRPr lang="en-US"/>
           </a:p>
@@ -1430,7 +1531,7 @@
           <a:p>
             <a:fld id="{C71581C8-DC5B-4BAA-A235-D61CE073C796}" type="datetimeFigureOut">
               <a:rPr lang="en-US" smtClean="0"/>
-              <a:t>6/19/2017</a:t>
+              <a:t>6/26/2017</a:t>
             </a:fld>
             <a:endParaRPr lang="en-US"/>
           </a:p>
@@ -1605,7 +1706,7 @@
           <a:p>
             <a:fld id="{C71581C8-DC5B-4BAA-A235-D61CE073C796}" type="datetimeFigureOut">
               <a:rPr lang="en-US" smtClean="0"/>
-              <a:t>6/19/2017</a:t>
+              <a:t>6/26/2017</a:t>
             </a:fld>
             <a:endParaRPr lang="en-US"/>
           </a:p>
@@ -1785,7 +1886,7 @@
           <a:p>
             <a:fld id="{C71581C8-DC5B-4BAA-A235-D61CE073C796}" type="datetimeFigureOut">
               <a:rPr lang="en-US" smtClean="0"/>
-              <a:t>6/19/2017</a:t>
+              <a:t>6/26/2017</a:t>
             </a:fld>
             <a:endParaRPr lang="en-US"/>
           </a:p>
@@ -1960,7 +2061,7 @@
           <a:p>
             <a:fld id="{C71581C8-DC5B-4BAA-A235-D61CE073C796}" type="datetimeFigureOut">
               <a:rPr lang="en-US" smtClean="0"/>
-              <a:t>6/19/2017</a:t>
+              <a:t>6/26/2017</a:t>
             </a:fld>
             <a:endParaRPr lang="en-US"/>
           </a:p>
@@ -2206,7 +2307,7 @@
           <a:p>
             <a:fld id="{C71581C8-DC5B-4BAA-A235-D61CE073C796}" type="datetimeFigureOut">
               <a:rPr lang="en-US" smtClean="0"/>
-              <a:t>6/19/2017</a:t>
+              <a:t>6/26/2017</a:t>
             </a:fld>
             <a:endParaRPr lang="en-US"/>
           </a:p>
@@ -2443,7 +2544,7 @@
           <a:p>
             <a:fld id="{C71581C8-DC5B-4BAA-A235-D61CE073C796}" type="datetimeFigureOut">
               <a:rPr lang="en-US" smtClean="0"/>
-              <a:t>6/19/2017</a:t>
+              <a:t>6/26/2017</a:t>
             </a:fld>
             <a:endParaRPr lang="en-US"/>
           </a:p>
@@ -2810,7 +2911,7 @@
           <a:p>
             <a:fld id="{C71581C8-DC5B-4BAA-A235-D61CE073C796}" type="datetimeFigureOut">
               <a:rPr lang="en-US" smtClean="0"/>
-              <a:t>6/19/2017</a:t>
+              <a:t>6/26/2017</a:t>
             </a:fld>
             <a:endParaRPr lang="en-US"/>
           </a:p>
@@ -2928,7 +3029,7 @@
           <a:p>
             <a:fld id="{C71581C8-DC5B-4BAA-A235-D61CE073C796}" type="datetimeFigureOut">
               <a:rPr lang="en-US" smtClean="0"/>
-              <a:t>6/19/2017</a:t>
+              <a:t>6/26/2017</a:t>
             </a:fld>
             <a:endParaRPr lang="en-US"/>
           </a:p>
@@ -3023,7 +3124,7 @@
           <a:p>
             <a:fld id="{C71581C8-DC5B-4BAA-A235-D61CE073C796}" type="datetimeFigureOut">
               <a:rPr lang="en-US" smtClean="0"/>
-              <a:t>6/19/2017</a:t>
+              <a:t>6/26/2017</a:t>
             </a:fld>
             <a:endParaRPr lang="en-US"/>
           </a:p>
@@ -3300,7 +3401,7 @@
           <a:p>
             <a:fld id="{C71581C8-DC5B-4BAA-A235-D61CE073C796}" type="datetimeFigureOut">
               <a:rPr lang="en-US" smtClean="0"/>
-              <a:t>6/19/2017</a:t>
+              <a:t>6/26/2017</a:t>
             </a:fld>
             <a:endParaRPr lang="en-US"/>
           </a:p>
@@ -3557,7 +3658,7 @@
           <a:p>
             <a:fld id="{C71581C8-DC5B-4BAA-A235-D61CE073C796}" type="datetimeFigureOut">
               <a:rPr lang="en-US" smtClean="0"/>
-              <a:t>6/19/2017</a:t>
+              <a:t>6/26/2017</a:t>
             </a:fld>
             <a:endParaRPr lang="en-US"/>
           </a:p>
@@ -3770,7 +3871,7 @@
           <a:p>
             <a:fld id="{C71581C8-DC5B-4BAA-A235-D61CE073C796}" type="datetimeFigureOut">
               <a:rPr lang="en-US" smtClean="0"/>
-              <a:t>6/19/2017</a:t>
+              <a:t>6/26/2017</a:t>
             </a:fld>
             <a:endParaRPr lang="en-US"/>
           </a:p>
@@ -4408,6 +4509,287 @@
       </p:pic>
       <p:pic>
         <p:nvPicPr>
+          <p:cNvPr id="3" name="Picture 2" descr="Screen Clipping"/>
+          <p:cNvPicPr>
+            <a:picLocks noChangeAspect="1"/>
+          </p:cNvPicPr>
+          <p:nvPr/>
+        </p:nvPicPr>
+        <p:blipFill>
+          <a:blip r:embed="rId5">
+            <a:extLst>
+              <a:ext uri="{28A0092B-C50C-407E-A947-70E740481C1C}">
+                <a14:useLocalDpi xmlns:a14="http://schemas.microsoft.com/office/drawing/2010/main" val="0"/>
+              </a:ext>
+            </a:extLst>
+          </a:blip>
+          <a:stretch>
+            <a:fillRect/>
+          </a:stretch>
+        </p:blipFill>
+        <p:spPr>
+          <a:xfrm>
+            <a:off x="7336342" y="2821113"/>
+            <a:ext cx="4280761" cy="4036887"/>
+          </a:xfrm>
+          <a:prstGeom prst="rect">
+            <a:avLst/>
+          </a:prstGeom>
+        </p:spPr>
+      </p:pic>
+      <p:pic>
+        <p:nvPicPr>
+          <p:cNvPr id="8" name="Picture 7" descr="Screen Clipping"/>
+          <p:cNvPicPr>
+            <a:picLocks noChangeAspect="1"/>
+          </p:cNvPicPr>
+          <p:nvPr/>
+        </p:nvPicPr>
+        <p:blipFill>
+          <a:blip r:embed="rId6">
+            <a:extLst>
+              <a:ext uri="{28A0092B-C50C-407E-A947-70E740481C1C}">
+                <a14:useLocalDpi xmlns:a14="http://schemas.microsoft.com/office/drawing/2010/main" val="0"/>
+              </a:ext>
+            </a:extLst>
+          </a:blip>
+          <a:stretch>
+            <a:fillRect/>
+          </a:stretch>
+        </p:blipFill>
+        <p:spPr>
+          <a:xfrm>
+            <a:off x="9334946" y="2824842"/>
+            <a:ext cx="1745376" cy="1756784"/>
+          </a:xfrm>
+          <a:prstGeom prst="rect">
+            <a:avLst/>
+          </a:prstGeom>
+        </p:spPr>
+      </p:pic>
+      <p:sp>
+        <p:nvSpPr>
+          <p:cNvPr id="5" name="Left-Right Arrow 4"/>
+          <p:cNvSpPr/>
+          <p:nvPr/>
+        </p:nvSpPr>
+        <p:spPr>
+          <a:xfrm rot="1177462">
+            <a:off x="6468108" y="4527540"/>
+            <a:ext cx="924112" cy="474693"/>
+          </a:xfrm>
+          <a:prstGeom prst="leftRightArrow">
+            <a:avLst/>
+          </a:prstGeom>
+          <a:solidFill>
+            <a:schemeClr val="tx1"/>
+          </a:solidFill>
+          <a:ln>
+            <a:solidFill>
+              <a:schemeClr val="bg1">
+                <a:lumMod val="95000"/>
+                <a:lumOff val="5000"/>
+              </a:schemeClr>
+            </a:solidFill>
+          </a:ln>
+        </p:spPr>
+        <p:style>
+          <a:lnRef idx="2">
+            <a:schemeClr val="accent1">
+              <a:shade val="50000"/>
+            </a:schemeClr>
+          </a:lnRef>
+          <a:fillRef idx="1">
+            <a:schemeClr val="accent1"/>
+          </a:fillRef>
+          <a:effectRef idx="0">
+            <a:schemeClr val="accent1"/>
+          </a:effectRef>
+          <a:fontRef idx="minor">
+            <a:schemeClr val="lt1"/>
+          </a:fontRef>
+        </p:style>
+        <p:txBody>
+          <a:bodyPr rtlCol="0" anchor="ctr"/>
+          <a:lstStyle/>
+          <a:p>
+            <a:pPr algn="ctr"/>
+            <a:endParaRPr lang="en-US"/>
+          </a:p>
+        </p:txBody>
+      </p:sp>
+    </p:spTree>
+    <p:extLst>
+      <p:ext uri="{BB962C8B-B14F-4D97-AF65-F5344CB8AC3E}">
+        <p14:creationId xmlns:p14="http://schemas.microsoft.com/office/powerpoint/2010/main" val="3499129688"/>
+      </p:ext>
+    </p:extLst>
+  </p:cSld>
+  <p:clrMapOvr>
+    <a:masterClrMapping/>
+  </p:clrMapOvr>
+</p:sld>
+</file>
+
+<file path=ppt/slides/slide11.xml><?xml version="1.0" encoding="utf-8"?>
+<p:sld xmlns:a="http://schemas.openxmlformats.org/drawingml/2006/main" xmlns:r="http://schemas.openxmlformats.org/officeDocument/2006/relationships" xmlns:p="http://schemas.openxmlformats.org/presentationml/2006/main">
+  <p:cSld>
+    <p:spTree>
+      <p:nvGrpSpPr>
+        <p:cNvPr id="1" name=""/>
+        <p:cNvGrpSpPr/>
+        <p:nvPr/>
+      </p:nvGrpSpPr>
+      <p:grpSpPr>
+        <a:xfrm>
+          <a:off x="0" y="0"/>
+          <a:ext cx="0" cy="0"/>
+          <a:chOff x="0" y="0"/>
+          <a:chExt cx="0" cy="0"/>
+        </a:xfrm>
+      </p:grpSpPr>
+      <p:sp>
+        <p:nvSpPr>
+          <p:cNvPr id="2" name="Title 1"/>
+          <p:cNvSpPr>
+            <a:spLocks noGrp="1"/>
+          </p:cNvSpPr>
+          <p:nvPr>
+            <p:ph type="title"/>
+          </p:nvPr>
+        </p:nvSpPr>
+        <p:spPr>
+          <a:xfrm>
+            <a:off x="7278688" y="827501"/>
+            <a:ext cx="3932237" cy="739074"/>
+          </a:xfrm>
+        </p:spPr>
+        <p:txBody>
+          <a:bodyPr>
+            <a:normAutofit fontScale="90000"/>
+          </a:bodyPr>
+          <a:lstStyle/>
+          <a:p>
+            <a:r>
+              <a:rPr lang="en-US" dirty="0"/>
+              <a:t>Levels of Biological Organization in the </a:t>
+            </a:r>
+            <a:r>
+              <a:rPr lang="en-US" dirty="0" err="1"/>
+              <a:t>AOPwiki</a:t>
+            </a:r>
+            <a:r>
+              <a:rPr lang="en-US" dirty="0"/>
+              <a:t> network</a:t>
+            </a:r>
+          </a:p>
+        </p:txBody>
+      </p:sp>
+      <p:sp>
+        <p:nvSpPr>
+          <p:cNvPr id="4" name="Text Placeholder 3"/>
+          <p:cNvSpPr>
+            <a:spLocks noGrp="1"/>
+          </p:cNvSpPr>
+          <p:nvPr>
+            <p:ph type="body" sz="half" idx="2"/>
+          </p:nvPr>
+        </p:nvSpPr>
+        <p:spPr>
+          <a:xfrm>
+            <a:off x="7278688" y="1566575"/>
+            <a:ext cx="3932237" cy="3811588"/>
+          </a:xfrm>
+        </p:spPr>
+        <p:txBody>
+          <a:bodyPr/>
+          <a:lstStyle/>
+          <a:p>
+            <a:r>
+              <a:rPr lang="en-US" dirty="0"/>
+              <a:t>Colors represent levels of biological organization associated to Key Events in the </a:t>
+            </a:r>
+            <a:r>
+              <a:rPr lang="en-US" dirty="0" err="1"/>
+              <a:t>AOPwiki</a:t>
+            </a:r>
+            <a:r>
+              <a:rPr lang="en-US" dirty="0"/>
+              <a:t>. A total of 750 unique key events are in the wiki, 53 Key events in the </a:t>
+            </a:r>
+            <a:r>
+              <a:rPr lang="en-US" dirty="0" err="1"/>
+              <a:t>AOPwiki</a:t>
+            </a:r>
+            <a:r>
+              <a:rPr lang="en-US" dirty="0"/>
+              <a:t> had unspecified levels of biological organization</a:t>
+            </a:r>
+          </a:p>
+        </p:txBody>
+      </p:sp>
+      <p:pic>
+        <p:nvPicPr>
+          <p:cNvPr id="21" name="Picture 20" descr="Screen Clipping"/>
+          <p:cNvPicPr>
+            <a:picLocks noChangeAspect="1"/>
+          </p:cNvPicPr>
+          <p:nvPr/>
+        </p:nvPicPr>
+        <p:blipFill>
+          <a:blip r:embed="rId3">
+            <a:extLst>
+              <a:ext uri="{28A0092B-C50C-407E-A947-70E740481C1C}">
+                <a14:useLocalDpi xmlns:a14="http://schemas.microsoft.com/office/drawing/2010/main" val="0"/>
+              </a:ext>
+            </a:extLst>
+          </a:blip>
+          <a:stretch>
+            <a:fillRect/>
+          </a:stretch>
+        </p:blipFill>
+        <p:spPr>
+          <a:xfrm>
+            <a:off x="0" y="61373"/>
+            <a:ext cx="6834368" cy="6643560"/>
+          </a:xfrm>
+          <a:prstGeom prst="rect">
+            <a:avLst/>
+          </a:prstGeom>
+        </p:spPr>
+      </p:pic>
+      <p:pic>
+        <p:nvPicPr>
+          <p:cNvPr id="26" name="Picture 25" descr="Screen Clipping"/>
+          <p:cNvPicPr>
+            <a:picLocks noChangeAspect="1"/>
+          </p:cNvPicPr>
+          <p:nvPr/>
+        </p:nvPicPr>
+        <p:blipFill>
+          <a:blip r:embed="rId4">
+            <a:extLst>
+              <a:ext uri="{28A0092B-C50C-407E-A947-70E740481C1C}">
+                <a14:useLocalDpi xmlns:a14="http://schemas.microsoft.com/office/drawing/2010/main" val="0"/>
+              </a:ext>
+            </a:extLst>
+          </a:blip>
+          <a:stretch>
+            <a:fillRect/>
+          </a:stretch>
+        </p:blipFill>
+        <p:spPr>
+          <a:xfrm>
+            <a:off x="7336342" y="2824842"/>
+            <a:ext cx="2960192" cy="3880091"/>
+          </a:xfrm>
+          <a:prstGeom prst="rect">
+            <a:avLst/>
+          </a:prstGeom>
+        </p:spPr>
+      </p:pic>
+      <p:pic>
+        <p:nvPicPr>
           <p:cNvPr id="23" name="Picture 22" descr="Screen Clipping"/>
           <p:cNvPicPr>
             <a:picLocks noChangeAspect="1"/>
@@ -4479,7 +4861,7 @@
 </p:sld>
 </file>
 
-<file path=ppt/slides/slide11.xml><?xml version="1.0" encoding="utf-8"?>
+<file path=ppt/slides/slide12.xml><?xml version="1.0" encoding="utf-8"?>
 <p:sld xmlns:a="http://schemas.openxmlformats.org/drawingml/2006/main" xmlns:r="http://schemas.openxmlformats.org/officeDocument/2006/relationships" xmlns:p="http://schemas.openxmlformats.org/presentationml/2006/main">
   <p:cSld>
     <p:spTree>
@@ -4686,7 +5068,7 @@
 </p:sld>
 </file>
 
-<file path=ppt/slides/slide12.xml><?xml version="1.0" encoding="utf-8"?>
+<file path=ppt/slides/slide13.xml><?xml version="1.0" encoding="utf-8"?>
 <p:sld xmlns:a="http://schemas.openxmlformats.org/drawingml/2006/main" xmlns:r="http://schemas.openxmlformats.org/officeDocument/2006/relationships" xmlns:p="http://schemas.openxmlformats.org/presentationml/2006/main">
   <p:cSld>
     <p:spTree>
@@ -4960,7 +5342,7 @@
 </p:sld>
 </file>
 
-<file path=ppt/slides/slide13.xml><?xml version="1.0" encoding="utf-8"?>
+<file path=ppt/slides/slide14.xml><?xml version="1.0" encoding="utf-8"?>
 <p:sld xmlns:a="http://schemas.openxmlformats.org/drawingml/2006/main" xmlns:r="http://schemas.openxmlformats.org/officeDocument/2006/relationships" xmlns:p="http://schemas.openxmlformats.org/presentationml/2006/main">
   <p:cSld>
     <p:spTree>
@@ -5191,8 +5573,8 @@
           </a:prstGeom>
         </p:spPr>
       </p:pic>
-      <mc:AlternateContent xmlns:mc="http://schemas.openxmlformats.org/markup-compatibility/2006">
-        <mc:Choice xmlns:a14="http://schemas.microsoft.com/office/drawing/2010/main" Requires="a14">
+      <mc:AlternateContent xmlns:mc="http://schemas.openxmlformats.org/markup-compatibility/2006" xmlns:a14="http://schemas.microsoft.com/office/drawing/2010/main">
+        <mc:Choice Requires="a14">
           <p:sp>
             <p:nvSpPr>
               <p:cNvPr id="5" name="Rectangle 4"/>
@@ -5296,7 +5678,7 @@
             </p:txBody>
           </p:sp>
         </mc:Choice>
-        <mc:Fallback>
+        <mc:Fallback xmlns="">
           <p:sp>
             <p:nvSpPr>
               <p:cNvPr id="5" name="Rectangle 4"/>
@@ -5335,8 +5717,8 @@
           </p:sp>
         </mc:Fallback>
       </mc:AlternateContent>
-      <mc:AlternateContent xmlns:mc="http://schemas.openxmlformats.org/markup-compatibility/2006">
-        <mc:Choice xmlns:a14="http://schemas.microsoft.com/office/drawing/2010/main" Requires="a14">
+      <mc:AlternateContent xmlns:mc="http://schemas.openxmlformats.org/markup-compatibility/2006" xmlns:a14="http://schemas.microsoft.com/office/drawing/2010/main">
+        <mc:Choice Requires="a14">
           <p:sp>
             <p:nvSpPr>
               <p:cNvPr id="7" name="Rectangle 6"/>
@@ -5405,7 +5787,7 @@
             </p:txBody>
           </p:sp>
         </mc:Choice>
-        <mc:Fallback>
+        <mc:Fallback xmlns="">
           <p:sp>
             <p:nvSpPr>
               <p:cNvPr id="7" name="Rectangle 6"/>
@@ -5444,8 +5826,8 @@
           </p:sp>
         </mc:Fallback>
       </mc:AlternateContent>
-      <mc:AlternateContent xmlns:mc="http://schemas.openxmlformats.org/markup-compatibility/2006">
-        <mc:Choice xmlns:a14="http://schemas.microsoft.com/office/drawing/2010/main" Requires="a14">
+      <mc:AlternateContent xmlns:mc="http://schemas.openxmlformats.org/markup-compatibility/2006" xmlns:a14="http://schemas.microsoft.com/office/drawing/2010/main">
+        <mc:Choice Requires="a14">
           <p:sp>
             <p:nvSpPr>
               <p:cNvPr id="10" name="TextBox 9"/>
@@ -5509,7 +5891,7 @@
             </p:txBody>
           </p:sp>
         </mc:Choice>
-        <mc:Fallback>
+        <mc:Fallback xmlns="">
           <p:sp>
             <p:nvSpPr>
               <p:cNvPr id="10" name="TextBox 9"/>
@@ -5561,7 +5943,7 @@
 </p:sld>
 </file>
 
-<file path=ppt/slides/slide14.xml><?xml version="1.0" encoding="utf-8"?>
+<file path=ppt/slides/slide15.xml><?xml version="1.0" encoding="utf-8"?>
 <p:sld xmlns:a="http://schemas.openxmlformats.org/drawingml/2006/main" xmlns:r="http://schemas.openxmlformats.org/officeDocument/2006/relationships" xmlns:p="http://schemas.openxmlformats.org/presentationml/2006/main">
   <p:cSld>
     <p:spTree>
@@ -5839,7 +6221,7 @@
 </p:sld>
 </file>
 
-<file path=ppt/slides/slide15.xml><?xml version="1.0" encoding="utf-8"?>
+<file path=ppt/slides/slide16.xml><?xml version="1.0" encoding="utf-8"?>
 <p:sld xmlns:a="http://schemas.openxmlformats.org/drawingml/2006/main" xmlns:r="http://schemas.openxmlformats.org/officeDocument/2006/relationships" xmlns:p="http://schemas.openxmlformats.org/presentationml/2006/main">
   <p:cSld>
     <p:spTree>
@@ -6162,8 +6544,8 @@
           </a:p>
         </p:txBody>
       </p:sp>
-      <mc:AlternateContent xmlns:mc="http://schemas.openxmlformats.org/markup-compatibility/2006">
-        <mc:Choice xmlns:a14="http://schemas.microsoft.com/office/drawing/2010/main" Requires="a14">
+      <mc:AlternateContent xmlns:mc="http://schemas.openxmlformats.org/markup-compatibility/2006" xmlns:a14="http://schemas.microsoft.com/office/drawing/2010/main">
+        <mc:Choice Requires="a14">
           <p:sp>
             <p:nvSpPr>
               <p:cNvPr id="9" name="Rectangle 8"/>
@@ -6232,7 +6614,7 @@
             </p:txBody>
           </p:sp>
         </mc:Choice>
-        <mc:Fallback>
+        <mc:Fallback xmlns="">
           <p:sp>
             <p:nvSpPr>
               <p:cNvPr id="9" name="Rectangle 8"/>
@@ -6271,8 +6653,8 @@
           </p:sp>
         </mc:Fallback>
       </mc:AlternateContent>
-      <mc:AlternateContent xmlns:mc="http://schemas.openxmlformats.org/markup-compatibility/2006">
-        <mc:Choice xmlns:a14="http://schemas.microsoft.com/office/drawing/2010/main" Requires="a14">
+      <mc:AlternateContent xmlns:mc="http://schemas.openxmlformats.org/markup-compatibility/2006" xmlns:a14="http://schemas.microsoft.com/office/drawing/2010/main">
+        <mc:Choice Requires="a14">
           <p:sp>
             <p:nvSpPr>
               <p:cNvPr id="10" name="TextBox 9"/>
@@ -6336,7 +6718,7 @@
             </p:txBody>
           </p:sp>
         </mc:Choice>
-        <mc:Fallback>
+        <mc:Fallback xmlns="">
           <p:sp>
             <p:nvSpPr>
               <p:cNvPr id="10" name="TextBox 9"/>
@@ -6388,7 +6770,7 @@
 </p:sld>
 </file>
 
-<file path=ppt/slides/slide16.xml><?xml version="1.0" encoding="utf-8"?>
+<file path=ppt/slides/slide17.xml><?xml version="1.0" encoding="utf-8"?>
 <p:sld xmlns:a="http://schemas.openxmlformats.org/drawingml/2006/main" xmlns:r="http://schemas.openxmlformats.org/officeDocument/2006/relationships" xmlns:p="http://schemas.openxmlformats.org/presentationml/2006/main">
   <p:cSld>
     <p:spTree>
@@ -6662,7 +7044,7 @@
 </p:sld>
 </file>
 
-<file path=ppt/slides/slide17.xml><?xml version="1.0" encoding="utf-8"?>
+<file path=ppt/slides/slide18.xml><?xml version="1.0" encoding="utf-8"?>
 <p:sld xmlns:a="http://schemas.openxmlformats.org/drawingml/2006/main" xmlns:r="http://schemas.openxmlformats.org/officeDocument/2006/relationships" xmlns:p="http://schemas.openxmlformats.org/presentationml/2006/main">
   <p:cSld>
     <p:spTree>
@@ -6893,8 +7275,8 @@
           </a:prstGeom>
         </p:spPr>
       </p:pic>
-      <mc:AlternateContent xmlns:mc="http://schemas.openxmlformats.org/markup-compatibility/2006">
-        <mc:Choice xmlns:a14="http://schemas.microsoft.com/office/drawing/2010/main" Requires="a14">
+      <mc:AlternateContent xmlns:mc="http://schemas.openxmlformats.org/markup-compatibility/2006" xmlns:a14="http://schemas.microsoft.com/office/drawing/2010/main">
+        <mc:Choice Requires="a14">
           <p:sp>
             <p:nvSpPr>
               <p:cNvPr id="7" name="Rectangle 6"/>
@@ -6998,7 +7380,7 @@
             </p:txBody>
           </p:sp>
         </mc:Choice>
-        <mc:Fallback>
+        <mc:Fallback xmlns="">
           <p:sp>
             <p:nvSpPr>
               <p:cNvPr id="7" name="Rectangle 6"/>
@@ -7037,8 +7419,8 @@
           </p:sp>
         </mc:Fallback>
       </mc:AlternateContent>
-      <mc:AlternateContent xmlns:mc="http://schemas.openxmlformats.org/markup-compatibility/2006">
-        <mc:Choice xmlns:a14="http://schemas.microsoft.com/office/drawing/2010/main" Requires="a14">
+      <mc:AlternateContent xmlns:mc="http://schemas.openxmlformats.org/markup-compatibility/2006" xmlns:a14="http://schemas.microsoft.com/office/drawing/2010/main">
+        <mc:Choice Requires="a14">
           <p:sp>
             <p:nvSpPr>
               <p:cNvPr id="9" name="Rectangle 8"/>
@@ -7060,6 +7442,7 @@
               </a:bodyPr>
               <a:lstStyle/>
               <a:p>
+                <a:pPr/>
                 <a14:m>
                   <m:oMathPara xmlns:m="http://schemas.openxmlformats.org/officeDocument/2006/math">
                     <m:oMathParaPr>
@@ -7114,7 +7497,7 @@
             </p:txBody>
           </p:sp>
         </mc:Choice>
-        <mc:Fallback>
+        <mc:Fallback xmlns="">
           <p:sp>
             <p:nvSpPr>
               <p:cNvPr id="9" name="Rectangle 8"/>
@@ -7153,8 +7536,8 @@
           </p:sp>
         </mc:Fallback>
       </mc:AlternateContent>
-      <mc:AlternateContent xmlns:mc="http://schemas.openxmlformats.org/markup-compatibility/2006">
-        <mc:Choice xmlns:a14="http://schemas.microsoft.com/office/drawing/2010/main" Requires="a14">
+      <mc:AlternateContent xmlns:mc="http://schemas.openxmlformats.org/markup-compatibility/2006" xmlns:a14="http://schemas.microsoft.com/office/drawing/2010/main">
+        <mc:Choice Requires="a14">
           <p:sp>
             <p:nvSpPr>
               <p:cNvPr id="10" name="TextBox 9"/>
@@ -7218,7 +7601,7 @@
             </p:txBody>
           </p:sp>
         </mc:Choice>
-        <mc:Fallback>
+        <mc:Fallback xmlns="">
           <p:sp>
             <p:nvSpPr>
               <p:cNvPr id="10" name="TextBox 9"/>
@@ -7270,7 +7653,7 @@
 </p:sld>
 </file>
 
-<file path=ppt/slides/slide18.xml><?xml version="1.0" encoding="utf-8"?>
+<file path=ppt/slides/slide19.xml><?xml version="1.0" encoding="utf-8"?>
 <p:sld xmlns:a="http://schemas.openxmlformats.org/drawingml/2006/main" xmlns:r="http://schemas.openxmlformats.org/officeDocument/2006/relationships" xmlns:p="http://schemas.openxmlformats.org/presentationml/2006/main">
   <p:cSld>
     <p:spTree>

--- a/Presentations/AOPwiki_analysis.pptx
+++ b/Presentations/AOPwiki_analysis.pptx
@@ -5,7 +5,7 @@
     <p:sldMasterId id="2147483684" r:id="rId1"/>
   </p:sldMasterIdLst>
   <p:notesMasterIdLst>
-    <p:notesMasterId r:id="rId21"/>
+    <p:notesMasterId r:id="rId22"/>
   </p:notesMasterIdLst>
   <p:sldIdLst>
     <p:sldId id="256" r:id="rId2"/>
@@ -27,6 +27,7 @@
     <p:sldId id="271" r:id="rId18"/>
     <p:sldId id="276" r:id="rId19"/>
     <p:sldId id="272" r:id="rId20"/>
+    <p:sldId id="278" r:id="rId21"/>
   </p:sldIdLst>
   <p:sldSz cx="12192000" cy="6858000"/>
   <p:notesSz cx="6858000" cy="9144000"/>
@@ -149,6 +150,7 @@
             <p14:sldId id="271"/>
             <p14:sldId id="276"/>
             <p14:sldId id="272"/>
+            <p14:sldId id="278"/>
           </p14:sldIdLst>
         </p14:section>
       </p14:sectionLst>
@@ -254,7 +256,7 @@
           <a:p>
             <a:fld id="{000F2778-583D-47DD-9F96-F6161A447264}" type="datetimeFigureOut">
               <a:rPr lang="en-US" smtClean="0"/>
-              <a:t>6/26/2017</a:t>
+              <a:t>7/6/2017</a:t>
             </a:fld>
             <a:endParaRPr lang="en-US"/>
           </a:p>
@@ -1531,7 +1533,7 @@
           <a:p>
             <a:fld id="{C71581C8-DC5B-4BAA-A235-D61CE073C796}" type="datetimeFigureOut">
               <a:rPr lang="en-US" smtClean="0"/>
-              <a:t>6/26/2017</a:t>
+              <a:t>7/6/2017</a:t>
             </a:fld>
             <a:endParaRPr lang="en-US"/>
           </a:p>
@@ -1706,7 +1708,7 @@
           <a:p>
             <a:fld id="{C71581C8-DC5B-4BAA-A235-D61CE073C796}" type="datetimeFigureOut">
               <a:rPr lang="en-US" smtClean="0"/>
-              <a:t>6/26/2017</a:t>
+              <a:t>7/6/2017</a:t>
             </a:fld>
             <a:endParaRPr lang="en-US"/>
           </a:p>
@@ -1886,7 +1888,7 @@
           <a:p>
             <a:fld id="{C71581C8-DC5B-4BAA-A235-D61CE073C796}" type="datetimeFigureOut">
               <a:rPr lang="en-US" smtClean="0"/>
-              <a:t>6/26/2017</a:t>
+              <a:t>7/6/2017</a:t>
             </a:fld>
             <a:endParaRPr lang="en-US"/>
           </a:p>
@@ -2061,7 +2063,7 @@
           <a:p>
             <a:fld id="{C71581C8-DC5B-4BAA-A235-D61CE073C796}" type="datetimeFigureOut">
               <a:rPr lang="en-US" smtClean="0"/>
-              <a:t>6/26/2017</a:t>
+              <a:t>7/6/2017</a:t>
             </a:fld>
             <a:endParaRPr lang="en-US"/>
           </a:p>
@@ -2307,7 +2309,7 @@
           <a:p>
             <a:fld id="{C71581C8-DC5B-4BAA-A235-D61CE073C796}" type="datetimeFigureOut">
               <a:rPr lang="en-US" smtClean="0"/>
-              <a:t>6/26/2017</a:t>
+              <a:t>7/6/2017</a:t>
             </a:fld>
             <a:endParaRPr lang="en-US"/>
           </a:p>
@@ -2544,7 +2546,7 @@
           <a:p>
             <a:fld id="{C71581C8-DC5B-4BAA-A235-D61CE073C796}" type="datetimeFigureOut">
               <a:rPr lang="en-US" smtClean="0"/>
-              <a:t>6/26/2017</a:t>
+              <a:t>7/6/2017</a:t>
             </a:fld>
             <a:endParaRPr lang="en-US"/>
           </a:p>
@@ -2911,7 +2913,7 @@
           <a:p>
             <a:fld id="{C71581C8-DC5B-4BAA-A235-D61CE073C796}" type="datetimeFigureOut">
               <a:rPr lang="en-US" smtClean="0"/>
-              <a:t>6/26/2017</a:t>
+              <a:t>7/6/2017</a:t>
             </a:fld>
             <a:endParaRPr lang="en-US"/>
           </a:p>
@@ -3029,7 +3031,7 @@
           <a:p>
             <a:fld id="{C71581C8-DC5B-4BAA-A235-D61CE073C796}" type="datetimeFigureOut">
               <a:rPr lang="en-US" smtClean="0"/>
-              <a:t>6/26/2017</a:t>
+              <a:t>7/6/2017</a:t>
             </a:fld>
             <a:endParaRPr lang="en-US"/>
           </a:p>
@@ -3124,7 +3126,7 @@
           <a:p>
             <a:fld id="{C71581C8-DC5B-4BAA-A235-D61CE073C796}" type="datetimeFigureOut">
               <a:rPr lang="en-US" smtClean="0"/>
-              <a:t>6/26/2017</a:t>
+              <a:t>7/6/2017</a:t>
             </a:fld>
             <a:endParaRPr lang="en-US"/>
           </a:p>
@@ -3401,7 +3403,7 @@
           <a:p>
             <a:fld id="{C71581C8-DC5B-4BAA-A235-D61CE073C796}" type="datetimeFigureOut">
               <a:rPr lang="en-US" smtClean="0"/>
-              <a:t>6/26/2017</a:t>
+              <a:t>7/6/2017</a:t>
             </a:fld>
             <a:endParaRPr lang="en-US"/>
           </a:p>
@@ -3658,7 +3660,7 @@
           <a:p>
             <a:fld id="{C71581C8-DC5B-4BAA-A235-D61CE073C796}" type="datetimeFigureOut">
               <a:rPr lang="en-US" smtClean="0"/>
-              <a:t>6/26/2017</a:t>
+              <a:t>7/6/2017</a:t>
             </a:fld>
             <a:endParaRPr lang="en-US"/>
           </a:p>
@@ -3871,7 +3873,7 @@
           <a:p>
             <a:fld id="{C71581C8-DC5B-4BAA-A235-D61CE073C796}" type="datetimeFigureOut">
               <a:rPr lang="en-US" smtClean="0"/>
-              <a:t>6/26/2017</a:t>
+              <a:t>7/6/2017</a:t>
             </a:fld>
             <a:endParaRPr lang="en-US"/>
           </a:p>
@@ -5103,13 +5105,13 @@
         </p:spPr>
         <p:txBody>
           <a:bodyPr>
-            <a:normAutofit/>
+            <a:normAutofit fontScale="90000"/>
           </a:bodyPr>
           <a:lstStyle/>
           <a:p>
             <a:r>
               <a:rPr lang="en-US" dirty="0"/>
-              <a:t>Degree (all) </a:t>
+              <a:t>Degree (total) </a:t>
             </a:r>
             <a:r>
               <a:rPr lang="en-US" dirty="0" err="1"/>
@@ -5119,8 +5121,8 @@
           </a:p>
         </p:txBody>
       </p:sp>
-      <mc:AlternateContent xmlns:mc="http://schemas.openxmlformats.org/markup-compatibility/2006" xmlns:a14="http://schemas.microsoft.com/office/drawing/2010/main">
-        <mc:Choice Requires="a14">
+      <mc:AlternateContent xmlns:mc="http://schemas.openxmlformats.org/markup-compatibility/2006">
+        <mc:Choice xmlns:a14="http://schemas.microsoft.com/office/drawing/2010/main" Requires="a14">
           <p:sp>
             <p:nvSpPr>
               <p:cNvPr id="4" name="Text Placeholder 3"/>
@@ -5143,7 +5145,7 @@
               <a:p>
                 <a:r>
                   <a:rPr lang="en-US" dirty="0"/>
-                  <a:t>The degree (all), </a:t>
+                  <a:t>The degree (total), </a:t>
                 </a:r>
                 <a14:m>
                   <m:oMath xmlns:m="http://schemas.openxmlformats.org/officeDocument/2006/math">
@@ -5168,7 +5170,7 @@
                           <a:rPr lang="en-US" b="0" i="1" smtClean="0">
                             <a:latin typeface="Cambria Math" panose="02040503050406030204" pitchFamily="18" charset="0"/>
                           </a:rPr>
-                          <m:t>𝑎𝑙𝑙</m:t>
+                          <m:t>𝑡𝑜𝑡</m:t>
                         </m:r>
                       </m:sub>
                     </m:sSub>
@@ -5201,7 +5203,7 @@
                           <a:rPr lang="en-US" b="0" i="1" smtClean="0">
                             <a:latin typeface="Cambria Math" panose="02040503050406030204" pitchFamily="18" charset="0"/>
                           </a:rPr>
-                          <m:t>𝑎𝑙𝑙</m:t>
+                          <m:t>𝑡𝑜𝑡</m:t>
                         </m:r>
                       </m:sub>
                     </m:sSub>
@@ -5231,7 +5233,7 @@
             </p:txBody>
           </p:sp>
         </mc:Choice>
-        <mc:Fallback xmlns="">
+        <mc:Fallback>
           <p:sp>
             <p:nvSpPr>
               <p:cNvPr id="4" name="Text Placeholder 3"/>
@@ -7275,8 +7277,8 @@
           </a:prstGeom>
         </p:spPr>
       </p:pic>
-      <mc:AlternateContent xmlns:mc="http://schemas.openxmlformats.org/markup-compatibility/2006" xmlns:a14="http://schemas.microsoft.com/office/drawing/2010/main">
-        <mc:Choice Requires="a14">
+      <mc:AlternateContent xmlns:mc="http://schemas.openxmlformats.org/markup-compatibility/2006">
+        <mc:Choice xmlns:a14="http://schemas.microsoft.com/office/drawing/2010/main" Requires="a14">
           <p:sp>
             <p:nvSpPr>
               <p:cNvPr id="7" name="Rectangle 6"/>
@@ -7380,7 +7382,7 @@
             </p:txBody>
           </p:sp>
         </mc:Choice>
-        <mc:Fallback xmlns="">
+        <mc:Fallback>
           <p:sp>
             <p:nvSpPr>
               <p:cNvPr id="7" name="Rectangle 6"/>
@@ -7654,7 +7656,7 @@
 </file>
 
 <file path=ppt/slides/slide19.xml><?xml version="1.0" encoding="utf-8"?>
-<p:sld xmlns:a="http://schemas.openxmlformats.org/drawingml/2006/main" xmlns:r="http://schemas.openxmlformats.org/officeDocument/2006/relationships" xmlns:p="http://schemas.openxmlformats.org/presentationml/2006/main">
+<p:sld xmlns:a="http://schemas.openxmlformats.org/drawingml/2006/main" xmlns:r="http://schemas.openxmlformats.org/officeDocument/2006/relationships" xmlns:p="http://schemas.openxmlformats.org/presentationml/2006/main" show="0">
   <p:cSld>
     <p:spTree>
       <p:nvGrpSpPr>
@@ -8542,6 +8544,113 @@
 </p:sld>
 </file>
 
+<file path=ppt/slides/slide20.xml><?xml version="1.0" encoding="utf-8"?>
+<p:sld xmlns:a="http://schemas.openxmlformats.org/drawingml/2006/main" xmlns:r="http://schemas.openxmlformats.org/officeDocument/2006/relationships" xmlns:p="http://schemas.openxmlformats.org/presentationml/2006/main">
+  <p:cSld>
+    <p:spTree>
+      <p:nvGrpSpPr>
+        <p:cNvPr id="1" name=""/>
+        <p:cNvGrpSpPr/>
+        <p:nvPr/>
+      </p:nvGrpSpPr>
+      <p:grpSpPr>
+        <a:xfrm>
+          <a:off x="0" y="0"/>
+          <a:ext cx="0" cy="0"/>
+          <a:chOff x="0" y="0"/>
+          <a:chExt cx="0" cy="0"/>
+        </a:xfrm>
+      </p:grpSpPr>
+      <p:sp>
+        <p:nvSpPr>
+          <p:cNvPr id="5" name="Title 4"/>
+          <p:cNvSpPr>
+            <a:spLocks noGrp="1"/>
+          </p:cNvSpPr>
+          <p:nvPr>
+            <p:ph type="title"/>
+          </p:nvPr>
+        </p:nvSpPr>
+        <p:spPr/>
+        <p:txBody>
+          <a:bodyPr/>
+          <a:lstStyle/>
+          <a:p>
+            <a:endParaRPr lang="en-US" dirty="0"/>
+          </a:p>
+        </p:txBody>
+      </p:sp>
+      <p:pic>
+        <p:nvPicPr>
+          <p:cNvPr id="19" name="Content Placeholder 18" descr="Screen Clipping"/>
+          <p:cNvPicPr>
+            <a:picLocks noGrp="1" noChangeAspect="1"/>
+          </p:cNvPicPr>
+          <p:nvPr>
+            <p:ph sz="half" idx="2"/>
+          </p:nvPr>
+        </p:nvPicPr>
+        <p:blipFill>
+          <a:blip r:embed="rId2">
+            <a:extLst>
+              <a:ext uri="{28A0092B-C50C-407E-A947-70E740481C1C}">
+                <a14:useLocalDpi xmlns:a14="http://schemas.microsoft.com/office/drawing/2010/main" val="0"/>
+              </a:ext>
+            </a:extLst>
+          </a:blip>
+          <a:stretch>
+            <a:fillRect/>
+          </a:stretch>
+        </p:blipFill>
+        <p:spPr>
+          <a:xfrm>
+            <a:off x="7453129" y="2358002"/>
+            <a:ext cx="2619741" cy="3286584"/>
+          </a:xfrm>
+        </p:spPr>
+      </p:pic>
+      <p:pic>
+        <p:nvPicPr>
+          <p:cNvPr id="18" name="Content Placeholder 17" descr="Screen Clipping"/>
+          <p:cNvPicPr>
+            <a:picLocks noGrp="1" noChangeAspect="1"/>
+          </p:cNvPicPr>
+          <p:nvPr>
+            <p:ph sz="half" idx="1"/>
+          </p:nvPr>
+        </p:nvPicPr>
+        <p:blipFill>
+          <a:blip r:embed="rId3">
+            <a:extLst>
+              <a:ext uri="{28A0092B-C50C-407E-A947-70E740481C1C}">
+                <a14:useLocalDpi xmlns:a14="http://schemas.microsoft.com/office/drawing/2010/main" val="0"/>
+              </a:ext>
+            </a:extLst>
+          </a:blip>
+          <a:stretch>
+            <a:fillRect/>
+          </a:stretch>
+        </p:blipFill>
+        <p:spPr>
+          <a:xfrm>
+            <a:off x="2157235" y="2377055"/>
+            <a:ext cx="2543530" cy="3248478"/>
+          </a:xfrm>
+        </p:spPr>
+      </p:pic>
+    </p:spTree>
+    <p:extLst>
+      <p:ext uri="{BB962C8B-B14F-4D97-AF65-F5344CB8AC3E}">
+        <p14:creationId xmlns:p14="http://schemas.microsoft.com/office/powerpoint/2010/main" val="2795484734"/>
+      </p:ext>
+    </p:extLst>
+  </p:cSld>
+  <p:clrMapOvr>
+    <a:masterClrMapping/>
+  </p:clrMapOvr>
+</p:sld>
+</file>
+
 <file path=ppt/slides/slide3.xml><?xml version="1.0" encoding="utf-8"?>
 <p:sld xmlns:a="http://schemas.openxmlformats.org/drawingml/2006/main" xmlns:r="http://schemas.openxmlformats.org/officeDocument/2006/relationships" xmlns:p="http://schemas.openxmlformats.org/presentationml/2006/main">
   <p:cSld>
@@ -8770,7 +8879,7 @@
         </p:blipFill>
         <p:spPr>
           <a:xfrm>
-            <a:off x="5344025" y="61502"/>
+            <a:off x="5488805" y="41817"/>
             <a:ext cx="6703195" cy="6785068"/>
           </a:xfrm>
           <a:prstGeom prst="rect">
@@ -8800,7 +8909,7 @@
         </p:blipFill>
         <p:spPr>
           <a:xfrm>
-            <a:off x="574478" y="3107234"/>
+            <a:off x="574478" y="3077411"/>
             <a:ext cx="4024259" cy="3750766"/>
           </a:xfrm>
           <a:prstGeom prst="rect">
@@ -8917,7 +9026,7 @@
           <a:p>
             <a:r>
               <a:rPr lang="en-US" dirty="0"/>
-              <a:t>Within the AOP context, weakly connected components highlight AOP networks where at least one key event relationships.</a:t>
+              <a:t>Within the AOP context, weakly connected components highlight AOP networks where at least one key event relationships is shared.</a:t>
             </a:r>
           </a:p>
           <a:p>
@@ -9439,7 +9548,7 @@
             </a:r>
             <a:r>
               <a:rPr lang="en-US" dirty="0"/>
-              <a:t>The last cycle appears to span multiple AOPs but AOP ID is a missing attribute for one of the three KE events.</a:t>
+              <a:t>The last cycle appears to span multiple AOPs but AOP ID is a missing attribute for one of the three KE.</a:t>
             </a:r>
           </a:p>
           <a:p>

--- a/Presentations/AOPwiki_analysis.pptx
+++ b/Presentations/AOPwiki_analysis.pptx
@@ -5,7 +5,7 @@
     <p:sldMasterId id="2147483684" r:id="rId1"/>
   </p:sldMasterIdLst>
   <p:notesMasterIdLst>
-    <p:notesMasterId r:id="rId38"/>
+    <p:notesMasterId r:id="rId43"/>
   </p:notesMasterIdLst>
   <p:sldIdLst>
     <p:sldId id="256" r:id="rId2"/>
@@ -35,15 +35,20 @@
     <p:sldId id="304" r:id="rId26"/>
     <p:sldId id="272" r:id="rId27"/>
     <p:sldId id="285" r:id="rId28"/>
-    <p:sldId id="286" r:id="rId29"/>
-    <p:sldId id="282" r:id="rId30"/>
-    <p:sldId id="287" r:id="rId31"/>
-    <p:sldId id="303" r:id="rId32"/>
-    <p:sldId id="290" r:id="rId33"/>
-    <p:sldId id="291" r:id="rId34"/>
-    <p:sldId id="294" r:id="rId35"/>
-    <p:sldId id="295" r:id="rId36"/>
-    <p:sldId id="278" r:id="rId37"/>
+    <p:sldId id="309" r:id="rId29"/>
+    <p:sldId id="286" r:id="rId30"/>
+    <p:sldId id="282" r:id="rId31"/>
+    <p:sldId id="287" r:id="rId32"/>
+    <p:sldId id="303" r:id="rId33"/>
+    <p:sldId id="307" r:id="rId34"/>
+    <p:sldId id="310" r:id="rId35"/>
+    <p:sldId id="290" r:id="rId36"/>
+    <p:sldId id="291" r:id="rId37"/>
+    <p:sldId id="294" r:id="rId38"/>
+    <p:sldId id="308" r:id="rId39"/>
+    <p:sldId id="295" r:id="rId40"/>
+    <p:sldId id="311" r:id="rId41"/>
+    <p:sldId id="278" r:id="rId42"/>
   </p:sldIdLst>
   <p:sldSz cx="12192000" cy="6858000"/>
   <p:notesSz cx="6858000" cy="9144000"/>
@@ -174,14 +179,19 @@
             <p14:sldId id="304"/>
             <p14:sldId id="272"/>
             <p14:sldId id="285"/>
+            <p14:sldId id="309"/>
             <p14:sldId id="286"/>
             <p14:sldId id="282"/>
             <p14:sldId id="287"/>
             <p14:sldId id="303"/>
+            <p14:sldId id="307"/>
+            <p14:sldId id="310"/>
             <p14:sldId id="290"/>
             <p14:sldId id="291"/>
             <p14:sldId id="294"/>
+            <p14:sldId id="308"/>
             <p14:sldId id="295"/>
+            <p14:sldId id="311"/>
             <p14:sldId id="278"/>
           </p14:sldIdLst>
         </p14:section>
@@ -372,7 +382,7 @@
           <a:p>
             <a:fld id="{000F2778-583D-47DD-9F96-F6161A447264}" type="datetimeFigureOut">
               <a:rPr lang="en-US" smtClean="0"/>
-              <a:t>7/13/2017</a:t>
+              <a:t>7/14/2017</a:t>
             </a:fld>
             <a:endParaRPr lang="en-US"/>
           </a:p>
@@ -1856,7 +1866,7 @@
           <a:p>
             <a:fld id="{C71581C8-DC5B-4BAA-A235-D61CE073C796}" type="datetimeFigureOut">
               <a:rPr lang="en-US" smtClean="0"/>
-              <a:t>7/13/2017</a:t>
+              <a:t>7/14/2017</a:t>
             </a:fld>
             <a:endParaRPr lang="en-US"/>
           </a:p>
@@ -2031,7 +2041,7 @@
           <a:p>
             <a:fld id="{C71581C8-DC5B-4BAA-A235-D61CE073C796}" type="datetimeFigureOut">
               <a:rPr lang="en-US" smtClean="0"/>
-              <a:t>7/13/2017</a:t>
+              <a:t>7/14/2017</a:t>
             </a:fld>
             <a:endParaRPr lang="en-US"/>
           </a:p>
@@ -2211,7 +2221,7 @@
           <a:p>
             <a:fld id="{C71581C8-DC5B-4BAA-A235-D61CE073C796}" type="datetimeFigureOut">
               <a:rPr lang="en-US" smtClean="0"/>
-              <a:t>7/13/2017</a:t>
+              <a:t>7/14/2017</a:t>
             </a:fld>
             <a:endParaRPr lang="en-US"/>
           </a:p>
@@ -2386,7 +2396,7 @@
           <a:p>
             <a:fld id="{C71581C8-DC5B-4BAA-A235-D61CE073C796}" type="datetimeFigureOut">
               <a:rPr lang="en-US" smtClean="0"/>
-              <a:t>7/13/2017</a:t>
+              <a:t>7/14/2017</a:t>
             </a:fld>
             <a:endParaRPr lang="en-US"/>
           </a:p>
@@ -2632,7 +2642,7 @@
           <a:p>
             <a:fld id="{C71581C8-DC5B-4BAA-A235-D61CE073C796}" type="datetimeFigureOut">
               <a:rPr lang="en-US" smtClean="0"/>
-              <a:t>7/13/2017</a:t>
+              <a:t>7/14/2017</a:t>
             </a:fld>
             <a:endParaRPr lang="en-US"/>
           </a:p>
@@ -2869,7 +2879,7 @@
           <a:p>
             <a:fld id="{C71581C8-DC5B-4BAA-A235-D61CE073C796}" type="datetimeFigureOut">
               <a:rPr lang="en-US" smtClean="0"/>
-              <a:t>7/13/2017</a:t>
+              <a:t>7/14/2017</a:t>
             </a:fld>
             <a:endParaRPr lang="en-US"/>
           </a:p>
@@ -3236,7 +3246,7 @@
           <a:p>
             <a:fld id="{C71581C8-DC5B-4BAA-A235-D61CE073C796}" type="datetimeFigureOut">
               <a:rPr lang="en-US" smtClean="0"/>
-              <a:t>7/13/2017</a:t>
+              <a:t>7/14/2017</a:t>
             </a:fld>
             <a:endParaRPr lang="en-US"/>
           </a:p>
@@ -3354,7 +3364,7 @@
           <a:p>
             <a:fld id="{C71581C8-DC5B-4BAA-A235-D61CE073C796}" type="datetimeFigureOut">
               <a:rPr lang="en-US" smtClean="0"/>
-              <a:t>7/13/2017</a:t>
+              <a:t>7/14/2017</a:t>
             </a:fld>
             <a:endParaRPr lang="en-US"/>
           </a:p>
@@ -3449,7 +3459,7 @@
           <a:p>
             <a:fld id="{C71581C8-DC5B-4BAA-A235-D61CE073C796}" type="datetimeFigureOut">
               <a:rPr lang="en-US" smtClean="0"/>
-              <a:t>7/13/2017</a:t>
+              <a:t>7/14/2017</a:t>
             </a:fld>
             <a:endParaRPr lang="en-US"/>
           </a:p>
@@ -3726,7 +3736,7 @@
           <a:p>
             <a:fld id="{C71581C8-DC5B-4BAA-A235-D61CE073C796}" type="datetimeFigureOut">
               <a:rPr lang="en-US" smtClean="0"/>
-              <a:t>7/13/2017</a:t>
+              <a:t>7/14/2017</a:t>
             </a:fld>
             <a:endParaRPr lang="en-US"/>
           </a:p>
@@ -3983,7 +3993,7 @@
           <a:p>
             <a:fld id="{C71581C8-DC5B-4BAA-A235-D61CE073C796}" type="datetimeFigureOut">
               <a:rPr lang="en-US" smtClean="0"/>
-              <a:t>7/13/2017</a:t>
+              <a:t>7/14/2017</a:t>
             </a:fld>
             <a:endParaRPr lang="en-US"/>
           </a:p>
@@ -4196,7 +4206,7 @@
           <a:p>
             <a:fld id="{C71581C8-DC5B-4BAA-A235-D61CE073C796}" type="datetimeFigureOut">
               <a:rPr lang="en-US" smtClean="0"/>
-              <a:t>7/13/2017</a:t>
+              <a:t>7/14/2017</a:t>
             </a:fld>
             <a:endParaRPr lang="en-US"/>
           </a:p>
@@ -5005,13 +5015,13 @@
   <p:clrMapOvr>
     <a:masterClrMapping/>
   </p:clrMapOvr>
-  <mc:AlternateContent xmlns:mc="http://schemas.openxmlformats.org/markup-compatibility/2006">
-    <mc:Choice xmlns:p159="http://schemas.microsoft.com/office/powerpoint/2015/09/main" Requires="p159">
+  <mc:AlternateContent xmlns:mc="http://schemas.openxmlformats.org/markup-compatibility/2006" xmlns:p159="http://schemas.microsoft.com/office/powerpoint/2015/09/main">
+    <mc:Choice Requires="p159">
       <p:transition xmlns:p14="http://schemas.microsoft.com/office/powerpoint/2010/main" spd="slow" p14:dur="1500">
         <p159:morph option="byObject"/>
       </p:transition>
     </mc:Choice>
-    <mc:Fallback>
+    <mc:Fallback xmlns="">
       <p:transition spd="slow">
         <p:fade/>
       </p:transition>
@@ -5788,13 +5798,13 @@
   <p:clrMapOvr>
     <a:masterClrMapping/>
   </p:clrMapOvr>
-  <mc:AlternateContent xmlns:mc="http://schemas.openxmlformats.org/markup-compatibility/2006">
-    <mc:Choice xmlns:p159="http://schemas.microsoft.com/office/powerpoint/2015/09/main" Requires="p159">
+  <mc:AlternateContent xmlns:mc="http://schemas.openxmlformats.org/markup-compatibility/2006" xmlns:p159="http://schemas.microsoft.com/office/powerpoint/2015/09/main">
+    <mc:Choice Requires="p159">
       <p:transition xmlns:p14="http://schemas.microsoft.com/office/powerpoint/2010/main" spd="slow" p14:dur="2000">
         <p159:morph option="byObject"/>
       </p:transition>
     </mc:Choice>
-    <mc:Fallback>
+    <mc:Fallback xmlns="">
       <p:transition spd="slow">
         <p:fade/>
       </p:transition>
@@ -5968,13 +5978,13 @@
   <p:clrMapOvr>
     <a:masterClrMapping/>
   </p:clrMapOvr>
-  <mc:AlternateContent xmlns:mc="http://schemas.openxmlformats.org/markup-compatibility/2006">
-    <mc:Choice xmlns:p159="http://schemas.microsoft.com/office/powerpoint/2015/09/main" Requires="p159">
+  <mc:AlternateContent xmlns:mc="http://schemas.openxmlformats.org/markup-compatibility/2006" xmlns:p159="http://schemas.microsoft.com/office/powerpoint/2015/09/main">
+    <mc:Choice Requires="p159">
       <p:transition xmlns:p14="http://schemas.microsoft.com/office/powerpoint/2010/main" spd="slow" p14:dur="1500">
         <p159:morph option="byObject"/>
       </p:transition>
     </mc:Choice>
-    <mc:Fallback>
+    <mc:Fallback xmlns="">
       <p:transition spd="slow">
         <p:fade/>
       </p:transition>
@@ -6793,13 +6803,13 @@
   <p:clrMapOvr>
     <a:masterClrMapping/>
   </p:clrMapOvr>
-  <mc:AlternateContent xmlns:mc="http://schemas.openxmlformats.org/markup-compatibility/2006">
-    <mc:Choice xmlns:p159="http://schemas.microsoft.com/office/powerpoint/2015/09/main" Requires="p159">
+  <mc:AlternateContent xmlns:mc="http://schemas.openxmlformats.org/markup-compatibility/2006" xmlns:p159="http://schemas.microsoft.com/office/powerpoint/2015/09/main">
+    <mc:Choice Requires="p159">
       <p:transition xmlns:p14="http://schemas.microsoft.com/office/powerpoint/2010/main" spd="slow" p14:dur="2000">
         <p159:morph option="byObject"/>
       </p:transition>
     </mc:Choice>
-    <mc:Fallback>
+    <mc:Fallback xmlns="">
       <p:transition spd="slow">
         <p:fade/>
       </p:transition>
@@ -9462,12 +9472,14 @@
         </p:nvSpPr>
         <p:spPr>
           <a:xfrm>
-            <a:off x="0" y="2479675"/>
-            <a:ext cx="9144000" cy="1655762"/>
-          </a:xfrm>
-        </p:spPr>
-        <p:txBody>
-          <a:bodyPr/>
+            <a:off x="0" y="2479674"/>
+            <a:ext cx="9144000" cy="3463925"/>
+          </a:xfrm>
+        </p:spPr>
+        <p:txBody>
+          <a:bodyPr>
+            <a:normAutofit/>
+          </a:bodyPr>
           <a:lstStyle/>
           <a:p>
             <a:pPr marL="800100" lvl="1" indent="-342900" algn="l">
@@ -9483,6 +9495,32 @@
             </a:r>
           </a:p>
           <a:p>
+            <a:pPr marL="1257300" lvl="2" indent="-342900" algn="l">
+              <a:buClr>
+                <a:srgbClr val="141EEA"/>
+              </a:buClr>
+              <a:buFont typeface="Arial" panose="020B0604020202020204" pitchFamily="34" charset="0"/>
+              <a:buChar char="•"/>
+            </a:pPr>
+            <a:r>
+              <a:rPr lang="en-US" sz="1600" dirty="0"/>
+              <a:t>Directed</a:t>
+            </a:r>
+          </a:p>
+          <a:p>
+            <a:pPr marL="1257300" lvl="2" indent="-342900" algn="l">
+              <a:buClr>
+                <a:srgbClr val="141EEA"/>
+              </a:buClr>
+              <a:buFont typeface="Arial" panose="020B0604020202020204" pitchFamily="34" charset="0"/>
+              <a:buChar char="•"/>
+            </a:pPr>
+            <a:r>
+              <a:rPr lang="en-US" sz="1600" dirty="0"/>
+              <a:t>Undirected</a:t>
+            </a:r>
+          </a:p>
+          <a:p>
             <a:pPr marL="800100" lvl="1" indent="-342900" algn="l">
               <a:buClr>
                 <a:srgbClr val="141EEA"/>
@@ -9496,6 +9534,45 @@
             </a:r>
           </a:p>
           <a:p>
+            <a:pPr marL="1257300" lvl="2" indent="-342900" algn="l">
+              <a:buClr>
+                <a:srgbClr val="141EEA"/>
+              </a:buClr>
+              <a:buFont typeface="Arial" panose="020B0604020202020204" pitchFamily="34" charset="0"/>
+              <a:buChar char="•"/>
+            </a:pPr>
+            <a:r>
+              <a:rPr lang="en-US" sz="1600" dirty="0"/>
+              <a:t>Total</a:t>
+            </a:r>
+          </a:p>
+          <a:p>
+            <a:pPr marL="1257300" lvl="2" indent="-342900" algn="l">
+              <a:buClr>
+                <a:srgbClr val="141EEA"/>
+              </a:buClr>
+              <a:buFont typeface="Arial" panose="020B0604020202020204" pitchFamily="34" charset="0"/>
+              <a:buChar char="•"/>
+            </a:pPr>
+            <a:r>
+              <a:rPr lang="en-US" sz="1600" dirty="0"/>
+              <a:t>In-Closeness</a:t>
+            </a:r>
+          </a:p>
+          <a:p>
+            <a:pPr marL="1257300" lvl="2" indent="-342900" algn="l">
+              <a:buClr>
+                <a:srgbClr val="141EEA"/>
+              </a:buClr>
+              <a:buFont typeface="Arial" panose="020B0604020202020204" pitchFamily="34" charset="0"/>
+              <a:buChar char="•"/>
+            </a:pPr>
+            <a:r>
+              <a:rPr lang="en-US" sz="1600" dirty="0"/>
+              <a:t>Out-Closeness</a:t>
+            </a:r>
+          </a:p>
+          <a:p>
             <a:pPr marL="800100" lvl="1" indent="-342900" algn="l">
               <a:buClr>
                 <a:srgbClr val="141EEA"/>
@@ -9506,6 +9583,45 @@
             <a:r>
               <a:rPr lang="en-US" sz="1800" dirty="0"/>
               <a:t>Eccentricity</a:t>
+            </a:r>
+          </a:p>
+          <a:p>
+            <a:pPr marL="1257300" lvl="2" indent="-342900" algn="l">
+              <a:buClr>
+                <a:srgbClr val="141EEA"/>
+              </a:buClr>
+              <a:buFont typeface="Arial" panose="020B0604020202020204" pitchFamily="34" charset="0"/>
+              <a:buChar char="•"/>
+            </a:pPr>
+            <a:r>
+              <a:rPr lang="en-US" sz="1600" dirty="0"/>
+              <a:t>Total Eccentricity</a:t>
+            </a:r>
+          </a:p>
+          <a:p>
+            <a:pPr marL="1257300" lvl="2" indent="-342900" algn="l">
+              <a:buClr>
+                <a:srgbClr val="141EEA"/>
+              </a:buClr>
+              <a:buFont typeface="Arial" panose="020B0604020202020204" pitchFamily="34" charset="0"/>
+              <a:buChar char="•"/>
+            </a:pPr>
+            <a:r>
+              <a:rPr lang="en-US" sz="1600" dirty="0"/>
+              <a:t>In-Eccentricity</a:t>
+            </a:r>
+          </a:p>
+          <a:p>
+            <a:pPr marL="1257300" lvl="2" indent="-342900" algn="l">
+              <a:buClr>
+                <a:srgbClr val="141EEA"/>
+              </a:buClr>
+              <a:buFont typeface="Arial" panose="020B0604020202020204" pitchFamily="34" charset="0"/>
+              <a:buChar char="•"/>
+            </a:pPr>
+            <a:r>
+              <a:rPr lang="en-US" sz="1600" dirty="0"/>
+              <a:t>Out-Eccentricity</a:t>
             </a:r>
           </a:p>
           <a:p>
@@ -9573,8 +9689,8 @@
           </a:p>
         </p:txBody>
       </p:sp>
-      <mc:AlternateContent xmlns:mc="http://schemas.openxmlformats.org/markup-compatibility/2006" xmlns:a14="http://schemas.microsoft.com/office/drawing/2010/main">
-        <mc:Choice Requires="a14">
+      <mc:AlternateContent xmlns:mc="http://schemas.openxmlformats.org/markup-compatibility/2006">
+        <mc:Choice xmlns:a14="http://schemas.microsoft.com/office/drawing/2010/main" Requires="a14">
           <p:sp>
             <p:nvSpPr>
               <p:cNvPr id="4" name="Text Placeholder 3"/>
@@ -10138,7 +10254,7 @@
                     </a:solidFill>
                     <a:latin typeface="Corbel" panose="020B0503020204020204"/>
                   </a:rPr>
-                  <a:t> .</a:t>
+                  <a:t> . Depending on the network, betweenness can be with respect to direction or not.</a:t>
                 </a:r>
               </a:p>
               <a:p>
@@ -10164,14 +10280,14 @@
                 </a:r>
                 <a:r>
                   <a:rPr lang="en-US" dirty="0"/>
-                  <a:t>is the key event with the highest betweenness value.</a:t>
+                  <a:t>is the key event with the highest betweenness value when direction is considered.</a:t>
                 </a:r>
                 <a:endParaRPr lang="en-US" i="1" dirty="0"/>
               </a:p>
             </p:txBody>
           </p:sp>
         </mc:Choice>
-        <mc:Fallback xmlns="">
+        <mc:Fallback>
           <p:sp>
             <p:nvSpPr>
               <p:cNvPr id="4" name="Text Placeholder 3"/>
@@ -10239,6 +10355,40 @@
           </a:prstGeom>
         </p:spPr>
       </p:pic>
+      <p:sp>
+        <p:nvSpPr>
+          <p:cNvPr id="5" name="TextBox 4"/>
+          <p:cNvSpPr txBox="1"/>
+          <p:nvPr/>
+        </p:nvSpPr>
+        <p:spPr>
+          <a:xfrm>
+            <a:off x="0" y="6211669"/>
+            <a:ext cx="2548890" cy="646331"/>
+          </a:xfrm>
+          <a:prstGeom prst="rect">
+            <a:avLst/>
+          </a:prstGeom>
+          <a:noFill/>
+        </p:spPr>
+        <p:txBody>
+          <a:bodyPr wrap="square" rtlCol="0">
+            <a:spAutoFit/>
+          </a:bodyPr>
+          <a:lstStyle/>
+          <a:p>
+            <a:pPr algn="ctr"/>
+            <a:r>
+              <a:rPr lang="en-US" dirty="0"/>
+              <a:t>Directed Betweenness</a:t>
+            </a:r>
+          </a:p>
+          <a:p>
+            <a:pPr algn="ctr"/>
+            <a:endParaRPr lang="en-US" dirty="0"/>
+          </a:p>
+        </p:txBody>
+      </p:sp>
     </p:spTree>
     <p:extLst>
       <p:ext uri="{BB962C8B-B14F-4D97-AF65-F5344CB8AC3E}">
@@ -10249,13 +10399,13 @@
   <p:clrMapOvr>
     <a:masterClrMapping/>
   </p:clrMapOvr>
-  <mc:AlternateContent xmlns:mc="http://schemas.openxmlformats.org/markup-compatibility/2006">
-    <mc:Choice xmlns:p159="http://schemas.microsoft.com/office/powerpoint/2015/09/main" Requires="p159">
+  <mc:AlternateContent xmlns:mc="http://schemas.openxmlformats.org/markup-compatibility/2006" xmlns:p159="http://schemas.microsoft.com/office/powerpoint/2015/09/main">
+    <mc:Choice Requires="p159">
       <p:transition xmlns:p14="http://schemas.microsoft.com/office/powerpoint/2010/main" spd="slow" p14:dur="2000">
         <p159:morph option="byObject"/>
       </p:transition>
     </mc:Choice>
-    <mc:Fallback>
+    <mc:Fallback xmlns="">
       <p:transition spd="slow">
         <p:fade/>
       </p:transition>
@@ -10407,6 +10557,40 @@
           </a:prstGeom>
         </p:spPr>
       </p:pic>
+      <p:sp>
+        <p:nvSpPr>
+          <p:cNvPr id="6" name="TextBox 5"/>
+          <p:cNvSpPr txBox="1"/>
+          <p:nvPr/>
+        </p:nvSpPr>
+        <p:spPr>
+          <a:xfrm>
+            <a:off x="9587152" y="6174521"/>
+            <a:ext cx="2548890" cy="646331"/>
+          </a:xfrm>
+          <a:prstGeom prst="rect">
+            <a:avLst/>
+          </a:prstGeom>
+          <a:noFill/>
+        </p:spPr>
+        <p:txBody>
+          <a:bodyPr wrap="square" rtlCol="0">
+            <a:spAutoFit/>
+          </a:bodyPr>
+          <a:lstStyle/>
+          <a:p>
+            <a:pPr algn="ctr"/>
+            <a:r>
+              <a:rPr lang="en-US" dirty="0"/>
+              <a:t>Directed Betweenness</a:t>
+            </a:r>
+          </a:p>
+          <a:p>
+            <a:pPr algn="ctr"/>
+            <a:endParaRPr lang="en-US" dirty="0"/>
+          </a:p>
+        </p:txBody>
+      </p:sp>
     </p:spTree>
     <p:extLst>
       <p:ext uri="{BB962C8B-B14F-4D97-AF65-F5344CB8AC3E}">
@@ -10417,13 +10601,13 @@
   <p:clrMapOvr>
     <a:masterClrMapping/>
   </p:clrMapOvr>
-  <mc:AlternateContent xmlns:mc="http://schemas.openxmlformats.org/markup-compatibility/2006">
-    <mc:Choice xmlns:p159="http://schemas.microsoft.com/office/powerpoint/2015/09/main" Requires="p159">
+  <mc:AlternateContent xmlns:mc="http://schemas.openxmlformats.org/markup-compatibility/2006" xmlns:p159="http://schemas.microsoft.com/office/powerpoint/2015/09/main">
+    <mc:Choice Requires="p159">
       <p:transition spd="slow">
         <p159:morph option="byObject"/>
       </p:transition>
     </mc:Choice>
-    <mc:Fallback>
+    <mc:Fallback xmlns="">
       <p:transition spd="slow">
         <p:fade/>
       </p:transition>
@@ -10449,92 +10633,9 @@
           <a:chExt cx="0" cy="0"/>
         </a:xfrm>
       </p:grpSpPr>
-      <p:sp>
-        <p:nvSpPr>
-          <p:cNvPr id="2" name="Title 1"/>
-          <p:cNvSpPr>
-            <a:spLocks noGrp="1"/>
-          </p:cNvSpPr>
-          <p:nvPr>
-            <p:ph type="title"/>
-          </p:nvPr>
-        </p:nvSpPr>
-        <p:spPr>
-          <a:xfrm>
-            <a:off x="2755934" y="1189210"/>
-            <a:ext cx="6674074" cy="506206"/>
-          </a:xfrm>
-        </p:spPr>
-        <p:txBody>
-          <a:bodyPr>
-            <a:normAutofit fontScale="90000"/>
-          </a:bodyPr>
-          <a:lstStyle/>
-          <a:p>
-            <a:pPr algn="ctr"/>
-            <a:r>
-              <a:rPr lang="en-US" dirty="0"/>
-              <a:t>Betweenness in the AOP Context</a:t>
-            </a:r>
-          </a:p>
-        </p:txBody>
-      </p:sp>
-      <p:sp>
-        <p:nvSpPr>
-          <p:cNvPr id="4" name="Text Placeholder 3"/>
-          <p:cNvSpPr>
-            <a:spLocks noGrp="1"/>
-          </p:cNvSpPr>
-          <p:nvPr>
-            <p:ph type="body" sz="half" idx="2"/>
-          </p:nvPr>
-        </p:nvSpPr>
-        <p:spPr>
-          <a:xfrm>
-            <a:off x="1245810" y="2061328"/>
-            <a:ext cx="4382531" cy="4068591"/>
-          </a:xfrm>
-        </p:spPr>
-        <p:txBody>
-          <a:bodyPr>
-            <a:normAutofit/>
-          </a:bodyPr>
-          <a:lstStyle/>
-          <a:p>
-            <a:pPr marL="285750" indent="-285750">
-              <a:buFont typeface="Arial" panose="020B0604020202020204" pitchFamily="34" charset="0"/>
-              <a:buChar char="•"/>
-            </a:pPr>
-            <a:r>
-              <a:rPr lang="en-US" dirty="0"/>
-              <a:t>Betweenness can be informative in identifying highly involved KEs in a global sense </a:t>
-            </a:r>
-          </a:p>
-          <a:p>
-            <a:pPr marL="285750" indent="-285750">
-              <a:buFont typeface="Arial" panose="020B0604020202020204" pitchFamily="34" charset="0"/>
-              <a:buChar char="•"/>
-            </a:pPr>
-            <a:r>
-              <a:rPr lang="en-US" dirty="0"/>
-              <a:t>For AOPs and AOP networks we are perhaps more interested in looking at KEs that appear most frequently in paths between MIEs and AOs.  </a:t>
-            </a:r>
-          </a:p>
-          <a:p>
-            <a:pPr marL="285750" indent="-285750">
-              <a:buFont typeface="Arial" panose="020B0604020202020204" pitchFamily="34" charset="0"/>
-              <a:buChar char="•"/>
-            </a:pPr>
-            <a:r>
-              <a:rPr lang="en-US" dirty="0"/>
-              <a:t>In Villeneuve et al. 2017 (in prep.), we proposed MIE to AO path betweenness metric for more AOP specific network analysis.</a:t>
-            </a:r>
-          </a:p>
-        </p:txBody>
-      </p:sp>
       <p:pic>
         <p:nvPicPr>
-          <p:cNvPr id="5" name="Picture 4" descr="Screen Clipping"/>
+          <p:cNvPr id="12" name="Picture 11" descr="Screen Clipping"/>
           <p:cNvPicPr>
             <a:picLocks noChangeAspect="1"/>
           </p:cNvPicPr>
@@ -10554,36 +10655,538 @@
         </p:blipFill>
         <p:spPr>
           <a:xfrm>
-            <a:off x="7395887" y="2395631"/>
-            <a:ext cx="4068242" cy="4108408"/>
+            <a:off x="4833874" y="118444"/>
+            <a:ext cx="3346837" cy="3314700"/>
           </a:xfrm>
           <a:prstGeom prst="rect">
             <a:avLst/>
           </a:prstGeom>
         </p:spPr>
       </p:pic>
+      <p:pic>
+        <p:nvPicPr>
+          <p:cNvPr id="16" name="Picture 15" descr="Screen Clipping"/>
+          <p:cNvPicPr>
+            <a:picLocks noChangeAspect="1"/>
+          </p:cNvPicPr>
+          <p:nvPr/>
+        </p:nvPicPr>
+        <p:blipFill>
+          <a:blip r:embed="rId3">
+            <a:extLst>
+              <a:ext uri="{28A0092B-C50C-407E-A947-70E740481C1C}">
+                <a14:useLocalDpi xmlns:a14="http://schemas.microsoft.com/office/drawing/2010/main" val="0"/>
+              </a:ext>
+            </a:extLst>
+          </a:blip>
+          <a:stretch>
+            <a:fillRect/>
+          </a:stretch>
+        </p:blipFill>
+        <p:spPr>
+          <a:xfrm>
+            <a:off x="3646700" y="3433144"/>
+            <a:ext cx="3515109" cy="3424856"/>
+          </a:xfrm>
+          <a:prstGeom prst="rect">
+            <a:avLst/>
+          </a:prstGeom>
+        </p:spPr>
+      </p:pic>
+      <p:sp>
+        <p:nvSpPr>
+          <p:cNvPr id="19" name="TextBox 18"/>
+          <p:cNvSpPr txBox="1"/>
+          <p:nvPr/>
+        </p:nvSpPr>
+        <p:spPr>
+          <a:xfrm>
+            <a:off x="3964305" y="27004"/>
+            <a:ext cx="2548890" cy="646331"/>
+          </a:xfrm>
+          <a:prstGeom prst="rect">
+            <a:avLst/>
+          </a:prstGeom>
+          <a:noFill/>
+        </p:spPr>
+        <p:txBody>
+          <a:bodyPr wrap="square" rtlCol="0">
+            <a:spAutoFit/>
+          </a:bodyPr>
+          <a:lstStyle/>
+          <a:p>
+            <a:pPr algn="ctr"/>
+            <a:r>
+              <a:rPr lang="en-US" dirty="0"/>
+              <a:t>Undirected Betweenness</a:t>
+            </a:r>
+          </a:p>
+          <a:p>
+            <a:pPr algn="ctr"/>
+            <a:endParaRPr lang="en-US" dirty="0"/>
+          </a:p>
+        </p:txBody>
+      </p:sp>
+      <p:sp>
+        <p:nvSpPr>
+          <p:cNvPr id="21" name="TextBox 20"/>
+          <p:cNvSpPr txBox="1"/>
+          <p:nvPr/>
+        </p:nvSpPr>
+        <p:spPr>
+          <a:xfrm>
+            <a:off x="5677573" y="6424678"/>
+            <a:ext cx="2548890" cy="646331"/>
+          </a:xfrm>
+          <a:prstGeom prst="rect">
+            <a:avLst/>
+          </a:prstGeom>
+          <a:noFill/>
+        </p:spPr>
+        <p:txBody>
+          <a:bodyPr wrap="square" rtlCol="0">
+            <a:spAutoFit/>
+          </a:bodyPr>
+          <a:lstStyle/>
+          <a:p>
+            <a:pPr algn="ctr"/>
+            <a:r>
+              <a:rPr lang="en-US" dirty="0"/>
+              <a:t>Directed Betweenness</a:t>
+            </a:r>
+          </a:p>
+          <a:p>
+            <a:pPr algn="ctr"/>
+            <a:endParaRPr lang="en-US" dirty="0"/>
+          </a:p>
+        </p:txBody>
+      </p:sp>
+      <p:grpSp>
+        <p:nvGrpSpPr>
+          <p:cNvPr id="28" name="Group 27"/>
+          <p:cNvGrpSpPr/>
+          <p:nvPr/>
+        </p:nvGrpSpPr>
+        <p:grpSpPr>
+          <a:xfrm>
+            <a:off x="8226463" y="54008"/>
+            <a:ext cx="3666039" cy="6857019"/>
+            <a:chOff x="235591" y="0"/>
+            <a:chExt cx="3666039" cy="6857019"/>
+          </a:xfrm>
+        </p:grpSpPr>
+        <p:sp>
+          <p:nvSpPr>
+            <p:cNvPr id="11" name="Rectangle 10"/>
+            <p:cNvSpPr/>
+            <p:nvPr/>
+          </p:nvSpPr>
+          <p:spPr>
+            <a:xfrm>
+              <a:off x="481718" y="4548695"/>
+              <a:ext cx="2697479" cy="2308324"/>
+            </a:xfrm>
+            <a:prstGeom prst="rect">
+              <a:avLst/>
+            </a:prstGeom>
+          </p:spPr>
+          <p:txBody>
+            <a:bodyPr wrap="square">
+              <a:spAutoFit/>
+            </a:bodyPr>
+            <a:lstStyle/>
+            <a:p>
+              <a:r>
+                <a:rPr lang="en-US" sz="1200" dirty="0"/>
+                <a:t> [1] "Increase, Oxidative Stress"                  </a:t>
+              </a:r>
+            </a:p>
+            <a:p>
+              <a:r>
+                <a:rPr lang="en-US" sz="1200" dirty="0"/>
+                <a:t> [2] "Increased, Mortality"                        </a:t>
+              </a:r>
+            </a:p>
+            <a:p>
+              <a:r>
+                <a:rPr lang="en-US" sz="1200" dirty="0"/>
+                <a:t> [3] "Altered, Cardiovascular development/function"</a:t>
+              </a:r>
+            </a:p>
+            <a:p>
+              <a:r>
+                <a:rPr lang="en-US" sz="1200" dirty="0"/>
+                <a:t> [4] "Increase, Mortality"                         </a:t>
+              </a:r>
+            </a:p>
+            <a:p>
+              <a:r>
+                <a:rPr lang="en-US" sz="1200" dirty="0"/>
+                <a:t> [5] "Increase, Pericardial edema"                 </a:t>
+              </a:r>
+            </a:p>
+            <a:p>
+              <a:r>
+                <a:rPr lang="en-US" sz="1200" dirty="0"/>
+                <a:t> [6] "N/A, Mitochondrial dysfunction 1"            </a:t>
+              </a:r>
+            </a:p>
+            <a:p>
+              <a:r>
+                <a:rPr lang="en-US" sz="1200" dirty="0"/>
+                <a:t> [7] "Decrease, Population trajectory"             </a:t>
+              </a:r>
+            </a:p>
+            <a:p>
+              <a:r>
+                <a:rPr lang="en-US" sz="1200" dirty="0"/>
+                <a:t> [8] "Decline, Population"                         </a:t>
+              </a:r>
+            </a:p>
+            <a:p>
+              <a:r>
+                <a:rPr lang="en-US" sz="1200" dirty="0"/>
+                <a:t> [9] "Activation, PPAR?"                           </a:t>
+              </a:r>
+            </a:p>
+            <a:p>
+              <a:r>
+                <a:rPr lang="en-US" sz="1200" dirty="0"/>
+                <a:t>[10] "Increased, blood potassium concentration" </a:t>
+              </a:r>
+            </a:p>
+          </p:txBody>
+        </p:sp>
+        <p:pic>
+          <p:nvPicPr>
+            <p:cNvPr id="13" name="Picture 12" descr="Screen Clipping"/>
+            <p:cNvPicPr>
+              <a:picLocks noChangeAspect="1"/>
+            </p:cNvPicPr>
+            <p:nvPr/>
+          </p:nvPicPr>
+          <p:blipFill>
+            <a:blip r:embed="rId4">
+              <a:extLst>
+                <a:ext uri="{28A0092B-C50C-407E-A947-70E740481C1C}">
+                  <a14:useLocalDpi xmlns:a14="http://schemas.microsoft.com/office/drawing/2010/main" val="0"/>
+                </a:ext>
+              </a:extLst>
+            </a:blip>
+            <a:stretch>
+              <a:fillRect/>
+            </a:stretch>
+          </p:blipFill>
+          <p:spPr>
+            <a:xfrm>
+              <a:off x="235591" y="0"/>
+              <a:ext cx="3666039" cy="3940209"/>
+            </a:xfrm>
+            <a:prstGeom prst="rect">
+              <a:avLst/>
+            </a:prstGeom>
+          </p:spPr>
+        </p:pic>
+        <p:sp>
+          <p:nvSpPr>
+            <p:cNvPr id="20" name="TextBox 19"/>
+            <p:cNvSpPr txBox="1"/>
+            <p:nvPr/>
+          </p:nvSpPr>
+          <p:spPr>
+            <a:xfrm>
+              <a:off x="858148" y="3978642"/>
+              <a:ext cx="2548890" cy="646331"/>
+            </a:xfrm>
+            <a:prstGeom prst="rect">
+              <a:avLst/>
+            </a:prstGeom>
+            <a:noFill/>
+          </p:spPr>
+          <p:txBody>
+            <a:bodyPr wrap="square" rtlCol="0">
+              <a:spAutoFit/>
+            </a:bodyPr>
+            <a:lstStyle/>
+            <a:p>
+              <a:pPr algn="ctr"/>
+              <a:r>
+                <a:rPr lang="en-US" dirty="0"/>
+                <a:t>Undirected Betweenness</a:t>
+              </a:r>
+            </a:p>
+            <a:p>
+              <a:pPr algn="ctr"/>
+              <a:endParaRPr lang="en-US" dirty="0"/>
+            </a:p>
+          </p:txBody>
+        </p:sp>
+        <p:sp>
+          <p:nvSpPr>
+            <p:cNvPr id="26" name="Up-Down Arrow 25"/>
+            <p:cNvSpPr/>
+            <p:nvPr/>
+          </p:nvSpPr>
+          <p:spPr>
+            <a:xfrm>
+              <a:off x="546171" y="3776046"/>
+              <a:ext cx="311977" cy="719645"/>
+            </a:xfrm>
+            <a:prstGeom prst="upDownArrow">
+              <a:avLst/>
+            </a:prstGeom>
+            <a:solidFill>
+              <a:schemeClr val="tx1"/>
+            </a:solidFill>
+          </p:spPr>
+          <p:style>
+            <a:lnRef idx="2">
+              <a:schemeClr val="accent1">
+                <a:shade val="50000"/>
+              </a:schemeClr>
+            </a:lnRef>
+            <a:fillRef idx="1">
+              <a:schemeClr val="accent1"/>
+            </a:fillRef>
+            <a:effectRef idx="0">
+              <a:schemeClr val="accent1"/>
+            </a:effectRef>
+            <a:fontRef idx="minor">
+              <a:schemeClr val="lt1"/>
+            </a:fontRef>
+          </p:style>
+          <p:txBody>
+            <a:bodyPr rtlCol="0" anchor="ctr"/>
+            <a:lstStyle/>
+            <a:p>
+              <a:pPr algn="ctr"/>
+              <a:endParaRPr lang="en-US"/>
+            </a:p>
+          </p:txBody>
+        </p:sp>
+      </p:grpSp>
+      <p:grpSp>
+        <p:nvGrpSpPr>
+          <p:cNvPr id="29" name="Group 28"/>
+          <p:cNvGrpSpPr/>
+          <p:nvPr/>
+        </p:nvGrpSpPr>
+        <p:grpSpPr>
+          <a:xfrm>
+            <a:off x="119983" y="54008"/>
+            <a:ext cx="3802829" cy="6803992"/>
+            <a:chOff x="8389171" y="54008"/>
+            <a:chExt cx="3802829" cy="6803992"/>
+          </a:xfrm>
+        </p:grpSpPr>
+        <p:pic>
+          <p:nvPicPr>
+            <p:cNvPr id="15" name="Picture 14" descr="Screen Clipping"/>
+            <p:cNvPicPr>
+              <a:picLocks noChangeAspect="1"/>
+            </p:cNvPicPr>
+            <p:nvPr/>
+          </p:nvPicPr>
+          <p:blipFill>
+            <a:blip r:embed="rId5">
+              <a:extLst>
+                <a:ext uri="{28A0092B-C50C-407E-A947-70E740481C1C}">
+                  <a14:useLocalDpi xmlns:a14="http://schemas.microsoft.com/office/drawing/2010/main" val="0"/>
+                </a:ext>
+              </a:extLst>
+            </a:blip>
+            <a:stretch>
+              <a:fillRect/>
+            </a:stretch>
+          </p:blipFill>
+          <p:spPr>
+            <a:xfrm>
+              <a:off x="8582834" y="2917791"/>
+              <a:ext cx="3609166" cy="3940209"/>
+            </a:xfrm>
+            <a:prstGeom prst="rect">
+              <a:avLst/>
+            </a:prstGeom>
+          </p:spPr>
+        </p:pic>
+        <p:sp>
+          <p:nvSpPr>
+            <p:cNvPr id="18" name="Rectangle 17"/>
+            <p:cNvSpPr/>
+            <p:nvPr/>
+          </p:nvSpPr>
+          <p:spPr>
+            <a:xfrm>
+              <a:off x="8389171" y="54008"/>
+              <a:ext cx="3798570" cy="2123658"/>
+            </a:xfrm>
+            <a:prstGeom prst="rect">
+              <a:avLst/>
+            </a:prstGeom>
+          </p:spPr>
+          <p:txBody>
+            <a:bodyPr wrap="square">
+              <a:spAutoFit/>
+            </a:bodyPr>
+            <a:lstStyle/>
+            <a:p>
+              <a:r>
+                <a:rPr lang="en-US" sz="1200" dirty="0"/>
+                <a:t> [1] "Increase, Oxidative Stress"                                                  </a:t>
+              </a:r>
+            </a:p>
+            <a:p>
+              <a:r>
+                <a:rPr lang="en-US" sz="1200" dirty="0"/>
+                <a:t> [2] "N/A, Cell injury/death"                                                      </a:t>
+              </a:r>
+            </a:p>
+            <a:p>
+              <a:r>
+                <a:rPr lang="en-US" sz="1200" dirty="0"/>
+                <a:t> [3] "N/A, Mitochondrial dysfunction 1"                                            </a:t>
+              </a:r>
+            </a:p>
+            <a:p>
+              <a:r>
+                <a:rPr lang="en-US" sz="1200" dirty="0"/>
+                <a:t> [4] "Increased, Activation and Recruitment of Hepatic macrophages (</a:t>
+              </a:r>
+              <a:r>
+                <a:rPr lang="en-US" sz="1200" dirty="0" err="1"/>
+                <a:t>Kupffer</a:t>
+              </a:r>
+              <a:r>
+                <a:rPr lang="en-US" sz="1200" dirty="0"/>
+                <a:t> Cells)"</a:t>
+              </a:r>
+            </a:p>
+            <a:p>
+              <a:r>
+                <a:rPr lang="en-US" sz="1200" dirty="0"/>
+                <a:t> [5] "Reduced, Release of BDNF"                                                    </a:t>
+              </a:r>
+            </a:p>
+            <a:p>
+              <a:r>
+                <a:rPr lang="en-US" sz="1200" dirty="0"/>
+                <a:t> [6] "Thyroxine (T4) in serum, Decreased"                                          </a:t>
+              </a:r>
+            </a:p>
+            <a:p>
+              <a:r>
+                <a:rPr lang="en-US" sz="1200" dirty="0"/>
+                <a:t> [7] "Thyroxine (T4) in neuronal tissue, Decreased"                                </a:t>
+              </a:r>
+            </a:p>
+            <a:p>
+              <a:r>
+                <a:rPr lang="en-US" sz="1200" dirty="0"/>
+                <a:t> [8] "Impairment, Learning and memory"                                             </a:t>
+              </a:r>
+            </a:p>
+            <a:p>
+              <a:r>
+                <a:rPr lang="en-US" sz="1200" dirty="0"/>
+                <a:t> [9] "Increase, Cytotoxicity"                                                      </a:t>
+              </a:r>
+            </a:p>
+            <a:p>
+              <a:r>
+                <a:rPr lang="en-US" sz="1200" dirty="0"/>
+                <a:t>[10] "Increase, Tissue Degeneration, Necrosis &amp; Atrophy" </a:t>
+              </a:r>
+            </a:p>
+          </p:txBody>
+        </p:sp>
+        <p:sp>
+          <p:nvSpPr>
+            <p:cNvPr id="22" name="TextBox 21"/>
+            <p:cNvSpPr txBox="1"/>
+            <p:nvPr/>
+          </p:nvSpPr>
+          <p:spPr>
+            <a:xfrm>
+              <a:off x="8747760" y="2399426"/>
+              <a:ext cx="2548890" cy="646331"/>
+            </a:xfrm>
+            <a:prstGeom prst="rect">
+              <a:avLst/>
+            </a:prstGeom>
+            <a:noFill/>
+          </p:spPr>
+          <p:txBody>
+            <a:bodyPr wrap="square" rtlCol="0">
+              <a:spAutoFit/>
+            </a:bodyPr>
+            <a:lstStyle/>
+            <a:p>
+              <a:pPr algn="ctr"/>
+              <a:r>
+                <a:rPr lang="en-US" dirty="0"/>
+                <a:t>Directed Betweenness</a:t>
+              </a:r>
+            </a:p>
+            <a:p>
+              <a:pPr algn="ctr"/>
+              <a:endParaRPr lang="en-US" dirty="0"/>
+            </a:p>
+          </p:txBody>
+        </p:sp>
+        <p:sp>
+          <p:nvSpPr>
+            <p:cNvPr id="27" name="Up-Down Arrow 26"/>
+            <p:cNvSpPr/>
+            <p:nvPr/>
+          </p:nvSpPr>
+          <p:spPr>
+            <a:xfrm>
+              <a:off x="11140661" y="2259383"/>
+              <a:ext cx="311977" cy="719645"/>
+            </a:xfrm>
+            <a:prstGeom prst="upDownArrow">
+              <a:avLst/>
+            </a:prstGeom>
+            <a:solidFill>
+              <a:schemeClr val="tx1"/>
+            </a:solidFill>
+          </p:spPr>
+          <p:style>
+            <a:lnRef idx="2">
+              <a:schemeClr val="accent1">
+                <a:shade val="50000"/>
+              </a:schemeClr>
+            </a:lnRef>
+            <a:fillRef idx="1">
+              <a:schemeClr val="accent1"/>
+            </a:fillRef>
+            <a:effectRef idx="0">
+              <a:schemeClr val="accent1"/>
+            </a:effectRef>
+            <a:fontRef idx="minor">
+              <a:schemeClr val="lt1"/>
+            </a:fontRef>
+          </p:style>
+          <p:txBody>
+            <a:bodyPr rtlCol="0" anchor="ctr"/>
+            <a:lstStyle/>
+            <a:p>
+              <a:pPr algn="ctr"/>
+              <a:endParaRPr lang="en-US"/>
+            </a:p>
+          </p:txBody>
+        </p:sp>
+      </p:grpSp>
     </p:spTree>
     <p:extLst>
       <p:ext uri="{BB962C8B-B14F-4D97-AF65-F5344CB8AC3E}">
-        <p14:creationId xmlns:p14="http://schemas.microsoft.com/office/powerpoint/2010/main" val="1447565942"/>
+        <p14:creationId xmlns:p14="http://schemas.microsoft.com/office/powerpoint/2010/main" val="1031157244"/>
       </p:ext>
     </p:extLst>
   </p:cSld>
   <p:clrMapOvr>
     <a:masterClrMapping/>
   </p:clrMapOvr>
-  <mc:AlternateContent xmlns:mc="http://schemas.openxmlformats.org/markup-compatibility/2006">
-    <mc:Choice xmlns:p159="http://schemas.microsoft.com/office/powerpoint/2015/09/main" Requires="p159">
-      <p:transition spd="slow">
-        <p159:morph option="byObject"/>
-      </p:transition>
-    </mc:Choice>
-    <mc:Fallback>
-      <p:transition spd="slow">
-        <p:fade/>
-      </p:transition>
-    </mc:Fallback>
-  </mc:AlternateContent>
 </p:sld>
 </file>
 
@@ -10616,19 +11219,20 @@
         </p:nvSpPr>
         <p:spPr>
           <a:xfrm>
-            <a:off x="583607" y="36783"/>
-            <a:ext cx="3932237" cy="739074"/>
+            <a:off x="2755933" y="503410"/>
+            <a:ext cx="6674074" cy="506206"/>
           </a:xfrm>
         </p:spPr>
         <p:txBody>
           <a:bodyPr>
-            <a:normAutofit/>
+            <a:normAutofit fontScale="90000"/>
           </a:bodyPr>
           <a:lstStyle/>
           <a:p>
+            <a:pPr algn="ctr"/>
             <a:r>
               <a:rPr lang="en-US" dirty="0"/>
-              <a:t>Closeness Map</a:t>
+              <a:t>Betweenness in the AOP Context</a:t>
             </a:r>
           </a:p>
         </p:txBody>
@@ -10645,30 +11249,70 @@
         </p:nvSpPr>
         <p:spPr>
           <a:xfrm>
-            <a:off x="583607" y="775856"/>
-            <a:ext cx="4382531" cy="5940253"/>
+            <a:off x="3901704" y="1524820"/>
+            <a:ext cx="4382531" cy="4068591"/>
           </a:xfrm>
         </p:spPr>
         <p:txBody>
           <a:bodyPr>
-            <a:normAutofit/>
+            <a:normAutofit lnSpcReduction="10000"/>
           </a:bodyPr>
           <a:lstStyle/>
           <a:p>
-            <a:r>
-              <a:rPr lang="en-US" sz="2400" i="1" dirty="0"/>
-              <a:t>Closeness</a:t>
-            </a:r>
-            <a:r>
-              <a:rPr lang="en-US" sz="2400" dirty="0"/>
-              <a:t> is defined as the as the inverse of the average shortest path between a given node and all other nodes.  This means that those nodes with the smallest average shortest path lengths, will have the largest closeness values. </a:t>
+            <a:pPr marL="285750" indent="-285750">
+              <a:buFont typeface="Arial" panose="020B0604020202020204" pitchFamily="34" charset="0"/>
+              <a:buChar char="•"/>
+            </a:pPr>
+            <a:r>
+              <a:rPr lang="en-US" dirty="0"/>
+              <a:t>Betweenness can be informative in identifying highly involved KEs in a global sense </a:t>
+            </a:r>
+          </a:p>
+          <a:p>
+            <a:pPr marL="285750" indent="-285750">
+              <a:buFont typeface="Arial" panose="020B0604020202020204" pitchFamily="34" charset="0"/>
+              <a:buChar char="•"/>
+            </a:pPr>
+            <a:r>
+              <a:rPr lang="en-US" dirty="0"/>
+              <a:t>When comparing directed to undirected betweenness we see a change in betweenness distribution among KEs.  The KE with the highest betweenness value stays the same, but the top-ten values change quite a bit</a:t>
+            </a:r>
+          </a:p>
+          <a:p>
+            <a:pPr marL="285750" indent="-285750">
+              <a:buFont typeface="Arial" panose="020B0604020202020204" pitchFamily="34" charset="0"/>
+              <a:buChar char="•"/>
+            </a:pPr>
+            <a:r>
+              <a:rPr lang="en-US" dirty="0"/>
+              <a:t>Bi-modality in betweenness values also emerges when directionality is ignored</a:t>
+            </a:r>
+          </a:p>
+          <a:p>
+            <a:pPr marL="285750" indent="-285750">
+              <a:buFont typeface="Arial" panose="020B0604020202020204" pitchFamily="34" charset="0"/>
+              <a:buChar char="•"/>
+            </a:pPr>
+            <a:r>
+              <a:rPr lang="en-US" dirty="0"/>
+              <a:t>For AOPs and AOP networks we are perhaps more interested in looking at KEs that appear most frequently in paths between MIEs and AOs</a:t>
+            </a:r>
+          </a:p>
+          <a:p>
+            <a:pPr marL="285750" indent="-285750">
+              <a:buFont typeface="Arial" panose="020B0604020202020204" pitchFamily="34" charset="0"/>
+              <a:buChar char="•"/>
+            </a:pPr>
+            <a:r>
+              <a:rPr lang="en-US" dirty="0"/>
+              <a:t>In Villeneuve et al. 2017 (in prep.), we proposed MIE to AO path betweenness metric for more AOP specific network analysis</a:t>
             </a:r>
           </a:p>
         </p:txBody>
       </p:sp>
       <p:pic>
         <p:nvPicPr>
-          <p:cNvPr id="3" name="Picture 2" descr="Screen Clipping"/>
+          <p:cNvPr id="6" name="Picture 5" descr="Screen Clipping"/>
           <p:cNvPicPr>
             <a:picLocks noChangeAspect="1"/>
           </p:cNvPicPr>
@@ -10688,8 +11332,98 @@
         </p:blipFill>
         <p:spPr>
           <a:xfrm>
-            <a:off x="5222789" y="0"/>
-            <a:ext cx="6969211" cy="6858000"/>
+            <a:off x="8716264" y="4385"/>
+            <a:ext cx="3475736" cy="3442361"/>
+          </a:xfrm>
+          <a:prstGeom prst="rect">
+            <a:avLst/>
+          </a:prstGeom>
+        </p:spPr>
+      </p:pic>
+      <p:pic>
+        <p:nvPicPr>
+          <p:cNvPr id="7" name="Picture 6" descr="Screen Clipping"/>
+          <p:cNvPicPr>
+            <a:picLocks noChangeAspect="1"/>
+          </p:cNvPicPr>
+          <p:nvPr/>
+        </p:nvPicPr>
+        <p:blipFill>
+          <a:blip r:embed="rId3">
+            <a:extLst>
+              <a:ext uri="{28A0092B-C50C-407E-A947-70E740481C1C}">
+                <a14:useLocalDpi xmlns:a14="http://schemas.microsoft.com/office/drawing/2010/main" val="0"/>
+              </a:ext>
+            </a:extLst>
+          </a:blip>
+          <a:stretch>
+            <a:fillRect/>
+          </a:stretch>
+        </p:blipFill>
+        <p:spPr>
+          <a:xfrm>
+            <a:off x="0" y="21890"/>
+            <a:ext cx="3515109" cy="3424856"/>
+          </a:xfrm>
+          <a:prstGeom prst="rect">
+            <a:avLst/>
+          </a:prstGeom>
+        </p:spPr>
+      </p:pic>
+      <p:pic>
+        <p:nvPicPr>
+          <p:cNvPr id="13" name="Picture 12" descr="Screen Clipping"/>
+          <p:cNvPicPr>
+            <a:picLocks noChangeAspect="1"/>
+          </p:cNvPicPr>
+          <p:nvPr/>
+        </p:nvPicPr>
+        <p:blipFill>
+          <a:blip r:embed="rId4">
+            <a:extLst>
+              <a:ext uri="{28A0092B-C50C-407E-A947-70E740481C1C}">
+                <a14:useLocalDpi xmlns:a14="http://schemas.microsoft.com/office/drawing/2010/main" val="0"/>
+              </a:ext>
+            </a:extLst>
+          </a:blip>
+          <a:stretch>
+            <a:fillRect/>
+          </a:stretch>
+        </p:blipFill>
+        <p:spPr>
+          <a:xfrm>
+            <a:off x="255153" y="3577590"/>
+            <a:ext cx="3004801" cy="3280410"/>
+          </a:xfrm>
+          <a:prstGeom prst="rect">
+            <a:avLst/>
+          </a:prstGeom>
+        </p:spPr>
+      </p:pic>
+      <p:pic>
+        <p:nvPicPr>
+          <p:cNvPr id="14" name="Picture 13" descr="Screen Clipping"/>
+          <p:cNvPicPr>
+            <a:picLocks noChangeAspect="1"/>
+          </p:cNvPicPr>
+          <p:nvPr/>
+        </p:nvPicPr>
+        <p:blipFill>
+          <a:blip r:embed="rId5">
+            <a:extLst>
+              <a:ext uri="{28A0092B-C50C-407E-A947-70E740481C1C}">
+                <a14:useLocalDpi xmlns:a14="http://schemas.microsoft.com/office/drawing/2010/main" val="0"/>
+              </a:ext>
+            </a:extLst>
+          </a:blip>
+          <a:stretch>
+            <a:fillRect/>
+          </a:stretch>
+        </p:blipFill>
+        <p:spPr>
+          <a:xfrm>
+            <a:off x="8867187" y="3446746"/>
+            <a:ext cx="3173890" cy="3411254"/>
           </a:xfrm>
           <a:prstGeom prst="rect">
             <a:avLst/>
@@ -10699,13 +11433,25 @@
     </p:spTree>
     <p:extLst>
       <p:ext uri="{BB962C8B-B14F-4D97-AF65-F5344CB8AC3E}">
-        <p14:creationId xmlns:p14="http://schemas.microsoft.com/office/powerpoint/2010/main" val="1918669965"/>
+        <p14:creationId xmlns:p14="http://schemas.microsoft.com/office/powerpoint/2010/main" val="1447565942"/>
       </p:ext>
     </p:extLst>
   </p:cSld>
   <p:clrMapOvr>
     <a:masterClrMapping/>
   </p:clrMapOvr>
+  <mc:AlternateContent xmlns:mc="http://schemas.openxmlformats.org/markup-compatibility/2006" xmlns:p159="http://schemas.microsoft.com/office/powerpoint/2015/09/main">
+    <mc:Choice Requires="p159">
+      <p:transition spd="slow">
+        <p159:morph option="byObject"/>
+      </p:transition>
+    </mc:Choice>
+    <mc:Fallback xmlns="">
+      <p:transition spd="slow">
+        <p:fade/>
+      </p:transition>
+    </mc:Fallback>
+  </mc:AlternateContent>
 </p:sld>
 </file>
 
@@ -11081,6 +11827,164 @@
           <a:lstStyle/>
           <a:p>
             <a:r>
+              <a:rPr lang="en-US" sz="1800" i="1" dirty="0"/>
+              <a:t>Closeness</a:t>
+            </a:r>
+            <a:r>
+              <a:rPr lang="en-US" sz="1800" dirty="0"/>
+              <a:t> is defined as the as the inverse of the average shortest path between a given node and all other nodes.  This means that those nodes with the smallest average shortest path lengths, will have the largest closeness values. </a:t>
+            </a:r>
+          </a:p>
+          <a:p>
+            <a:r>
+              <a:rPr lang="en-US" sz="1800" dirty="0"/>
+              <a:t>When paths are found, we can consider all paths for the analysis, creating a total closeness value, or we can consider paths out of, or in to, nodes to calculate betweenness.  </a:t>
+            </a:r>
+          </a:p>
+        </p:txBody>
+      </p:sp>
+      <p:pic>
+        <p:nvPicPr>
+          <p:cNvPr id="3" name="Picture 2" descr="Screen Clipping"/>
+          <p:cNvPicPr>
+            <a:picLocks noChangeAspect="1"/>
+          </p:cNvPicPr>
+          <p:nvPr/>
+        </p:nvPicPr>
+        <p:blipFill>
+          <a:blip r:embed="rId2">
+            <a:extLst>
+              <a:ext uri="{28A0092B-C50C-407E-A947-70E740481C1C}">
+                <a14:useLocalDpi xmlns:a14="http://schemas.microsoft.com/office/drawing/2010/main" val="0"/>
+              </a:ext>
+            </a:extLst>
+          </a:blip>
+          <a:stretch>
+            <a:fillRect/>
+          </a:stretch>
+        </p:blipFill>
+        <p:spPr>
+          <a:xfrm>
+            <a:off x="5222789" y="0"/>
+            <a:ext cx="6969211" cy="6858000"/>
+          </a:xfrm>
+          <a:prstGeom prst="rect">
+            <a:avLst/>
+          </a:prstGeom>
+        </p:spPr>
+      </p:pic>
+      <p:sp>
+        <p:nvSpPr>
+          <p:cNvPr id="5" name="TextBox 4"/>
+          <p:cNvSpPr txBox="1"/>
+          <p:nvPr/>
+        </p:nvSpPr>
+        <p:spPr>
+          <a:xfrm>
+            <a:off x="9950358" y="6254444"/>
+            <a:ext cx="2241642" cy="461665"/>
+          </a:xfrm>
+          <a:prstGeom prst="rect">
+            <a:avLst/>
+          </a:prstGeom>
+          <a:noFill/>
+        </p:spPr>
+        <p:txBody>
+          <a:bodyPr wrap="square" rtlCol="0">
+            <a:spAutoFit/>
+          </a:bodyPr>
+          <a:lstStyle/>
+          <a:p>
+            <a:pPr algn="ctr"/>
+            <a:r>
+              <a:rPr lang="en-US" sz="2400" dirty="0"/>
+              <a:t>Total closeness</a:t>
+            </a:r>
+          </a:p>
+        </p:txBody>
+      </p:sp>
+    </p:spTree>
+    <p:extLst>
+      <p:ext uri="{BB962C8B-B14F-4D97-AF65-F5344CB8AC3E}">
+        <p14:creationId xmlns:p14="http://schemas.microsoft.com/office/powerpoint/2010/main" val="1918669965"/>
+      </p:ext>
+    </p:extLst>
+  </p:cSld>
+  <p:clrMapOvr>
+    <a:masterClrMapping/>
+  </p:clrMapOvr>
+</p:sld>
+</file>
+
+<file path=ppt/slides/slide31.xml><?xml version="1.0" encoding="utf-8"?>
+<p:sld xmlns:a="http://schemas.openxmlformats.org/drawingml/2006/main" xmlns:r="http://schemas.openxmlformats.org/officeDocument/2006/relationships" xmlns:p="http://schemas.openxmlformats.org/presentationml/2006/main">
+  <p:cSld>
+    <p:spTree>
+      <p:nvGrpSpPr>
+        <p:cNvPr id="1" name=""/>
+        <p:cNvGrpSpPr/>
+        <p:nvPr/>
+      </p:nvGrpSpPr>
+      <p:grpSpPr>
+        <a:xfrm>
+          <a:off x="0" y="0"/>
+          <a:ext cx="0" cy="0"/>
+          <a:chOff x="0" y="0"/>
+          <a:chExt cx="0" cy="0"/>
+        </a:xfrm>
+      </p:grpSpPr>
+      <p:sp>
+        <p:nvSpPr>
+          <p:cNvPr id="2" name="Title 1"/>
+          <p:cNvSpPr>
+            <a:spLocks noGrp="1"/>
+          </p:cNvSpPr>
+          <p:nvPr>
+            <p:ph type="title"/>
+          </p:nvPr>
+        </p:nvSpPr>
+        <p:spPr>
+          <a:xfrm>
+            <a:off x="583607" y="36783"/>
+            <a:ext cx="3932237" cy="739074"/>
+          </a:xfrm>
+        </p:spPr>
+        <p:txBody>
+          <a:bodyPr>
+            <a:normAutofit/>
+          </a:bodyPr>
+          <a:lstStyle/>
+          <a:p>
+            <a:r>
+              <a:rPr lang="en-US" dirty="0"/>
+              <a:t>Closeness Map</a:t>
+            </a:r>
+          </a:p>
+        </p:txBody>
+      </p:sp>
+      <p:sp>
+        <p:nvSpPr>
+          <p:cNvPr id="4" name="Text Placeholder 3"/>
+          <p:cNvSpPr>
+            <a:spLocks noGrp="1"/>
+          </p:cNvSpPr>
+          <p:nvPr>
+            <p:ph type="body" sz="half" idx="2"/>
+          </p:nvPr>
+        </p:nvSpPr>
+        <p:spPr>
+          <a:xfrm>
+            <a:off x="583607" y="775856"/>
+            <a:ext cx="4382531" cy="5940253"/>
+          </a:xfrm>
+        </p:spPr>
+        <p:txBody>
+          <a:bodyPr>
+            <a:normAutofit/>
+          </a:bodyPr>
+          <a:lstStyle/>
+          <a:p>
+            <a:r>
               <a:rPr lang="en-US" dirty="0">
                 <a:solidFill>
                   <a:srgbClr val="FD00FD"/>
@@ -11155,6 +12059,36 @@
           </a:prstGeom>
         </p:spPr>
       </p:pic>
+      <p:sp>
+        <p:nvSpPr>
+          <p:cNvPr id="7" name="TextBox 6"/>
+          <p:cNvSpPr txBox="1"/>
+          <p:nvPr/>
+        </p:nvSpPr>
+        <p:spPr>
+          <a:xfrm>
+            <a:off x="514835" y="6208449"/>
+            <a:ext cx="1748790" cy="369332"/>
+          </a:xfrm>
+          <a:prstGeom prst="rect">
+            <a:avLst/>
+          </a:prstGeom>
+          <a:noFill/>
+        </p:spPr>
+        <p:txBody>
+          <a:bodyPr wrap="square" rtlCol="0">
+            <a:spAutoFit/>
+          </a:bodyPr>
+          <a:lstStyle/>
+          <a:p>
+            <a:pPr algn="ctr"/>
+            <a:r>
+              <a:rPr lang="en-US" dirty="0"/>
+              <a:t>Total closeness</a:t>
+            </a:r>
+          </a:p>
+        </p:txBody>
+      </p:sp>
     </p:spTree>
     <p:extLst>
       <p:ext uri="{BB962C8B-B14F-4D97-AF65-F5344CB8AC3E}">
@@ -11165,180 +12099,13 @@
   <p:clrMapOvr>
     <a:masterClrMapping/>
   </p:clrMapOvr>
-  <mc:AlternateContent xmlns:mc="http://schemas.openxmlformats.org/markup-compatibility/2006">
-    <mc:Choice xmlns:p159="http://schemas.microsoft.com/office/powerpoint/2015/09/main" Requires="p159">
+  <mc:AlternateContent xmlns:mc="http://schemas.openxmlformats.org/markup-compatibility/2006" xmlns:p159="http://schemas.microsoft.com/office/powerpoint/2015/09/main">
+    <mc:Choice Requires="p159">
       <p:transition spd="slow">
         <p159:morph option="byObject"/>
       </p:transition>
     </mc:Choice>
-    <mc:Fallback>
-      <p:transition spd="slow">
-        <p:fade/>
-      </p:transition>
-    </mc:Fallback>
-  </mc:AlternateContent>
-</p:sld>
-</file>
-
-<file path=ppt/slides/slide31.xml><?xml version="1.0" encoding="utf-8"?>
-<p:sld xmlns:a="http://schemas.openxmlformats.org/drawingml/2006/main" xmlns:r="http://schemas.openxmlformats.org/officeDocument/2006/relationships" xmlns:p="http://schemas.openxmlformats.org/presentationml/2006/main">
-  <p:cSld>
-    <p:spTree>
-      <p:nvGrpSpPr>
-        <p:cNvPr id="1" name=""/>
-        <p:cNvGrpSpPr/>
-        <p:nvPr/>
-      </p:nvGrpSpPr>
-      <p:grpSpPr>
-        <a:xfrm>
-          <a:off x="0" y="0"/>
-          <a:ext cx="0" cy="0"/>
-          <a:chOff x="0" y="0"/>
-          <a:chExt cx="0" cy="0"/>
-        </a:xfrm>
-      </p:grpSpPr>
-      <p:sp>
-        <p:nvSpPr>
-          <p:cNvPr id="2" name="Title 1"/>
-          <p:cNvSpPr>
-            <a:spLocks noGrp="1"/>
-          </p:cNvSpPr>
-          <p:nvPr>
-            <p:ph type="title"/>
-          </p:nvPr>
-        </p:nvSpPr>
-        <p:spPr>
-          <a:xfrm>
-            <a:off x="583607" y="36783"/>
-            <a:ext cx="3932237" cy="739074"/>
-          </a:xfrm>
-        </p:spPr>
-        <p:txBody>
-          <a:bodyPr>
-            <a:normAutofit/>
-          </a:bodyPr>
-          <a:lstStyle/>
-          <a:p>
-            <a:r>
-              <a:rPr lang="en-US" dirty="0"/>
-              <a:t>Closeness Map</a:t>
-            </a:r>
-          </a:p>
-        </p:txBody>
-      </p:sp>
-      <p:sp>
-        <p:nvSpPr>
-          <p:cNvPr id="4" name="Text Placeholder 3"/>
-          <p:cNvSpPr>
-            <a:spLocks noGrp="1"/>
-          </p:cNvSpPr>
-          <p:nvPr>
-            <p:ph type="body" sz="half" idx="2"/>
-          </p:nvPr>
-        </p:nvSpPr>
-        <p:spPr>
-          <a:xfrm>
-            <a:off x="583607" y="775856"/>
-            <a:ext cx="4382531" cy="5940253"/>
-          </a:xfrm>
-        </p:spPr>
-        <p:txBody>
-          <a:bodyPr>
-            <a:normAutofit/>
-          </a:bodyPr>
-          <a:lstStyle/>
-          <a:p>
-            <a:r>
-              <a:rPr lang="en-US" dirty="0">
-                <a:solidFill>
-                  <a:srgbClr val="FD00FD"/>
-                </a:solidFill>
-              </a:rPr>
-              <a:t>Increased oxidative stress</a:t>
-            </a:r>
-            <a:r>
-              <a:rPr lang="en-US" dirty="0"/>
-              <a:t> had the largest closeness value of all key events in the AOP wiki, however, all the key events in the large weakly connected component had very similar values.  </a:t>
-            </a:r>
-          </a:p>
-        </p:txBody>
-      </p:sp>
-      <p:pic>
-        <p:nvPicPr>
-          <p:cNvPr id="3" name="Picture 2" descr="Screen Clipping"/>
-          <p:cNvPicPr>
-            <a:picLocks noChangeAspect="1"/>
-          </p:cNvPicPr>
-          <p:nvPr/>
-        </p:nvPicPr>
-        <p:blipFill>
-          <a:blip r:embed="rId2">
-            <a:extLst>
-              <a:ext uri="{28A0092B-C50C-407E-A947-70E740481C1C}">
-                <a14:useLocalDpi xmlns:a14="http://schemas.microsoft.com/office/drawing/2010/main" val="0"/>
-              </a:ext>
-            </a:extLst>
-          </a:blip>
-          <a:stretch>
-            <a:fillRect/>
-          </a:stretch>
-        </p:blipFill>
-        <p:spPr>
-          <a:xfrm>
-            <a:off x="583607" y="2197509"/>
-            <a:ext cx="4451303" cy="4380271"/>
-          </a:xfrm>
-          <a:prstGeom prst="rect">
-            <a:avLst/>
-          </a:prstGeom>
-        </p:spPr>
-      </p:pic>
-      <p:pic>
-        <p:nvPicPr>
-          <p:cNvPr id="7" name="Content Placeholder 4" descr="Screen Clipping"/>
-          <p:cNvPicPr>
-            <a:picLocks noGrp="1" noChangeAspect="1"/>
-          </p:cNvPicPr>
-          <p:nvPr>
-            <p:ph idx="1"/>
-          </p:nvPr>
-        </p:nvPicPr>
-        <p:blipFill>
-          <a:blip r:embed="rId3">
-            <a:extLst>
-              <a:ext uri="{28A0092B-C50C-407E-A947-70E740481C1C}">
-                <a14:useLocalDpi xmlns:a14="http://schemas.microsoft.com/office/drawing/2010/main" val="0"/>
-              </a:ext>
-            </a:extLst>
-          </a:blip>
-          <a:stretch>
-            <a:fillRect/>
-          </a:stretch>
-        </p:blipFill>
-        <p:spPr>
-          <a:xfrm>
-            <a:off x="6433370" y="1046818"/>
-            <a:ext cx="4540706" cy="4557884"/>
-          </a:xfrm>
-        </p:spPr>
-      </p:pic>
-    </p:spTree>
-    <p:extLst>
-      <p:ext uri="{BB962C8B-B14F-4D97-AF65-F5344CB8AC3E}">
-        <p14:creationId xmlns:p14="http://schemas.microsoft.com/office/powerpoint/2010/main" val="3290896412"/>
-      </p:ext>
-    </p:extLst>
-  </p:cSld>
-  <p:clrMapOvr>
-    <a:masterClrMapping/>
-  </p:clrMapOvr>
-  <mc:AlternateContent xmlns:mc="http://schemas.openxmlformats.org/markup-compatibility/2006">
-    <mc:Choice xmlns:p159="http://schemas.microsoft.com/office/powerpoint/2015/09/main" Requires="p159">
-      <p:transition spd="slow">
-        <p159:morph option="byObject"/>
-      </p:transition>
-    </mc:Choice>
-    <mc:Fallback>
+    <mc:Fallback xmlns="">
       <p:transition spd="slow">
         <p:fade/>
       </p:transition>
@@ -11376,19 +12143,19 @@
         </p:nvSpPr>
         <p:spPr>
           <a:xfrm>
-            <a:off x="583607" y="375993"/>
+            <a:off x="583607" y="36783"/>
             <a:ext cx="3932237" cy="739074"/>
           </a:xfrm>
         </p:spPr>
         <p:txBody>
           <a:bodyPr>
-            <a:normAutofit fontScale="90000"/>
+            <a:normAutofit/>
           </a:bodyPr>
           <a:lstStyle/>
           <a:p>
             <a:r>
               <a:rPr lang="en-US" dirty="0"/>
-              <a:t>Closeness in the AOP context</a:t>
+              <a:t>Closeness Map</a:t>
             </a:r>
           </a:p>
         </p:txBody>
@@ -11405,7 +12172,7 @@
         </p:nvSpPr>
         <p:spPr>
           <a:xfrm>
-            <a:off x="583607" y="1115066"/>
+            <a:off x="583607" y="775856"/>
             <a:ext cx="4382531" cy="5940253"/>
           </a:xfrm>
         </p:spPr>
@@ -11415,42 +12182,17 @@
           </a:bodyPr>
           <a:lstStyle/>
           <a:p>
-            <a:pPr marL="342900" indent="-342900">
-              <a:buClr>
-                <a:srgbClr val="7030A0"/>
-              </a:buClr>
-              <a:buFont typeface="Arial" panose="020B0604020202020204" pitchFamily="34" charset="0"/>
-              <a:buChar char="•"/>
-            </a:pPr>
-            <a:r>
-              <a:rPr lang="en-US" sz="2000" dirty="0"/>
-              <a:t>Average shortest path is undirected in this calculation, AOPs and AOP networks are directed</a:t>
-            </a:r>
-          </a:p>
-          <a:p>
-            <a:pPr marL="342900" indent="-342900">
-              <a:buClr>
-                <a:srgbClr val="7030A0"/>
-              </a:buClr>
-              <a:buFont typeface="Arial" panose="020B0604020202020204" pitchFamily="34" charset="0"/>
-              <a:buChar char="•"/>
-            </a:pPr>
-            <a:r>
-              <a:rPr lang="en-US" sz="2000" dirty="0"/>
-              <a:t>Since distance is determined by KE inclusion, this may be somewhat arbitrary in that more explicit AOPs can modify closeness values when compared to others.  </a:t>
-            </a:r>
-          </a:p>
-          <a:p>
-            <a:pPr marL="342900" indent="-342900">
-              <a:buClr>
-                <a:srgbClr val="7030A0"/>
-              </a:buClr>
-              <a:buFont typeface="Arial" panose="020B0604020202020204" pitchFamily="34" charset="0"/>
-              <a:buChar char="•"/>
-            </a:pPr>
-            <a:r>
-              <a:rPr lang="en-US" sz="2000" dirty="0"/>
-              <a:t>For future research, may develop MIE to AO closeness analyses to make more relevant to AOP and AOP network analysis.</a:t>
+            <a:r>
+              <a:rPr lang="en-US" dirty="0">
+                <a:solidFill>
+                  <a:srgbClr val="FD00FD"/>
+                </a:solidFill>
+              </a:rPr>
+              <a:t>Increased oxidative stress</a:t>
+            </a:r>
+            <a:r>
+              <a:rPr lang="en-US" dirty="0"/>
+              <a:t> had the largest closeness value of all key events in the AOP wiki, however, all the key events in the large weakly connected component had very similar values.  </a:t>
             </a:r>
           </a:p>
         </p:txBody>
@@ -11477,31 +12219,90 @@
         </p:blipFill>
         <p:spPr>
           <a:xfrm>
-            <a:off x="5222789" y="0"/>
-            <a:ext cx="6969211" cy="6858000"/>
+            <a:off x="583607" y="2197509"/>
+            <a:ext cx="4451303" cy="4380271"/>
           </a:xfrm>
           <a:prstGeom prst="rect">
             <a:avLst/>
           </a:prstGeom>
         </p:spPr>
       </p:pic>
+      <p:pic>
+        <p:nvPicPr>
+          <p:cNvPr id="7" name="Content Placeholder 4" descr="Screen Clipping"/>
+          <p:cNvPicPr>
+            <a:picLocks noGrp="1" noChangeAspect="1"/>
+          </p:cNvPicPr>
+          <p:nvPr>
+            <p:ph idx="1"/>
+          </p:nvPr>
+        </p:nvPicPr>
+        <p:blipFill>
+          <a:blip r:embed="rId3">
+            <a:extLst>
+              <a:ext uri="{28A0092B-C50C-407E-A947-70E740481C1C}">
+                <a14:useLocalDpi xmlns:a14="http://schemas.microsoft.com/office/drawing/2010/main" val="0"/>
+              </a:ext>
+            </a:extLst>
+          </a:blip>
+          <a:stretch>
+            <a:fillRect/>
+          </a:stretch>
+        </p:blipFill>
+        <p:spPr>
+          <a:xfrm>
+            <a:off x="6433370" y="1046818"/>
+            <a:ext cx="4540706" cy="4557884"/>
+          </a:xfrm>
+        </p:spPr>
+      </p:pic>
+      <p:sp>
+        <p:nvSpPr>
+          <p:cNvPr id="6" name="TextBox 5"/>
+          <p:cNvSpPr txBox="1"/>
+          <p:nvPr/>
+        </p:nvSpPr>
+        <p:spPr>
+          <a:xfrm>
+            <a:off x="514835" y="6208448"/>
+            <a:ext cx="1748790" cy="369332"/>
+          </a:xfrm>
+          <a:prstGeom prst="rect">
+            <a:avLst/>
+          </a:prstGeom>
+          <a:noFill/>
+        </p:spPr>
+        <p:txBody>
+          <a:bodyPr wrap="square" rtlCol="0">
+            <a:spAutoFit/>
+          </a:bodyPr>
+          <a:lstStyle/>
+          <a:p>
+            <a:pPr algn="ctr"/>
+            <a:r>
+              <a:rPr lang="en-US" dirty="0"/>
+              <a:t>Total closeness</a:t>
+            </a:r>
+          </a:p>
+        </p:txBody>
+      </p:sp>
     </p:spTree>
     <p:extLst>
       <p:ext uri="{BB962C8B-B14F-4D97-AF65-F5344CB8AC3E}">
-        <p14:creationId xmlns:p14="http://schemas.microsoft.com/office/powerpoint/2010/main" val="2846615369"/>
+        <p14:creationId xmlns:p14="http://schemas.microsoft.com/office/powerpoint/2010/main" val="3290896412"/>
       </p:ext>
     </p:extLst>
   </p:cSld>
   <p:clrMapOvr>
     <a:masterClrMapping/>
   </p:clrMapOvr>
-  <mc:AlternateContent xmlns:mc="http://schemas.openxmlformats.org/markup-compatibility/2006">
-    <mc:Choice xmlns:p159="http://schemas.microsoft.com/office/powerpoint/2015/09/main" Requires="p159">
+  <mc:AlternateContent xmlns:mc="http://schemas.openxmlformats.org/markup-compatibility/2006" xmlns:p159="http://schemas.microsoft.com/office/powerpoint/2015/09/main">
+    <mc:Choice Requires="p159">
       <p:transition spd="slow">
         <p159:morph option="byObject"/>
       </p:transition>
     </mc:Choice>
-    <mc:Fallback>
+    <mc:Fallback xmlns="">
       <p:transition spd="slow">
         <p:fade/>
       </p:transition>
@@ -11527,6 +12328,984 @@
           <a:chExt cx="0" cy="0"/>
         </a:xfrm>
       </p:grpSpPr>
+      <p:pic>
+        <p:nvPicPr>
+          <p:cNvPr id="5" name="Picture 4" descr="Screen Clipping"/>
+          <p:cNvPicPr>
+            <a:picLocks noChangeAspect="1"/>
+          </p:cNvPicPr>
+          <p:nvPr/>
+        </p:nvPicPr>
+        <p:blipFill>
+          <a:blip r:embed="rId2">
+            <a:extLst>
+              <a:ext uri="{28A0092B-C50C-407E-A947-70E740481C1C}">
+                <a14:useLocalDpi xmlns:a14="http://schemas.microsoft.com/office/drawing/2010/main" val="0"/>
+              </a:ext>
+            </a:extLst>
+          </a:blip>
+          <a:stretch>
+            <a:fillRect/>
+          </a:stretch>
+        </p:blipFill>
+        <p:spPr>
+          <a:xfrm>
+            <a:off x="4042144" y="558327"/>
+            <a:ext cx="3355160" cy="3967477"/>
+          </a:xfrm>
+          <a:prstGeom prst="rect">
+            <a:avLst/>
+          </a:prstGeom>
+        </p:spPr>
+      </p:pic>
+      <p:pic>
+        <p:nvPicPr>
+          <p:cNvPr id="6" name="Picture 5" descr="Screen Clipping"/>
+          <p:cNvPicPr>
+            <a:picLocks noChangeAspect="1"/>
+          </p:cNvPicPr>
+          <p:nvPr/>
+        </p:nvPicPr>
+        <p:blipFill>
+          <a:blip r:embed="rId3">
+            <a:extLst>
+              <a:ext uri="{28A0092B-C50C-407E-A947-70E740481C1C}">
+                <a14:useLocalDpi xmlns:a14="http://schemas.microsoft.com/office/drawing/2010/main" val="0"/>
+              </a:ext>
+            </a:extLst>
+          </a:blip>
+          <a:stretch>
+            <a:fillRect/>
+          </a:stretch>
+        </p:blipFill>
+        <p:spPr>
+          <a:xfrm>
+            <a:off x="8371942" y="682008"/>
+            <a:ext cx="3820058" cy="4239217"/>
+          </a:xfrm>
+          <a:prstGeom prst="rect">
+            <a:avLst/>
+          </a:prstGeom>
+        </p:spPr>
+      </p:pic>
+      <p:sp>
+        <p:nvSpPr>
+          <p:cNvPr id="7" name="TextBox 6"/>
+          <p:cNvSpPr txBox="1"/>
+          <p:nvPr/>
+        </p:nvSpPr>
+        <p:spPr>
+          <a:xfrm>
+            <a:off x="5210175" y="0"/>
+            <a:ext cx="1748790" cy="369332"/>
+          </a:xfrm>
+          <a:prstGeom prst="rect">
+            <a:avLst/>
+          </a:prstGeom>
+          <a:noFill/>
+        </p:spPr>
+        <p:txBody>
+          <a:bodyPr wrap="square" rtlCol="0">
+            <a:spAutoFit/>
+          </a:bodyPr>
+          <a:lstStyle/>
+          <a:p>
+            <a:pPr algn="ctr"/>
+            <a:r>
+              <a:rPr lang="en-US" dirty="0"/>
+              <a:t>In-closeness</a:t>
+            </a:r>
+          </a:p>
+        </p:txBody>
+      </p:sp>
+      <p:sp>
+        <p:nvSpPr>
+          <p:cNvPr id="8" name="TextBox 7"/>
+          <p:cNvSpPr txBox="1"/>
+          <p:nvPr/>
+        </p:nvSpPr>
+        <p:spPr>
+          <a:xfrm>
+            <a:off x="9479966" y="10163"/>
+            <a:ext cx="1604010" cy="369332"/>
+          </a:xfrm>
+          <a:prstGeom prst="rect">
+            <a:avLst/>
+          </a:prstGeom>
+          <a:noFill/>
+        </p:spPr>
+        <p:txBody>
+          <a:bodyPr wrap="square" rtlCol="0">
+            <a:spAutoFit/>
+          </a:bodyPr>
+          <a:lstStyle/>
+          <a:p>
+            <a:pPr algn="ctr"/>
+            <a:r>
+              <a:rPr lang="en-US" dirty="0"/>
+              <a:t>Out-closeness</a:t>
+            </a:r>
+          </a:p>
+        </p:txBody>
+      </p:sp>
+      <p:pic>
+        <p:nvPicPr>
+          <p:cNvPr id="10" name="Picture 9" descr="Screen Clipping"/>
+          <p:cNvPicPr>
+            <a:picLocks noChangeAspect="1"/>
+          </p:cNvPicPr>
+          <p:nvPr/>
+        </p:nvPicPr>
+        <p:blipFill>
+          <a:blip r:embed="rId4">
+            <a:extLst>
+              <a:ext uri="{28A0092B-C50C-407E-A947-70E740481C1C}">
+                <a14:useLocalDpi xmlns:a14="http://schemas.microsoft.com/office/drawing/2010/main" val="0"/>
+              </a:ext>
+            </a:extLst>
+          </a:blip>
+          <a:stretch>
+            <a:fillRect/>
+          </a:stretch>
+        </p:blipFill>
+        <p:spPr>
+          <a:xfrm>
+            <a:off x="0" y="558327"/>
+            <a:ext cx="3629837" cy="3956523"/>
+          </a:xfrm>
+          <a:prstGeom prst="rect">
+            <a:avLst/>
+          </a:prstGeom>
+        </p:spPr>
+      </p:pic>
+      <p:sp>
+        <p:nvSpPr>
+          <p:cNvPr id="11" name="TextBox 10"/>
+          <p:cNvSpPr txBox="1"/>
+          <p:nvPr/>
+        </p:nvSpPr>
+        <p:spPr>
+          <a:xfrm>
+            <a:off x="1132932" y="10163"/>
+            <a:ext cx="1748790" cy="369332"/>
+          </a:xfrm>
+          <a:prstGeom prst="rect">
+            <a:avLst/>
+          </a:prstGeom>
+          <a:noFill/>
+        </p:spPr>
+        <p:txBody>
+          <a:bodyPr wrap="square" rtlCol="0">
+            <a:spAutoFit/>
+          </a:bodyPr>
+          <a:lstStyle/>
+          <a:p>
+            <a:pPr algn="ctr"/>
+            <a:r>
+              <a:rPr lang="en-US" dirty="0"/>
+              <a:t>Total-closeness</a:t>
+            </a:r>
+          </a:p>
+        </p:txBody>
+      </p:sp>
+      <p:sp>
+        <p:nvSpPr>
+          <p:cNvPr id="12" name="TextBox 11"/>
+          <p:cNvSpPr txBox="1"/>
+          <p:nvPr/>
+        </p:nvSpPr>
+        <p:spPr>
+          <a:xfrm>
+            <a:off x="9262796" y="4921225"/>
+            <a:ext cx="2857500" cy="1869743"/>
+          </a:xfrm>
+          <a:prstGeom prst="rect">
+            <a:avLst/>
+          </a:prstGeom>
+          <a:noFill/>
+        </p:spPr>
+        <p:txBody>
+          <a:bodyPr wrap="square" rtlCol="0">
+            <a:spAutoFit/>
+          </a:bodyPr>
+          <a:lstStyle/>
+          <a:p>
+            <a:r>
+              <a:rPr lang="en-US" sz="1050" dirty="0"/>
+              <a:t> [1] "Suppression, Constitutive </a:t>
+            </a:r>
+            <a:r>
+              <a:rPr lang="en-US" sz="1050" dirty="0" err="1"/>
+              <a:t>androstane</a:t>
+            </a:r>
+            <a:r>
+              <a:rPr lang="en-US" sz="1050" dirty="0"/>
+              <a:t> receptor, NR1l3"</a:t>
+            </a:r>
+          </a:p>
+          <a:p>
+            <a:r>
+              <a:rPr lang="en-US" sz="1050" dirty="0"/>
+              <a:t> [2] "Activation, NRF2"                                    </a:t>
+            </a:r>
+          </a:p>
+          <a:p>
+            <a:r>
+              <a:rPr lang="en-US" sz="1050" dirty="0"/>
+              <a:t> [3] "Activation, NR1H4"                                   </a:t>
+            </a:r>
+          </a:p>
+          <a:p>
+            <a:r>
+              <a:rPr lang="en-US" sz="1050" dirty="0"/>
+              <a:t> [4] "Activation, AHR"                                     </a:t>
+            </a:r>
+          </a:p>
+          <a:p>
+            <a:r>
+              <a:rPr lang="en-US" sz="1050" dirty="0"/>
+              <a:t> [5] "Activation, PPAR?"                                   </a:t>
+            </a:r>
+          </a:p>
+          <a:p>
+            <a:r>
+              <a:rPr lang="en-US" sz="1050" dirty="0"/>
+              <a:t> [6] "</a:t>
+            </a:r>
+            <a:r>
+              <a:rPr lang="en-US" sz="1050" dirty="0" err="1"/>
+              <a:t>Thyroperoxidase</a:t>
+            </a:r>
+            <a:r>
+              <a:rPr lang="en-US" sz="1050" dirty="0"/>
+              <a:t>, Inhibition"                         </a:t>
+            </a:r>
+          </a:p>
+          <a:p>
+            <a:r>
+              <a:rPr lang="en-US" sz="1050" dirty="0"/>
+              <a:t> [7] "Inhibition, Na+/I- symporter (NIS)"                  </a:t>
+            </a:r>
+          </a:p>
+          <a:p>
+            <a:r>
+              <a:rPr lang="en-US" sz="1050" dirty="0"/>
+              <a:t> [8] "Inhibition, </a:t>
+            </a:r>
+            <a:r>
+              <a:rPr lang="en-US" sz="1050" dirty="0" err="1"/>
+              <a:t>Iodotyrosine</a:t>
+            </a:r>
+            <a:r>
+              <a:rPr lang="en-US" sz="1050" dirty="0"/>
+              <a:t> deiodinase (IYD)"           </a:t>
+            </a:r>
+          </a:p>
+          <a:p>
+            <a:r>
+              <a:rPr lang="en-US" sz="1050" dirty="0"/>
+              <a:t> [9] "Decreased, Thyroidal iodide uptake"                  </a:t>
+            </a:r>
+          </a:p>
+          <a:p>
+            <a:r>
+              <a:rPr lang="en-US" sz="1050" dirty="0"/>
+              <a:t>[10] "Inhibition, Dual oxidase"</a:t>
+            </a:r>
+          </a:p>
+        </p:txBody>
+      </p:sp>
+      <p:sp>
+        <p:nvSpPr>
+          <p:cNvPr id="15" name="TextBox 14"/>
+          <p:cNvSpPr txBox="1"/>
+          <p:nvPr/>
+        </p:nvSpPr>
+        <p:spPr>
+          <a:xfrm>
+            <a:off x="4042144" y="5023619"/>
+            <a:ext cx="3177806" cy="1785104"/>
+          </a:xfrm>
+          <a:prstGeom prst="rect">
+            <a:avLst/>
+          </a:prstGeom>
+          <a:noFill/>
+        </p:spPr>
+        <p:txBody>
+          <a:bodyPr wrap="square" rtlCol="0">
+            <a:spAutoFit/>
+          </a:bodyPr>
+          <a:lstStyle/>
+          <a:p>
+            <a:r>
+              <a:rPr lang="en-US" sz="1100" dirty="0"/>
+              <a:t>[1] "Alterations, Food-web structures"             </a:t>
+            </a:r>
+          </a:p>
+          <a:p>
+            <a:r>
+              <a:rPr lang="en-US" sz="1100" dirty="0"/>
+              <a:t> [2] "Increased, Alterations of food-web structures"</a:t>
+            </a:r>
+          </a:p>
+          <a:p>
+            <a:r>
+              <a:rPr lang="en-US" sz="1100" dirty="0"/>
+              <a:t> [3] "Alteration, Food-web structures"              </a:t>
+            </a:r>
+          </a:p>
+          <a:p>
+            <a:r>
+              <a:rPr lang="en-US" sz="1100" dirty="0"/>
+              <a:t> [4] "Decline, Population"                          </a:t>
+            </a:r>
+          </a:p>
+          <a:p>
+            <a:r>
+              <a:rPr lang="en-US" sz="1100" dirty="0"/>
+              <a:t> [5] "Reproductive failure"                         </a:t>
+            </a:r>
+          </a:p>
+          <a:p>
+            <a:r>
+              <a:rPr lang="en-US" sz="1100" dirty="0"/>
+              <a:t> [6] "Death/Failure, Colony"                        </a:t>
+            </a:r>
+          </a:p>
+          <a:p>
+            <a:r>
+              <a:rPr lang="en-US" sz="1100" dirty="0"/>
+              <a:t> [7] "Weakened, Colony"                             </a:t>
+            </a:r>
+          </a:p>
+          <a:p>
+            <a:r>
+              <a:rPr lang="en-US" sz="1100" dirty="0"/>
+              <a:t> [8] "impaired, Hive thermoregulation"              </a:t>
+            </a:r>
+          </a:p>
+          <a:p>
+            <a:r>
+              <a:rPr lang="en-US" sz="1100" dirty="0"/>
+              <a:t> [9] "Decrease, Number of worker bees"              </a:t>
+            </a:r>
+          </a:p>
+          <a:p>
+            <a:r>
+              <a:rPr lang="en-US" sz="1100" dirty="0"/>
+              <a:t>[10] "impaired, Larval development"  </a:t>
+            </a:r>
+          </a:p>
+        </p:txBody>
+      </p:sp>
+      <p:sp>
+        <p:nvSpPr>
+          <p:cNvPr id="18" name="TextBox 17"/>
+          <p:cNvSpPr txBox="1"/>
+          <p:nvPr/>
+        </p:nvSpPr>
+        <p:spPr>
+          <a:xfrm>
+            <a:off x="0" y="4854342"/>
+            <a:ext cx="3562084" cy="1954381"/>
+          </a:xfrm>
+          <a:prstGeom prst="rect">
+            <a:avLst/>
+          </a:prstGeom>
+          <a:noFill/>
+        </p:spPr>
+        <p:txBody>
+          <a:bodyPr wrap="square" rtlCol="0">
+            <a:spAutoFit/>
+          </a:bodyPr>
+          <a:lstStyle/>
+          <a:p>
+            <a:r>
+              <a:rPr lang="en-US" sz="1100" dirty="0"/>
+              <a:t> [1] "Increase, Oxidative Stress"                                            </a:t>
+            </a:r>
+          </a:p>
+          <a:p>
+            <a:r>
+              <a:rPr lang="en-US" sz="1100" dirty="0"/>
+              <a:t> [2] "Increase, Pericardial edema"                                           </a:t>
+            </a:r>
+          </a:p>
+          <a:p>
+            <a:r>
+              <a:rPr lang="en-US" sz="1100" dirty="0"/>
+              <a:t> [3] "Altered, Cardiovascular development/function"                          </a:t>
+            </a:r>
+          </a:p>
+          <a:p>
+            <a:r>
+              <a:rPr lang="en-US" sz="1100" dirty="0"/>
+              <a:t> [4] "Up Regulation, CYP1A1"                                                 </a:t>
+            </a:r>
+          </a:p>
+          <a:p>
+            <a:r>
+              <a:rPr lang="en-US" sz="1100" dirty="0"/>
+              <a:t> [5] "Altered regulation, AHR nuclear translocator (ARNT)-dependent pathways"</a:t>
+            </a:r>
+          </a:p>
+          <a:p>
+            <a:r>
+              <a:rPr lang="en-US" sz="1100" dirty="0"/>
+              <a:t> [6] "Increase, Mortality"                                                   </a:t>
+            </a:r>
+          </a:p>
+          <a:p>
+            <a:r>
+              <a:rPr lang="en-US" sz="1100" dirty="0"/>
+              <a:t> [7] "N/A, Mitochondrial dysfunction 1"                                      </a:t>
+            </a:r>
+          </a:p>
+          <a:p>
+            <a:r>
+              <a:rPr lang="en-US" sz="1100" dirty="0"/>
+              <a:t> [8] "Activation, NADPH Oxidase"                                             </a:t>
+            </a:r>
+          </a:p>
+          <a:p>
+            <a:r>
+              <a:rPr lang="en-US" sz="1100" dirty="0"/>
+              <a:t> [9] "Activation, AHR"                                                       </a:t>
+            </a:r>
+          </a:p>
+          <a:p>
+            <a:r>
+              <a:rPr lang="en-US" sz="1100" dirty="0"/>
+              <a:t>[10] "Decline, Population"   </a:t>
+            </a:r>
+          </a:p>
+        </p:txBody>
+      </p:sp>
+    </p:spTree>
+    <p:extLst>
+      <p:ext uri="{BB962C8B-B14F-4D97-AF65-F5344CB8AC3E}">
+        <p14:creationId xmlns:p14="http://schemas.microsoft.com/office/powerpoint/2010/main" val="1921581218"/>
+      </p:ext>
+    </p:extLst>
+  </p:cSld>
+  <p:clrMapOvr>
+    <a:masterClrMapping/>
+  </p:clrMapOvr>
+</p:sld>
+</file>
+
+<file path=ppt/slides/slide34.xml><?xml version="1.0" encoding="utf-8"?>
+<p:sld xmlns:a="http://schemas.openxmlformats.org/drawingml/2006/main" xmlns:r="http://schemas.openxmlformats.org/officeDocument/2006/relationships" xmlns:p="http://schemas.openxmlformats.org/presentationml/2006/main">
+  <p:cSld>
+    <p:spTree>
+      <p:nvGrpSpPr>
+        <p:cNvPr id="1" name=""/>
+        <p:cNvGrpSpPr/>
+        <p:nvPr/>
+      </p:nvGrpSpPr>
+      <p:grpSpPr>
+        <a:xfrm>
+          <a:off x="0" y="0"/>
+          <a:ext cx="0" cy="0"/>
+          <a:chOff x="0" y="0"/>
+          <a:chExt cx="0" cy="0"/>
+        </a:xfrm>
+      </p:grpSpPr>
+      <p:sp>
+        <p:nvSpPr>
+          <p:cNvPr id="7" name="TextBox 6"/>
+          <p:cNvSpPr txBox="1"/>
+          <p:nvPr/>
+        </p:nvSpPr>
+        <p:spPr>
+          <a:xfrm>
+            <a:off x="5210175" y="20326"/>
+            <a:ext cx="1748790" cy="369332"/>
+          </a:xfrm>
+          <a:prstGeom prst="rect">
+            <a:avLst/>
+          </a:prstGeom>
+          <a:noFill/>
+        </p:spPr>
+        <p:txBody>
+          <a:bodyPr wrap="square" rtlCol="0">
+            <a:spAutoFit/>
+          </a:bodyPr>
+          <a:lstStyle/>
+          <a:p>
+            <a:pPr algn="ctr"/>
+            <a:r>
+              <a:rPr lang="en-US" dirty="0"/>
+              <a:t>In-closeness</a:t>
+            </a:r>
+          </a:p>
+        </p:txBody>
+      </p:sp>
+      <p:sp>
+        <p:nvSpPr>
+          <p:cNvPr id="8" name="TextBox 7"/>
+          <p:cNvSpPr txBox="1"/>
+          <p:nvPr/>
+        </p:nvSpPr>
+        <p:spPr>
+          <a:xfrm>
+            <a:off x="9304255" y="81234"/>
+            <a:ext cx="1604010" cy="369332"/>
+          </a:xfrm>
+          <a:prstGeom prst="rect">
+            <a:avLst/>
+          </a:prstGeom>
+          <a:noFill/>
+        </p:spPr>
+        <p:txBody>
+          <a:bodyPr wrap="square" rtlCol="0">
+            <a:spAutoFit/>
+          </a:bodyPr>
+          <a:lstStyle/>
+          <a:p>
+            <a:pPr algn="ctr"/>
+            <a:r>
+              <a:rPr lang="en-US" dirty="0"/>
+              <a:t>Out-closeness</a:t>
+            </a:r>
+          </a:p>
+        </p:txBody>
+      </p:sp>
+      <p:sp>
+        <p:nvSpPr>
+          <p:cNvPr id="11" name="TextBox 10"/>
+          <p:cNvSpPr txBox="1"/>
+          <p:nvPr/>
+        </p:nvSpPr>
+        <p:spPr>
+          <a:xfrm>
+            <a:off x="1282223" y="15002"/>
+            <a:ext cx="1748790" cy="369332"/>
+          </a:xfrm>
+          <a:prstGeom prst="rect">
+            <a:avLst/>
+          </a:prstGeom>
+          <a:noFill/>
+        </p:spPr>
+        <p:txBody>
+          <a:bodyPr wrap="square" rtlCol="0">
+            <a:spAutoFit/>
+          </a:bodyPr>
+          <a:lstStyle/>
+          <a:p>
+            <a:pPr algn="ctr"/>
+            <a:r>
+              <a:rPr lang="en-US" dirty="0"/>
+              <a:t>Total-closeness</a:t>
+            </a:r>
+          </a:p>
+        </p:txBody>
+      </p:sp>
+      <p:pic>
+        <p:nvPicPr>
+          <p:cNvPr id="20" name="Picture 19" descr="Screen Clipping"/>
+          <p:cNvPicPr>
+            <a:picLocks noChangeAspect="1"/>
+          </p:cNvPicPr>
+          <p:nvPr/>
+        </p:nvPicPr>
+        <p:blipFill>
+          <a:blip r:embed="rId2">
+            <a:extLst>
+              <a:ext uri="{28A0092B-C50C-407E-A947-70E740481C1C}">
+                <a14:useLocalDpi xmlns:a14="http://schemas.microsoft.com/office/drawing/2010/main" val="0"/>
+              </a:ext>
+            </a:extLst>
+          </a:blip>
+          <a:stretch>
+            <a:fillRect/>
+          </a:stretch>
+        </p:blipFill>
+        <p:spPr>
+          <a:xfrm>
+            <a:off x="3937173" y="402576"/>
+            <a:ext cx="4123052" cy="4074290"/>
+          </a:xfrm>
+          <a:prstGeom prst="rect">
+            <a:avLst/>
+          </a:prstGeom>
+        </p:spPr>
+      </p:pic>
+      <p:pic>
+        <p:nvPicPr>
+          <p:cNvPr id="13" name="Picture 12" descr="Screen Clipping"/>
+          <p:cNvPicPr>
+            <a:picLocks noChangeAspect="1"/>
+          </p:cNvPicPr>
+          <p:nvPr/>
+        </p:nvPicPr>
+        <p:blipFill>
+          <a:blip r:embed="rId3">
+            <a:extLst>
+              <a:ext uri="{28A0092B-C50C-407E-A947-70E740481C1C}">
+                <a14:useLocalDpi xmlns:a14="http://schemas.microsoft.com/office/drawing/2010/main" val="0"/>
+              </a:ext>
+            </a:extLst>
+          </a:blip>
+          <a:stretch>
+            <a:fillRect/>
+          </a:stretch>
+        </p:blipFill>
+        <p:spPr>
+          <a:xfrm>
+            <a:off x="0" y="450566"/>
+            <a:ext cx="4000036" cy="3936206"/>
+          </a:xfrm>
+          <a:prstGeom prst="rect">
+            <a:avLst/>
+          </a:prstGeom>
+        </p:spPr>
+      </p:pic>
+      <p:pic>
+        <p:nvPicPr>
+          <p:cNvPr id="2" name="Picture 1" descr="Screen Clipping"/>
+          <p:cNvPicPr>
+            <a:picLocks noChangeAspect="1"/>
+          </p:cNvPicPr>
+          <p:nvPr/>
+        </p:nvPicPr>
+        <p:blipFill>
+          <a:blip r:embed="rId4">
+            <a:extLst>
+              <a:ext uri="{28A0092B-C50C-407E-A947-70E740481C1C}">
+                <a14:useLocalDpi xmlns:a14="http://schemas.microsoft.com/office/drawing/2010/main" val="0"/>
+              </a:ext>
+            </a:extLst>
+          </a:blip>
+          <a:stretch>
+            <a:fillRect/>
+          </a:stretch>
+        </p:blipFill>
+        <p:spPr>
+          <a:xfrm>
+            <a:off x="8050701" y="415495"/>
+            <a:ext cx="4112142" cy="3971277"/>
+          </a:xfrm>
+          <a:prstGeom prst="rect">
+            <a:avLst/>
+          </a:prstGeom>
+        </p:spPr>
+      </p:pic>
+      <p:sp>
+        <p:nvSpPr>
+          <p:cNvPr id="19" name="TextBox 18"/>
+          <p:cNvSpPr txBox="1"/>
+          <p:nvPr/>
+        </p:nvSpPr>
+        <p:spPr>
+          <a:xfrm>
+            <a:off x="9262796" y="4921225"/>
+            <a:ext cx="2857500" cy="1869743"/>
+          </a:xfrm>
+          <a:prstGeom prst="rect">
+            <a:avLst/>
+          </a:prstGeom>
+          <a:noFill/>
+        </p:spPr>
+        <p:txBody>
+          <a:bodyPr wrap="square" rtlCol="0">
+            <a:spAutoFit/>
+          </a:bodyPr>
+          <a:lstStyle/>
+          <a:p>
+            <a:r>
+              <a:rPr lang="en-US" sz="1050" dirty="0"/>
+              <a:t> [1] "Suppression, Constitutive </a:t>
+            </a:r>
+            <a:r>
+              <a:rPr lang="en-US" sz="1050" dirty="0" err="1"/>
+              <a:t>androstane</a:t>
+            </a:r>
+            <a:r>
+              <a:rPr lang="en-US" sz="1050" dirty="0"/>
+              <a:t> receptor, NR1l3"</a:t>
+            </a:r>
+          </a:p>
+          <a:p>
+            <a:r>
+              <a:rPr lang="en-US" sz="1050" dirty="0"/>
+              <a:t> [2] "Activation, NRF2"                                    </a:t>
+            </a:r>
+          </a:p>
+          <a:p>
+            <a:r>
+              <a:rPr lang="en-US" sz="1050" dirty="0"/>
+              <a:t> [3] "Activation, NR1H4"                                   </a:t>
+            </a:r>
+          </a:p>
+          <a:p>
+            <a:r>
+              <a:rPr lang="en-US" sz="1050" dirty="0"/>
+              <a:t> [4] "Activation, AHR"                                     </a:t>
+            </a:r>
+          </a:p>
+          <a:p>
+            <a:r>
+              <a:rPr lang="en-US" sz="1050" dirty="0"/>
+              <a:t> [5] "Activation, PPAR?"                                   </a:t>
+            </a:r>
+          </a:p>
+          <a:p>
+            <a:r>
+              <a:rPr lang="en-US" sz="1050" dirty="0"/>
+              <a:t> [6] "</a:t>
+            </a:r>
+            <a:r>
+              <a:rPr lang="en-US" sz="1050" dirty="0" err="1"/>
+              <a:t>Thyroperoxidase</a:t>
+            </a:r>
+            <a:r>
+              <a:rPr lang="en-US" sz="1050" dirty="0"/>
+              <a:t>, Inhibition"                         </a:t>
+            </a:r>
+          </a:p>
+          <a:p>
+            <a:r>
+              <a:rPr lang="en-US" sz="1050" dirty="0"/>
+              <a:t> [7] "Inhibition, Na+/I- symporter (NIS)"                  </a:t>
+            </a:r>
+          </a:p>
+          <a:p>
+            <a:r>
+              <a:rPr lang="en-US" sz="1050" dirty="0"/>
+              <a:t> [8] "Inhibition, </a:t>
+            </a:r>
+            <a:r>
+              <a:rPr lang="en-US" sz="1050" dirty="0" err="1"/>
+              <a:t>Iodotyrosine</a:t>
+            </a:r>
+            <a:r>
+              <a:rPr lang="en-US" sz="1050" dirty="0"/>
+              <a:t> deiodinase (IYD)"           </a:t>
+            </a:r>
+          </a:p>
+          <a:p>
+            <a:r>
+              <a:rPr lang="en-US" sz="1050" dirty="0"/>
+              <a:t> [9] "Decreased, Thyroidal iodide uptake"                  </a:t>
+            </a:r>
+          </a:p>
+          <a:p>
+            <a:r>
+              <a:rPr lang="en-US" sz="1050" dirty="0"/>
+              <a:t>[10] "Inhibition, Dual oxidase"</a:t>
+            </a:r>
+          </a:p>
+        </p:txBody>
+      </p:sp>
+      <p:sp>
+        <p:nvSpPr>
+          <p:cNvPr id="21" name="TextBox 20"/>
+          <p:cNvSpPr txBox="1"/>
+          <p:nvPr/>
+        </p:nvSpPr>
+        <p:spPr>
+          <a:xfrm>
+            <a:off x="4042144" y="5023619"/>
+            <a:ext cx="3177806" cy="1785104"/>
+          </a:xfrm>
+          <a:prstGeom prst="rect">
+            <a:avLst/>
+          </a:prstGeom>
+          <a:noFill/>
+        </p:spPr>
+        <p:txBody>
+          <a:bodyPr wrap="square" rtlCol="0">
+            <a:spAutoFit/>
+          </a:bodyPr>
+          <a:lstStyle/>
+          <a:p>
+            <a:r>
+              <a:rPr lang="en-US" sz="1100" dirty="0"/>
+              <a:t>[1] "Alterations, Food-web structures"             </a:t>
+            </a:r>
+          </a:p>
+          <a:p>
+            <a:r>
+              <a:rPr lang="en-US" sz="1100" dirty="0"/>
+              <a:t> [2] "Increased, Alterations of food-web structures"</a:t>
+            </a:r>
+          </a:p>
+          <a:p>
+            <a:r>
+              <a:rPr lang="en-US" sz="1100" dirty="0"/>
+              <a:t> [3] "Alteration, Food-web structures"              </a:t>
+            </a:r>
+          </a:p>
+          <a:p>
+            <a:r>
+              <a:rPr lang="en-US" sz="1100" dirty="0"/>
+              <a:t> [4] "Decline, Population"                          </a:t>
+            </a:r>
+          </a:p>
+          <a:p>
+            <a:r>
+              <a:rPr lang="en-US" sz="1100" dirty="0"/>
+              <a:t> [5] "Reproductive failure"                         </a:t>
+            </a:r>
+          </a:p>
+          <a:p>
+            <a:r>
+              <a:rPr lang="en-US" sz="1100" dirty="0"/>
+              <a:t> [6] "Death/Failure, Colony"                        </a:t>
+            </a:r>
+          </a:p>
+          <a:p>
+            <a:r>
+              <a:rPr lang="en-US" sz="1100" dirty="0"/>
+              <a:t> [7] "Weakened, Colony"                             </a:t>
+            </a:r>
+          </a:p>
+          <a:p>
+            <a:r>
+              <a:rPr lang="en-US" sz="1100" dirty="0"/>
+              <a:t> [8] "impaired, Hive thermoregulation"              </a:t>
+            </a:r>
+          </a:p>
+          <a:p>
+            <a:r>
+              <a:rPr lang="en-US" sz="1100" dirty="0"/>
+              <a:t> [9] "Decrease, Number of worker bees"              </a:t>
+            </a:r>
+          </a:p>
+          <a:p>
+            <a:r>
+              <a:rPr lang="en-US" sz="1100" dirty="0"/>
+              <a:t>[10] "impaired, Larval development"  </a:t>
+            </a:r>
+          </a:p>
+        </p:txBody>
+      </p:sp>
+      <p:sp>
+        <p:nvSpPr>
+          <p:cNvPr id="22" name="TextBox 21"/>
+          <p:cNvSpPr txBox="1"/>
+          <p:nvPr/>
+        </p:nvSpPr>
+        <p:spPr>
+          <a:xfrm>
+            <a:off x="0" y="4854342"/>
+            <a:ext cx="3562084" cy="1954381"/>
+          </a:xfrm>
+          <a:prstGeom prst="rect">
+            <a:avLst/>
+          </a:prstGeom>
+          <a:noFill/>
+        </p:spPr>
+        <p:txBody>
+          <a:bodyPr wrap="square" rtlCol="0">
+            <a:spAutoFit/>
+          </a:bodyPr>
+          <a:lstStyle/>
+          <a:p>
+            <a:r>
+              <a:rPr lang="en-US" sz="1100" dirty="0"/>
+              <a:t> [1] "Increase, Oxidative Stress"                                            </a:t>
+            </a:r>
+          </a:p>
+          <a:p>
+            <a:r>
+              <a:rPr lang="en-US" sz="1100" dirty="0"/>
+              <a:t> [2] "Increase, Pericardial edema"                                           </a:t>
+            </a:r>
+          </a:p>
+          <a:p>
+            <a:r>
+              <a:rPr lang="en-US" sz="1100" dirty="0"/>
+              <a:t> [3] "Altered, Cardiovascular development/function"                          </a:t>
+            </a:r>
+          </a:p>
+          <a:p>
+            <a:r>
+              <a:rPr lang="en-US" sz="1100" dirty="0"/>
+              <a:t> [4] "Up Regulation, CYP1A1"                                                 </a:t>
+            </a:r>
+          </a:p>
+          <a:p>
+            <a:r>
+              <a:rPr lang="en-US" sz="1100" dirty="0"/>
+              <a:t> [5] "Altered regulation, AHR nuclear translocator (ARNT)-dependent pathways"</a:t>
+            </a:r>
+          </a:p>
+          <a:p>
+            <a:r>
+              <a:rPr lang="en-US" sz="1100" dirty="0"/>
+              <a:t> [6] "Increase, Mortality"                                                   </a:t>
+            </a:r>
+          </a:p>
+          <a:p>
+            <a:r>
+              <a:rPr lang="en-US" sz="1100" dirty="0"/>
+              <a:t> [7] "N/A, Mitochondrial dysfunction 1"                                      </a:t>
+            </a:r>
+          </a:p>
+          <a:p>
+            <a:r>
+              <a:rPr lang="en-US" sz="1100" dirty="0"/>
+              <a:t> [8] "Activation, NADPH Oxidase"                                             </a:t>
+            </a:r>
+          </a:p>
+          <a:p>
+            <a:r>
+              <a:rPr lang="en-US" sz="1100" dirty="0"/>
+              <a:t> [9] "Activation, AHR"                                                       </a:t>
+            </a:r>
+          </a:p>
+          <a:p>
+            <a:r>
+              <a:rPr lang="en-US" sz="1100" dirty="0"/>
+              <a:t>[10] "Decline, Population"   </a:t>
+            </a:r>
+          </a:p>
+        </p:txBody>
+      </p:sp>
+    </p:spTree>
+    <p:extLst>
+      <p:ext uri="{BB962C8B-B14F-4D97-AF65-F5344CB8AC3E}">
+        <p14:creationId xmlns:p14="http://schemas.microsoft.com/office/powerpoint/2010/main" val="4251017910"/>
+      </p:ext>
+    </p:extLst>
+  </p:cSld>
+  <p:clrMapOvr>
+    <a:masterClrMapping/>
+  </p:clrMapOvr>
+  <mc:AlternateContent xmlns:mc="http://schemas.openxmlformats.org/markup-compatibility/2006">
+    <mc:Choice xmlns:p159="http://schemas.microsoft.com/office/powerpoint/2015/09/main" Requires="p159">
+      <p:transition xmlns:p14="http://schemas.microsoft.com/office/powerpoint/2010/main" spd="slow" p14:dur="2000">
+        <p159:morph option="byObject"/>
+      </p:transition>
+    </mc:Choice>
+    <mc:Fallback>
+      <p:transition spd="slow">
+        <p:fade/>
+      </p:transition>
+    </mc:Fallback>
+  </mc:AlternateContent>
+</p:sld>
+</file>
+
+<file path=ppt/slides/slide35.xml><?xml version="1.0" encoding="utf-8"?>
+<p:sld xmlns:a="http://schemas.openxmlformats.org/drawingml/2006/main" xmlns:r="http://schemas.openxmlformats.org/officeDocument/2006/relationships" xmlns:p="http://schemas.openxmlformats.org/presentationml/2006/main">
+  <p:cSld>
+    <p:spTree>
+      <p:nvGrpSpPr>
+        <p:cNvPr id="1" name=""/>
+        <p:cNvGrpSpPr/>
+        <p:nvPr/>
+      </p:nvGrpSpPr>
+      <p:grpSpPr>
+        <a:xfrm>
+          <a:off x="0" y="0"/>
+          <a:ext cx="0" cy="0"/>
+          <a:chOff x="0" y="0"/>
+          <a:chExt cx="0" cy="0"/>
+        </a:xfrm>
+      </p:grpSpPr>
       <p:sp>
         <p:nvSpPr>
           <p:cNvPr id="2" name="Title 1"/>
@@ -11539,19 +13318,19 @@
         </p:nvSpPr>
         <p:spPr>
           <a:xfrm>
-            <a:off x="7395887" y="141526"/>
+            <a:off x="583607" y="375993"/>
             <a:ext cx="3932237" cy="739074"/>
           </a:xfrm>
         </p:spPr>
         <p:txBody>
           <a:bodyPr>
-            <a:normAutofit/>
+            <a:normAutofit fontScale="90000"/>
           </a:bodyPr>
           <a:lstStyle/>
           <a:p>
             <a:r>
               <a:rPr lang="en-US" dirty="0"/>
-              <a:t>Eccentricity Map</a:t>
+              <a:t>Closeness in the AOP context</a:t>
             </a:r>
           </a:p>
         </p:txBody>
@@ -11568,7 +13347,7 @@
         </p:nvSpPr>
         <p:spPr>
           <a:xfrm>
-            <a:off x="7395887" y="880599"/>
+            <a:off x="583607" y="1115066"/>
             <a:ext cx="4382531" cy="5940253"/>
           </a:xfrm>
         </p:spPr>
@@ -11578,25 +13357,68 @@
           </a:bodyPr>
           <a:lstStyle/>
           <a:p>
-            <a:r>
-              <a:rPr lang="en-US" i="1" dirty="0"/>
-              <a:t>Eccentricity</a:t>
-            </a:r>
-            <a:r>
-              <a:rPr lang="en-US" dirty="0"/>
-              <a:t> is defined to be maximum of the shortest path lengths between a given node and all other nodes in the network.  </a:t>
-            </a:r>
-          </a:p>
-          <a:p>
-            <a:r>
-              <a:rPr lang="en-US" dirty="0"/>
-              <a:t>Eccentricity values indicate which nodes may the most difficult to reach within a network.  </a:t>
-            </a:r>
-          </a:p>
-          <a:p>
-            <a:r>
-              <a:rPr lang="en-US" dirty="0"/>
-              <a:t>In a disconnected network, if no paths between nodes exist, this would lead to infinite eccentricity values, however, if eccentricity is calculated within components, infinite values can be avoided.</a:t>
+            <a:pPr marL="342900" indent="-342900">
+              <a:buClr>
+                <a:srgbClr val="7030A0"/>
+              </a:buClr>
+              <a:buFont typeface="Arial" panose="020B0604020202020204" pitchFamily="34" charset="0"/>
+              <a:buChar char="•"/>
+            </a:pPr>
+            <a:r>
+              <a:rPr lang="en-US" sz="2000" dirty="0"/>
+              <a:t>When paths are considered without direction, closeness does not seem to distinguish well between KEs, other than to point out the relevance of knowing the Component structure of the network</a:t>
+            </a:r>
+          </a:p>
+          <a:p>
+            <a:pPr marL="342900" indent="-342900">
+              <a:buClr>
+                <a:srgbClr val="7030A0"/>
+              </a:buClr>
+              <a:buFont typeface="Arial" panose="020B0604020202020204" pitchFamily="34" charset="0"/>
+              <a:buChar char="•"/>
+            </a:pPr>
+            <a:r>
+              <a:rPr lang="en-US" sz="2000" dirty="0"/>
+              <a:t>When in- and out-closeness are considered, we see that the effect of the component structure is still present, but not as dramatically</a:t>
+            </a:r>
+          </a:p>
+          <a:p>
+            <a:pPr marL="342900" indent="-342900">
+              <a:buClr>
+                <a:srgbClr val="7030A0"/>
+              </a:buClr>
+              <a:buFont typeface="Arial" panose="020B0604020202020204" pitchFamily="34" charset="0"/>
+              <a:buChar char="•"/>
+            </a:pPr>
+            <a:r>
+              <a:rPr lang="en-US" sz="2000" dirty="0"/>
+              <a:t>In-closeness determines those KEs with the average shortest paths upstream</a:t>
+            </a:r>
+          </a:p>
+          <a:p>
+            <a:pPr marL="342900" indent="-342900">
+              <a:buClr>
+                <a:srgbClr val="7030A0"/>
+              </a:buClr>
+              <a:buFont typeface="Arial" panose="020B0604020202020204" pitchFamily="34" charset="0"/>
+              <a:buChar char="•"/>
+            </a:pPr>
+            <a:r>
+              <a:rPr lang="en-US" sz="2000" dirty="0"/>
+              <a:t>Out-closeness determines those KEs with the average shortest paths downstream</a:t>
+            </a:r>
+          </a:p>
+          <a:p>
+            <a:pPr marL="342900" indent="-342900">
+              <a:buClr>
+                <a:srgbClr val="7030A0"/>
+              </a:buClr>
+              <a:buFont typeface="Arial" panose="020B0604020202020204" pitchFamily="34" charset="0"/>
+              <a:buChar char="•"/>
+            </a:pPr>
+            <a:r>
+              <a:rPr lang="en-US" sz="2000" dirty="0"/>
+              <a:t>These analyses may gain relevance by considering MIE to AO paths</a:t>
             </a:r>
           </a:p>
         </p:txBody>
@@ -11623,6 +13445,302 @@
         </p:blipFill>
         <p:spPr>
           <a:xfrm>
+            <a:off x="5545776" y="230498"/>
+            <a:ext cx="3166831" cy="3116296"/>
+          </a:xfrm>
+          <a:prstGeom prst="rect">
+            <a:avLst/>
+          </a:prstGeom>
+        </p:spPr>
+      </p:pic>
+      <p:sp>
+        <p:nvSpPr>
+          <p:cNvPr id="5" name="TextBox 4"/>
+          <p:cNvSpPr txBox="1"/>
+          <p:nvPr/>
+        </p:nvSpPr>
+        <p:spPr>
+          <a:xfrm>
+            <a:off x="6103475" y="53149"/>
+            <a:ext cx="2173062" cy="461665"/>
+          </a:xfrm>
+          <a:prstGeom prst="rect">
+            <a:avLst/>
+          </a:prstGeom>
+          <a:noFill/>
+        </p:spPr>
+        <p:txBody>
+          <a:bodyPr wrap="square" rtlCol="0">
+            <a:spAutoFit/>
+          </a:bodyPr>
+          <a:lstStyle/>
+          <a:p>
+            <a:pPr algn="ctr"/>
+            <a:r>
+              <a:rPr lang="en-US" sz="2400" dirty="0"/>
+              <a:t>Total closeness</a:t>
+            </a:r>
+          </a:p>
+        </p:txBody>
+      </p:sp>
+      <p:pic>
+        <p:nvPicPr>
+          <p:cNvPr id="7" name="Picture 6" descr="Screen Clipping"/>
+          <p:cNvPicPr>
+            <a:picLocks noChangeAspect="1"/>
+          </p:cNvPicPr>
+          <p:nvPr/>
+        </p:nvPicPr>
+        <p:blipFill>
+          <a:blip r:embed="rId3">
+            <a:extLst>
+              <a:ext uri="{28A0092B-C50C-407E-A947-70E740481C1C}">
+                <a14:useLocalDpi xmlns:a14="http://schemas.microsoft.com/office/drawing/2010/main" val="0"/>
+              </a:ext>
+            </a:extLst>
+          </a:blip>
+          <a:stretch>
+            <a:fillRect/>
+          </a:stretch>
+        </p:blipFill>
+        <p:spPr>
+          <a:xfrm>
+            <a:off x="8646271" y="1781312"/>
+            <a:ext cx="3407686" cy="3367384"/>
+          </a:xfrm>
+          <a:prstGeom prst="rect">
+            <a:avLst/>
+          </a:prstGeom>
+        </p:spPr>
+      </p:pic>
+      <p:pic>
+        <p:nvPicPr>
+          <p:cNvPr id="9" name="Picture 8" descr="Screen Clipping"/>
+          <p:cNvPicPr>
+            <a:picLocks noChangeAspect="1"/>
+          </p:cNvPicPr>
+          <p:nvPr/>
+        </p:nvPicPr>
+        <p:blipFill>
+          <a:blip r:embed="rId4">
+            <a:extLst>
+              <a:ext uri="{28A0092B-C50C-407E-A947-70E740481C1C}">
+                <a14:useLocalDpi xmlns:a14="http://schemas.microsoft.com/office/drawing/2010/main" val="0"/>
+              </a:ext>
+            </a:extLst>
+          </a:blip>
+          <a:stretch>
+            <a:fillRect/>
+          </a:stretch>
+        </p:blipFill>
+        <p:spPr>
+          <a:xfrm>
+            <a:off x="5556716" y="3611309"/>
+            <a:ext cx="3266580" cy="3154680"/>
+          </a:xfrm>
+          <a:prstGeom prst="rect">
+            <a:avLst/>
+          </a:prstGeom>
+        </p:spPr>
+      </p:pic>
+      <p:sp>
+        <p:nvSpPr>
+          <p:cNvPr id="6" name="TextBox 5"/>
+          <p:cNvSpPr txBox="1"/>
+          <p:nvPr/>
+        </p:nvSpPr>
+        <p:spPr>
+          <a:xfrm>
+            <a:off x="9402935" y="1550479"/>
+            <a:ext cx="1894358" cy="461665"/>
+          </a:xfrm>
+          <a:prstGeom prst="rect">
+            <a:avLst/>
+          </a:prstGeom>
+          <a:noFill/>
+        </p:spPr>
+        <p:txBody>
+          <a:bodyPr wrap="square" rtlCol="0">
+            <a:spAutoFit/>
+          </a:bodyPr>
+          <a:lstStyle/>
+          <a:p>
+            <a:pPr algn="ctr"/>
+            <a:r>
+              <a:rPr lang="en-US" sz="2400" dirty="0"/>
+              <a:t>In-closeness</a:t>
+            </a:r>
+          </a:p>
+        </p:txBody>
+      </p:sp>
+      <p:sp>
+        <p:nvSpPr>
+          <p:cNvPr id="8" name="TextBox 7"/>
+          <p:cNvSpPr txBox="1"/>
+          <p:nvPr/>
+        </p:nvSpPr>
+        <p:spPr>
+          <a:xfrm>
+            <a:off x="6091656" y="3380476"/>
+            <a:ext cx="2075069" cy="461665"/>
+          </a:xfrm>
+          <a:prstGeom prst="rect">
+            <a:avLst/>
+          </a:prstGeom>
+          <a:noFill/>
+        </p:spPr>
+        <p:txBody>
+          <a:bodyPr wrap="square" rtlCol="0">
+            <a:spAutoFit/>
+          </a:bodyPr>
+          <a:lstStyle/>
+          <a:p>
+            <a:pPr algn="ctr"/>
+            <a:r>
+              <a:rPr lang="en-US" sz="2400" dirty="0"/>
+              <a:t>Out-closeness</a:t>
+            </a:r>
+          </a:p>
+        </p:txBody>
+      </p:sp>
+    </p:spTree>
+    <p:extLst>
+      <p:ext uri="{BB962C8B-B14F-4D97-AF65-F5344CB8AC3E}">
+        <p14:creationId xmlns:p14="http://schemas.microsoft.com/office/powerpoint/2010/main" val="2846615369"/>
+      </p:ext>
+    </p:extLst>
+  </p:cSld>
+  <p:clrMapOvr>
+    <a:masterClrMapping/>
+  </p:clrMapOvr>
+  <mc:AlternateContent xmlns:mc="http://schemas.openxmlformats.org/markup-compatibility/2006" xmlns:p159="http://schemas.microsoft.com/office/powerpoint/2015/09/main">
+    <mc:Choice Requires="p159">
+      <p:transition spd="slow">
+        <p159:morph option="byObject"/>
+      </p:transition>
+    </mc:Choice>
+    <mc:Fallback xmlns="">
+      <p:transition spd="slow">
+        <p:fade/>
+      </p:transition>
+    </mc:Fallback>
+  </mc:AlternateContent>
+</p:sld>
+</file>
+
+<file path=ppt/slides/slide36.xml><?xml version="1.0" encoding="utf-8"?>
+<p:sld xmlns:a="http://schemas.openxmlformats.org/drawingml/2006/main" xmlns:r="http://schemas.openxmlformats.org/officeDocument/2006/relationships" xmlns:p="http://schemas.openxmlformats.org/presentationml/2006/main">
+  <p:cSld>
+    <p:spTree>
+      <p:nvGrpSpPr>
+        <p:cNvPr id="1" name=""/>
+        <p:cNvGrpSpPr/>
+        <p:nvPr/>
+      </p:nvGrpSpPr>
+      <p:grpSpPr>
+        <a:xfrm>
+          <a:off x="0" y="0"/>
+          <a:ext cx="0" cy="0"/>
+          <a:chOff x="0" y="0"/>
+          <a:chExt cx="0" cy="0"/>
+        </a:xfrm>
+      </p:grpSpPr>
+      <p:sp>
+        <p:nvSpPr>
+          <p:cNvPr id="2" name="Title 1"/>
+          <p:cNvSpPr>
+            <a:spLocks noGrp="1"/>
+          </p:cNvSpPr>
+          <p:nvPr>
+            <p:ph type="title"/>
+          </p:nvPr>
+        </p:nvSpPr>
+        <p:spPr>
+          <a:xfrm>
+            <a:off x="7395887" y="141526"/>
+            <a:ext cx="3932237" cy="739074"/>
+          </a:xfrm>
+        </p:spPr>
+        <p:txBody>
+          <a:bodyPr>
+            <a:normAutofit/>
+          </a:bodyPr>
+          <a:lstStyle/>
+          <a:p>
+            <a:r>
+              <a:rPr lang="en-US" dirty="0"/>
+              <a:t>Eccentricity Map</a:t>
+            </a:r>
+          </a:p>
+        </p:txBody>
+      </p:sp>
+      <p:sp>
+        <p:nvSpPr>
+          <p:cNvPr id="4" name="Text Placeholder 3"/>
+          <p:cNvSpPr>
+            <a:spLocks noGrp="1"/>
+          </p:cNvSpPr>
+          <p:nvPr>
+            <p:ph type="body" sz="half" idx="2"/>
+          </p:nvPr>
+        </p:nvSpPr>
+        <p:spPr>
+          <a:xfrm>
+            <a:off x="7395887" y="880599"/>
+            <a:ext cx="4382531" cy="5940253"/>
+          </a:xfrm>
+        </p:spPr>
+        <p:txBody>
+          <a:bodyPr>
+            <a:normAutofit/>
+          </a:bodyPr>
+          <a:lstStyle/>
+          <a:p>
+            <a:r>
+              <a:rPr lang="en-US" i="1" dirty="0"/>
+              <a:t>Eccentricity</a:t>
+            </a:r>
+            <a:r>
+              <a:rPr lang="en-US" dirty="0"/>
+              <a:t> is defined to be maximum of the shortest path lengths between a given node and all other nodes in the network.  </a:t>
+            </a:r>
+          </a:p>
+          <a:p>
+            <a:r>
+              <a:rPr lang="en-US" dirty="0"/>
+              <a:t>Eccentricity values indicate which nodes may the most difficult to reach within a network.  </a:t>
+            </a:r>
+          </a:p>
+          <a:p>
+            <a:r>
+              <a:rPr lang="en-US" dirty="0"/>
+              <a:t>In a disconnected network, if no paths between nodes exist, this would lead to infinite eccentricity values, however, if eccentricity is calculated within components, infinite values can be avoided.</a:t>
+            </a:r>
+          </a:p>
+        </p:txBody>
+      </p:sp>
+      <p:pic>
+        <p:nvPicPr>
+          <p:cNvPr id="3" name="Picture 2" descr="Screen Clipping"/>
+          <p:cNvPicPr>
+            <a:picLocks noChangeAspect="1"/>
+          </p:cNvPicPr>
+          <p:nvPr/>
+        </p:nvPicPr>
+        <p:blipFill>
+          <a:blip r:embed="rId2">
+            <a:extLst>
+              <a:ext uri="{28A0092B-C50C-407E-A947-70E740481C1C}">
+                <a14:useLocalDpi xmlns:a14="http://schemas.microsoft.com/office/drawing/2010/main" val="0"/>
+              </a:ext>
+            </a:extLst>
+          </a:blip>
+          <a:stretch>
+            <a:fillRect/>
+          </a:stretch>
+        </p:blipFill>
+        <p:spPr>
+          <a:xfrm>
             <a:off x="277716" y="141526"/>
             <a:ext cx="6667877" cy="6533083"/>
           </a:xfrm>
@@ -11644,7 +13762,7 @@
 </p:sld>
 </file>
 
-<file path=ppt/slides/slide34.xml><?xml version="1.0" encoding="utf-8"?>
+<file path=ppt/slides/slide37.xml><?xml version="1.0" encoding="utf-8"?>
 <p:sld xmlns:a="http://schemas.openxmlformats.org/drawingml/2006/main" xmlns:r="http://schemas.openxmlformats.org/officeDocument/2006/relationships" xmlns:p="http://schemas.openxmlformats.org/presentationml/2006/main">
   <p:cSld>
     <p:spTree>
@@ -11861,13 +13979,13 @@
   <p:clrMapOvr>
     <a:masterClrMapping/>
   </p:clrMapOvr>
-  <mc:AlternateContent xmlns:mc="http://schemas.openxmlformats.org/markup-compatibility/2006">
-    <mc:Choice xmlns:p159="http://schemas.microsoft.com/office/powerpoint/2015/09/main" Requires="p159">
+  <mc:AlternateContent xmlns:mc="http://schemas.openxmlformats.org/markup-compatibility/2006" xmlns:p159="http://schemas.microsoft.com/office/powerpoint/2015/09/main">
+    <mc:Choice Requires="p159">
       <p:transition xmlns:p14="http://schemas.microsoft.com/office/powerpoint/2010/main" spd="slow" p14:dur="1500">
         <p159:morph option="byObject"/>
       </p:transition>
     </mc:Choice>
-    <mc:Fallback>
+    <mc:Fallback xmlns="">
       <p:transition spd="slow">
         <p:fade/>
       </p:transition>
@@ -11876,7 +13994,7 @@
 </p:sld>
 </file>
 
-<file path=ppt/slides/slide35.xml><?xml version="1.0" encoding="utf-8"?>
+<file path=ppt/slides/slide38.xml><?xml version="1.0" encoding="utf-8"?>
 <p:sld xmlns:a="http://schemas.openxmlformats.org/drawingml/2006/main" xmlns:r="http://schemas.openxmlformats.org/officeDocument/2006/relationships" xmlns:p="http://schemas.openxmlformats.org/presentationml/2006/main">
   <p:cSld>
     <p:spTree>
@@ -11895,77 +14013,285 @@
       </p:grpSpPr>
       <p:sp>
         <p:nvSpPr>
-          <p:cNvPr id="4" name="Text Placeholder 3"/>
-          <p:cNvSpPr>
-            <a:spLocks noGrp="1"/>
-          </p:cNvSpPr>
-          <p:nvPr>
-            <p:ph type="body" sz="half" idx="2"/>
-          </p:nvPr>
-        </p:nvSpPr>
-        <p:spPr>
-          <a:xfrm>
-            <a:off x="663617" y="2069319"/>
-            <a:ext cx="5965783" cy="4640091"/>
-          </a:xfrm>
-        </p:spPr>
-        <p:txBody>
-          <a:bodyPr>
-            <a:normAutofit/>
+          <p:cNvPr id="6" name="Rectangle 5"/>
+          <p:cNvSpPr/>
+          <p:nvPr/>
+        </p:nvSpPr>
+        <p:spPr>
+          <a:xfrm>
+            <a:off x="301532" y="4517526"/>
+            <a:ext cx="3280410" cy="1954381"/>
+          </a:xfrm>
+          <a:prstGeom prst="rect">
+            <a:avLst/>
+          </a:prstGeom>
+        </p:spPr>
+        <p:txBody>
+          <a:bodyPr wrap="square">
+            <a:spAutoFit/>
           </a:bodyPr>
           <a:lstStyle/>
           <a:p>
-            <a:pPr marL="285750" indent="-285750">
-              <a:buClr>
-                <a:srgbClr val="47E3E3"/>
-              </a:buClr>
-              <a:buFont typeface="Arial" panose="020B0604020202020204" pitchFamily="34" charset="0"/>
-              <a:buChar char="•"/>
-            </a:pPr>
-            <a:r>
-              <a:rPr lang="en-US" dirty="0"/>
-              <a:t>Eccentricity for AOPs and AOP network analysis should include direction in order to make it more contextually relevant</a:t>
-            </a:r>
-          </a:p>
-          <a:p>
-            <a:pPr marL="285750" indent="-285750">
-              <a:buClr>
-                <a:srgbClr val="47E3E3"/>
-              </a:buClr>
-              <a:buFont typeface="Arial" panose="020B0604020202020204" pitchFamily="34" charset="0"/>
-              <a:buChar char="•"/>
-            </a:pPr>
-            <a:r>
-              <a:rPr lang="en-US" dirty="0"/>
-              <a:t>In an AOP network with direction considered, eccentricity could identify which MIEs or AOs stand-out as being the furthest away from the rest of the KEs in the network.  </a:t>
-            </a:r>
-          </a:p>
-          <a:p>
-            <a:pPr marL="285750" indent="-285750">
-              <a:buClr>
-                <a:srgbClr val="47E3E3"/>
-              </a:buClr>
-              <a:buFont typeface="Arial" panose="020B0604020202020204" pitchFamily="34" charset="0"/>
-              <a:buChar char="•"/>
-            </a:pPr>
-            <a:r>
-              <a:rPr lang="en-US" dirty="0"/>
-              <a:t>Since distance is not well defined currently, metrics like betweenness, closeness, and eccentricity can be more meaningful in a </a:t>
-            </a:r>
-            <a:r>
-              <a:rPr lang="en-US" dirty="0" err="1"/>
-              <a:t>qAOP</a:t>
-            </a:r>
-            <a:r>
-              <a:rPr lang="en-US" dirty="0"/>
-              <a:t> context where ‘distance’ may indicate time course data or probabilistic activation of KEs.</a:t>
+            <a:r>
+              <a:rPr lang="en-US" sz="1100" dirty="0"/>
+              <a:t> [1] "N/A, Reproductive failure"                                     </a:t>
+            </a:r>
+          </a:p>
+          <a:p>
+            <a:r>
+              <a:rPr lang="en-US" sz="1100" dirty="0"/>
+              <a:t> [2] "Inhibition, 4-hydroxyphenyl-pyruvate dioxygenase (HPPD) enzyme"</a:t>
+            </a:r>
+          </a:p>
+          <a:p>
+            <a:r>
+              <a:rPr lang="en-US" sz="1100" dirty="0"/>
+              <a:t> [3] "Activation, Glucocorticoid Receptor"                           </a:t>
+            </a:r>
+          </a:p>
+          <a:p>
+            <a:r>
+              <a:rPr lang="en-US" sz="1100" dirty="0"/>
+              <a:t> [4] "Increased, Plasma tyrosine"                                    </a:t>
+            </a:r>
+          </a:p>
+          <a:p>
+            <a:r>
+              <a:rPr lang="en-US" sz="1100" dirty="0"/>
+              <a:t> [5] "Induction, IKB inhibitory protein"                             </a:t>
+            </a:r>
+          </a:p>
+          <a:p>
+            <a:r>
+              <a:rPr lang="en-US" sz="1100" dirty="0"/>
+              <a:t> [6] "Reduction, Eggshell thickness"                                 </a:t>
+            </a:r>
+          </a:p>
+          <a:p>
+            <a:r>
+              <a:rPr lang="en-US" sz="1100" dirty="0"/>
+              <a:t> [7] "N/A, Breast Cancer"                                            </a:t>
+            </a:r>
+          </a:p>
+          <a:p>
+            <a:r>
+              <a:rPr lang="en-US" sz="1100" dirty="0"/>
+              <a:t> [8] "Increased, Second Messenger Production"                        </a:t>
+            </a:r>
+          </a:p>
+          <a:p>
+            <a:r>
+              <a:rPr lang="en-US" sz="1100" dirty="0"/>
+              <a:t> [9] "Increased, Migration (Endothelial Cells)"                      </a:t>
+            </a:r>
+          </a:p>
+          <a:p>
+            <a:r>
+              <a:rPr lang="en-US" sz="1100" dirty="0"/>
+              <a:t>[10] "Increase, Cell Proliferation (Epithelial Cells)" </a:t>
+            </a:r>
+          </a:p>
+        </p:txBody>
+      </p:sp>
+      <p:sp>
+        <p:nvSpPr>
+          <p:cNvPr id="8" name="Rectangle 7"/>
+          <p:cNvSpPr/>
+          <p:nvPr/>
+        </p:nvSpPr>
+        <p:spPr>
+          <a:xfrm>
+            <a:off x="4197871" y="526955"/>
+            <a:ext cx="3463290" cy="2292935"/>
+          </a:xfrm>
+          <a:prstGeom prst="rect">
+            <a:avLst/>
+          </a:prstGeom>
+        </p:spPr>
+        <p:txBody>
+          <a:bodyPr wrap="square">
+            <a:spAutoFit/>
+          </a:bodyPr>
+          <a:lstStyle/>
+          <a:p>
+            <a:r>
+              <a:rPr lang="en-US" sz="1100" dirty="0"/>
+              <a:t>[1] "Tumorigenesis, Hepatocellular carcinoma"                                                    </a:t>
+            </a:r>
+          </a:p>
+          <a:p>
+            <a:r>
+              <a:rPr lang="en-US" sz="1100" dirty="0"/>
+              <a:t> [2] "Clonal Expansion/Cell Proliferation, to form Altered Hepatic Foci (AHF)"                    </a:t>
+            </a:r>
+          </a:p>
+          <a:p>
+            <a:r>
+              <a:rPr lang="en-US" sz="1100" dirty="0"/>
+              <a:t> [3] "Increased, Clonal Expansion / Cell </a:t>
+            </a:r>
+            <a:r>
+              <a:rPr lang="en-US" sz="1100" dirty="0" err="1"/>
+              <a:t>Proliferatin</a:t>
+            </a:r>
+            <a:r>
+              <a:rPr lang="en-US" sz="1100" dirty="0"/>
+              <a:t> to form Pre-Neoplastic Altered Hepatic Foci"</a:t>
+            </a:r>
+          </a:p>
+          <a:p>
+            <a:r>
+              <a:rPr lang="en-US" sz="1100" dirty="0"/>
+              <a:t> [4] "Increased, Proliferation/Clonal Expansion of Mutant Cells (Pre-Neoplastic Lesions/Altered H"</a:t>
+            </a:r>
+          </a:p>
+          <a:p>
+            <a:r>
+              <a:rPr lang="en-US" sz="1100" dirty="0"/>
+              <a:t> [5] "Reproductive failure"                                                                       </a:t>
+            </a:r>
+          </a:p>
+          <a:p>
+            <a:r>
+              <a:rPr lang="en-US" sz="1100" dirty="0"/>
+              <a:t> [6] "N/A, Hypertension"                                                                          </a:t>
+            </a:r>
+          </a:p>
+          <a:p>
+            <a:r>
+              <a:rPr lang="en-US" sz="1100" dirty="0"/>
+              <a:t> [7] "Increase, Site of Contact Nasal Tumors"                                                     </a:t>
+            </a:r>
+          </a:p>
+          <a:p>
+            <a:r>
+              <a:rPr lang="en-US" sz="1100" dirty="0"/>
+              <a:t> [8] "Increase, Mutations in Critical Genes"                                                      </a:t>
+            </a:r>
+          </a:p>
+          <a:p>
+            <a:r>
+              <a:rPr lang="en-US" sz="1100" dirty="0"/>
+              <a:t> [9] "Increased, Induced Mutations in Critical Genes"                                             </a:t>
+            </a:r>
+          </a:p>
+          <a:p>
+            <a:r>
+              <a:rPr lang="en-US" sz="1100" dirty="0"/>
+              <a:t>[10] "Defect of Embryogenesis"  </a:t>
+            </a:r>
+          </a:p>
+        </p:txBody>
+      </p:sp>
+      <p:sp>
+        <p:nvSpPr>
+          <p:cNvPr id="10" name="Rectangle 9"/>
+          <p:cNvSpPr/>
+          <p:nvPr/>
+        </p:nvSpPr>
+        <p:spPr>
+          <a:xfrm>
+            <a:off x="8531076" y="4618434"/>
+            <a:ext cx="3185160" cy="1954381"/>
+          </a:xfrm>
+          <a:prstGeom prst="rect">
+            <a:avLst/>
+          </a:prstGeom>
+        </p:spPr>
+        <p:txBody>
+          <a:bodyPr wrap="square">
+            <a:spAutoFit/>
+          </a:bodyPr>
+          <a:lstStyle/>
+          <a:p>
+            <a:r>
+              <a:rPr lang="en-US" sz="1100" dirty="0"/>
+              <a:t> [1] "Inhibition, Dual oxidase"                          </a:t>
+            </a:r>
+          </a:p>
+          <a:p>
+            <a:r>
+              <a:rPr lang="en-US" sz="1100" dirty="0"/>
+              <a:t> [2] "Inhibition, </a:t>
+            </a:r>
+            <a:r>
+              <a:rPr lang="en-US" sz="1100" dirty="0" err="1"/>
+              <a:t>Pendrin</a:t>
+            </a:r>
+            <a:r>
+              <a:rPr lang="en-US" sz="1100" dirty="0"/>
+              <a:t>"                               </a:t>
+            </a:r>
+          </a:p>
+          <a:p>
+            <a:r>
+              <a:rPr lang="en-US" sz="1100" dirty="0"/>
+              <a:t> [3] "Inhibition, </a:t>
+            </a:r>
+            <a:r>
+              <a:rPr lang="en-US" sz="1100" dirty="0" err="1"/>
+              <a:t>Iodotyrosine</a:t>
+            </a:r>
+            <a:r>
+              <a:rPr lang="en-US" sz="1100" dirty="0"/>
+              <a:t> deiodinase (IYD)"         </a:t>
+            </a:r>
+          </a:p>
+          <a:p>
+            <a:r>
+              <a:rPr lang="en-US" sz="1100" dirty="0"/>
+              <a:t> [4] "Inhibition, Na+/I- symporter (NIS)"                </a:t>
+            </a:r>
+          </a:p>
+          <a:p>
+            <a:r>
+              <a:rPr lang="en-US" sz="1100" dirty="0"/>
+              <a:t> [5] "Inhibition, Ca++ ATPase"                           </a:t>
+            </a:r>
+          </a:p>
+          <a:p>
+            <a:r>
+              <a:rPr lang="en-US" sz="1100" dirty="0"/>
+              <a:t> [6] "Binding of agonist, Ionotropic glutamate receptors"</a:t>
+            </a:r>
+          </a:p>
+          <a:p>
+            <a:r>
+              <a:rPr lang="en-US" sz="1100" dirty="0"/>
+              <a:t> [7] "Decreased, Thyroidal iodide uptake"                </a:t>
+            </a:r>
+          </a:p>
+          <a:p>
+            <a:r>
+              <a:rPr lang="en-US" sz="1100" dirty="0"/>
+              <a:t> [8] "Binding of agonist, NMDARs"                        </a:t>
+            </a:r>
+          </a:p>
+          <a:p>
+            <a:r>
+              <a:rPr lang="en-US" sz="1100" dirty="0"/>
+              <a:t> [9] "</a:t>
+            </a:r>
+            <a:r>
+              <a:rPr lang="en-US" sz="1100" dirty="0" err="1"/>
+              <a:t>Thyroperoxidase</a:t>
+            </a:r>
+            <a:r>
+              <a:rPr lang="en-US" sz="1100" dirty="0"/>
+              <a:t>, Inhibition"                       </a:t>
+            </a:r>
+          </a:p>
+          <a:p>
+            <a:r>
+              <a:rPr lang="en-US" sz="1100" dirty="0"/>
+              <a:t>[10] "Thyroid hormone synthesis, Decreased" </a:t>
             </a:r>
           </a:p>
         </p:txBody>
       </p:sp>
       <p:pic>
         <p:nvPicPr>
-          <p:cNvPr id="6" name="Picture 5" descr="Screen Clipping"/>
+          <p:cNvPr id="11" name="Picture 10" descr="Screen Clipping"/>
           <p:cNvPicPr>
             <a:picLocks noChangeAspect="1"/>
           </p:cNvPicPr>
@@ -11985,14 +14311,191 @@
         </p:blipFill>
         <p:spPr>
           <a:xfrm>
-            <a:off x="7395887" y="2832920"/>
-            <a:ext cx="4070213" cy="3987932"/>
+            <a:off x="8055315" y="57150"/>
+            <a:ext cx="4077822" cy="3959154"/>
           </a:xfrm>
           <a:prstGeom prst="rect">
             <a:avLst/>
           </a:prstGeom>
         </p:spPr>
       </p:pic>
+      <p:pic>
+        <p:nvPicPr>
+          <p:cNvPr id="12" name="Picture 11" descr="Screen Clipping"/>
+          <p:cNvPicPr>
+            <a:picLocks noChangeAspect="1"/>
+          </p:cNvPicPr>
+          <p:nvPr/>
+        </p:nvPicPr>
+        <p:blipFill>
+          <a:blip r:embed="rId3">
+            <a:extLst>
+              <a:ext uri="{28A0092B-C50C-407E-A947-70E740481C1C}">
+                <a14:useLocalDpi xmlns:a14="http://schemas.microsoft.com/office/drawing/2010/main" val="0"/>
+              </a:ext>
+            </a:extLst>
+          </a:blip>
+          <a:stretch>
+            <a:fillRect/>
+          </a:stretch>
+        </p:blipFill>
+        <p:spPr>
+          <a:xfrm>
+            <a:off x="3839090" y="2840391"/>
+            <a:ext cx="4077524" cy="3992575"/>
+          </a:xfrm>
+          <a:prstGeom prst="rect">
+            <a:avLst/>
+          </a:prstGeom>
+        </p:spPr>
+      </p:pic>
+      <p:pic>
+        <p:nvPicPr>
+          <p:cNvPr id="13" name="Picture 12" descr="Screen Clipping"/>
+          <p:cNvPicPr>
+            <a:picLocks noChangeAspect="1"/>
+          </p:cNvPicPr>
+          <p:nvPr/>
+        </p:nvPicPr>
+        <p:blipFill>
+          <a:blip r:embed="rId4">
+            <a:extLst>
+              <a:ext uri="{28A0092B-C50C-407E-A947-70E740481C1C}">
+                <a14:useLocalDpi xmlns:a14="http://schemas.microsoft.com/office/drawing/2010/main" val="0"/>
+              </a:ext>
+            </a:extLst>
+          </a:blip>
+          <a:stretch>
+            <a:fillRect/>
+          </a:stretch>
+        </p:blipFill>
+        <p:spPr>
+          <a:xfrm>
+            <a:off x="116752" y="-1"/>
+            <a:ext cx="3942418" cy="4016305"/>
+          </a:xfrm>
+          <a:prstGeom prst="rect">
+            <a:avLst/>
+          </a:prstGeom>
+        </p:spPr>
+      </p:pic>
+      <p:sp>
+        <p:nvSpPr>
+          <p:cNvPr id="14" name="TextBox 13"/>
+          <p:cNvSpPr txBox="1"/>
+          <p:nvPr/>
+        </p:nvSpPr>
+        <p:spPr>
+          <a:xfrm>
+            <a:off x="5123006" y="157623"/>
+            <a:ext cx="1509692" cy="369332"/>
+          </a:xfrm>
+          <a:prstGeom prst="rect">
+            <a:avLst/>
+          </a:prstGeom>
+          <a:noFill/>
+        </p:spPr>
+        <p:txBody>
+          <a:bodyPr wrap="square" rtlCol="0">
+            <a:spAutoFit/>
+          </a:bodyPr>
+          <a:lstStyle/>
+          <a:p>
+            <a:r>
+              <a:rPr lang="en-US" dirty="0"/>
+              <a:t>In-Eccentricity</a:t>
+            </a:r>
+          </a:p>
+        </p:txBody>
+      </p:sp>
+      <p:sp>
+        <p:nvSpPr>
+          <p:cNvPr id="15" name="TextBox 14"/>
+          <p:cNvSpPr txBox="1"/>
+          <p:nvPr/>
+        </p:nvSpPr>
+        <p:spPr>
+          <a:xfrm>
+            <a:off x="9271682" y="4158195"/>
+            <a:ext cx="1703948" cy="369332"/>
+          </a:xfrm>
+          <a:prstGeom prst="rect">
+            <a:avLst/>
+          </a:prstGeom>
+          <a:noFill/>
+        </p:spPr>
+        <p:txBody>
+          <a:bodyPr wrap="square" rtlCol="0">
+            <a:spAutoFit/>
+          </a:bodyPr>
+          <a:lstStyle/>
+          <a:p>
+            <a:r>
+              <a:rPr lang="en-US" dirty="0"/>
+              <a:t>Out-Eccentricity</a:t>
+            </a:r>
+          </a:p>
+        </p:txBody>
+      </p:sp>
+      <p:sp>
+        <p:nvSpPr>
+          <p:cNvPr id="16" name="TextBox 15"/>
+          <p:cNvSpPr txBox="1"/>
+          <p:nvPr/>
+        </p:nvSpPr>
+        <p:spPr>
+          <a:xfrm>
+            <a:off x="988211" y="4065865"/>
+            <a:ext cx="1907053" cy="369332"/>
+          </a:xfrm>
+          <a:prstGeom prst="rect">
+            <a:avLst/>
+          </a:prstGeom>
+          <a:noFill/>
+        </p:spPr>
+        <p:txBody>
+          <a:bodyPr wrap="square" rtlCol="0">
+            <a:spAutoFit/>
+          </a:bodyPr>
+          <a:lstStyle/>
+          <a:p>
+            <a:r>
+              <a:rPr lang="en-US" dirty="0"/>
+              <a:t>Total Eccentricity</a:t>
+            </a:r>
+          </a:p>
+        </p:txBody>
+      </p:sp>
+    </p:spTree>
+    <p:extLst>
+      <p:ext uri="{BB962C8B-B14F-4D97-AF65-F5344CB8AC3E}">
+        <p14:creationId xmlns:p14="http://schemas.microsoft.com/office/powerpoint/2010/main" val="461458633"/>
+      </p:ext>
+    </p:extLst>
+  </p:cSld>
+  <p:clrMapOvr>
+    <a:masterClrMapping/>
+  </p:clrMapOvr>
+</p:sld>
+</file>
+
+<file path=ppt/slides/slide39.xml><?xml version="1.0" encoding="utf-8"?>
+<p:sld xmlns:a="http://schemas.openxmlformats.org/drawingml/2006/main" xmlns:r="http://schemas.openxmlformats.org/officeDocument/2006/relationships" xmlns:p="http://schemas.openxmlformats.org/presentationml/2006/main">
+  <p:cSld>
+    <p:spTree>
+      <p:nvGrpSpPr>
+        <p:cNvPr id="1" name=""/>
+        <p:cNvGrpSpPr/>
+        <p:nvPr/>
+      </p:nvGrpSpPr>
+      <p:grpSpPr>
+        <a:xfrm>
+          <a:off x="0" y="0"/>
+          <a:ext cx="0" cy="0"/>
+          <a:chOff x="0" y="0"/>
+          <a:chExt cx="0" cy="0"/>
+        </a:xfrm>
+      </p:grpSpPr>
       <p:sp>
         <p:nvSpPr>
           <p:cNvPr id="7" name="Title 1"/>
@@ -12003,7 +14506,7 @@
         </p:nvSpPr>
         <p:spPr>
           <a:xfrm>
-            <a:off x="3143251" y="777240"/>
+            <a:off x="5848546" y="400110"/>
             <a:ext cx="6276064" cy="777240"/>
           </a:xfrm>
           <a:prstGeom prst="rect">
@@ -12041,76 +14544,13 @@
           </a:p>
         </p:txBody>
       </p:sp>
-    </p:spTree>
-    <p:extLst>
-      <p:ext uri="{BB962C8B-B14F-4D97-AF65-F5344CB8AC3E}">
-        <p14:creationId xmlns:p14="http://schemas.microsoft.com/office/powerpoint/2010/main" val="3526859973"/>
-      </p:ext>
-    </p:extLst>
-  </p:cSld>
-  <p:clrMapOvr>
-    <a:masterClrMapping/>
-  </p:clrMapOvr>
-  <mc:AlternateContent xmlns:mc="http://schemas.openxmlformats.org/markup-compatibility/2006">
-    <mc:Choice xmlns:p159="http://schemas.microsoft.com/office/powerpoint/2015/09/main" Requires="p159">
-      <p:transition xmlns:p14="http://schemas.microsoft.com/office/powerpoint/2010/main" spd="slow" p14:dur="1500">
-        <p159:morph option="byObject"/>
-      </p:transition>
-    </mc:Choice>
-    <mc:Fallback>
-      <p:transition spd="slow">
-        <p:fade/>
-      </p:transition>
-    </mc:Fallback>
-  </mc:AlternateContent>
-</p:sld>
-</file>
-
-<file path=ppt/slides/slide36.xml><?xml version="1.0" encoding="utf-8"?>
-<p:sld xmlns:a="http://schemas.openxmlformats.org/drawingml/2006/main" xmlns:r="http://schemas.openxmlformats.org/officeDocument/2006/relationships" xmlns:p="http://schemas.openxmlformats.org/presentationml/2006/main" show="0">
-  <p:cSld>
-    <p:spTree>
-      <p:nvGrpSpPr>
-        <p:cNvPr id="1" name=""/>
-        <p:cNvGrpSpPr/>
-        <p:nvPr/>
-      </p:nvGrpSpPr>
-      <p:grpSpPr>
-        <a:xfrm>
-          <a:off x="0" y="0"/>
-          <a:ext cx="0" cy="0"/>
-          <a:chOff x="0" y="0"/>
-          <a:chExt cx="0" cy="0"/>
-        </a:xfrm>
-      </p:grpSpPr>
-      <p:sp>
-        <p:nvSpPr>
-          <p:cNvPr id="5" name="Title 4"/>
-          <p:cNvSpPr>
-            <a:spLocks noGrp="1"/>
-          </p:cNvSpPr>
-          <p:nvPr>
-            <p:ph type="title"/>
-          </p:nvPr>
-        </p:nvSpPr>
-        <p:spPr/>
-        <p:txBody>
-          <a:bodyPr/>
-          <a:lstStyle/>
-          <a:p>
-            <a:endParaRPr lang="en-US" dirty="0"/>
-          </a:p>
-        </p:txBody>
-      </p:sp>
       <p:pic>
         <p:nvPicPr>
-          <p:cNvPr id="19" name="Content Placeholder 18" descr="Screen Clipping"/>
+          <p:cNvPr id="5" name="Picture 4" descr="Screen Clipping"/>
           <p:cNvPicPr>
-            <a:picLocks noGrp="1" noChangeAspect="1"/>
+            <a:picLocks noChangeAspect="1"/>
           </p:cNvPicPr>
-          <p:nvPr>
-            <p:ph sz="half" idx="2"/>
-          </p:nvPr>
+          <p:nvPr/>
         </p:nvPicPr>
         <p:blipFill>
           <a:blip r:embed="rId2">
@@ -12126,20 +14566,21 @@
         </p:blipFill>
         <p:spPr>
           <a:xfrm>
-            <a:off x="7453129" y="2358002"/>
-            <a:ext cx="2619741" cy="3286584"/>
-          </a:xfrm>
+            <a:off x="0" y="276244"/>
+            <a:ext cx="2813240" cy="2731372"/>
+          </a:xfrm>
+          <a:prstGeom prst="rect">
+            <a:avLst/>
+          </a:prstGeom>
         </p:spPr>
       </p:pic>
       <p:pic>
         <p:nvPicPr>
-          <p:cNvPr id="18" name="Content Placeholder 17" descr="Screen Clipping"/>
+          <p:cNvPr id="8" name="Picture 7" descr="Screen Clipping"/>
           <p:cNvPicPr>
-            <a:picLocks noGrp="1" noChangeAspect="1"/>
+            <a:picLocks noChangeAspect="1"/>
           </p:cNvPicPr>
-          <p:nvPr>
-            <p:ph sz="half" idx="1"/>
-          </p:nvPr>
+          <p:nvPr/>
         </p:nvPicPr>
         <p:blipFill>
           <a:blip r:embed="rId3">
@@ -12155,15 +14596,188 @@
         </p:blipFill>
         <p:spPr>
           <a:xfrm>
-            <a:off x="2157235" y="2377055"/>
-            <a:ext cx="2543530" cy="3248478"/>
-          </a:xfrm>
+            <a:off x="0" y="4010154"/>
+            <a:ext cx="2813240" cy="2754630"/>
+          </a:xfrm>
+          <a:prstGeom prst="rect">
+            <a:avLst/>
+          </a:prstGeom>
         </p:spPr>
       </p:pic>
+      <p:pic>
+        <p:nvPicPr>
+          <p:cNvPr id="9" name="Picture 8" descr="Screen Clipping"/>
+          <p:cNvPicPr>
+            <a:picLocks noChangeAspect="1"/>
+          </p:cNvPicPr>
+          <p:nvPr/>
+        </p:nvPicPr>
+        <p:blipFill>
+          <a:blip r:embed="rId4">
+            <a:extLst>
+              <a:ext uri="{28A0092B-C50C-407E-A947-70E740481C1C}">
+                <a14:useLocalDpi xmlns:a14="http://schemas.microsoft.com/office/drawing/2010/main" val="0"/>
+              </a:ext>
+            </a:extLst>
+          </a:blip>
+          <a:stretch>
+            <a:fillRect/>
+          </a:stretch>
+        </p:blipFill>
+        <p:spPr>
+          <a:xfrm>
+            <a:off x="2574054" y="2005077"/>
+            <a:ext cx="2788138" cy="2840392"/>
+          </a:xfrm>
+          <a:prstGeom prst="rect">
+            <a:avLst/>
+          </a:prstGeom>
+        </p:spPr>
+      </p:pic>
+      <p:sp>
+        <p:nvSpPr>
+          <p:cNvPr id="10" name="TextBox 9"/>
+          <p:cNvSpPr txBox="1"/>
+          <p:nvPr/>
+        </p:nvSpPr>
+        <p:spPr>
+          <a:xfrm>
+            <a:off x="3043016" y="1805022"/>
+            <a:ext cx="1850214" cy="400110"/>
+          </a:xfrm>
+          <a:prstGeom prst="rect">
+            <a:avLst/>
+          </a:prstGeom>
+          <a:noFill/>
+        </p:spPr>
+        <p:txBody>
+          <a:bodyPr wrap="square" rtlCol="0">
+            <a:spAutoFit/>
+          </a:bodyPr>
+          <a:lstStyle/>
+          <a:p>
+            <a:r>
+              <a:rPr lang="en-US" sz="2000" dirty="0"/>
+              <a:t>In-Eccentricity</a:t>
+            </a:r>
+          </a:p>
+        </p:txBody>
+      </p:sp>
+      <p:sp>
+        <p:nvSpPr>
+          <p:cNvPr id="11" name="TextBox 10"/>
+          <p:cNvSpPr txBox="1"/>
+          <p:nvPr/>
+        </p:nvSpPr>
+        <p:spPr>
+          <a:xfrm>
+            <a:off x="481766" y="3810099"/>
+            <a:ext cx="1849708" cy="400110"/>
+          </a:xfrm>
+          <a:prstGeom prst="rect">
+            <a:avLst/>
+          </a:prstGeom>
+          <a:noFill/>
+        </p:spPr>
+        <p:txBody>
+          <a:bodyPr wrap="square" rtlCol="0">
+            <a:spAutoFit/>
+          </a:bodyPr>
+          <a:lstStyle/>
+          <a:p>
+            <a:r>
+              <a:rPr lang="en-US" sz="2000" dirty="0"/>
+              <a:t>Out-Eccentricity</a:t>
+            </a:r>
+          </a:p>
+        </p:txBody>
+      </p:sp>
+      <p:sp>
+        <p:nvSpPr>
+          <p:cNvPr id="12" name="TextBox 11"/>
+          <p:cNvSpPr txBox="1"/>
+          <p:nvPr/>
+        </p:nvSpPr>
+        <p:spPr>
+          <a:xfrm>
+            <a:off x="336648" y="0"/>
+            <a:ext cx="2139943" cy="400110"/>
+          </a:xfrm>
+          <a:prstGeom prst="rect">
+            <a:avLst/>
+          </a:prstGeom>
+          <a:noFill/>
+        </p:spPr>
+        <p:txBody>
+          <a:bodyPr wrap="square" rtlCol="0">
+            <a:spAutoFit/>
+          </a:bodyPr>
+          <a:lstStyle/>
+          <a:p>
+            <a:r>
+              <a:rPr lang="en-US" sz="2000" dirty="0"/>
+              <a:t>Total Eccentricity</a:t>
+            </a:r>
+          </a:p>
+        </p:txBody>
+      </p:sp>
+      <p:sp>
+        <p:nvSpPr>
+          <p:cNvPr id="2" name="TextBox 1"/>
+          <p:cNvSpPr txBox="1"/>
+          <p:nvPr/>
+        </p:nvSpPr>
+        <p:spPr>
+          <a:xfrm>
+            <a:off x="5977890" y="1497330"/>
+            <a:ext cx="5212080" cy="3693319"/>
+          </a:xfrm>
+          <a:prstGeom prst="rect">
+            <a:avLst/>
+          </a:prstGeom>
+          <a:noFill/>
+        </p:spPr>
+        <p:txBody>
+          <a:bodyPr wrap="square" rtlCol="0">
+            <a:spAutoFit/>
+          </a:bodyPr>
+          <a:lstStyle/>
+          <a:p>
+            <a:pPr marL="285750" indent="-285750">
+              <a:buFont typeface="Arial" panose="020B0604020202020204" pitchFamily="34" charset="0"/>
+              <a:buChar char="•"/>
+            </a:pPr>
+            <a:r>
+              <a:rPr lang="en-US" dirty="0"/>
+              <a:t>In contrast to closeness, eccentricity will provide an idea of which KEs are the most remotely connected.</a:t>
+            </a:r>
+          </a:p>
+          <a:p>
+            <a:pPr marL="285750" indent="-285750">
+              <a:buFont typeface="Arial" panose="020B0604020202020204" pitchFamily="34" charset="0"/>
+              <a:buChar char="•"/>
+            </a:pPr>
+            <a:r>
+              <a:rPr lang="en-US" dirty="0"/>
+              <a:t>When In-Eccentricity is calculated, the KEs that stand-out will be those usually at the beginning of a long linear AOP progression. These are likely to be MIEs where multiple KEs must be traversed to get into the larger network.</a:t>
+            </a:r>
+          </a:p>
+          <a:p>
+            <a:pPr marL="285750" indent="-285750">
+              <a:buFont typeface="Arial" panose="020B0604020202020204" pitchFamily="34" charset="0"/>
+              <a:buChar char="•"/>
+            </a:pPr>
+            <a:r>
+              <a:rPr lang="en-US" dirty="0"/>
+              <a:t>When Out-Eccentricity is calculated, the KEs that stand-out will be those at the end of long linear AOP progressions.  These are likely AOs with specific sequences of KEs required to activate them.</a:t>
+            </a:r>
+          </a:p>
+        </p:txBody>
+      </p:sp>
     </p:spTree>
     <p:extLst>
       <p:ext uri="{BB962C8B-B14F-4D97-AF65-F5344CB8AC3E}">
-        <p14:creationId xmlns:p14="http://schemas.microsoft.com/office/powerpoint/2010/main" val="2795484734"/>
+        <p14:creationId xmlns:p14="http://schemas.microsoft.com/office/powerpoint/2010/main" val="3526859973"/>
       </p:ext>
     </p:extLst>
   </p:cSld>
@@ -12518,6 +15132,201 @@
 </p:sld>
 </file>
 
+<file path=ppt/slides/slide40.xml><?xml version="1.0" encoding="utf-8"?>
+<p:sld xmlns:a="http://schemas.openxmlformats.org/drawingml/2006/main" xmlns:r="http://schemas.openxmlformats.org/officeDocument/2006/relationships" xmlns:p="http://schemas.openxmlformats.org/presentationml/2006/main">
+  <p:cSld>
+    <p:spTree>
+      <p:nvGrpSpPr>
+        <p:cNvPr id="1" name=""/>
+        <p:cNvGrpSpPr/>
+        <p:nvPr/>
+      </p:nvGrpSpPr>
+      <p:grpSpPr>
+        <a:xfrm>
+          <a:off x="0" y="0"/>
+          <a:ext cx="0" cy="0"/>
+          <a:chOff x="0" y="0"/>
+          <a:chExt cx="0" cy="0"/>
+        </a:xfrm>
+      </p:grpSpPr>
+      <p:sp>
+        <p:nvSpPr>
+          <p:cNvPr id="5" name="Title 4"/>
+          <p:cNvSpPr>
+            <a:spLocks noGrp="1"/>
+          </p:cNvSpPr>
+          <p:nvPr>
+            <p:ph type="title"/>
+          </p:nvPr>
+        </p:nvSpPr>
+        <p:spPr/>
+        <p:txBody>
+          <a:bodyPr/>
+          <a:lstStyle/>
+          <a:p>
+            <a:r>
+              <a:rPr lang="en-US" dirty="0"/>
+              <a:t>Ideas to include in summary</a:t>
+            </a:r>
+          </a:p>
+        </p:txBody>
+      </p:sp>
+      <p:sp>
+        <p:nvSpPr>
+          <p:cNvPr id="6" name="Content Placeholder 5"/>
+          <p:cNvSpPr>
+            <a:spLocks noGrp="1"/>
+          </p:cNvSpPr>
+          <p:nvPr>
+            <p:ph idx="1"/>
+          </p:nvPr>
+        </p:nvSpPr>
+        <p:spPr/>
+        <p:txBody>
+          <a:bodyPr/>
+          <a:lstStyle/>
+          <a:p>
+            <a:pPr marL="0" indent="0">
+              <a:buNone/>
+            </a:pPr>
+            <a:r>
+              <a:rPr lang="en-US" dirty="0"/>
+              <a:t>Since distance is not well defined currently, metrics like betweenness, closeness, and eccentricity can be more meaningful in a </a:t>
+            </a:r>
+            <a:r>
+              <a:rPr lang="en-US" dirty="0" err="1"/>
+              <a:t>qAOP</a:t>
+            </a:r>
+            <a:r>
+              <a:rPr lang="en-US" dirty="0"/>
+              <a:t> context where ‘distance’ may indicate time course data or probabilistic activation of KEs.</a:t>
+            </a:r>
+          </a:p>
+          <a:p>
+            <a:endParaRPr lang="en-US" dirty="0"/>
+          </a:p>
+        </p:txBody>
+      </p:sp>
+    </p:spTree>
+    <p:extLst>
+      <p:ext uri="{BB962C8B-B14F-4D97-AF65-F5344CB8AC3E}">
+        <p14:creationId xmlns:p14="http://schemas.microsoft.com/office/powerpoint/2010/main" val="481562147"/>
+      </p:ext>
+    </p:extLst>
+  </p:cSld>
+  <p:clrMapOvr>
+    <a:masterClrMapping/>
+  </p:clrMapOvr>
+</p:sld>
+</file>
+
+<file path=ppt/slides/slide41.xml><?xml version="1.0" encoding="utf-8"?>
+<p:sld xmlns:a="http://schemas.openxmlformats.org/drawingml/2006/main" xmlns:r="http://schemas.openxmlformats.org/officeDocument/2006/relationships" xmlns:p="http://schemas.openxmlformats.org/presentationml/2006/main" show="0">
+  <p:cSld>
+    <p:spTree>
+      <p:nvGrpSpPr>
+        <p:cNvPr id="1" name=""/>
+        <p:cNvGrpSpPr/>
+        <p:nvPr/>
+      </p:nvGrpSpPr>
+      <p:grpSpPr>
+        <a:xfrm>
+          <a:off x="0" y="0"/>
+          <a:ext cx="0" cy="0"/>
+          <a:chOff x="0" y="0"/>
+          <a:chExt cx="0" cy="0"/>
+        </a:xfrm>
+      </p:grpSpPr>
+      <p:sp>
+        <p:nvSpPr>
+          <p:cNvPr id="5" name="Title 4"/>
+          <p:cNvSpPr>
+            <a:spLocks noGrp="1"/>
+          </p:cNvSpPr>
+          <p:nvPr>
+            <p:ph type="title"/>
+          </p:nvPr>
+        </p:nvSpPr>
+        <p:spPr/>
+        <p:txBody>
+          <a:bodyPr/>
+          <a:lstStyle/>
+          <a:p>
+            <a:endParaRPr lang="en-US" dirty="0"/>
+          </a:p>
+        </p:txBody>
+      </p:sp>
+      <p:pic>
+        <p:nvPicPr>
+          <p:cNvPr id="19" name="Content Placeholder 18" descr="Screen Clipping"/>
+          <p:cNvPicPr>
+            <a:picLocks noGrp="1" noChangeAspect="1"/>
+          </p:cNvPicPr>
+          <p:nvPr>
+            <p:ph sz="half" idx="2"/>
+          </p:nvPr>
+        </p:nvPicPr>
+        <p:blipFill>
+          <a:blip r:embed="rId2">
+            <a:extLst>
+              <a:ext uri="{28A0092B-C50C-407E-A947-70E740481C1C}">
+                <a14:useLocalDpi xmlns:a14="http://schemas.microsoft.com/office/drawing/2010/main" val="0"/>
+              </a:ext>
+            </a:extLst>
+          </a:blip>
+          <a:stretch>
+            <a:fillRect/>
+          </a:stretch>
+        </p:blipFill>
+        <p:spPr>
+          <a:xfrm>
+            <a:off x="7453129" y="2358002"/>
+            <a:ext cx="2619741" cy="3286584"/>
+          </a:xfrm>
+        </p:spPr>
+      </p:pic>
+      <p:pic>
+        <p:nvPicPr>
+          <p:cNvPr id="18" name="Content Placeholder 17" descr="Screen Clipping"/>
+          <p:cNvPicPr>
+            <a:picLocks noGrp="1" noChangeAspect="1"/>
+          </p:cNvPicPr>
+          <p:nvPr>
+            <p:ph sz="half" idx="1"/>
+          </p:nvPr>
+        </p:nvPicPr>
+        <p:blipFill>
+          <a:blip r:embed="rId3">
+            <a:extLst>
+              <a:ext uri="{28A0092B-C50C-407E-A947-70E740481C1C}">
+                <a14:useLocalDpi xmlns:a14="http://schemas.microsoft.com/office/drawing/2010/main" val="0"/>
+              </a:ext>
+            </a:extLst>
+          </a:blip>
+          <a:stretch>
+            <a:fillRect/>
+          </a:stretch>
+        </p:blipFill>
+        <p:spPr>
+          <a:xfrm>
+            <a:off x="2157235" y="2377055"/>
+            <a:ext cx="2543530" cy="3248478"/>
+          </a:xfrm>
+        </p:spPr>
+      </p:pic>
+    </p:spTree>
+    <p:extLst>
+      <p:ext uri="{BB962C8B-B14F-4D97-AF65-F5344CB8AC3E}">
+        <p14:creationId xmlns:p14="http://schemas.microsoft.com/office/powerpoint/2010/main" val="2795484734"/>
+      </p:ext>
+    </p:extLst>
+  </p:cSld>
+  <p:clrMapOvr>
+    <a:masterClrMapping/>
+  </p:clrMapOvr>
+</p:sld>
+</file>
+
 <file path=ppt/slides/slide5.xml><?xml version="1.0" encoding="utf-8"?>
 <p:sld xmlns:a="http://schemas.openxmlformats.org/drawingml/2006/main" xmlns:r="http://schemas.openxmlformats.org/officeDocument/2006/relationships" xmlns:p="http://schemas.openxmlformats.org/presentationml/2006/main">
   <p:cSld>
@@ -12727,13 +15536,13 @@
   <p:clrMapOvr>
     <a:masterClrMapping/>
   </p:clrMapOvr>
-  <mc:AlternateContent xmlns:mc="http://schemas.openxmlformats.org/markup-compatibility/2006">
-    <mc:Choice xmlns:p159="http://schemas.microsoft.com/office/powerpoint/2015/09/main" Requires="p159">
+  <mc:AlternateContent xmlns:mc="http://schemas.openxmlformats.org/markup-compatibility/2006" xmlns:p159="http://schemas.microsoft.com/office/powerpoint/2015/09/main">
+    <mc:Choice Requires="p159">
       <p:transition xmlns:p14="http://schemas.microsoft.com/office/powerpoint/2010/main" spd="slow" p14:dur="2000">
         <p159:morph option="byObject"/>
       </p:transition>
     </mc:Choice>
-    <mc:Fallback>
+    <mc:Fallback xmlns="">
       <p:transition spd="slow">
         <p:fade/>
       </p:transition>
@@ -13404,13 +16213,13 @@
   <p:clrMapOvr>
     <a:masterClrMapping/>
   </p:clrMapOvr>
-  <mc:AlternateContent xmlns:mc="http://schemas.openxmlformats.org/markup-compatibility/2006">
-    <mc:Choice xmlns:p159="http://schemas.microsoft.com/office/powerpoint/2015/09/main" Requires="p159">
+  <mc:AlternateContent xmlns:mc="http://schemas.openxmlformats.org/markup-compatibility/2006" xmlns:p159="http://schemas.microsoft.com/office/powerpoint/2015/09/main">
+    <mc:Choice Requires="p159">
       <p:transition xmlns:p14="http://schemas.microsoft.com/office/powerpoint/2010/main" spd="slow" p14:dur="1500">
         <p159:morph option="byObject"/>
       </p:transition>
     </mc:Choice>
-    <mc:Fallback>
+    <mc:Fallback xmlns="">
       <p:transition spd="slow">
         <p:fade/>
       </p:transition>
